--- a/presentation.pptx
+++ b/presentation.pptx
@@ -7,6 +7,9 @@
   <p:sldIdLst>
     <p:sldId id="256" r:id="rId2"/>
     <p:sldId id="257" r:id="rId3"/>
+    <p:sldId id="258" r:id="rId4"/>
+    <p:sldId id="259" r:id="rId5"/>
+    <p:sldId id="260" r:id="rId6"/>
   </p:sldIdLst>
   <p:sldSz cx="12192000" cy="6858000"/>
   <p:notesSz cx="6858000" cy="9144000"/>
@@ -3180,8 +3183,8 @@
         </p:blipFill>
         <p:spPr bwMode="auto">
           <a:xfrm>
-            <a:off x="1294419" y="2684000"/>
-            <a:ext cx="2190750" cy="2085976"/>
+            <a:off x="838200" y="2193476"/>
+            <a:ext cx="2536768" cy="2415445"/>
           </a:xfrm>
           <a:prstGeom prst="rect">
             <a:avLst/>
@@ -3198,10 +3201,2237 @@
           </a:extLst>
         </p:spPr>
       </p:pic>
+      <p:grpSp>
+        <p:nvGrpSpPr>
+          <p:cNvPr id="8" name="Group 7"/>
+          <p:cNvGrpSpPr/>
+          <p:nvPr/>
+        </p:nvGrpSpPr>
+        <p:grpSpPr>
+          <a:xfrm>
+            <a:off x="502393" y="1914541"/>
+            <a:ext cx="10962168" cy="3268062"/>
+            <a:chOff x="699976" y="1499191"/>
+            <a:chExt cx="10962168" cy="3268062"/>
+          </a:xfrm>
+        </p:grpSpPr>
+        <p:sp>
+          <p:nvSpPr>
+            <p:cNvPr id="9" name="TextBox 8"/>
+            <p:cNvSpPr txBox="1"/>
+            <p:nvPr/>
+          </p:nvSpPr>
+          <p:spPr>
+            <a:xfrm>
+              <a:off x="4100403" y="1778126"/>
+              <a:ext cx="7561741" cy="646331"/>
+            </a:xfrm>
+            <a:prstGeom prst="rect">
+              <a:avLst/>
+            </a:prstGeom>
+            <a:noFill/>
+          </p:spPr>
+          <p:txBody>
+            <a:bodyPr wrap="square" rtlCol="0">
+              <a:spAutoFit/>
+            </a:bodyPr>
+            <a:lstStyle/>
+            <a:p>
+              <a:r>
+                <a:rPr lang="en-US" sz="3600" dirty="0" smtClean="0">
+                  <a:latin typeface="Bookman Old Style" panose="02050604050505020204" pitchFamily="18" charset="0"/>
+                </a:rPr>
+                <a:t>“???”</a:t>
+              </a:r>
+              <a:endParaRPr lang="en-US" sz="3600" dirty="0">
+                <a:latin typeface="Bookman Old Style" panose="02050604050505020204" pitchFamily="18" charset="0"/>
+              </a:endParaRPr>
+            </a:p>
+          </p:txBody>
+        </p:sp>
+        <p:cxnSp>
+          <p:nvCxnSpPr>
+            <p:cNvPr id="10" name="Straight Connector 9"/>
+            <p:cNvCxnSpPr/>
+            <p:nvPr/>
+          </p:nvCxnSpPr>
+          <p:spPr>
+            <a:xfrm>
+              <a:off x="699976" y="1499191"/>
+              <a:ext cx="10962168" cy="0"/>
+            </a:xfrm>
+            <a:prstGeom prst="line">
+              <a:avLst/>
+            </a:prstGeom>
+          </p:spPr>
+          <p:style>
+            <a:lnRef idx="3">
+              <a:schemeClr val="accent4"/>
+            </a:lnRef>
+            <a:fillRef idx="0">
+              <a:schemeClr val="accent4"/>
+            </a:fillRef>
+            <a:effectRef idx="2">
+              <a:schemeClr val="accent4"/>
+            </a:effectRef>
+            <a:fontRef idx="minor">
+              <a:schemeClr val="tx1"/>
+            </a:fontRef>
+          </p:style>
+        </p:cxnSp>
+        <p:cxnSp>
+          <p:nvCxnSpPr>
+            <p:cNvPr id="11" name="Straight Connector 10"/>
+            <p:cNvCxnSpPr/>
+            <p:nvPr/>
+          </p:nvCxnSpPr>
+          <p:spPr>
+            <a:xfrm>
+              <a:off x="699976" y="4767253"/>
+              <a:ext cx="10962168" cy="0"/>
+            </a:xfrm>
+            <a:prstGeom prst="line">
+              <a:avLst/>
+            </a:prstGeom>
+          </p:spPr>
+          <p:style>
+            <a:lnRef idx="3">
+              <a:schemeClr val="accent4"/>
+            </a:lnRef>
+            <a:fillRef idx="0">
+              <a:schemeClr val="accent4"/>
+            </a:fillRef>
+            <a:effectRef idx="2">
+              <a:schemeClr val="accent4"/>
+            </a:effectRef>
+            <a:fontRef idx="minor">
+              <a:schemeClr val="tx1"/>
+            </a:fontRef>
+          </p:style>
+        </p:cxnSp>
+      </p:grpSp>
     </p:spTree>
     <p:extLst>
       <p:ext uri="{BB962C8B-B14F-4D97-AF65-F5344CB8AC3E}">
         <p14:creationId xmlns:p14="http://schemas.microsoft.com/office/powerpoint/2010/main" val="3784497271"/>
+      </p:ext>
+    </p:extLst>
+  </p:cSld>
+  <p:clrMapOvr>
+    <a:masterClrMapping/>
+  </p:clrMapOvr>
+  <p:timing>
+    <p:tnLst>
+      <p:par>
+        <p:cTn id="1" dur="indefinite" restart="never" nodeType="tmRoot"/>
+      </p:par>
+    </p:tnLst>
+  </p:timing>
+</p:sld>
+</file>
+
+<file path=ppt/slides/slide3.xml><?xml version="1.0" encoding="utf-8"?>
+<p:sld xmlns:a="http://schemas.openxmlformats.org/drawingml/2006/main" xmlns:r="http://schemas.openxmlformats.org/officeDocument/2006/relationships" xmlns:p="http://schemas.openxmlformats.org/presentationml/2006/main">
+  <p:cSld>
+    <p:spTree>
+      <p:nvGrpSpPr>
+        <p:cNvPr id="1" name=""/>
+        <p:cNvGrpSpPr/>
+        <p:nvPr/>
+      </p:nvGrpSpPr>
+      <p:grpSpPr>
+        <a:xfrm>
+          <a:off x="0" y="0"/>
+          <a:ext cx="0" cy="0"/>
+          <a:chOff x="0" y="0"/>
+          <a:chExt cx="0" cy="0"/>
+        </a:xfrm>
+      </p:grpSpPr>
+      <p:sp>
+        <p:nvSpPr>
+          <p:cNvPr id="2" name="Title 1"/>
+          <p:cNvSpPr>
+            <a:spLocks noGrp="1"/>
+          </p:cNvSpPr>
+          <p:nvPr>
+            <p:ph type="title"/>
+          </p:nvPr>
+        </p:nvSpPr>
+        <p:spPr/>
+        <p:txBody>
+          <a:bodyPr/>
+          <a:lstStyle/>
+          <a:p>
+            <a:r>
+              <a:rPr lang="en-US" dirty="0" smtClean="0"/>
+              <a:t>Network Topology</a:t>
+            </a:r>
+            <a:endParaRPr lang="en-US" dirty="0"/>
+          </a:p>
+        </p:txBody>
+      </p:sp>
+      <p:pic>
+        <p:nvPicPr>
+          <p:cNvPr id="4" name="Content Placeholder 3"/>
+          <p:cNvPicPr>
+            <a:picLocks noGrp="1" noChangeAspect="1"/>
+          </p:cNvPicPr>
+          <p:nvPr>
+            <p:ph idx="1"/>
+          </p:nvPr>
+        </p:nvPicPr>
+        <p:blipFill>
+          <a:blip r:embed="rId2" cstate="print">
+            <a:extLst>
+              <a:ext uri="{28A0092B-C50C-407E-A947-70E740481C1C}">
+                <a14:useLocalDpi xmlns:a14="http://schemas.microsoft.com/office/drawing/2010/main" val="0"/>
+              </a:ext>
+            </a:extLst>
+          </a:blip>
+          <a:stretch>
+            <a:fillRect/>
+          </a:stretch>
+        </p:blipFill>
+        <p:spPr>
+          <a:xfrm>
+            <a:off x="9607398" y="6151419"/>
+            <a:ext cx="2584602" cy="706582"/>
+          </a:xfrm>
+        </p:spPr>
+      </p:pic>
+      <p:pic>
+        <p:nvPicPr>
+          <p:cNvPr id="3076" name="Picture 4" descr="Image result for raspberry pi"/>
+          <p:cNvPicPr>
+            <a:picLocks noChangeAspect="1" noChangeArrowheads="1"/>
+          </p:cNvPicPr>
+          <p:nvPr/>
+        </p:nvPicPr>
+        <p:blipFill rotWithShape="1">
+          <a:blip r:embed="rId3" cstate="print">
+            <a:extLst>
+              <a:ext uri="{28A0092B-C50C-407E-A947-70E740481C1C}">
+                <a14:useLocalDpi xmlns:a14="http://schemas.microsoft.com/office/drawing/2010/main" val="0"/>
+              </a:ext>
+            </a:extLst>
+          </a:blip>
+          <a:srcRect l="6750" t="2310" r="6859" b="1420"/>
+          <a:stretch/>
+        </p:blipFill>
+        <p:spPr bwMode="auto">
+          <a:xfrm rot="5400000">
+            <a:off x="6496863" y="2111092"/>
+            <a:ext cx="959499" cy="1466663"/>
+          </a:xfrm>
+          <a:prstGeom prst="rect">
+            <a:avLst/>
+          </a:prstGeom>
+          <a:noFill/>
+          <a:extLst>
+            <a:ext uri="{909E8E84-426E-40DD-AFC4-6F175D3DCCD1}">
+              <a14:hiddenFill xmlns:a14="http://schemas.microsoft.com/office/drawing/2010/main">
+                <a:solidFill>
+                  <a:srgbClr val="FFFFFF"/>
+                </a:solidFill>
+              </a14:hiddenFill>
+            </a:ext>
+          </a:extLst>
+        </p:spPr>
+      </p:pic>
+      <p:grpSp>
+        <p:nvGrpSpPr>
+          <p:cNvPr id="3" name="Group 2"/>
+          <p:cNvGrpSpPr/>
+          <p:nvPr/>
+        </p:nvGrpSpPr>
+        <p:grpSpPr>
+          <a:xfrm>
+            <a:off x="10316367" y="1669304"/>
+            <a:ext cx="685319" cy="1363715"/>
+            <a:chOff x="9607398" y="1204917"/>
+            <a:chExt cx="685319" cy="1363715"/>
+          </a:xfrm>
+        </p:grpSpPr>
+        <p:pic>
+          <p:nvPicPr>
+            <p:cNvPr id="3078" name="Picture 6" descr="Image result for phone blank"/>
+            <p:cNvPicPr>
+              <a:picLocks noChangeAspect="1" noChangeArrowheads="1"/>
+            </p:cNvPicPr>
+            <p:nvPr/>
+          </p:nvPicPr>
+          <p:blipFill rotWithShape="1">
+            <a:blip r:embed="rId4" cstate="print">
+              <a:extLst>
+                <a:ext uri="{28A0092B-C50C-407E-A947-70E740481C1C}">
+                  <a14:useLocalDpi xmlns:a14="http://schemas.microsoft.com/office/drawing/2010/main" val="0"/>
+                </a:ext>
+              </a:extLst>
+            </a:blip>
+            <a:srcRect l="39522" t="8236" r="38877" b="16522"/>
+            <a:stretch/>
+          </p:blipFill>
+          <p:spPr bwMode="auto">
+            <a:xfrm>
+              <a:off x="9607398" y="1204917"/>
+              <a:ext cx="685319" cy="1363715"/>
+            </a:xfrm>
+            <a:prstGeom prst="rect">
+              <a:avLst/>
+            </a:prstGeom>
+            <a:noFill/>
+            <a:extLst>
+              <a:ext uri="{909E8E84-426E-40DD-AFC4-6F175D3DCCD1}">
+                <a14:hiddenFill xmlns:a14="http://schemas.microsoft.com/office/drawing/2010/main">
+                  <a:solidFill>
+                    <a:srgbClr val="FFFFFF"/>
+                  </a:solidFill>
+                </a14:hiddenFill>
+              </a:ext>
+            </a:extLst>
+          </p:spPr>
+        </p:pic>
+        <p:pic>
+          <p:nvPicPr>
+            <p:cNvPr id="8" name="Content Placeholder 3"/>
+            <p:cNvPicPr>
+              <a:picLocks noChangeAspect="1"/>
+            </p:cNvPicPr>
+            <p:nvPr/>
+          </p:nvPicPr>
+          <p:blipFill rotWithShape="1">
+            <a:blip r:embed="rId2" cstate="print">
+              <a:extLst>
+                <a:ext uri="{28A0092B-C50C-407E-A947-70E740481C1C}">
+                  <a14:useLocalDpi xmlns:a14="http://schemas.microsoft.com/office/drawing/2010/main" val="0"/>
+                </a:ext>
+              </a:extLst>
+            </a:blip>
+            <a:srcRect l="4277" t="24357" r="81506" b="20861"/>
+            <a:stretch/>
+          </p:blipFill>
+          <p:spPr>
+            <a:xfrm>
+              <a:off x="9757920" y="1628910"/>
+              <a:ext cx="367443" cy="387078"/>
+            </a:xfrm>
+            <a:prstGeom prst="rect">
+              <a:avLst/>
+            </a:prstGeom>
+          </p:spPr>
+        </p:pic>
+      </p:grpSp>
+      <p:grpSp>
+        <p:nvGrpSpPr>
+          <p:cNvPr id="6" name="Group 5"/>
+          <p:cNvGrpSpPr/>
+          <p:nvPr/>
+        </p:nvGrpSpPr>
+        <p:grpSpPr>
+          <a:xfrm>
+            <a:off x="9792473" y="3273314"/>
+            <a:ext cx="1733107" cy="1123054"/>
+            <a:chOff x="0" y="1025581"/>
+            <a:chExt cx="4762500" cy="3086101"/>
+          </a:xfrm>
+        </p:grpSpPr>
+        <p:pic>
+          <p:nvPicPr>
+            <p:cNvPr id="3080" name="Picture 8" descr="Image result for laptop"/>
+            <p:cNvPicPr>
+              <a:picLocks noChangeAspect="1" noChangeArrowheads="1"/>
+            </p:cNvPicPr>
+            <p:nvPr/>
+          </p:nvPicPr>
+          <p:blipFill>
+            <a:blip r:embed="rId5" cstate="print">
+              <a:extLst>
+                <a:ext uri="{28A0092B-C50C-407E-A947-70E740481C1C}">
+                  <a14:useLocalDpi xmlns:a14="http://schemas.microsoft.com/office/drawing/2010/main" val="0"/>
+                </a:ext>
+              </a:extLst>
+            </a:blip>
+            <a:srcRect/>
+            <a:stretch>
+              <a:fillRect/>
+            </a:stretch>
+          </p:blipFill>
+          <p:spPr bwMode="auto">
+            <a:xfrm>
+              <a:off x="0" y="1025581"/>
+              <a:ext cx="4762500" cy="3086101"/>
+            </a:xfrm>
+            <a:prstGeom prst="rect">
+              <a:avLst/>
+            </a:prstGeom>
+            <a:noFill/>
+            <a:extLst>
+              <a:ext uri="{909E8E84-426E-40DD-AFC4-6F175D3DCCD1}">
+                <a14:hiddenFill xmlns:a14="http://schemas.microsoft.com/office/drawing/2010/main">
+                  <a:solidFill>
+                    <a:srgbClr val="FFFFFF"/>
+                  </a:solidFill>
+                </a14:hiddenFill>
+              </a:ext>
+            </a:extLst>
+          </p:spPr>
+        </p:pic>
+        <p:sp>
+          <p:nvSpPr>
+            <p:cNvPr id="5" name="Rectangle 4"/>
+            <p:cNvSpPr/>
+            <p:nvPr/>
+          </p:nvSpPr>
+          <p:spPr>
+            <a:xfrm>
+              <a:off x="716191" y="1204917"/>
+              <a:ext cx="3330117" cy="1883262"/>
+            </a:xfrm>
+            <a:prstGeom prst="rect">
+              <a:avLst/>
+            </a:prstGeom>
+            <a:solidFill>
+              <a:schemeClr val="bg1"/>
+            </a:solidFill>
+            <a:ln>
+              <a:noFill/>
+            </a:ln>
+          </p:spPr>
+          <p:style>
+            <a:lnRef idx="2">
+              <a:schemeClr val="dk1">
+                <a:shade val="50000"/>
+              </a:schemeClr>
+            </a:lnRef>
+            <a:fillRef idx="1">
+              <a:schemeClr val="dk1"/>
+            </a:fillRef>
+            <a:effectRef idx="0">
+              <a:schemeClr val="dk1"/>
+            </a:effectRef>
+            <a:fontRef idx="minor">
+              <a:schemeClr val="lt1"/>
+            </a:fontRef>
+          </p:style>
+          <p:txBody>
+            <a:bodyPr rtlCol="0" anchor="ctr"/>
+            <a:lstStyle/>
+            <a:p>
+              <a:pPr algn="ctr"/>
+              <a:endParaRPr lang="en-US" baseline="-25000" dirty="0">
+                <a:solidFill>
+                  <a:schemeClr val="bg1"/>
+                </a:solidFill>
+              </a:endParaRPr>
+            </a:p>
+          </p:txBody>
+        </p:sp>
+        <p:pic>
+          <p:nvPicPr>
+            <p:cNvPr id="12" name="Content Placeholder 3"/>
+            <p:cNvPicPr>
+              <a:picLocks noChangeAspect="1"/>
+            </p:cNvPicPr>
+            <p:nvPr/>
+          </p:nvPicPr>
+          <p:blipFill rotWithShape="1">
+            <a:blip r:embed="rId2" cstate="print">
+              <a:extLst>
+                <a:ext uri="{28A0092B-C50C-407E-A947-70E740481C1C}">
+                  <a14:useLocalDpi xmlns:a14="http://schemas.microsoft.com/office/drawing/2010/main" val="0"/>
+                </a:ext>
+              </a:extLst>
+            </a:blip>
+            <a:srcRect l="4277" t="24357" r="81506" b="20861"/>
+            <a:stretch/>
+          </p:blipFill>
+          <p:spPr>
+            <a:xfrm>
+              <a:off x="1858547" y="1487727"/>
+              <a:ext cx="1045403" cy="1101266"/>
+            </a:xfrm>
+            <a:prstGeom prst="rect">
+              <a:avLst/>
+            </a:prstGeom>
+          </p:spPr>
+        </p:pic>
+      </p:grpSp>
+      <p:grpSp>
+        <p:nvGrpSpPr>
+          <p:cNvPr id="9" name="Group 8"/>
+          <p:cNvGrpSpPr/>
+          <p:nvPr/>
+        </p:nvGrpSpPr>
+        <p:grpSpPr>
+          <a:xfrm>
+            <a:off x="9732645" y="4547832"/>
+            <a:ext cx="1852763" cy="1164749"/>
+            <a:chOff x="341453" y="227955"/>
+            <a:chExt cx="9772650" cy="6143626"/>
+          </a:xfrm>
+        </p:grpSpPr>
+        <p:pic>
+          <p:nvPicPr>
+            <p:cNvPr id="3082" name="Picture 10" descr="Image result for tv"/>
+            <p:cNvPicPr>
+              <a:picLocks noChangeAspect="1" noChangeArrowheads="1"/>
+            </p:cNvPicPr>
+            <p:nvPr/>
+          </p:nvPicPr>
+          <p:blipFill>
+            <a:blip r:embed="rId6" cstate="print">
+              <a:extLst>
+                <a:ext uri="{28A0092B-C50C-407E-A947-70E740481C1C}">
+                  <a14:useLocalDpi xmlns:a14="http://schemas.microsoft.com/office/drawing/2010/main" val="0"/>
+                </a:ext>
+              </a:extLst>
+            </a:blip>
+            <a:srcRect/>
+            <a:stretch>
+              <a:fillRect/>
+            </a:stretch>
+          </p:blipFill>
+          <p:spPr bwMode="auto">
+            <a:xfrm>
+              <a:off x="341453" y="227955"/>
+              <a:ext cx="9772650" cy="6143626"/>
+            </a:xfrm>
+            <a:prstGeom prst="rect">
+              <a:avLst/>
+            </a:prstGeom>
+            <a:noFill/>
+            <a:extLst>
+              <a:ext uri="{909E8E84-426E-40DD-AFC4-6F175D3DCCD1}">
+                <a14:hiddenFill xmlns:a14="http://schemas.microsoft.com/office/drawing/2010/main">
+                  <a:solidFill>
+                    <a:srgbClr val="FFFFFF"/>
+                  </a:solidFill>
+                </a14:hiddenFill>
+              </a:ext>
+            </a:extLst>
+          </p:spPr>
+        </p:pic>
+        <p:sp>
+          <p:nvSpPr>
+            <p:cNvPr id="16" name="Rectangle 15"/>
+            <p:cNvSpPr/>
+            <p:nvPr/>
+          </p:nvSpPr>
+          <p:spPr>
+            <a:xfrm>
+              <a:off x="690111" y="471577"/>
+              <a:ext cx="9023231" cy="5101087"/>
+            </a:xfrm>
+            <a:prstGeom prst="rect">
+              <a:avLst/>
+            </a:prstGeom>
+            <a:solidFill>
+              <a:schemeClr val="bg1"/>
+            </a:solidFill>
+            <a:ln>
+              <a:noFill/>
+            </a:ln>
+          </p:spPr>
+          <p:style>
+            <a:lnRef idx="2">
+              <a:schemeClr val="dk1">
+                <a:shade val="50000"/>
+              </a:schemeClr>
+            </a:lnRef>
+            <a:fillRef idx="1">
+              <a:schemeClr val="dk1"/>
+            </a:fillRef>
+            <a:effectRef idx="0">
+              <a:schemeClr val="dk1"/>
+            </a:effectRef>
+            <a:fontRef idx="minor">
+              <a:schemeClr val="lt1"/>
+            </a:fontRef>
+          </p:style>
+          <p:txBody>
+            <a:bodyPr rtlCol="0" anchor="ctr"/>
+            <a:lstStyle/>
+            <a:p>
+              <a:pPr algn="ctr"/>
+              <a:endParaRPr lang="en-US" dirty="0">
+                <a:solidFill>
+                  <a:schemeClr val="bg1"/>
+                </a:solidFill>
+              </a:endParaRPr>
+            </a:p>
+          </p:txBody>
+        </p:sp>
+        <p:pic>
+          <p:nvPicPr>
+            <p:cNvPr id="15" name="Content Placeholder 3"/>
+            <p:cNvPicPr>
+              <a:picLocks noChangeAspect="1"/>
+            </p:cNvPicPr>
+            <p:nvPr/>
+          </p:nvPicPr>
+          <p:blipFill rotWithShape="1">
+            <a:blip r:embed="rId2" cstate="print">
+              <a:extLst>
+                <a:ext uri="{28A0092B-C50C-407E-A947-70E740481C1C}">
+                  <a14:useLocalDpi xmlns:a14="http://schemas.microsoft.com/office/drawing/2010/main" val="0"/>
+                </a:ext>
+              </a:extLst>
+            </a:blip>
+            <a:srcRect l="4277" t="24357" r="81506" b="20861"/>
+            <a:stretch/>
+          </p:blipFill>
+          <p:spPr>
+            <a:xfrm>
+              <a:off x="3997593" y="1424952"/>
+              <a:ext cx="2408265" cy="2536955"/>
+            </a:xfrm>
+            <a:prstGeom prst="rect">
+              <a:avLst/>
+            </a:prstGeom>
+          </p:spPr>
+        </p:pic>
+        <p:sp>
+          <p:nvSpPr>
+            <p:cNvPr id="7" name="Freeform 6"/>
+            <p:cNvSpPr/>
+            <p:nvPr/>
+          </p:nvSpPr>
+          <p:spPr>
+            <a:xfrm>
+              <a:off x="691763" y="461176"/>
+              <a:ext cx="4905955" cy="5111488"/>
+            </a:xfrm>
+            <a:custGeom>
+              <a:avLst/>
+              <a:gdLst>
+                <a:gd name="connsiteX0" fmla="*/ 7952 w 4905955"/>
+                <a:gd name="connsiteY0" fmla="*/ 7951 h 5104737"/>
+                <a:gd name="connsiteX1" fmla="*/ 4905955 w 4905955"/>
+                <a:gd name="connsiteY1" fmla="*/ 0 h 5104737"/>
+                <a:gd name="connsiteX2" fmla="*/ 3856383 w 4905955"/>
+                <a:gd name="connsiteY2" fmla="*/ 5104737 h 5104737"/>
+                <a:gd name="connsiteX3" fmla="*/ 0 w 4905955"/>
+                <a:gd name="connsiteY3" fmla="*/ 5096786 h 5104737"/>
+                <a:gd name="connsiteX4" fmla="*/ 7952 w 4905955"/>
+                <a:gd name="connsiteY4" fmla="*/ 7951 h 5104737"/>
+              </a:gdLst>
+              <a:ahLst/>
+              <a:cxnLst>
+                <a:cxn ang="0">
+                  <a:pos x="connsiteX0" y="connsiteY0"/>
+                </a:cxn>
+                <a:cxn ang="0">
+                  <a:pos x="connsiteX1" y="connsiteY1"/>
+                </a:cxn>
+                <a:cxn ang="0">
+                  <a:pos x="connsiteX2" y="connsiteY2"/>
+                </a:cxn>
+                <a:cxn ang="0">
+                  <a:pos x="connsiteX3" y="connsiteY3"/>
+                </a:cxn>
+                <a:cxn ang="0">
+                  <a:pos x="connsiteX4" y="connsiteY4"/>
+                </a:cxn>
+              </a:cxnLst>
+              <a:rect l="l" t="t" r="r" b="b"/>
+              <a:pathLst>
+                <a:path w="4905955" h="5104737">
+                  <a:moveTo>
+                    <a:pt x="7952" y="7951"/>
+                  </a:moveTo>
+                  <a:lnTo>
+                    <a:pt x="4905955" y="0"/>
+                  </a:lnTo>
+                  <a:lnTo>
+                    <a:pt x="3856383" y="5104737"/>
+                  </a:lnTo>
+                  <a:lnTo>
+                    <a:pt x="0" y="5096786"/>
+                  </a:lnTo>
+                  <a:cubicBezTo>
+                    <a:pt x="2651" y="3400508"/>
+                    <a:pt x="5301" y="1704229"/>
+                    <a:pt x="7952" y="7951"/>
+                  </a:cubicBezTo>
+                  <a:close/>
+                </a:path>
+              </a:pathLst>
+            </a:custGeom>
+            <a:gradFill flip="none" rotWithShape="1">
+              <a:gsLst>
+                <a:gs pos="100000">
+                  <a:schemeClr val="bg1">
+                    <a:shade val="30000"/>
+                    <a:satMod val="115000"/>
+                    <a:alpha val="24000"/>
+                  </a:schemeClr>
+                </a:gs>
+                <a:gs pos="0">
+                  <a:schemeClr val="bg1">
+                    <a:shade val="100000"/>
+                    <a:satMod val="115000"/>
+                    <a:alpha val="0"/>
+                  </a:schemeClr>
+                </a:gs>
+              </a:gsLst>
+              <a:lin ang="0" scaled="1"/>
+              <a:tileRect/>
+            </a:gradFill>
+            <a:ln>
+              <a:noFill/>
+            </a:ln>
+          </p:spPr>
+          <p:style>
+            <a:lnRef idx="2">
+              <a:schemeClr val="accent1">
+                <a:shade val="50000"/>
+              </a:schemeClr>
+            </a:lnRef>
+            <a:fillRef idx="1">
+              <a:schemeClr val="accent1"/>
+            </a:fillRef>
+            <a:effectRef idx="0">
+              <a:schemeClr val="accent1"/>
+            </a:effectRef>
+            <a:fontRef idx="minor">
+              <a:schemeClr val="lt1"/>
+            </a:fontRef>
+          </p:style>
+          <p:txBody>
+            <a:bodyPr rtlCol="0" anchor="ctr"/>
+            <a:lstStyle/>
+            <a:p>
+              <a:pPr algn="ctr"/>
+              <a:endParaRPr lang="en-US"/>
+            </a:p>
+          </p:txBody>
+        </p:sp>
+      </p:grpSp>
+      <p:pic>
+        <p:nvPicPr>
+          <p:cNvPr id="19" name="Picture 4" descr="Image result for raspberry pi"/>
+          <p:cNvPicPr>
+            <a:picLocks noChangeAspect="1" noChangeArrowheads="1"/>
+          </p:cNvPicPr>
+          <p:nvPr/>
+        </p:nvPicPr>
+        <p:blipFill rotWithShape="1">
+          <a:blip r:embed="rId3" cstate="print">
+            <a:extLst>
+              <a:ext uri="{28A0092B-C50C-407E-A947-70E740481C1C}">
+                <a14:useLocalDpi xmlns:a14="http://schemas.microsoft.com/office/drawing/2010/main" val="0"/>
+              </a:ext>
+            </a:extLst>
+          </a:blip>
+          <a:srcRect l="6750" t="2310" r="6859" b="1420"/>
+          <a:stretch/>
+        </p:blipFill>
+        <p:spPr bwMode="auto">
+          <a:xfrm rot="5400000">
+            <a:off x="7584746" y="3642912"/>
+            <a:ext cx="959499" cy="1466663"/>
+          </a:xfrm>
+          <a:prstGeom prst="rect">
+            <a:avLst/>
+          </a:prstGeom>
+          <a:noFill/>
+          <a:extLst>
+            <a:ext uri="{909E8E84-426E-40DD-AFC4-6F175D3DCCD1}">
+              <a14:hiddenFill xmlns:a14="http://schemas.microsoft.com/office/drawing/2010/main">
+                <a:solidFill>
+                  <a:srgbClr val="FFFFFF"/>
+                </a:solidFill>
+              </a14:hiddenFill>
+            </a:ext>
+          </a:extLst>
+        </p:spPr>
+      </p:pic>
+      <p:pic>
+        <p:nvPicPr>
+          <p:cNvPr id="22" name="Picture 2" descr="Image result for arduino nano"/>
+          <p:cNvPicPr>
+            <a:picLocks noChangeAspect="1" noChangeArrowheads="1"/>
+          </p:cNvPicPr>
+          <p:nvPr/>
+        </p:nvPicPr>
+        <p:blipFill rotWithShape="1">
+          <a:blip r:embed="rId7" cstate="print">
+            <a:extLst>
+              <a:ext uri="{28A0092B-C50C-407E-A947-70E740481C1C}">
+                <a14:useLocalDpi xmlns:a14="http://schemas.microsoft.com/office/drawing/2010/main" val="0"/>
+              </a:ext>
+            </a:extLst>
+          </a:blip>
+          <a:srcRect l="1995" t="32157" r="3642" b="27973"/>
+          <a:stretch/>
+        </p:blipFill>
+        <p:spPr bwMode="auto">
+          <a:xfrm>
+            <a:off x="2748847" y="3249883"/>
+            <a:ext cx="1255221" cy="499186"/>
+          </a:xfrm>
+          <a:prstGeom prst="rect">
+            <a:avLst/>
+          </a:prstGeom>
+          <a:noFill/>
+          <a:extLst>
+            <a:ext uri="{909E8E84-426E-40DD-AFC4-6F175D3DCCD1}">
+              <a14:hiddenFill xmlns:a14="http://schemas.microsoft.com/office/drawing/2010/main">
+                <a:solidFill>
+                  <a:srgbClr val="FFFFFF"/>
+                </a:solidFill>
+              </a14:hiddenFill>
+            </a:ext>
+          </a:extLst>
+        </p:spPr>
+      </p:pic>
+      <p:sp>
+        <p:nvSpPr>
+          <p:cNvPr id="10" name="TextBox 9"/>
+          <p:cNvSpPr txBox="1"/>
+          <p:nvPr/>
+        </p:nvSpPr>
+        <p:spPr>
+          <a:xfrm>
+            <a:off x="6737370" y="5585027"/>
+            <a:ext cx="184731" cy="369332"/>
+          </a:xfrm>
+          <a:prstGeom prst="rect">
+            <a:avLst/>
+          </a:prstGeom>
+          <a:noFill/>
+        </p:spPr>
+        <p:txBody>
+          <a:bodyPr wrap="none" rtlCol="0">
+            <a:spAutoFit/>
+          </a:bodyPr>
+          <a:lstStyle/>
+          <a:p>
+            <a:endParaRPr lang="en-US" dirty="0"/>
+          </a:p>
+        </p:txBody>
+      </p:sp>
+      <p:pic>
+        <p:nvPicPr>
+          <p:cNvPr id="3084" name="Picture 12" descr="http://zeromq.wdfiles.com/local--files/admin:css/logo.gif"/>
+          <p:cNvPicPr>
+            <a:picLocks noChangeAspect="1" noChangeArrowheads="1"/>
+          </p:cNvPicPr>
+          <p:nvPr/>
+        </p:nvPicPr>
+        <p:blipFill>
+          <a:blip r:embed="rId8" cstate="print">
+            <a:extLst>
+              <a:ext uri="{28A0092B-C50C-407E-A947-70E740481C1C}">
+                <a14:useLocalDpi xmlns:a14="http://schemas.microsoft.com/office/drawing/2010/main" val="0"/>
+              </a:ext>
+            </a:extLst>
+          </a:blip>
+          <a:srcRect/>
+          <a:stretch>
+            <a:fillRect/>
+          </a:stretch>
+        </p:blipFill>
+        <p:spPr bwMode="auto">
+          <a:xfrm>
+            <a:off x="6567488" y="3639775"/>
+            <a:ext cx="853698" cy="266641"/>
+          </a:xfrm>
+          <a:prstGeom prst="rect">
+            <a:avLst/>
+          </a:prstGeom>
+          <a:noFill/>
+          <a:extLst>
+            <a:ext uri="{909E8E84-426E-40DD-AFC4-6F175D3DCCD1}">
+              <a14:hiddenFill xmlns:a14="http://schemas.microsoft.com/office/drawing/2010/main">
+                <a:solidFill>
+                  <a:srgbClr val="FFFFFF"/>
+                </a:solidFill>
+              </a14:hiddenFill>
+            </a:ext>
+          </a:extLst>
+        </p:spPr>
+      </p:pic>
+      <p:sp>
+        <p:nvSpPr>
+          <p:cNvPr id="11" name="TextBox 10"/>
+          <p:cNvSpPr txBox="1"/>
+          <p:nvPr/>
+        </p:nvSpPr>
+        <p:spPr>
+          <a:xfrm>
+            <a:off x="9122987" y="2127897"/>
+            <a:ext cx="576825" cy="369332"/>
+          </a:xfrm>
+          <a:prstGeom prst="rect">
+            <a:avLst/>
+          </a:prstGeom>
+          <a:noFill/>
+        </p:spPr>
+        <p:txBody>
+          <a:bodyPr wrap="none" rtlCol="0">
+            <a:spAutoFit/>
+          </a:bodyPr>
+          <a:lstStyle/>
+          <a:p>
+            <a:r>
+              <a:rPr lang="en-US" dirty="0" smtClean="0"/>
+              <a:t>http</a:t>
+            </a:r>
+            <a:endParaRPr lang="en-US" dirty="0"/>
+          </a:p>
+        </p:txBody>
+      </p:sp>
+      <p:sp>
+        <p:nvSpPr>
+          <p:cNvPr id="13" name="TextBox 12"/>
+          <p:cNvSpPr txBox="1"/>
+          <p:nvPr/>
+        </p:nvSpPr>
+        <p:spPr>
+          <a:xfrm>
+            <a:off x="5466201" y="1803920"/>
+            <a:ext cx="771365" cy="369332"/>
+          </a:xfrm>
+          <a:prstGeom prst="rect">
+            <a:avLst/>
+          </a:prstGeom>
+          <a:noFill/>
+        </p:spPr>
+        <p:txBody>
+          <a:bodyPr wrap="none" rtlCol="0">
+            <a:spAutoFit/>
+          </a:bodyPr>
+          <a:lstStyle/>
+          <a:p>
+            <a:r>
+              <a:rPr lang="en-US" dirty="0" smtClean="0"/>
+              <a:t>nRF24</a:t>
+            </a:r>
+            <a:endParaRPr lang="en-US" dirty="0"/>
+          </a:p>
+        </p:txBody>
+      </p:sp>
+      <p:sp>
+        <p:nvSpPr>
+          <p:cNvPr id="14" name="TextBox 13"/>
+          <p:cNvSpPr txBox="1"/>
+          <p:nvPr/>
+        </p:nvSpPr>
+        <p:spPr>
+          <a:xfrm>
+            <a:off x="5620792" y="5331617"/>
+            <a:ext cx="2711640" cy="1200329"/>
+          </a:xfrm>
+          <a:prstGeom prst="rect">
+            <a:avLst/>
+          </a:prstGeom>
+          <a:noFill/>
+        </p:spPr>
+        <p:txBody>
+          <a:bodyPr wrap="none" rtlCol="0">
+            <a:spAutoFit/>
+          </a:bodyPr>
+          <a:lstStyle/>
+          <a:p>
+            <a:pPr algn="ctr"/>
+            <a:r>
+              <a:rPr lang="el-GR" sz="3600" dirty="0" smtClean="0"/>
+              <a:t>π</a:t>
+            </a:r>
+            <a:r>
+              <a:rPr lang="en-US" sz="3600" dirty="0" smtClean="0"/>
+              <a:t> Layer:</a:t>
+            </a:r>
+          </a:p>
+          <a:p>
+            <a:pPr algn="ctr"/>
+            <a:r>
+              <a:rPr lang="en-US" sz="3600" dirty="0" smtClean="0"/>
+              <a:t>Raspberry </a:t>
+            </a:r>
+            <a:r>
+              <a:rPr lang="en-US" sz="3600" dirty="0" err="1" smtClean="0"/>
+              <a:t>Pis</a:t>
+            </a:r>
+            <a:endParaRPr lang="en-US" sz="3600" dirty="0"/>
+          </a:p>
+        </p:txBody>
+      </p:sp>
+      <p:sp>
+        <p:nvSpPr>
+          <p:cNvPr id="29" name="TextBox 28"/>
+          <p:cNvSpPr txBox="1"/>
+          <p:nvPr/>
+        </p:nvSpPr>
+        <p:spPr>
+          <a:xfrm>
+            <a:off x="468871" y="5289060"/>
+            <a:ext cx="4218078" cy="1200329"/>
+          </a:xfrm>
+          <a:prstGeom prst="rect">
+            <a:avLst/>
+          </a:prstGeom>
+          <a:noFill/>
+        </p:spPr>
+        <p:txBody>
+          <a:bodyPr wrap="none" rtlCol="0">
+            <a:spAutoFit/>
+          </a:bodyPr>
+          <a:lstStyle/>
+          <a:p>
+            <a:pPr algn="ctr"/>
+            <a:r>
+              <a:rPr lang="en-US" sz="3600" dirty="0" smtClean="0"/>
+              <a:t>A Layer:</a:t>
+            </a:r>
+          </a:p>
+          <a:p>
+            <a:pPr algn="ctr"/>
+            <a:r>
+              <a:rPr lang="en-US" sz="3600" dirty="0" smtClean="0"/>
+              <a:t>Arduinos and Sensors</a:t>
+            </a:r>
+            <a:endParaRPr lang="en-US" sz="3600" dirty="0"/>
+          </a:p>
+        </p:txBody>
+      </p:sp>
+      <p:pic>
+        <p:nvPicPr>
+          <p:cNvPr id="3088" name="Picture 16" descr="Image result for eye clipart"/>
+          <p:cNvPicPr>
+            <a:picLocks noChangeAspect="1" noChangeArrowheads="1"/>
+          </p:cNvPicPr>
+          <p:nvPr/>
+        </p:nvPicPr>
+        <p:blipFill rotWithShape="1">
+          <a:blip r:embed="rId9" cstate="print">
+            <a:extLst>
+              <a:ext uri="{28A0092B-C50C-407E-A947-70E740481C1C}">
+                <a14:useLocalDpi xmlns:a14="http://schemas.microsoft.com/office/drawing/2010/main" val="0"/>
+              </a:ext>
+            </a:extLst>
+          </a:blip>
+          <a:srcRect l="4517" t="27488" r="5483" b="27163"/>
+          <a:stretch/>
+        </p:blipFill>
+        <p:spPr bwMode="auto">
+          <a:xfrm>
+            <a:off x="700345" y="4077402"/>
+            <a:ext cx="599409" cy="302028"/>
+          </a:xfrm>
+          <a:prstGeom prst="rect">
+            <a:avLst/>
+          </a:prstGeom>
+          <a:noFill/>
+          <a:extLst>
+            <a:ext uri="{909E8E84-426E-40DD-AFC4-6F175D3DCCD1}">
+              <a14:hiddenFill xmlns:a14="http://schemas.microsoft.com/office/drawing/2010/main">
+                <a:solidFill>
+                  <a:srgbClr val="FFFFFF"/>
+                </a:solidFill>
+              </a14:hiddenFill>
+            </a:ext>
+          </a:extLst>
+        </p:spPr>
+      </p:pic>
+      <p:pic>
+        <p:nvPicPr>
+          <p:cNvPr id="3090" name="Picture 18" descr="Image result for ear clipart listening"/>
+          <p:cNvPicPr>
+            <a:picLocks noChangeAspect="1" noChangeArrowheads="1"/>
+          </p:cNvPicPr>
+          <p:nvPr/>
+        </p:nvPicPr>
+        <p:blipFill rotWithShape="1">
+          <a:blip r:embed="rId10" cstate="print">
+            <a:extLst>
+              <a:ext uri="{28A0092B-C50C-407E-A947-70E740481C1C}">
+                <a14:useLocalDpi xmlns:a14="http://schemas.microsoft.com/office/drawing/2010/main" val="0"/>
+              </a:ext>
+            </a:extLst>
+          </a:blip>
+          <a:srcRect l="7212" t="14633" r="7951" b="16461"/>
+          <a:stretch/>
+        </p:blipFill>
+        <p:spPr bwMode="auto">
+          <a:xfrm>
+            <a:off x="1402714" y="3998066"/>
+            <a:ext cx="623579" cy="455833"/>
+          </a:xfrm>
+          <a:prstGeom prst="rect">
+            <a:avLst/>
+          </a:prstGeom>
+          <a:noFill/>
+          <a:extLst>
+            <a:ext uri="{909E8E84-426E-40DD-AFC4-6F175D3DCCD1}">
+              <a14:hiddenFill xmlns:a14="http://schemas.microsoft.com/office/drawing/2010/main">
+                <a:solidFill>
+                  <a:srgbClr val="FFFFFF"/>
+                </a:solidFill>
+              </a14:hiddenFill>
+            </a:ext>
+          </a:extLst>
+        </p:spPr>
+      </p:pic>
+      <p:pic>
+        <p:nvPicPr>
+          <p:cNvPr id="3094" name="Picture 22" descr="Image result for antenna"/>
+          <p:cNvPicPr>
+            <a:picLocks noChangeAspect="1" noChangeArrowheads="1"/>
+          </p:cNvPicPr>
+          <p:nvPr/>
+        </p:nvPicPr>
+        <p:blipFill rotWithShape="1">
+          <a:blip r:embed="rId11" cstate="print">
+            <a:extLst>
+              <a:ext uri="{28A0092B-C50C-407E-A947-70E740481C1C}">
+                <a14:useLocalDpi xmlns:a14="http://schemas.microsoft.com/office/drawing/2010/main" val="0"/>
+              </a:ext>
+            </a:extLst>
+          </a:blip>
+          <a:srcRect l="51731" r="42943" b="24688"/>
+          <a:stretch/>
+        </p:blipFill>
+        <p:spPr bwMode="auto">
+          <a:xfrm>
+            <a:off x="6944775" y="1419466"/>
+            <a:ext cx="70174" cy="992301"/>
+          </a:xfrm>
+          <a:prstGeom prst="rect">
+            <a:avLst/>
+          </a:prstGeom>
+          <a:noFill/>
+          <a:extLst>
+            <a:ext uri="{909E8E84-426E-40DD-AFC4-6F175D3DCCD1}">
+              <a14:hiddenFill xmlns:a14="http://schemas.microsoft.com/office/drawing/2010/main">
+                <a:solidFill>
+                  <a:srgbClr val="FFFFFF"/>
+                </a:solidFill>
+              </a14:hiddenFill>
+            </a:ext>
+          </a:extLst>
+        </p:spPr>
+      </p:pic>
+      <p:pic>
+        <p:nvPicPr>
+          <p:cNvPr id="36" name="Picture 4" descr="Image result for raspberry pi"/>
+          <p:cNvPicPr>
+            <a:picLocks noChangeAspect="1" noChangeArrowheads="1"/>
+          </p:cNvPicPr>
+          <p:nvPr/>
+        </p:nvPicPr>
+        <p:blipFill rotWithShape="1">
+          <a:blip r:embed="rId3" cstate="print">
+            <a:extLst>
+              <a:ext uri="{28A0092B-C50C-407E-A947-70E740481C1C}">
+                <a14:useLocalDpi xmlns:a14="http://schemas.microsoft.com/office/drawing/2010/main" val="0"/>
+              </a:ext>
+            </a:extLst>
+          </a:blip>
+          <a:srcRect l="6750" t="2310" r="6859" b="1420"/>
+          <a:stretch/>
+        </p:blipFill>
+        <p:spPr bwMode="auto">
+          <a:xfrm rot="5400000">
+            <a:off x="5291893" y="3650742"/>
+            <a:ext cx="959499" cy="1466663"/>
+          </a:xfrm>
+          <a:prstGeom prst="rect">
+            <a:avLst/>
+          </a:prstGeom>
+          <a:noFill/>
+          <a:extLst>
+            <a:ext uri="{909E8E84-426E-40DD-AFC4-6F175D3DCCD1}">
+              <a14:hiddenFill xmlns:a14="http://schemas.microsoft.com/office/drawing/2010/main">
+                <a:solidFill>
+                  <a:srgbClr val="FFFFFF"/>
+                </a:solidFill>
+              </a14:hiddenFill>
+            </a:ext>
+          </a:extLst>
+        </p:spPr>
+      </p:pic>
+      <p:pic>
+        <p:nvPicPr>
+          <p:cNvPr id="37" name="Picture 22" descr="Image result for antenna"/>
+          <p:cNvPicPr>
+            <a:picLocks noChangeAspect="1" noChangeArrowheads="1"/>
+          </p:cNvPicPr>
+          <p:nvPr/>
+        </p:nvPicPr>
+        <p:blipFill rotWithShape="1">
+          <a:blip r:embed="rId11" cstate="print">
+            <a:extLst>
+              <a:ext uri="{28A0092B-C50C-407E-A947-70E740481C1C}">
+                <a14:useLocalDpi xmlns:a14="http://schemas.microsoft.com/office/drawing/2010/main" val="0"/>
+              </a:ext>
+            </a:extLst>
+          </a:blip>
+          <a:srcRect l="51731" r="42943" b="24688"/>
+          <a:stretch/>
+        </p:blipFill>
+        <p:spPr bwMode="auto">
+          <a:xfrm>
+            <a:off x="3385505" y="2274841"/>
+            <a:ext cx="70174" cy="992301"/>
+          </a:xfrm>
+          <a:prstGeom prst="rect">
+            <a:avLst/>
+          </a:prstGeom>
+          <a:noFill/>
+          <a:extLst>
+            <a:ext uri="{909E8E84-426E-40DD-AFC4-6F175D3DCCD1}">
+              <a14:hiddenFill xmlns:a14="http://schemas.microsoft.com/office/drawing/2010/main">
+                <a:solidFill>
+                  <a:srgbClr val="FFFFFF"/>
+                </a:solidFill>
+              </a14:hiddenFill>
+            </a:ext>
+          </a:extLst>
+        </p:spPr>
+      </p:pic>
+      <p:pic>
+        <p:nvPicPr>
+          <p:cNvPr id="39" name="Picture 2" descr="Image result for arduino nano"/>
+          <p:cNvPicPr>
+            <a:picLocks noChangeAspect="1" noChangeArrowheads="1"/>
+          </p:cNvPicPr>
+          <p:nvPr/>
+        </p:nvPicPr>
+        <p:blipFill rotWithShape="1">
+          <a:blip r:embed="rId7" cstate="print">
+            <a:extLst>
+              <a:ext uri="{28A0092B-C50C-407E-A947-70E740481C1C}">
+                <a14:useLocalDpi xmlns:a14="http://schemas.microsoft.com/office/drawing/2010/main" val="0"/>
+              </a:ext>
+            </a:extLst>
+          </a:blip>
+          <a:srcRect l="1995" t="32157" r="3642" b="27973"/>
+          <a:stretch/>
+        </p:blipFill>
+        <p:spPr bwMode="auto">
+          <a:xfrm>
+            <a:off x="1902323" y="2448688"/>
+            <a:ext cx="1255221" cy="499186"/>
+          </a:xfrm>
+          <a:prstGeom prst="rect">
+            <a:avLst/>
+          </a:prstGeom>
+          <a:noFill/>
+          <a:extLst>
+            <a:ext uri="{909E8E84-426E-40DD-AFC4-6F175D3DCCD1}">
+              <a14:hiddenFill xmlns:a14="http://schemas.microsoft.com/office/drawing/2010/main">
+                <a:solidFill>
+                  <a:srgbClr val="FFFFFF"/>
+                </a:solidFill>
+              </a14:hiddenFill>
+            </a:ext>
+          </a:extLst>
+        </p:spPr>
+      </p:pic>
+      <p:pic>
+        <p:nvPicPr>
+          <p:cNvPr id="40" name="Picture 22" descr="Image result for antenna"/>
+          <p:cNvPicPr>
+            <a:picLocks noChangeAspect="1" noChangeArrowheads="1"/>
+          </p:cNvPicPr>
+          <p:nvPr/>
+        </p:nvPicPr>
+        <p:blipFill rotWithShape="1">
+          <a:blip r:embed="rId11" cstate="print">
+            <a:extLst>
+              <a:ext uri="{28A0092B-C50C-407E-A947-70E740481C1C}">
+                <a14:useLocalDpi xmlns:a14="http://schemas.microsoft.com/office/drawing/2010/main" val="0"/>
+              </a:ext>
+            </a:extLst>
+          </a:blip>
+          <a:srcRect l="51731" r="42943" b="24688"/>
+          <a:stretch/>
+        </p:blipFill>
+        <p:spPr bwMode="auto">
+          <a:xfrm>
+            <a:off x="2538981" y="1473646"/>
+            <a:ext cx="70174" cy="992301"/>
+          </a:xfrm>
+          <a:prstGeom prst="rect">
+            <a:avLst/>
+          </a:prstGeom>
+          <a:noFill/>
+          <a:extLst>
+            <a:ext uri="{909E8E84-426E-40DD-AFC4-6F175D3DCCD1}">
+              <a14:hiddenFill xmlns:a14="http://schemas.microsoft.com/office/drawing/2010/main">
+                <a:solidFill>
+                  <a:srgbClr val="FFFFFF"/>
+                </a:solidFill>
+              </a14:hiddenFill>
+            </a:ext>
+          </a:extLst>
+        </p:spPr>
+      </p:pic>
+      <p:pic>
+        <p:nvPicPr>
+          <p:cNvPr id="41" name="Picture 2" descr="Image result for arduino nano"/>
+          <p:cNvPicPr>
+            <a:picLocks noChangeAspect="1" noChangeArrowheads="1"/>
+          </p:cNvPicPr>
+          <p:nvPr/>
+        </p:nvPicPr>
+        <p:blipFill rotWithShape="1">
+          <a:blip r:embed="rId7" cstate="print">
+            <a:extLst>
+              <a:ext uri="{28A0092B-C50C-407E-A947-70E740481C1C}">
+                <a14:useLocalDpi xmlns:a14="http://schemas.microsoft.com/office/drawing/2010/main" val="0"/>
+              </a:ext>
+            </a:extLst>
+          </a:blip>
+          <a:srcRect l="1995" t="32157" r="3642" b="27973"/>
+          <a:stretch/>
+        </p:blipFill>
+        <p:spPr bwMode="auto">
+          <a:xfrm>
+            <a:off x="721660" y="3303771"/>
+            <a:ext cx="1255221" cy="499186"/>
+          </a:xfrm>
+          <a:prstGeom prst="rect">
+            <a:avLst/>
+          </a:prstGeom>
+          <a:noFill/>
+          <a:extLst>
+            <a:ext uri="{909E8E84-426E-40DD-AFC4-6F175D3DCCD1}">
+              <a14:hiddenFill xmlns:a14="http://schemas.microsoft.com/office/drawing/2010/main">
+                <a:solidFill>
+                  <a:srgbClr val="FFFFFF"/>
+                </a:solidFill>
+              </a14:hiddenFill>
+            </a:ext>
+          </a:extLst>
+        </p:spPr>
+      </p:pic>
+      <p:pic>
+        <p:nvPicPr>
+          <p:cNvPr id="42" name="Picture 22" descr="Image result for antenna"/>
+          <p:cNvPicPr>
+            <a:picLocks noChangeAspect="1" noChangeArrowheads="1"/>
+          </p:cNvPicPr>
+          <p:nvPr/>
+        </p:nvPicPr>
+        <p:blipFill rotWithShape="1">
+          <a:blip r:embed="rId11" cstate="print">
+            <a:extLst>
+              <a:ext uri="{28A0092B-C50C-407E-A947-70E740481C1C}">
+                <a14:useLocalDpi xmlns:a14="http://schemas.microsoft.com/office/drawing/2010/main" val="0"/>
+              </a:ext>
+            </a:extLst>
+          </a:blip>
+          <a:srcRect l="51731" r="42943" b="24688"/>
+          <a:stretch/>
+        </p:blipFill>
+        <p:spPr bwMode="auto">
+          <a:xfrm>
+            <a:off x="1358318" y="2328729"/>
+            <a:ext cx="70174" cy="992301"/>
+          </a:xfrm>
+          <a:prstGeom prst="rect">
+            <a:avLst/>
+          </a:prstGeom>
+          <a:noFill/>
+          <a:extLst>
+            <a:ext uri="{909E8E84-426E-40DD-AFC4-6F175D3DCCD1}">
+              <a14:hiddenFill xmlns:a14="http://schemas.microsoft.com/office/drawing/2010/main">
+                <a:solidFill>
+                  <a:srgbClr val="FFFFFF"/>
+                </a:solidFill>
+              </a14:hiddenFill>
+            </a:ext>
+          </a:extLst>
+        </p:spPr>
+      </p:pic>
+      <p:pic>
+        <p:nvPicPr>
+          <p:cNvPr id="43" name="Picture 2" descr="Image result for arduino nano"/>
+          <p:cNvPicPr>
+            <a:picLocks noChangeAspect="1" noChangeArrowheads="1"/>
+          </p:cNvPicPr>
+          <p:nvPr/>
+        </p:nvPicPr>
+        <p:blipFill rotWithShape="1">
+          <a:blip r:embed="rId7" cstate="print">
+            <a:extLst>
+              <a:ext uri="{28A0092B-C50C-407E-A947-70E740481C1C}">
+                <a14:useLocalDpi xmlns:a14="http://schemas.microsoft.com/office/drawing/2010/main" val="0"/>
+              </a:ext>
+            </a:extLst>
+          </a:blip>
+          <a:srcRect l="1995" t="32157" r="3642" b="27973"/>
+          <a:stretch/>
+        </p:blipFill>
+        <p:spPr bwMode="auto">
+          <a:xfrm>
+            <a:off x="1759453" y="4862966"/>
+            <a:ext cx="1255221" cy="499186"/>
+          </a:xfrm>
+          <a:prstGeom prst="rect">
+            <a:avLst/>
+          </a:prstGeom>
+          <a:noFill/>
+          <a:extLst>
+            <a:ext uri="{909E8E84-426E-40DD-AFC4-6F175D3DCCD1}">
+              <a14:hiddenFill xmlns:a14="http://schemas.microsoft.com/office/drawing/2010/main">
+                <a:solidFill>
+                  <a:srgbClr val="FFFFFF"/>
+                </a:solidFill>
+              </a14:hiddenFill>
+            </a:ext>
+          </a:extLst>
+        </p:spPr>
+      </p:pic>
+      <p:pic>
+        <p:nvPicPr>
+          <p:cNvPr id="44" name="Picture 22" descr="Image result for antenna"/>
+          <p:cNvPicPr>
+            <a:picLocks noChangeAspect="1" noChangeArrowheads="1"/>
+          </p:cNvPicPr>
+          <p:nvPr/>
+        </p:nvPicPr>
+        <p:blipFill rotWithShape="1">
+          <a:blip r:embed="rId11" cstate="print">
+            <a:extLst>
+              <a:ext uri="{28A0092B-C50C-407E-A947-70E740481C1C}">
+                <a14:useLocalDpi xmlns:a14="http://schemas.microsoft.com/office/drawing/2010/main" val="0"/>
+              </a:ext>
+            </a:extLst>
+          </a:blip>
+          <a:srcRect l="51731" r="42943" b="24688"/>
+          <a:stretch/>
+        </p:blipFill>
+        <p:spPr bwMode="auto">
+          <a:xfrm>
+            <a:off x="2396111" y="3887924"/>
+            <a:ext cx="70174" cy="992301"/>
+          </a:xfrm>
+          <a:prstGeom prst="rect">
+            <a:avLst/>
+          </a:prstGeom>
+          <a:noFill/>
+          <a:extLst>
+            <a:ext uri="{909E8E84-426E-40DD-AFC4-6F175D3DCCD1}">
+              <a14:hiddenFill xmlns:a14="http://schemas.microsoft.com/office/drawing/2010/main">
+                <a:solidFill>
+                  <a:srgbClr val="FFFFFF"/>
+                </a:solidFill>
+              </a14:hiddenFill>
+            </a:ext>
+          </a:extLst>
+        </p:spPr>
+      </p:pic>
+      <p:sp>
+        <p:nvSpPr>
+          <p:cNvPr id="18" name="Rectangle 17"/>
+          <p:cNvSpPr/>
+          <p:nvPr/>
+        </p:nvSpPr>
+        <p:spPr>
+          <a:xfrm>
+            <a:off x="318977" y="1419466"/>
+            <a:ext cx="4486939" cy="5140822"/>
+          </a:xfrm>
+          <a:prstGeom prst="rect">
+            <a:avLst/>
+          </a:prstGeom>
+          <a:noFill/>
+          <a:ln w="19050" cap="flat" cmpd="sng" algn="ctr">
+            <a:solidFill>
+              <a:schemeClr val="accent4"/>
+            </a:solidFill>
+            <a:prstDash val="dash"/>
+            <a:round/>
+            <a:headEnd type="none" w="med" len="med"/>
+            <a:tailEnd type="none" w="med" len="med"/>
+          </a:ln>
+        </p:spPr>
+        <p:style>
+          <a:lnRef idx="0">
+            <a:scrgbClr r="0" g="0" b="0"/>
+          </a:lnRef>
+          <a:fillRef idx="0">
+            <a:scrgbClr r="0" g="0" b="0"/>
+          </a:fillRef>
+          <a:effectRef idx="0">
+            <a:scrgbClr r="0" g="0" b="0"/>
+          </a:effectRef>
+          <a:fontRef idx="minor">
+            <a:schemeClr val="accent4"/>
+          </a:fontRef>
+        </p:style>
+        <p:txBody>
+          <a:bodyPr rtlCol="0" anchor="ctr"/>
+          <a:lstStyle/>
+          <a:p>
+            <a:pPr algn="ctr"/>
+            <a:endParaRPr lang="en-US"/>
+          </a:p>
+        </p:txBody>
+      </p:sp>
+      <p:sp>
+        <p:nvSpPr>
+          <p:cNvPr id="46" name="Rectangle 45"/>
+          <p:cNvSpPr/>
+          <p:nvPr/>
+        </p:nvSpPr>
+        <p:spPr>
+          <a:xfrm>
+            <a:off x="4925737" y="1406340"/>
+            <a:ext cx="3977587" cy="5153948"/>
+          </a:xfrm>
+          <a:prstGeom prst="rect">
+            <a:avLst/>
+          </a:prstGeom>
+          <a:noFill/>
+          <a:ln w="19050" cap="flat" cmpd="sng" algn="ctr">
+            <a:solidFill>
+              <a:schemeClr val="accent4"/>
+            </a:solidFill>
+            <a:prstDash val="dash"/>
+            <a:round/>
+            <a:headEnd type="none" w="med" len="med"/>
+            <a:tailEnd type="none" w="med" len="med"/>
+          </a:ln>
+        </p:spPr>
+        <p:style>
+          <a:lnRef idx="0">
+            <a:scrgbClr r="0" g="0" b="0"/>
+          </a:lnRef>
+          <a:fillRef idx="0">
+            <a:scrgbClr r="0" g="0" b="0"/>
+          </a:fillRef>
+          <a:effectRef idx="0">
+            <a:scrgbClr r="0" g="0" b="0"/>
+          </a:effectRef>
+          <a:fontRef idx="minor">
+            <a:schemeClr val="accent4"/>
+          </a:fontRef>
+        </p:style>
+        <p:txBody>
+          <a:bodyPr rtlCol="0" anchor="ctr"/>
+          <a:lstStyle/>
+          <a:p>
+            <a:pPr algn="ctr"/>
+            <a:endParaRPr lang="en-US"/>
+          </a:p>
+        </p:txBody>
+      </p:sp>
+      <p:cxnSp>
+        <p:nvCxnSpPr>
+          <p:cNvPr id="25" name="Straight Arrow Connector 24"/>
+          <p:cNvCxnSpPr>
+            <a:stCxn id="42" idx="3"/>
+            <a:endCxn id="40" idx="1"/>
+          </p:cNvCxnSpPr>
+          <p:nvPr/>
+        </p:nvCxnSpPr>
+        <p:spPr>
+          <a:xfrm flipV="1">
+            <a:off x="1428492" y="1969797"/>
+            <a:ext cx="1110489" cy="855083"/>
+          </a:xfrm>
+          <a:prstGeom prst="straightConnector1">
+            <a:avLst/>
+          </a:prstGeom>
+          <a:ln w="38100">
+            <a:tailEnd type="triangle"/>
+          </a:ln>
+        </p:spPr>
+        <p:style>
+          <a:lnRef idx="1">
+            <a:schemeClr val="accent1"/>
+          </a:lnRef>
+          <a:fillRef idx="0">
+            <a:schemeClr val="accent1"/>
+          </a:fillRef>
+          <a:effectRef idx="0">
+            <a:schemeClr val="accent1"/>
+          </a:effectRef>
+          <a:fontRef idx="minor">
+            <a:schemeClr val="tx1"/>
+          </a:fontRef>
+        </p:style>
+      </p:cxnSp>
+      <p:cxnSp>
+        <p:nvCxnSpPr>
+          <p:cNvPr id="27" name="Straight Arrow Connector 26"/>
+          <p:cNvCxnSpPr>
+            <a:stCxn id="44" idx="3"/>
+            <a:endCxn id="37" idx="1"/>
+          </p:cNvCxnSpPr>
+          <p:nvPr/>
+        </p:nvCxnSpPr>
+        <p:spPr>
+          <a:xfrm flipV="1">
+            <a:off x="2466285" y="2770992"/>
+            <a:ext cx="919220" cy="1613083"/>
+          </a:xfrm>
+          <a:prstGeom prst="straightConnector1">
+            <a:avLst/>
+          </a:prstGeom>
+          <a:ln w="38100">
+            <a:tailEnd type="triangle"/>
+          </a:ln>
+        </p:spPr>
+        <p:style>
+          <a:lnRef idx="1">
+            <a:schemeClr val="accent1"/>
+          </a:lnRef>
+          <a:fillRef idx="0">
+            <a:schemeClr val="accent1"/>
+          </a:fillRef>
+          <a:effectRef idx="0">
+            <a:schemeClr val="accent1"/>
+          </a:effectRef>
+          <a:fontRef idx="minor">
+            <a:schemeClr val="tx1"/>
+          </a:fontRef>
+        </p:style>
+      </p:cxnSp>
+      <p:cxnSp>
+        <p:nvCxnSpPr>
+          <p:cNvPr id="30" name="Straight Arrow Connector 29"/>
+          <p:cNvCxnSpPr>
+            <a:stCxn id="40" idx="3"/>
+            <a:endCxn id="37" idx="1"/>
+          </p:cNvCxnSpPr>
+          <p:nvPr/>
+        </p:nvCxnSpPr>
+        <p:spPr>
+          <a:xfrm>
+            <a:off x="2609155" y="1969797"/>
+            <a:ext cx="776350" cy="801195"/>
+          </a:xfrm>
+          <a:prstGeom prst="straightConnector1">
+            <a:avLst/>
+          </a:prstGeom>
+          <a:ln w="38100">
+            <a:tailEnd type="triangle"/>
+          </a:ln>
+        </p:spPr>
+        <p:style>
+          <a:lnRef idx="1">
+            <a:schemeClr val="accent1"/>
+          </a:lnRef>
+          <a:fillRef idx="0">
+            <a:schemeClr val="accent1"/>
+          </a:fillRef>
+          <a:effectRef idx="0">
+            <a:schemeClr val="accent1"/>
+          </a:effectRef>
+          <a:fontRef idx="minor">
+            <a:schemeClr val="tx1"/>
+          </a:fontRef>
+        </p:style>
+      </p:cxnSp>
+      <p:cxnSp>
+        <p:nvCxnSpPr>
+          <p:cNvPr id="32" name="Straight Arrow Connector 31"/>
+          <p:cNvCxnSpPr>
+            <a:stCxn id="37" idx="3"/>
+            <a:endCxn id="3094" idx="1"/>
+          </p:cNvCxnSpPr>
+          <p:nvPr/>
+        </p:nvCxnSpPr>
+        <p:spPr>
+          <a:xfrm flipV="1">
+            <a:off x="3455679" y="1915617"/>
+            <a:ext cx="3489096" cy="855375"/>
+          </a:xfrm>
+          <a:prstGeom prst="straightConnector1">
+            <a:avLst/>
+          </a:prstGeom>
+          <a:ln w="38100">
+            <a:tailEnd type="triangle"/>
+          </a:ln>
+        </p:spPr>
+        <p:style>
+          <a:lnRef idx="1">
+            <a:schemeClr val="accent1"/>
+          </a:lnRef>
+          <a:fillRef idx="0">
+            <a:schemeClr val="accent1"/>
+          </a:fillRef>
+          <a:effectRef idx="0">
+            <a:schemeClr val="accent1"/>
+          </a:effectRef>
+          <a:fontRef idx="minor">
+            <a:schemeClr val="tx1"/>
+          </a:fontRef>
+        </p:style>
+      </p:cxnSp>
+      <p:cxnSp>
+        <p:nvCxnSpPr>
+          <p:cNvPr id="34" name="Straight Arrow Connector 33"/>
+          <p:cNvCxnSpPr/>
+          <p:nvPr/>
+        </p:nvCxnSpPr>
+        <p:spPr>
+          <a:xfrm flipH="1">
+            <a:off x="5678340" y="3337685"/>
+            <a:ext cx="628521" cy="566639"/>
+          </a:xfrm>
+          <a:prstGeom prst="straightConnector1">
+            <a:avLst/>
+          </a:prstGeom>
+          <a:ln w="38100">
+            <a:solidFill>
+              <a:srgbClr val="FF0000"/>
+            </a:solidFill>
+            <a:headEnd type="triangle"/>
+            <a:tailEnd type="triangle"/>
+          </a:ln>
+        </p:spPr>
+        <p:style>
+          <a:lnRef idx="1">
+            <a:schemeClr val="accent1"/>
+          </a:lnRef>
+          <a:fillRef idx="0">
+            <a:schemeClr val="accent1"/>
+          </a:fillRef>
+          <a:effectRef idx="0">
+            <a:schemeClr val="accent1"/>
+          </a:effectRef>
+          <a:fontRef idx="minor">
+            <a:schemeClr val="tx1"/>
+          </a:fontRef>
+        </p:style>
+      </p:cxnSp>
+      <p:cxnSp>
+        <p:nvCxnSpPr>
+          <p:cNvPr id="48" name="Straight Arrow Connector 47"/>
+          <p:cNvCxnSpPr>
+            <a:stCxn id="19" idx="1"/>
+          </p:cNvCxnSpPr>
+          <p:nvPr/>
+        </p:nvCxnSpPr>
+        <p:spPr>
+          <a:xfrm flipH="1" flipV="1">
+            <a:off x="7681813" y="3337685"/>
+            <a:ext cx="382682" cy="558809"/>
+          </a:xfrm>
+          <a:prstGeom prst="straightConnector1">
+            <a:avLst/>
+          </a:prstGeom>
+          <a:ln w="38100">
+            <a:solidFill>
+              <a:srgbClr val="FF0000"/>
+            </a:solidFill>
+            <a:headEnd type="triangle"/>
+            <a:tailEnd type="triangle"/>
+          </a:ln>
+        </p:spPr>
+        <p:style>
+          <a:lnRef idx="1">
+            <a:schemeClr val="accent1"/>
+          </a:lnRef>
+          <a:fillRef idx="0">
+            <a:schemeClr val="accent1"/>
+          </a:fillRef>
+          <a:effectRef idx="0">
+            <a:schemeClr val="accent1"/>
+          </a:effectRef>
+          <a:fontRef idx="minor">
+            <a:schemeClr val="tx1"/>
+          </a:fontRef>
+        </p:style>
+      </p:cxnSp>
+      <p:cxnSp>
+        <p:nvCxnSpPr>
+          <p:cNvPr id="50" name="Straight Arrow Connector 49"/>
+          <p:cNvCxnSpPr>
+            <a:stCxn id="36" idx="0"/>
+            <a:endCxn id="19" idx="2"/>
+          </p:cNvCxnSpPr>
+          <p:nvPr/>
+        </p:nvCxnSpPr>
+        <p:spPr>
+          <a:xfrm flipV="1">
+            <a:off x="6504974" y="4376244"/>
+            <a:ext cx="826190" cy="7830"/>
+          </a:xfrm>
+          <a:prstGeom prst="straightConnector1">
+            <a:avLst/>
+          </a:prstGeom>
+          <a:ln w="38100">
+            <a:solidFill>
+              <a:srgbClr val="FF0000"/>
+            </a:solidFill>
+            <a:headEnd type="triangle"/>
+            <a:tailEnd type="triangle"/>
+          </a:ln>
+        </p:spPr>
+        <p:style>
+          <a:lnRef idx="1">
+            <a:schemeClr val="accent1"/>
+          </a:lnRef>
+          <a:fillRef idx="0">
+            <a:schemeClr val="accent1"/>
+          </a:fillRef>
+          <a:effectRef idx="0">
+            <a:schemeClr val="accent1"/>
+          </a:effectRef>
+          <a:fontRef idx="minor">
+            <a:schemeClr val="tx1"/>
+          </a:fontRef>
+        </p:style>
+      </p:cxnSp>
+      <p:cxnSp>
+        <p:nvCxnSpPr>
+          <p:cNvPr id="52" name="Straight Arrow Connector 51"/>
+          <p:cNvCxnSpPr>
+            <a:stCxn id="3078" idx="1"/>
+            <a:endCxn id="3076" idx="0"/>
+          </p:cNvCxnSpPr>
+          <p:nvPr/>
+        </p:nvCxnSpPr>
+        <p:spPr>
+          <a:xfrm flipH="1">
+            <a:off x="7709944" y="2351162"/>
+            <a:ext cx="2606423" cy="493262"/>
+          </a:xfrm>
+          <a:prstGeom prst="straightConnector1">
+            <a:avLst/>
+          </a:prstGeom>
+          <a:ln w="38100">
+            <a:solidFill>
+              <a:schemeClr val="accent6"/>
+            </a:solidFill>
+            <a:headEnd type="triangle"/>
+            <a:tailEnd type="triangle"/>
+          </a:ln>
+        </p:spPr>
+        <p:style>
+          <a:lnRef idx="1">
+            <a:schemeClr val="accent1"/>
+          </a:lnRef>
+          <a:fillRef idx="0">
+            <a:schemeClr val="accent1"/>
+          </a:fillRef>
+          <a:effectRef idx="0">
+            <a:schemeClr val="accent1"/>
+          </a:effectRef>
+          <a:fontRef idx="minor">
+            <a:schemeClr val="tx1"/>
+          </a:fontRef>
+        </p:style>
+      </p:cxnSp>
+      <p:cxnSp>
+        <p:nvCxnSpPr>
+          <p:cNvPr id="54" name="Straight Arrow Connector 53"/>
+          <p:cNvCxnSpPr>
+            <a:endCxn id="3076" idx="0"/>
+          </p:cNvCxnSpPr>
+          <p:nvPr/>
+        </p:nvCxnSpPr>
+        <p:spPr>
+          <a:xfrm flipH="1" flipV="1">
+            <a:off x="7709944" y="2844424"/>
+            <a:ext cx="2254309" cy="836818"/>
+          </a:xfrm>
+          <a:prstGeom prst="straightConnector1">
+            <a:avLst/>
+          </a:prstGeom>
+          <a:ln w="38100">
+            <a:solidFill>
+              <a:schemeClr val="accent6"/>
+            </a:solidFill>
+            <a:headEnd type="triangle"/>
+            <a:tailEnd type="triangle"/>
+          </a:ln>
+        </p:spPr>
+        <p:style>
+          <a:lnRef idx="1">
+            <a:schemeClr val="accent1"/>
+          </a:lnRef>
+          <a:fillRef idx="0">
+            <a:schemeClr val="accent1"/>
+          </a:fillRef>
+          <a:effectRef idx="0">
+            <a:schemeClr val="accent1"/>
+          </a:effectRef>
+          <a:fontRef idx="minor">
+            <a:schemeClr val="tx1"/>
+          </a:fontRef>
+        </p:style>
+      </p:cxnSp>
+      <p:cxnSp>
+        <p:nvCxnSpPr>
+          <p:cNvPr id="56" name="Straight Arrow Connector 55"/>
+          <p:cNvCxnSpPr>
+            <a:stCxn id="3082" idx="1"/>
+            <a:endCxn id="19" idx="0"/>
+          </p:cNvCxnSpPr>
+          <p:nvPr/>
+        </p:nvCxnSpPr>
+        <p:spPr>
+          <a:xfrm flipH="1" flipV="1">
+            <a:off x="8797827" y="4376244"/>
+            <a:ext cx="934818" cy="753963"/>
+          </a:xfrm>
+          <a:prstGeom prst="straightConnector1">
+            <a:avLst/>
+          </a:prstGeom>
+          <a:ln w="38100">
+            <a:solidFill>
+              <a:schemeClr val="accent6"/>
+            </a:solidFill>
+            <a:headEnd type="triangle"/>
+            <a:tailEnd type="triangle"/>
+          </a:ln>
+        </p:spPr>
+        <p:style>
+          <a:lnRef idx="1">
+            <a:schemeClr val="accent1"/>
+          </a:lnRef>
+          <a:fillRef idx="0">
+            <a:schemeClr val="accent1"/>
+          </a:fillRef>
+          <a:effectRef idx="0">
+            <a:schemeClr val="accent1"/>
+          </a:effectRef>
+          <a:fontRef idx="minor">
+            <a:schemeClr val="tx1"/>
+          </a:fontRef>
+        </p:style>
+      </p:cxnSp>
+      <p:sp>
+        <p:nvSpPr>
+          <p:cNvPr id="79" name="TextBox 78"/>
+          <p:cNvSpPr txBox="1"/>
+          <p:nvPr/>
+        </p:nvSpPr>
+        <p:spPr>
+          <a:xfrm>
+            <a:off x="9152713" y="3136364"/>
+            <a:ext cx="576825" cy="369332"/>
+          </a:xfrm>
+          <a:prstGeom prst="rect">
+            <a:avLst/>
+          </a:prstGeom>
+          <a:noFill/>
+        </p:spPr>
+        <p:txBody>
+          <a:bodyPr wrap="none" rtlCol="0">
+            <a:spAutoFit/>
+          </a:bodyPr>
+          <a:lstStyle/>
+          <a:p>
+            <a:r>
+              <a:rPr lang="en-US" dirty="0" smtClean="0"/>
+              <a:t>http</a:t>
+            </a:r>
+            <a:endParaRPr lang="en-US" dirty="0"/>
+          </a:p>
+        </p:txBody>
+      </p:sp>
+      <p:sp>
+        <p:nvSpPr>
+          <p:cNvPr id="82" name="TextBox 81"/>
+          <p:cNvSpPr txBox="1"/>
+          <p:nvPr/>
+        </p:nvSpPr>
+        <p:spPr>
+          <a:xfrm>
+            <a:off x="9122987" y="4383921"/>
+            <a:ext cx="576825" cy="369332"/>
+          </a:xfrm>
+          <a:prstGeom prst="rect">
+            <a:avLst/>
+          </a:prstGeom>
+          <a:noFill/>
+        </p:spPr>
+        <p:txBody>
+          <a:bodyPr wrap="none" rtlCol="0">
+            <a:spAutoFit/>
+          </a:bodyPr>
+          <a:lstStyle/>
+          <a:p>
+            <a:r>
+              <a:rPr lang="en-US" dirty="0" smtClean="0"/>
+              <a:t>http</a:t>
+            </a:r>
+            <a:endParaRPr lang="en-US" dirty="0"/>
+          </a:p>
+        </p:txBody>
+      </p:sp>
+      <p:sp>
+        <p:nvSpPr>
+          <p:cNvPr id="83" name="TextBox 82"/>
+          <p:cNvSpPr txBox="1"/>
+          <p:nvPr/>
+        </p:nvSpPr>
+        <p:spPr>
+          <a:xfrm>
+            <a:off x="2658802" y="1839911"/>
+            <a:ext cx="771365" cy="369332"/>
+          </a:xfrm>
+          <a:prstGeom prst="rect">
+            <a:avLst/>
+          </a:prstGeom>
+          <a:noFill/>
+        </p:spPr>
+        <p:txBody>
+          <a:bodyPr wrap="none" rtlCol="0">
+            <a:spAutoFit/>
+          </a:bodyPr>
+          <a:lstStyle/>
+          <a:p>
+            <a:r>
+              <a:rPr lang="en-US" dirty="0" smtClean="0"/>
+              <a:t>nRF24</a:t>
+            </a:r>
+            <a:endParaRPr lang="en-US" dirty="0"/>
+          </a:p>
+        </p:txBody>
+      </p:sp>
+      <p:sp>
+        <p:nvSpPr>
+          <p:cNvPr id="85" name="TextBox 84"/>
+          <p:cNvSpPr txBox="1"/>
+          <p:nvPr/>
+        </p:nvSpPr>
+        <p:spPr>
+          <a:xfrm>
+            <a:off x="1500490" y="1928003"/>
+            <a:ext cx="771365" cy="369332"/>
+          </a:xfrm>
+          <a:prstGeom prst="rect">
+            <a:avLst/>
+          </a:prstGeom>
+          <a:noFill/>
+        </p:spPr>
+        <p:txBody>
+          <a:bodyPr wrap="none" rtlCol="0">
+            <a:spAutoFit/>
+          </a:bodyPr>
+          <a:lstStyle/>
+          <a:p>
+            <a:r>
+              <a:rPr lang="en-US" dirty="0" smtClean="0"/>
+              <a:t>nRF24</a:t>
+            </a:r>
+            <a:endParaRPr lang="en-US" dirty="0"/>
+          </a:p>
+        </p:txBody>
+      </p:sp>
+      <p:sp>
+        <p:nvSpPr>
+          <p:cNvPr id="89" name="TextBox 88"/>
+          <p:cNvSpPr txBox="1"/>
+          <p:nvPr/>
+        </p:nvSpPr>
+        <p:spPr>
+          <a:xfrm>
+            <a:off x="2575824" y="3944686"/>
+            <a:ext cx="771365" cy="369332"/>
+          </a:xfrm>
+          <a:prstGeom prst="rect">
+            <a:avLst/>
+          </a:prstGeom>
+          <a:noFill/>
+        </p:spPr>
+        <p:txBody>
+          <a:bodyPr wrap="none" rtlCol="0">
+            <a:spAutoFit/>
+          </a:bodyPr>
+          <a:lstStyle/>
+          <a:p>
+            <a:r>
+              <a:rPr lang="en-US" dirty="0" smtClean="0"/>
+              <a:t>nRF24</a:t>
+            </a:r>
+            <a:endParaRPr lang="en-US" dirty="0"/>
+          </a:p>
+        </p:txBody>
+      </p:sp>
+    </p:spTree>
+    <p:extLst>
+      <p:ext uri="{BB962C8B-B14F-4D97-AF65-F5344CB8AC3E}">
+        <p14:creationId xmlns:p14="http://schemas.microsoft.com/office/powerpoint/2010/main" val="3748037693"/>
+      </p:ext>
+    </p:extLst>
+  </p:cSld>
+  <p:clrMapOvr>
+    <a:masterClrMapping/>
+  </p:clrMapOvr>
+  <p:timing>
+    <p:tnLst>
+      <p:par>
+        <p:cTn id="1" dur="indefinite" restart="never" nodeType="tmRoot"/>
+      </p:par>
+    </p:tnLst>
+  </p:timing>
+</p:sld>
+</file>
+
+<file path=ppt/slides/slide4.xml><?xml version="1.0" encoding="utf-8"?>
+<p:sld xmlns:a="http://schemas.openxmlformats.org/drawingml/2006/main" xmlns:r="http://schemas.openxmlformats.org/officeDocument/2006/relationships" xmlns:p="http://schemas.openxmlformats.org/presentationml/2006/main">
+  <p:cSld>
+    <p:spTree>
+      <p:nvGrpSpPr>
+        <p:cNvPr id="1" name=""/>
+        <p:cNvGrpSpPr/>
+        <p:nvPr/>
+      </p:nvGrpSpPr>
+      <p:grpSpPr>
+        <a:xfrm>
+          <a:off x="0" y="0"/>
+          <a:ext cx="0" cy="0"/>
+          <a:chOff x="0" y="0"/>
+          <a:chExt cx="0" cy="0"/>
+        </a:xfrm>
+      </p:grpSpPr>
+      <p:sp>
+        <p:nvSpPr>
+          <p:cNvPr id="2" name="Title 1"/>
+          <p:cNvSpPr>
+            <a:spLocks noGrp="1"/>
+          </p:cNvSpPr>
+          <p:nvPr>
+            <p:ph type="title"/>
+          </p:nvPr>
+        </p:nvSpPr>
+        <p:spPr/>
+        <p:txBody>
+          <a:bodyPr/>
+          <a:lstStyle/>
+          <a:p>
+            <a:r>
+              <a:rPr lang="en-US" dirty="0" smtClean="0"/>
+              <a:t>Next Steps</a:t>
+            </a:r>
+            <a:endParaRPr lang="en-US" dirty="0"/>
+          </a:p>
+        </p:txBody>
+      </p:sp>
+      <p:pic>
+        <p:nvPicPr>
+          <p:cNvPr id="4" name="Content Placeholder 3"/>
+          <p:cNvPicPr>
+            <a:picLocks noGrp="1" noChangeAspect="1"/>
+          </p:cNvPicPr>
+          <p:nvPr>
+            <p:ph idx="1"/>
+          </p:nvPr>
+        </p:nvPicPr>
+        <p:blipFill>
+          <a:blip r:embed="rId2" cstate="print">
+            <a:extLst>
+              <a:ext uri="{28A0092B-C50C-407E-A947-70E740481C1C}">
+                <a14:useLocalDpi xmlns:a14="http://schemas.microsoft.com/office/drawing/2010/main" val="0"/>
+              </a:ext>
+            </a:extLst>
+          </a:blip>
+          <a:stretch>
+            <a:fillRect/>
+          </a:stretch>
+        </p:blipFill>
+        <p:spPr>
+          <a:xfrm>
+            <a:off x="9607398" y="6151419"/>
+            <a:ext cx="2584602" cy="706582"/>
+          </a:xfrm>
+        </p:spPr>
+      </p:pic>
+    </p:spTree>
+    <p:extLst>
+      <p:ext uri="{BB962C8B-B14F-4D97-AF65-F5344CB8AC3E}">
+        <p14:creationId xmlns:p14="http://schemas.microsoft.com/office/powerpoint/2010/main" val="1335078485"/>
+      </p:ext>
+    </p:extLst>
+  </p:cSld>
+  <p:clrMapOvr>
+    <a:masterClrMapping/>
+  </p:clrMapOvr>
+  <p:timing>
+    <p:tnLst>
+      <p:par>
+        <p:cTn id="1" dur="indefinite" restart="never" nodeType="tmRoot"/>
+      </p:par>
+    </p:tnLst>
+  </p:timing>
+</p:sld>
+</file>
+
+<file path=ppt/slides/slide5.xml><?xml version="1.0" encoding="utf-8"?>
+<p:sld xmlns:a="http://schemas.openxmlformats.org/drawingml/2006/main" xmlns:r="http://schemas.openxmlformats.org/officeDocument/2006/relationships" xmlns:p="http://schemas.openxmlformats.org/presentationml/2006/main">
+  <p:cSld>
+    <p:spTree>
+      <p:nvGrpSpPr>
+        <p:cNvPr id="1" name=""/>
+        <p:cNvGrpSpPr/>
+        <p:nvPr/>
+      </p:nvGrpSpPr>
+      <p:grpSpPr>
+        <a:xfrm>
+          <a:off x="0" y="0"/>
+          <a:ext cx="0" cy="0"/>
+          <a:chOff x="0" y="0"/>
+          <a:chExt cx="0" cy="0"/>
+        </a:xfrm>
+      </p:grpSpPr>
+      <p:sp>
+        <p:nvSpPr>
+          <p:cNvPr id="2" name="Title 1"/>
+          <p:cNvSpPr>
+            <a:spLocks noGrp="1"/>
+          </p:cNvSpPr>
+          <p:nvPr>
+            <p:ph type="title"/>
+          </p:nvPr>
+        </p:nvSpPr>
+        <p:spPr/>
+        <p:txBody>
+          <a:bodyPr/>
+          <a:lstStyle/>
+          <a:p>
+            <a:r>
+              <a:rPr lang="en-US" dirty="0" smtClean="0"/>
+              <a:t>Next Steps</a:t>
+            </a:r>
+            <a:endParaRPr lang="en-US" dirty="0"/>
+          </a:p>
+        </p:txBody>
+      </p:sp>
+      <p:pic>
+        <p:nvPicPr>
+          <p:cNvPr id="4" name="Content Placeholder 3"/>
+          <p:cNvPicPr>
+            <a:picLocks noGrp="1" noChangeAspect="1"/>
+          </p:cNvPicPr>
+          <p:nvPr>
+            <p:ph idx="1"/>
+          </p:nvPr>
+        </p:nvPicPr>
+        <p:blipFill>
+          <a:blip r:embed="rId2" cstate="print">
+            <a:extLst>
+              <a:ext uri="{28A0092B-C50C-407E-A947-70E740481C1C}">
+                <a14:useLocalDpi xmlns:a14="http://schemas.microsoft.com/office/drawing/2010/main" val="0"/>
+              </a:ext>
+            </a:extLst>
+          </a:blip>
+          <a:stretch>
+            <a:fillRect/>
+          </a:stretch>
+        </p:blipFill>
+        <p:spPr>
+          <a:xfrm>
+            <a:off x="9607398" y="6151419"/>
+            <a:ext cx="2584602" cy="706582"/>
+          </a:xfrm>
+        </p:spPr>
+      </p:pic>
+    </p:spTree>
+    <p:extLst>
+      <p:ext uri="{BB962C8B-B14F-4D97-AF65-F5344CB8AC3E}">
+        <p14:creationId xmlns:p14="http://schemas.microsoft.com/office/powerpoint/2010/main" val="2519134916"/>
       </p:ext>
     </p:extLst>
   </p:cSld>

--- a/presentation.pptx
+++ b/presentation.pptx
@@ -7,9 +7,11 @@
   <p:sldIdLst>
     <p:sldId id="256" r:id="rId2"/>
     <p:sldId id="257" r:id="rId3"/>
-    <p:sldId id="258" r:id="rId4"/>
-    <p:sldId id="259" r:id="rId5"/>
-    <p:sldId id="260" r:id="rId6"/>
+    <p:sldId id="259" r:id="rId4"/>
+    <p:sldId id="261" r:id="rId5"/>
+    <p:sldId id="258" r:id="rId6"/>
+    <p:sldId id="262" r:id="rId7"/>
+    <p:sldId id="260" r:id="rId8"/>
   </p:sldIdLst>
   <p:sldSz cx="12192000" cy="6858000"/>
   <p:notesSz cx="6858000" cy="9144000"/>
@@ -3100,37 +3102,6 @@
           <a:chExt cx="0" cy="0"/>
         </a:xfrm>
       </p:grpSpPr>
-      <p:sp>
-        <p:nvSpPr>
-          <p:cNvPr id="2" name="Title 1"/>
-          <p:cNvSpPr>
-            <a:spLocks noGrp="1"/>
-          </p:cNvSpPr>
-          <p:nvPr>
-            <p:ph type="title"/>
-          </p:nvPr>
-        </p:nvSpPr>
-        <p:spPr/>
-        <p:txBody>
-          <a:bodyPr/>
-          <a:lstStyle/>
-          <a:p>
-            <a:r>
-              <a:rPr lang="en-US" dirty="0" smtClean="0"/>
-              <a:t>The </a:t>
-            </a:r>
-            <a:r>
-              <a:rPr lang="en-US" dirty="0" err="1" smtClean="0"/>
-              <a:t>HiveMap</a:t>
-            </a:r>
-            <a:r>
-              <a:rPr lang="en-US" dirty="0" smtClean="0"/>
-              <a:t> Vision</a:t>
-            </a:r>
-            <a:endParaRPr lang="en-US" dirty="0"/>
-          </a:p>
-        </p:txBody>
-      </p:sp>
       <p:pic>
         <p:nvPicPr>
           <p:cNvPr id="4" name="Content Placeholder 3"/>
@@ -3183,7 +3154,7 @@
         </p:blipFill>
         <p:spPr bwMode="auto">
           <a:xfrm>
-            <a:off x="838200" y="2193476"/>
+            <a:off x="838200" y="2012721"/>
             <a:ext cx="2536768" cy="2415445"/>
           </a:xfrm>
           <a:prstGeom prst="rect">
@@ -3209,10 +3180,10 @@
         </p:nvGrpSpPr>
         <p:grpSpPr>
           <a:xfrm>
-            <a:off x="502393" y="1914541"/>
-            <a:ext cx="10962168" cy="3268062"/>
-            <a:chOff x="699976" y="1499191"/>
-            <a:chExt cx="10962168" cy="3268062"/>
+            <a:off x="502393" y="1648723"/>
+            <a:ext cx="10962168" cy="3204272"/>
+            <a:chOff x="699976" y="1414128"/>
+            <a:chExt cx="10962168" cy="3204272"/>
           </a:xfrm>
         </p:grpSpPr>
         <p:sp>
@@ -3224,7 +3195,7 @@
           <p:spPr>
             <a:xfrm>
               <a:off x="4100403" y="1778126"/>
-              <a:ext cx="7561741" cy="646331"/>
+              <a:ext cx="7561741" cy="2308324"/>
             </a:xfrm>
             <a:prstGeom prst="rect">
               <a:avLst/>
@@ -3241,7 +3212,7 @@
                 <a:rPr lang="en-US" sz="3600" dirty="0" smtClean="0">
                   <a:latin typeface="Bookman Old Style" panose="02050604050505020204" pitchFamily="18" charset="0"/>
                 </a:rPr>
-                <a:t>“???”</a:t>
+                <a:t>“To provide all students with rooms to study in across campus based on accessibility requirements and preference”</a:t>
               </a:r>
               <a:endParaRPr lang="en-US" sz="3600" dirty="0">
                 <a:latin typeface="Bookman Old Style" panose="02050604050505020204" pitchFamily="18" charset="0"/>
@@ -3257,7 +3228,7 @@
           </p:nvCxnSpPr>
           <p:spPr>
             <a:xfrm>
-              <a:off x="699976" y="1499191"/>
+              <a:off x="699976" y="1414128"/>
               <a:ext cx="10962168" cy="0"/>
             </a:xfrm>
             <a:prstGeom prst="line">
@@ -3287,7 +3258,7 @@
           </p:nvCxnSpPr>
           <p:spPr>
             <a:xfrm>
-              <a:off x="699976" y="4767253"/>
+              <a:off x="699976" y="4618400"/>
               <a:ext cx="10962168" cy="0"/>
             </a:xfrm>
             <a:prstGeom prst="line">
@@ -3310,6 +3281,42 @@
           </p:style>
         </p:cxnSp>
       </p:grpSp>
+      <p:sp>
+        <p:nvSpPr>
+          <p:cNvPr id="13" name="TextBox 12"/>
+          <p:cNvSpPr txBox="1"/>
+          <p:nvPr/>
+        </p:nvSpPr>
+        <p:spPr>
+          <a:xfrm>
+            <a:off x="316465" y="86465"/>
+            <a:ext cx="1622560" cy="769441"/>
+          </a:xfrm>
+          <a:prstGeom prst="rect">
+            <a:avLst/>
+          </a:prstGeom>
+          <a:noFill/>
+        </p:spPr>
+        <p:txBody>
+          <a:bodyPr wrap="none" rtlCol="0">
+            <a:spAutoFit/>
+          </a:bodyPr>
+          <a:lstStyle/>
+          <a:p>
+            <a:r>
+              <a:rPr lang="en-US" sz="4400" dirty="0" smtClean="0">
+                <a:latin typeface="+mj-lt"/>
+              </a:rPr>
+              <a:t>Vision</a:t>
+            </a:r>
+            <a:r>
+              <a:rPr lang="en-US" sz="2400" b="1" dirty="0" smtClean="0"/>
+              <a:t> </a:t>
+            </a:r>
+            <a:endParaRPr lang="en-US" sz="2400" b="1" dirty="0"/>
+          </a:p>
+        </p:txBody>
+      </p:sp>
     </p:spTree>
     <p:extLst>
       <p:ext uri="{BB962C8B-B14F-4D97-AF65-F5344CB8AC3E}">
@@ -3347,29 +3354,6 @@
           <a:chExt cx="0" cy="0"/>
         </a:xfrm>
       </p:grpSpPr>
-      <p:sp>
-        <p:nvSpPr>
-          <p:cNvPr id="2" name="Title 1"/>
-          <p:cNvSpPr>
-            <a:spLocks noGrp="1"/>
-          </p:cNvSpPr>
-          <p:nvPr>
-            <p:ph type="title"/>
-          </p:nvPr>
-        </p:nvSpPr>
-        <p:spPr/>
-        <p:txBody>
-          <a:bodyPr/>
-          <a:lstStyle/>
-          <a:p>
-            <a:r>
-              <a:rPr lang="en-US" dirty="0" smtClean="0"/>
-              <a:t>Network Topology</a:t>
-            </a:r>
-            <a:endParaRPr lang="en-US" dirty="0"/>
-          </a:p>
-        </p:txBody>
-      </p:sp>
       <p:pic>
         <p:nvPicPr>
           <p:cNvPr id="4" name="Content Placeholder 3"/>
@@ -3399,6 +3383,1860 @@
           </a:xfrm>
         </p:spPr>
       </p:pic>
+      <p:sp>
+        <p:nvSpPr>
+          <p:cNvPr id="5" name="TextBox 4"/>
+          <p:cNvSpPr txBox="1"/>
+          <p:nvPr/>
+        </p:nvSpPr>
+        <p:spPr>
+          <a:xfrm>
+            <a:off x="316465" y="86465"/>
+            <a:ext cx="10659585" cy="1138773"/>
+          </a:xfrm>
+          <a:prstGeom prst="rect">
+            <a:avLst/>
+          </a:prstGeom>
+          <a:noFill/>
+        </p:spPr>
+        <p:txBody>
+          <a:bodyPr wrap="none" rtlCol="0">
+            <a:spAutoFit/>
+          </a:bodyPr>
+          <a:lstStyle/>
+          <a:p>
+            <a:r>
+              <a:rPr lang="en-US" sz="4400" dirty="0" smtClean="0">
+                <a:latin typeface="+mj-lt"/>
+              </a:rPr>
+              <a:t>The </a:t>
+            </a:r>
+            <a:r>
+              <a:rPr lang="en-US" sz="4400" dirty="0" err="1" smtClean="0">
+                <a:latin typeface="+mj-lt"/>
+              </a:rPr>
+              <a:t>HiveMap</a:t>
+            </a:r>
+            <a:r>
+              <a:rPr lang="en-US" sz="4400" dirty="0" smtClean="0">
+                <a:latin typeface="+mj-lt"/>
+              </a:rPr>
+              <a:t> Solution</a:t>
+            </a:r>
+          </a:p>
+          <a:p>
+            <a:r>
+              <a:rPr lang="en-US" sz="2400" b="1" dirty="0" smtClean="0"/>
+              <a:t>A web dashboard combining dynamic </a:t>
+            </a:r>
+            <a:r>
+              <a:rPr lang="en-US" sz="2400" b="1" dirty="0" err="1" smtClean="0"/>
+              <a:t>IoT</a:t>
+            </a:r>
+            <a:r>
+              <a:rPr lang="en-US" sz="2400" b="1" dirty="0" smtClean="0"/>
+              <a:t> sensor data with static room information</a:t>
+            </a:r>
+            <a:endParaRPr lang="en-US" sz="2400" b="1" dirty="0"/>
+          </a:p>
+        </p:txBody>
+      </p:sp>
+    </p:spTree>
+    <p:extLst>
+      <p:ext uri="{BB962C8B-B14F-4D97-AF65-F5344CB8AC3E}">
+        <p14:creationId xmlns:p14="http://schemas.microsoft.com/office/powerpoint/2010/main" val="1335078485"/>
+      </p:ext>
+    </p:extLst>
+  </p:cSld>
+  <p:clrMapOvr>
+    <a:masterClrMapping/>
+  </p:clrMapOvr>
+  <p:timing>
+    <p:tnLst>
+      <p:par>
+        <p:cTn id="1" dur="indefinite" restart="never" nodeType="tmRoot"/>
+      </p:par>
+    </p:tnLst>
+  </p:timing>
+</p:sld>
+</file>
+
+<file path=ppt/slides/slide4.xml><?xml version="1.0" encoding="utf-8"?>
+<p:sld xmlns:a="http://schemas.openxmlformats.org/drawingml/2006/main" xmlns:r="http://schemas.openxmlformats.org/officeDocument/2006/relationships" xmlns:p="http://schemas.openxmlformats.org/presentationml/2006/main">
+  <p:cSld>
+    <p:spTree>
+      <p:nvGrpSpPr>
+        <p:cNvPr id="1" name=""/>
+        <p:cNvGrpSpPr/>
+        <p:nvPr/>
+      </p:nvGrpSpPr>
+      <p:grpSpPr>
+        <a:xfrm>
+          <a:off x="0" y="0"/>
+          <a:ext cx="0" cy="0"/>
+          <a:chOff x="0" y="0"/>
+          <a:chExt cx="0" cy="0"/>
+        </a:xfrm>
+      </p:grpSpPr>
+      <p:pic>
+        <p:nvPicPr>
+          <p:cNvPr id="4" name="Content Placeholder 3"/>
+          <p:cNvPicPr>
+            <a:picLocks noGrp="1" noChangeAspect="1"/>
+          </p:cNvPicPr>
+          <p:nvPr>
+            <p:ph idx="1"/>
+          </p:nvPr>
+        </p:nvPicPr>
+        <p:blipFill>
+          <a:blip r:embed="rId2" cstate="print">
+            <a:extLst>
+              <a:ext uri="{28A0092B-C50C-407E-A947-70E740481C1C}">
+                <a14:useLocalDpi xmlns:a14="http://schemas.microsoft.com/office/drawing/2010/main" val="0"/>
+              </a:ext>
+            </a:extLst>
+          </a:blip>
+          <a:stretch>
+            <a:fillRect/>
+          </a:stretch>
+        </p:blipFill>
+        <p:spPr>
+          <a:xfrm>
+            <a:off x="9607398" y="6151419"/>
+            <a:ext cx="2584602" cy="706582"/>
+          </a:xfrm>
+        </p:spPr>
+      </p:pic>
+      <p:sp>
+        <p:nvSpPr>
+          <p:cNvPr id="5" name="TextBox 4"/>
+          <p:cNvSpPr txBox="1"/>
+          <p:nvPr/>
+        </p:nvSpPr>
+        <p:spPr>
+          <a:xfrm>
+            <a:off x="316465" y="86465"/>
+            <a:ext cx="8536824" cy="1138773"/>
+          </a:xfrm>
+          <a:prstGeom prst="rect">
+            <a:avLst/>
+          </a:prstGeom>
+          <a:noFill/>
+        </p:spPr>
+        <p:txBody>
+          <a:bodyPr wrap="none" rtlCol="0">
+            <a:spAutoFit/>
+          </a:bodyPr>
+          <a:lstStyle/>
+          <a:p>
+            <a:r>
+              <a:rPr lang="en-US" sz="4400" dirty="0" smtClean="0">
+                <a:latin typeface="+mj-lt"/>
+              </a:rPr>
+              <a:t>Sensor and Static Data Requirements</a:t>
+            </a:r>
+          </a:p>
+          <a:p>
+            <a:r>
+              <a:rPr lang="en-US" sz="2400" b="1" dirty="0" smtClean="0"/>
+              <a:t>Displayed room properties were based on accessibility</a:t>
+            </a:r>
+            <a:endParaRPr lang="en-US" sz="2400" b="1" dirty="0"/>
+          </a:p>
+        </p:txBody>
+      </p:sp>
+      <p:graphicFrame>
+        <p:nvGraphicFramePr>
+          <p:cNvPr id="2" name="Table 1"/>
+          <p:cNvGraphicFramePr>
+            <a:graphicFrameLocks noGrp="1"/>
+          </p:cNvGraphicFramePr>
+          <p:nvPr>
+            <p:extLst>
+              <p:ext uri="{D42A27DB-BD31-4B8C-83A1-F6EECF244321}">
+                <p14:modId xmlns:p14="http://schemas.microsoft.com/office/powerpoint/2010/main" val="1210407695"/>
+              </p:ext>
+            </p:extLst>
+          </p:nvPr>
+        </p:nvGraphicFramePr>
+        <p:xfrm>
+          <a:off x="720502" y="2103046"/>
+          <a:ext cx="2199758" cy="2966720"/>
+        </p:xfrm>
+        <a:graphic>
+          <a:graphicData uri="http://schemas.openxmlformats.org/drawingml/2006/table">
+            <a:tbl>
+              <a:tblPr firstRow="1" bandRow="1">
+                <a:tableStyleId>{00A15C55-8517-42AA-B614-E9B94910E393}</a:tableStyleId>
+              </a:tblPr>
+              <a:tblGrid>
+                <a:gridCol w="2199758">
+                  <a:extLst>
+                    <a:ext uri="{9D8B030D-6E8A-4147-A177-3AD203B41FA5}">
+                      <a16:colId xmlns:a16="http://schemas.microsoft.com/office/drawing/2014/main" val="4202954752"/>
+                    </a:ext>
+                  </a:extLst>
+                </a:gridCol>
+              </a:tblGrid>
+              <a:tr h="370840">
+                <a:tc>
+                  <a:txBody>
+                    <a:bodyPr/>
+                    <a:lstStyle/>
+                    <a:p>
+                      <a:r>
+                        <a:rPr lang="en-US" dirty="0" smtClean="0">
+                          <a:solidFill>
+                            <a:schemeClr val="tx1"/>
+                          </a:solidFill>
+                        </a:rPr>
+                        <a:t>Student</a:t>
+                      </a:r>
+                      <a:r>
+                        <a:rPr lang="en-US" baseline="0" dirty="0" smtClean="0">
+                          <a:solidFill>
+                            <a:schemeClr val="tx1"/>
+                          </a:solidFill>
+                        </a:rPr>
+                        <a:t> Disability</a:t>
+                      </a:r>
+                      <a:endParaRPr lang="en-US" dirty="0">
+                        <a:solidFill>
+                          <a:schemeClr val="tx1"/>
+                        </a:solidFill>
+                      </a:endParaRPr>
+                    </a:p>
+                  </a:txBody>
+                  <a:tcPr/>
+                </a:tc>
+                <a:extLst>
+                  <a:ext uri="{0D108BD9-81ED-4DB2-BD59-A6C34878D82A}">
+                    <a16:rowId xmlns:a16="http://schemas.microsoft.com/office/drawing/2014/main" val="2298304843"/>
+                  </a:ext>
+                </a:extLst>
+              </a:tr>
+              <a:tr h="370840">
+                <a:tc>
+                  <a:txBody>
+                    <a:bodyPr/>
+                    <a:lstStyle/>
+                    <a:p>
+                      <a:r>
+                        <a:rPr lang="en-US" dirty="0" smtClean="0"/>
+                        <a:t>Immobility</a:t>
+                      </a:r>
+                      <a:endParaRPr lang="en-US" dirty="0"/>
+                    </a:p>
+                  </a:txBody>
+                  <a:tcPr/>
+                </a:tc>
+                <a:extLst>
+                  <a:ext uri="{0D108BD9-81ED-4DB2-BD59-A6C34878D82A}">
+                    <a16:rowId xmlns:a16="http://schemas.microsoft.com/office/drawing/2014/main" val="2637940832"/>
+                  </a:ext>
+                </a:extLst>
+              </a:tr>
+              <a:tr h="370840">
+                <a:tc>
+                  <a:txBody>
+                    <a:bodyPr/>
+                    <a:lstStyle/>
+                    <a:p>
+                      <a:r>
+                        <a:rPr lang="en-US" dirty="0" smtClean="0"/>
+                        <a:t>ADD / ADHD, Anxiety</a:t>
+                      </a:r>
+                      <a:endParaRPr lang="en-US" dirty="0"/>
+                    </a:p>
+                  </a:txBody>
+                  <a:tcPr/>
+                </a:tc>
+                <a:extLst>
+                  <a:ext uri="{0D108BD9-81ED-4DB2-BD59-A6C34878D82A}">
+                    <a16:rowId xmlns:a16="http://schemas.microsoft.com/office/drawing/2014/main" val="300408071"/>
+                  </a:ext>
+                </a:extLst>
+              </a:tr>
+              <a:tr h="370840">
+                <a:tc>
+                  <a:txBody>
+                    <a:bodyPr/>
+                    <a:lstStyle/>
+                    <a:p>
+                      <a:r>
+                        <a:rPr lang="en-US" dirty="0" smtClean="0"/>
+                        <a:t>Depression, SAD</a:t>
+                      </a:r>
+                      <a:endParaRPr lang="en-US" dirty="0"/>
+                    </a:p>
+                  </a:txBody>
+                  <a:tcPr/>
+                </a:tc>
+                <a:extLst>
+                  <a:ext uri="{0D108BD9-81ED-4DB2-BD59-A6C34878D82A}">
+                    <a16:rowId xmlns:a16="http://schemas.microsoft.com/office/drawing/2014/main" val="305160329"/>
+                  </a:ext>
+                </a:extLst>
+              </a:tr>
+              <a:tr h="370840">
+                <a:tc>
+                  <a:txBody>
+                    <a:bodyPr/>
+                    <a:lstStyle/>
+                    <a:p>
+                      <a:r>
+                        <a:rPr lang="en-US" dirty="0" smtClean="0"/>
+                        <a:t>Learning Disabilities</a:t>
+                      </a:r>
+                      <a:endParaRPr lang="en-US" dirty="0"/>
+                    </a:p>
+                  </a:txBody>
+                  <a:tcPr/>
+                </a:tc>
+                <a:extLst>
+                  <a:ext uri="{0D108BD9-81ED-4DB2-BD59-A6C34878D82A}">
+                    <a16:rowId xmlns:a16="http://schemas.microsoft.com/office/drawing/2014/main" val="46350406"/>
+                  </a:ext>
+                </a:extLst>
+              </a:tr>
+              <a:tr h="370840">
+                <a:tc>
+                  <a:txBody>
+                    <a:bodyPr/>
+                    <a:lstStyle/>
+                    <a:p>
+                      <a:r>
+                        <a:rPr lang="en-US" dirty="0" err="1" smtClean="0"/>
+                        <a:t>Veisalgia</a:t>
+                      </a:r>
+                      <a:r>
+                        <a:rPr lang="en-US" dirty="0" smtClean="0"/>
+                        <a:t> (Hangover)</a:t>
+                      </a:r>
+                      <a:endParaRPr lang="en-US" dirty="0"/>
+                    </a:p>
+                  </a:txBody>
+                  <a:tcPr/>
+                </a:tc>
+                <a:extLst>
+                  <a:ext uri="{0D108BD9-81ED-4DB2-BD59-A6C34878D82A}">
+                    <a16:rowId xmlns:a16="http://schemas.microsoft.com/office/drawing/2014/main" val="2455465926"/>
+                  </a:ext>
+                </a:extLst>
+              </a:tr>
+              <a:tr h="370840">
+                <a:tc>
+                  <a:txBody>
+                    <a:bodyPr/>
+                    <a:lstStyle/>
+                    <a:p>
+                      <a:r>
+                        <a:rPr lang="en-US" dirty="0" smtClean="0"/>
+                        <a:t>Diabetes</a:t>
+                      </a:r>
+                      <a:endParaRPr lang="en-US" dirty="0"/>
+                    </a:p>
+                  </a:txBody>
+                  <a:tcPr/>
+                </a:tc>
+                <a:extLst>
+                  <a:ext uri="{0D108BD9-81ED-4DB2-BD59-A6C34878D82A}">
+                    <a16:rowId xmlns:a16="http://schemas.microsoft.com/office/drawing/2014/main" val="1332430975"/>
+                  </a:ext>
+                </a:extLst>
+              </a:tr>
+              <a:tr h="370840">
+                <a:tc>
+                  <a:txBody>
+                    <a:bodyPr/>
+                    <a:lstStyle/>
+                    <a:p>
+                      <a:r>
+                        <a:rPr lang="en-US" dirty="0" smtClean="0"/>
+                        <a:t>Allergies</a:t>
+                      </a:r>
+                      <a:endParaRPr lang="en-US" dirty="0"/>
+                    </a:p>
+                  </a:txBody>
+                  <a:tcPr/>
+                </a:tc>
+                <a:extLst>
+                  <a:ext uri="{0D108BD9-81ED-4DB2-BD59-A6C34878D82A}">
+                    <a16:rowId xmlns:a16="http://schemas.microsoft.com/office/drawing/2014/main" val="3057953034"/>
+                  </a:ext>
+                </a:extLst>
+              </a:tr>
+            </a:tbl>
+          </a:graphicData>
+        </a:graphic>
+      </p:graphicFrame>
+      <p:graphicFrame>
+        <p:nvGraphicFramePr>
+          <p:cNvPr id="6" name="Table 5"/>
+          <p:cNvGraphicFramePr>
+            <a:graphicFrameLocks noGrp="1"/>
+          </p:cNvGraphicFramePr>
+          <p:nvPr>
+            <p:extLst>
+              <p:ext uri="{D42A27DB-BD31-4B8C-83A1-F6EECF244321}">
+                <p14:modId xmlns:p14="http://schemas.microsoft.com/office/powerpoint/2010/main" val="901451640"/>
+              </p:ext>
+            </p:extLst>
+          </p:nvPr>
+        </p:nvGraphicFramePr>
+        <p:xfrm>
+          <a:off x="3859539" y="1601692"/>
+          <a:ext cx="3557182" cy="3698240"/>
+        </p:xfrm>
+        <a:graphic>
+          <a:graphicData uri="http://schemas.openxmlformats.org/drawingml/2006/table">
+            <a:tbl>
+              <a:tblPr firstRow="1" bandRow="1">
+                <a:tableStyleId>{00A15C55-8517-42AA-B614-E9B94910E393}</a:tableStyleId>
+              </a:tblPr>
+              <a:tblGrid>
+                <a:gridCol w="3557182">
+                  <a:extLst>
+                    <a:ext uri="{9D8B030D-6E8A-4147-A177-3AD203B41FA5}">
+                      <a16:colId xmlns:a16="http://schemas.microsoft.com/office/drawing/2014/main" val="4202954752"/>
+                    </a:ext>
+                  </a:extLst>
+                </a:gridCol>
+              </a:tblGrid>
+              <a:tr h="370840">
+                <a:tc>
+                  <a:txBody>
+                    <a:bodyPr/>
+                    <a:lstStyle/>
+                    <a:p>
+                      <a:r>
+                        <a:rPr lang="en-US" dirty="0" smtClean="0">
+                          <a:solidFill>
+                            <a:schemeClr val="tx1"/>
+                          </a:solidFill>
+                        </a:rPr>
+                        <a:t>Room Requirement</a:t>
+                      </a:r>
+                      <a:endParaRPr lang="en-US" dirty="0">
+                        <a:solidFill>
+                          <a:schemeClr val="tx1"/>
+                        </a:solidFill>
+                      </a:endParaRPr>
+                    </a:p>
+                  </a:txBody>
+                  <a:tcPr/>
+                </a:tc>
+                <a:extLst>
+                  <a:ext uri="{0D108BD9-81ED-4DB2-BD59-A6C34878D82A}">
+                    <a16:rowId xmlns:a16="http://schemas.microsoft.com/office/drawing/2014/main" val="2298304843"/>
+                  </a:ext>
+                </a:extLst>
+              </a:tr>
+              <a:tr h="370840">
+                <a:tc>
+                  <a:txBody>
+                    <a:bodyPr/>
+                    <a:lstStyle/>
+                    <a:p>
+                      <a:r>
+                        <a:rPr lang="en-US" dirty="0" smtClean="0"/>
+                        <a:t>Room size</a:t>
+                      </a:r>
+                      <a:endParaRPr lang="en-US" dirty="0"/>
+                    </a:p>
+                  </a:txBody>
+                  <a:tcPr/>
+                </a:tc>
+                <a:extLst>
+                  <a:ext uri="{0D108BD9-81ED-4DB2-BD59-A6C34878D82A}">
+                    <a16:rowId xmlns:a16="http://schemas.microsoft.com/office/drawing/2014/main" val="1332430975"/>
+                  </a:ext>
+                </a:extLst>
+              </a:tr>
+              <a:tr h="370840">
+                <a:tc>
+                  <a:txBody>
+                    <a:bodyPr/>
+                    <a:lstStyle/>
+                    <a:p>
+                      <a:r>
+                        <a:rPr lang="en-US" dirty="0" smtClean="0"/>
+                        <a:t>Ground floor / elevator accessibility</a:t>
+                      </a:r>
+                      <a:endParaRPr lang="en-US" dirty="0"/>
+                    </a:p>
+                  </a:txBody>
+                  <a:tcPr/>
+                </a:tc>
+                <a:extLst>
+                  <a:ext uri="{0D108BD9-81ED-4DB2-BD59-A6C34878D82A}">
+                    <a16:rowId xmlns:a16="http://schemas.microsoft.com/office/drawing/2014/main" val="3057953034"/>
+                  </a:ext>
+                </a:extLst>
+              </a:tr>
+              <a:tr h="370840">
+                <a:tc>
+                  <a:txBody>
+                    <a:bodyPr/>
+                    <a:lstStyle/>
+                    <a:p>
+                      <a:r>
+                        <a:rPr lang="en-US" dirty="0" smtClean="0"/>
+                        <a:t>Noise </a:t>
+                      </a:r>
+                      <a:r>
+                        <a:rPr lang="en-US" dirty="0" smtClean="0"/>
+                        <a:t>level</a:t>
+                      </a:r>
+                      <a:endParaRPr lang="en-US" dirty="0"/>
+                    </a:p>
+                  </a:txBody>
+                  <a:tcPr/>
+                </a:tc>
+                <a:extLst>
+                  <a:ext uri="{0D108BD9-81ED-4DB2-BD59-A6C34878D82A}">
+                    <a16:rowId xmlns:a16="http://schemas.microsoft.com/office/drawing/2014/main" val="4113645207"/>
+                  </a:ext>
+                </a:extLst>
+              </a:tr>
+              <a:tr h="370840">
+                <a:tc>
+                  <a:txBody>
+                    <a:bodyPr/>
+                    <a:lstStyle/>
+                    <a:p>
+                      <a:r>
+                        <a:rPr lang="en-US" dirty="0" smtClean="0"/>
+                        <a:t>Sunlight</a:t>
+                      </a:r>
+                      <a:r>
+                        <a:rPr lang="en-US" baseline="0" dirty="0" smtClean="0"/>
+                        <a:t> / Window / Window angle</a:t>
+                      </a:r>
+                      <a:endParaRPr lang="en-US" dirty="0"/>
+                    </a:p>
+                  </a:txBody>
+                  <a:tcPr/>
+                </a:tc>
+                <a:extLst>
+                  <a:ext uri="{0D108BD9-81ED-4DB2-BD59-A6C34878D82A}">
+                    <a16:rowId xmlns:a16="http://schemas.microsoft.com/office/drawing/2014/main" val="829144574"/>
+                  </a:ext>
+                </a:extLst>
+              </a:tr>
+              <a:tr h="370840">
+                <a:tc>
+                  <a:txBody>
+                    <a:bodyPr/>
+                    <a:lstStyle/>
+                    <a:p>
+                      <a:r>
+                        <a:rPr lang="en-US" dirty="0" smtClean="0"/>
+                        <a:t>Tutoring</a:t>
+                      </a:r>
+                      <a:endParaRPr lang="en-US" dirty="0"/>
+                    </a:p>
+                  </a:txBody>
+                  <a:tcPr/>
+                </a:tc>
+                <a:extLst>
+                  <a:ext uri="{0D108BD9-81ED-4DB2-BD59-A6C34878D82A}">
+                    <a16:rowId xmlns:a16="http://schemas.microsoft.com/office/drawing/2014/main" val="2241255187"/>
+                  </a:ext>
+                </a:extLst>
+              </a:tr>
+              <a:tr h="370840">
+                <a:tc>
+                  <a:txBody>
+                    <a:bodyPr/>
+                    <a:lstStyle/>
+                    <a:p>
+                      <a:r>
+                        <a:rPr lang="en-US" dirty="0" smtClean="0"/>
+                        <a:t>Food,</a:t>
+                      </a:r>
+                      <a:r>
+                        <a:rPr lang="en-US" baseline="0" dirty="0" smtClean="0"/>
+                        <a:t> garbage bin, vending machine</a:t>
+                      </a:r>
+                      <a:endParaRPr lang="en-US" dirty="0"/>
+                    </a:p>
+                  </a:txBody>
+                  <a:tcPr/>
+                </a:tc>
+                <a:extLst>
+                  <a:ext uri="{0D108BD9-81ED-4DB2-BD59-A6C34878D82A}">
+                    <a16:rowId xmlns:a16="http://schemas.microsoft.com/office/drawing/2014/main" val="1754097234"/>
+                  </a:ext>
+                </a:extLst>
+              </a:tr>
+              <a:tr h="370840">
+                <a:tc>
+                  <a:txBody>
+                    <a:bodyPr/>
+                    <a:lstStyle/>
+                    <a:p>
+                      <a:r>
+                        <a:rPr lang="en-US" dirty="0" smtClean="0"/>
+                        <a:t>Bathroom</a:t>
+                      </a:r>
+                      <a:endParaRPr lang="en-US" dirty="0"/>
+                    </a:p>
+                  </a:txBody>
+                  <a:tcPr/>
+                </a:tc>
+                <a:extLst>
+                  <a:ext uri="{0D108BD9-81ED-4DB2-BD59-A6C34878D82A}">
+                    <a16:rowId xmlns:a16="http://schemas.microsoft.com/office/drawing/2014/main" val="3001552796"/>
+                  </a:ext>
+                </a:extLst>
+              </a:tr>
+              <a:tr h="312756">
+                <a:tc>
+                  <a:txBody>
+                    <a:bodyPr/>
+                    <a:lstStyle/>
+                    <a:p>
+                      <a:r>
+                        <a:rPr lang="en-US" dirty="0" smtClean="0"/>
+                        <a:t>Air quality</a:t>
+                      </a:r>
+                      <a:endParaRPr lang="en-US" dirty="0"/>
+                    </a:p>
+                  </a:txBody>
+                  <a:tcPr/>
+                </a:tc>
+                <a:extLst>
+                  <a:ext uri="{0D108BD9-81ED-4DB2-BD59-A6C34878D82A}">
+                    <a16:rowId xmlns:a16="http://schemas.microsoft.com/office/drawing/2014/main" val="2000337574"/>
+                  </a:ext>
+                </a:extLst>
+              </a:tr>
+              <a:tr h="312756">
+                <a:tc>
+                  <a:txBody>
+                    <a:bodyPr/>
+                    <a:lstStyle/>
+                    <a:p>
+                      <a:pPr marL="0" marR="0" indent="0" algn="l" defTabSz="914400" rtl="0" eaLnBrk="1" fontAlgn="auto" latinLnBrk="0" hangingPunct="1">
+                        <a:lnSpc>
+                          <a:spcPct val="100000"/>
+                        </a:lnSpc>
+                        <a:spcBef>
+                          <a:spcPts val="0"/>
+                        </a:spcBef>
+                        <a:spcAft>
+                          <a:spcPts val="0"/>
+                        </a:spcAft>
+                        <a:buClrTx/>
+                        <a:buSzTx/>
+                        <a:buFontTx/>
+                        <a:buNone/>
+                        <a:tabLst/>
+                        <a:defRPr/>
+                      </a:pPr>
+                      <a:r>
+                        <a:rPr lang="en-US" dirty="0" smtClean="0"/>
+                        <a:t>Blac</a:t>
+                      </a:r>
+                      <a:r>
+                        <a:rPr lang="en-US" baseline="0" dirty="0" smtClean="0"/>
+                        <a:t>k board, white board, projector</a:t>
+                      </a:r>
+                      <a:endParaRPr lang="en-US" dirty="0" smtClean="0"/>
+                    </a:p>
+                  </a:txBody>
+                  <a:tcPr/>
+                </a:tc>
+                <a:extLst>
+                  <a:ext uri="{0D108BD9-81ED-4DB2-BD59-A6C34878D82A}">
+                    <a16:rowId xmlns:a16="http://schemas.microsoft.com/office/drawing/2014/main" val="3272711796"/>
+                  </a:ext>
+                </a:extLst>
+              </a:tr>
+            </a:tbl>
+          </a:graphicData>
+        </a:graphic>
+      </p:graphicFrame>
+      <p:graphicFrame>
+        <p:nvGraphicFramePr>
+          <p:cNvPr id="8" name="Table 7"/>
+          <p:cNvGraphicFramePr>
+            <a:graphicFrameLocks noGrp="1"/>
+          </p:cNvGraphicFramePr>
+          <p:nvPr>
+            <p:extLst>
+              <p:ext uri="{D42A27DB-BD31-4B8C-83A1-F6EECF244321}">
+                <p14:modId xmlns:p14="http://schemas.microsoft.com/office/powerpoint/2010/main" val="363909445"/>
+              </p:ext>
+            </p:extLst>
+          </p:nvPr>
+        </p:nvGraphicFramePr>
+        <p:xfrm>
+          <a:off x="8356000" y="855906"/>
+          <a:ext cx="3031470" cy="2494280"/>
+        </p:xfrm>
+        <a:graphic>
+          <a:graphicData uri="http://schemas.openxmlformats.org/drawingml/2006/table">
+            <a:tbl>
+              <a:tblPr firstRow="1" bandRow="1">
+                <a:tableStyleId>{00A15C55-8517-42AA-B614-E9B94910E393}</a:tableStyleId>
+              </a:tblPr>
+              <a:tblGrid>
+                <a:gridCol w="3031470">
+                  <a:extLst>
+                    <a:ext uri="{9D8B030D-6E8A-4147-A177-3AD203B41FA5}">
+                      <a16:colId xmlns:a16="http://schemas.microsoft.com/office/drawing/2014/main" val="4202954752"/>
+                    </a:ext>
+                  </a:extLst>
+                </a:gridCol>
+              </a:tblGrid>
+              <a:tr h="370840">
+                <a:tc>
+                  <a:txBody>
+                    <a:bodyPr/>
+                    <a:lstStyle/>
+                    <a:p>
+                      <a:r>
+                        <a:rPr lang="en-US" dirty="0" smtClean="0">
+                          <a:solidFill>
+                            <a:schemeClr val="tx1"/>
+                          </a:solidFill>
+                        </a:rPr>
+                        <a:t>Sensor Requirement (Dynamic Properties)</a:t>
+                      </a:r>
+                      <a:endParaRPr lang="en-US" dirty="0">
+                        <a:solidFill>
+                          <a:schemeClr val="tx1"/>
+                        </a:solidFill>
+                      </a:endParaRPr>
+                    </a:p>
+                  </a:txBody>
+                  <a:tcPr/>
+                </a:tc>
+                <a:extLst>
+                  <a:ext uri="{0D108BD9-81ED-4DB2-BD59-A6C34878D82A}">
+                    <a16:rowId xmlns:a16="http://schemas.microsoft.com/office/drawing/2014/main" val="2298304843"/>
+                  </a:ext>
+                </a:extLst>
+              </a:tr>
+              <a:tr h="370840">
+                <a:tc>
+                  <a:txBody>
+                    <a:bodyPr/>
+                    <a:lstStyle/>
+                    <a:p>
+                      <a:r>
+                        <a:rPr lang="en-US" u="none" dirty="0" smtClean="0"/>
+                        <a:t>PIR Sensor</a:t>
+                      </a:r>
+                      <a:endParaRPr lang="en-US" u="none" dirty="0"/>
+                    </a:p>
+                  </a:txBody>
+                  <a:tcPr/>
+                </a:tc>
+                <a:extLst>
+                  <a:ext uri="{0D108BD9-81ED-4DB2-BD59-A6C34878D82A}">
+                    <a16:rowId xmlns:a16="http://schemas.microsoft.com/office/drawing/2014/main" val="1332430975"/>
+                  </a:ext>
+                </a:extLst>
+              </a:tr>
+              <a:tr h="370840">
+                <a:tc>
+                  <a:txBody>
+                    <a:bodyPr/>
+                    <a:lstStyle/>
+                    <a:p>
+                      <a:r>
+                        <a:rPr lang="en-US" dirty="0" smtClean="0"/>
+                        <a:t>Acoustic Sensor</a:t>
+                      </a:r>
+                      <a:endParaRPr lang="en-US" dirty="0"/>
+                    </a:p>
+                  </a:txBody>
+                  <a:tcPr/>
+                </a:tc>
+                <a:extLst>
+                  <a:ext uri="{0D108BD9-81ED-4DB2-BD59-A6C34878D82A}">
+                    <a16:rowId xmlns:a16="http://schemas.microsoft.com/office/drawing/2014/main" val="3057953034"/>
+                  </a:ext>
+                </a:extLst>
+              </a:tr>
+              <a:tr h="370840">
+                <a:tc>
+                  <a:txBody>
+                    <a:bodyPr/>
+                    <a:lstStyle/>
+                    <a:p>
+                      <a:r>
+                        <a:rPr lang="en-US" dirty="0" smtClean="0"/>
+                        <a:t>Light Sensor</a:t>
+                      </a:r>
+                      <a:endParaRPr lang="en-US" dirty="0"/>
+                    </a:p>
+                  </a:txBody>
+                  <a:tcPr/>
+                </a:tc>
+                <a:extLst>
+                  <a:ext uri="{0D108BD9-81ED-4DB2-BD59-A6C34878D82A}">
+                    <a16:rowId xmlns:a16="http://schemas.microsoft.com/office/drawing/2014/main" val="4113645207"/>
+                  </a:ext>
+                </a:extLst>
+              </a:tr>
+              <a:tr h="370840">
+                <a:tc>
+                  <a:txBody>
+                    <a:bodyPr/>
+                    <a:lstStyle/>
+                    <a:p>
+                      <a:r>
+                        <a:rPr lang="en-US" dirty="0" smtClean="0"/>
+                        <a:t>Occupancy</a:t>
+                      </a:r>
+                      <a:r>
+                        <a:rPr lang="en-US" baseline="0" dirty="0" smtClean="0"/>
+                        <a:t> Switch</a:t>
+                      </a:r>
+                      <a:endParaRPr lang="en-US" dirty="0"/>
+                    </a:p>
+                  </a:txBody>
+                  <a:tcPr/>
+                </a:tc>
+                <a:extLst>
+                  <a:ext uri="{0D108BD9-81ED-4DB2-BD59-A6C34878D82A}">
+                    <a16:rowId xmlns:a16="http://schemas.microsoft.com/office/drawing/2014/main" val="829144574"/>
+                  </a:ext>
+                </a:extLst>
+              </a:tr>
+              <a:tr h="370840">
+                <a:tc>
+                  <a:txBody>
+                    <a:bodyPr/>
+                    <a:lstStyle/>
+                    <a:p>
+                      <a:r>
+                        <a:rPr lang="en-US" dirty="0" smtClean="0"/>
+                        <a:t>Air quality sensor</a:t>
+                      </a:r>
+                      <a:endParaRPr lang="en-US" dirty="0"/>
+                    </a:p>
+                  </a:txBody>
+                  <a:tcPr/>
+                </a:tc>
+                <a:extLst>
+                  <a:ext uri="{0D108BD9-81ED-4DB2-BD59-A6C34878D82A}">
+                    <a16:rowId xmlns:a16="http://schemas.microsoft.com/office/drawing/2014/main" val="2068914283"/>
+                  </a:ext>
+                </a:extLst>
+              </a:tr>
+            </a:tbl>
+          </a:graphicData>
+        </a:graphic>
+      </p:graphicFrame>
+      <p:graphicFrame>
+        <p:nvGraphicFramePr>
+          <p:cNvPr id="9" name="Table 8"/>
+          <p:cNvGraphicFramePr>
+            <a:graphicFrameLocks noGrp="1"/>
+          </p:cNvGraphicFramePr>
+          <p:nvPr>
+            <p:extLst>
+              <p:ext uri="{D42A27DB-BD31-4B8C-83A1-F6EECF244321}">
+                <p14:modId xmlns:p14="http://schemas.microsoft.com/office/powerpoint/2010/main" val="3353101165"/>
+              </p:ext>
+            </p:extLst>
+          </p:nvPr>
+        </p:nvGraphicFramePr>
+        <p:xfrm>
+          <a:off x="8356000" y="3350186"/>
+          <a:ext cx="3031470" cy="2849880"/>
+        </p:xfrm>
+        <a:graphic>
+          <a:graphicData uri="http://schemas.openxmlformats.org/drawingml/2006/table">
+            <a:tbl>
+              <a:tblPr firstRow="1" bandRow="1">
+                <a:tableStyleId>{00A15C55-8517-42AA-B614-E9B94910E393}</a:tableStyleId>
+              </a:tblPr>
+              <a:tblGrid>
+                <a:gridCol w="3031470">
+                  <a:extLst>
+                    <a:ext uri="{9D8B030D-6E8A-4147-A177-3AD203B41FA5}">
+                      <a16:colId xmlns:a16="http://schemas.microsoft.com/office/drawing/2014/main" val="4202954752"/>
+                    </a:ext>
+                  </a:extLst>
+                </a:gridCol>
+              </a:tblGrid>
+              <a:tr h="370840">
+                <a:tc>
+                  <a:txBody>
+                    <a:bodyPr/>
+                    <a:lstStyle/>
+                    <a:p>
+                      <a:r>
+                        <a:rPr lang="en-US" dirty="0" smtClean="0">
+                          <a:solidFill>
+                            <a:schemeClr val="tx1"/>
+                          </a:solidFill>
+                        </a:rPr>
+                        <a:t>Static Properties</a:t>
+                      </a:r>
+                      <a:endParaRPr lang="en-US" dirty="0">
+                        <a:solidFill>
+                          <a:schemeClr val="tx1"/>
+                        </a:solidFill>
+                      </a:endParaRPr>
+                    </a:p>
+                  </a:txBody>
+                  <a:tcPr/>
+                </a:tc>
+                <a:extLst>
+                  <a:ext uri="{0D108BD9-81ED-4DB2-BD59-A6C34878D82A}">
+                    <a16:rowId xmlns:a16="http://schemas.microsoft.com/office/drawing/2014/main" val="2298304843"/>
+                  </a:ext>
+                </a:extLst>
+              </a:tr>
+              <a:tr h="370840">
+                <a:tc>
+                  <a:txBody>
+                    <a:bodyPr/>
+                    <a:lstStyle/>
+                    <a:p>
+                      <a:r>
+                        <a:rPr lang="en-US" dirty="0" smtClean="0"/>
+                        <a:t>Floor</a:t>
+                      </a:r>
+                      <a:r>
+                        <a:rPr lang="en-US" baseline="0" dirty="0" smtClean="0"/>
+                        <a:t>, location, dimensions</a:t>
+                      </a:r>
+                      <a:endParaRPr lang="en-US" dirty="0"/>
+                    </a:p>
+                  </a:txBody>
+                  <a:tcPr/>
+                </a:tc>
+                <a:extLst>
+                  <a:ext uri="{0D108BD9-81ED-4DB2-BD59-A6C34878D82A}">
+                    <a16:rowId xmlns:a16="http://schemas.microsoft.com/office/drawing/2014/main" val="1332430975"/>
+                  </a:ext>
+                </a:extLst>
+              </a:tr>
+              <a:tr h="370840">
+                <a:tc>
+                  <a:txBody>
+                    <a:bodyPr/>
+                    <a:lstStyle/>
+                    <a:p>
+                      <a:r>
+                        <a:rPr lang="en-US" dirty="0" smtClean="0"/>
+                        <a:t>Windows</a:t>
+                      </a:r>
+                      <a:endParaRPr lang="en-US" dirty="0"/>
+                    </a:p>
+                  </a:txBody>
+                  <a:tcPr/>
+                </a:tc>
+                <a:extLst>
+                  <a:ext uri="{0D108BD9-81ED-4DB2-BD59-A6C34878D82A}">
+                    <a16:rowId xmlns:a16="http://schemas.microsoft.com/office/drawing/2014/main" val="4113645207"/>
+                  </a:ext>
+                </a:extLst>
+              </a:tr>
+              <a:tr h="312756">
+                <a:tc>
+                  <a:txBody>
+                    <a:bodyPr/>
+                    <a:lstStyle/>
+                    <a:p>
+                      <a:r>
+                        <a:rPr lang="en-US" dirty="0" smtClean="0"/>
+                        <a:t>Tutoring</a:t>
+                      </a:r>
+                      <a:endParaRPr lang="en-US" dirty="0"/>
+                    </a:p>
+                  </a:txBody>
+                  <a:tcPr/>
+                </a:tc>
+                <a:extLst>
+                  <a:ext uri="{0D108BD9-81ED-4DB2-BD59-A6C34878D82A}">
+                    <a16:rowId xmlns:a16="http://schemas.microsoft.com/office/drawing/2014/main" val="2000337574"/>
+                  </a:ext>
+                </a:extLst>
+              </a:tr>
+              <a:tr h="312756">
+                <a:tc>
+                  <a:txBody>
+                    <a:bodyPr/>
+                    <a:lstStyle/>
+                    <a:p>
+                      <a:r>
+                        <a:rPr lang="en-US" dirty="0" smtClean="0"/>
+                        <a:t>Food,</a:t>
+                      </a:r>
+                      <a:r>
+                        <a:rPr lang="en-US" baseline="0" dirty="0" smtClean="0"/>
+                        <a:t> garbage bin,</a:t>
+                      </a:r>
+                    </a:p>
+                    <a:p>
+                      <a:r>
+                        <a:rPr lang="en-US" baseline="0" dirty="0" smtClean="0"/>
+                        <a:t>vending machine</a:t>
+                      </a:r>
+                      <a:endParaRPr lang="en-US" dirty="0"/>
+                    </a:p>
+                  </a:txBody>
+                  <a:tcPr/>
+                </a:tc>
+                <a:extLst>
+                  <a:ext uri="{0D108BD9-81ED-4DB2-BD59-A6C34878D82A}">
+                    <a16:rowId xmlns:a16="http://schemas.microsoft.com/office/drawing/2014/main" val="3272711796"/>
+                  </a:ext>
+                </a:extLst>
+              </a:tr>
+              <a:tr h="312756">
+                <a:tc>
+                  <a:txBody>
+                    <a:bodyPr/>
+                    <a:lstStyle/>
+                    <a:p>
+                      <a:r>
+                        <a:rPr lang="en-US" dirty="0" smtClean="0"/>
+                        <a:t>Bathroom</a:t>
+                      </a:r>
+                      <a:endParaRPr lang="en-US" dirty="0"/>
+                    </a:p>
+                  </a:txBody>
+                  <a:tcPr/>
+                </a:tc>
+                <a:extLst>
+                  <a:ext uri="{0D108BD9-81ED-4DB2-BD59-A6C34878D82A}">
+                    <a16:rowId xmlns:a16="http://schemas.microsoft.com/office/drawing/2014/main" val="1620237654"/>
+                  </a:ext>
+                </a:extLst>
+              </a:tr>
+              <a:tr h="312756">
+                <a:tc>
+                  <a:txBody>
+                    <a:bodyPr/>
+                    <a:lstStyle/>
+                    <a:p>
+                      <a:r>
+                        <a:rPr lang="en-US" dirty="0" smtClean="0"/>
+                        <a:t>Blac</a:t>
+                      </a:r>
+                      <a:r>
+                        <a:rPr lang="en-US" baseline="0" dirty="0" smtClean="0"/>
+                        <a:t>k / white board, projector</a:t>
+                      </a:r>
+                      <a:endParaRPr lang="en-US" dirty="0" smtClean="0"/>
+                    </a:p>
+                  </a:txBody>
+                  <a:tcPr/>
+                </a:tc>
+                <a:extLst>
+                  <a:ext uri="{0D108BD9-81ED-4DB2-BD59-A6C34878D82A}">
+                    <a16:rowId xmlns:a16="http://schemas.microsoft.com/office/drawing/2014/main" val="2649616019"/>
+                  </a:ext>
+                </a:extLst>
+              </a:tr>
+            </a:tbl>
+          </a:graphicData>
+        </a:graphic>
+      </p:graphicFrame>
+      <p:cxnSp>
+        <p:nvCxnSpPr>
+          <p:cNvPr id="10" name="Straight Arrow Connector 9"/>
+          <p:cNvCxnSpPr/>
+          <p:nvPr/>
+        </p:nvCxnSpPr>
+        <p:spPr>
+          <a:xfrm flipV="1">
+            <a:off x="2920260" y="2514334"/>
+            <a:ext cx="939279" cy="175068"/>
+          </a:xfrm>
+          <a:prstGeom prst="straightConnector1">
+            <a:avLst/>
+          </a:prstGeom>
+          <a:ln>
+            <a:tailEnd type="triangle"/>
+          </a:ln>
+        </p:spPr>
+        <p:style>
+          <a:lnRef idx="3">
+            <a:schemeClr val="dk1"/>
+          </a:lnRef>
+          <a:fillRef idx="0">
+            <a:schemeClr val="dk1"/>
+          </a:fillRef>
+          <a:effectRef idx="2">
+            <a:schemeClr val="dk1"/>
+          </a:effectRef>
+          <a:fontRef idx="minor">
+            <a:schemeClr val="tx1"/>
+          </a:fontRef>
+        </p:style>
+      </p:cxnSp>
+      <p:cxnSp>
+        <p:nvCxnSpPr>
+          <p:cNvPr id="12" name="Straight Arrow Connector 11"/>
+          <p:cNvCxnSpPr/>
+          <p:nvPr/>
+        </p:nvCxnSpPr>
+        <p:spPr>
+          <a:xfrm flipV="1">
+            <a:off x="2920260" y="2925621"/>
+            <a:ext cx="939279" cy="135922"/>
+          </a:xfrm>
+          <a:prstGeom prst="straightConnector1">
+            <a:avLst/>
+          </a:prstGeom>
+          <a:ln>
+            <a:tailEnd type="triangle"/>
+          </a:ln>
+        </p:spPr>
+        <p:style>
+          <a:lnRef idx="3">
+            <a:schemeClr val="dk1"/>
+          </a:lnRef>
+          <a:fillRef idx="0">
+            <a:schemeClr val="dk1"/>
+          </a:fillRef>
+          <a:effectRef idx="2">
+            <a:schemeClr val="dk1"/>
+          </a:effectRef>
+          <a:fontRef idx="minor">
+            <a:schemeClr val="tx1"/>
+          </a:fontRef>
+        </p:style>
+      </p:cxnSp>
+      <p:cxnSp>
+        <p:nvCxnSpPr>
+          <p:cNvPr id="14" name="Straight Arrow Connector 13"/>
+          <p:cNvCxnSpPr/>
+          <p:nvPr/>
+        </p:nvCxnSpPr>
+        <p:spPr>
+          <a:xfrm>
+            <a:off x="2920260" y="3061542"/>
+            <a:ext cx="939279" cy="240981"/>
+          </a:xfrm>
+          <a:prstGeom prst="straightConnector1">
+            <a:avLst/>
+          </a:prstGeom>
+          <a:ln>
+            <a:tailEnd type="triangle"/>
+          </a:ln>
+        </p:spPr>
+        <p:style>
+          <a:lnRef idx="3">
+            <a:schemeClr val="dk1"/>
+          </a:lnRef>
+          <a:fillRef idx="0">
+            <a:schemeClr val="dk1"/>
+          </a:fillRef>
+          <a:effectRef idx="2">
+            <a:schemeClr val="dk1"/>
+          </a:effectRef>
+          <a:fontRef idx="minor">
+            <a:schemeClr val="tx1"/>
+          </a:fontRef>
+        </p:style>
+      </p:cxnSp>
+      <p:cxnSp>
+        <p:nvCxnSpPr>
+          <p:cNvPr id="16" name="Straight Arrow Connector 15"/>
+          <p:cNvCxnSpPr/>
+          <p:nvPr/>
+        </p:nvCxnSpPr>
+        <p:spPr>
+          <a:xfrm flipV="1">
+            <a:off x="2920260" y="3302524"/>
+            <a:ext cx="939279" cy="47663"/>
+          </a:xfrm>
+          <a:prstGeom prst="straightConnector1">
+            <a:avLst/>
+          </a:prstGeom>
+          <a:ln>
+            <a:tailEnd type="triangle"/>
+          </a:ln>
+        </p:spPr>
+        <p:style>
+          <a:lnRef idx="3">
+            <a:schemeClr val="dk1"/>
+          </a:lnRef>
+          <a:fillRef idx="0">
+            <a:schemeClr val="dk1"/>
+          </a:fillRef>
+          <a:effectRef idx="2">
+            <a:schemeClr val="dk1"/>
+          </a:effectRef>
+          <a:fontRef idx="minor">
+            <a:schemeClr val="tx1"/>
+          </a:fontRef>
+        </p:style>
+      </p:cxnSp>
+      <p:cxnSp>
+        <p:nvCxnSpPr>
+          <p:cNvPr id="18" name="Straight Arrow Connector 17"/>
+          <p:cNvCxnSpPr/>
+          <p:nvPr/>
+        </p:nvCxnSpPr>
+        <p:spPr>
+          <a:xfrm flipV="1">
+            <a:off x="2920260" y="3644700"/>
+            <a:ext cx="939279" cy="125250"/>
+          </a:xfrm>
+          <a:prstGeom prst="straightConnector1">
+            <a:avLst/>
+          </a:prstGeom>
+          <a:ln>
+            <a:tailEnd type="triangle"/>
+          </a:ln>
+        </p:spPr>
+        <p:style>
+          <a:lnRef idx="3">
+            <a:schemeClr val="dk1"/>
+          </a:lnRef>
+          <a:fillRef idx="0">
+            <a:schemeClr val="dk1"/>
+          </a:fillRef>
+          <a:effectRef idx="2">
+            <a:schemeClr val="dk1"/>
+          </a:effectRef>
+          <a:fontRef idx="minor">
+            <a:schemeClr val="tx1"/>
+          </a:fontRef>
+        </p:style>
+      </p:cxnSp>
+      <p:cxnSp>
+        <p:nvCxnSpPr>
+          <p:cNvPr id="20" name="Straight Arrow Connector 19"/>
+          <p:cNvCxnSpPr/>
+          <p:nvPr/>
+        </p:nvCxnSpPr>
+        <p:spPr>
+          <a:xfrm flipV="1">
+            <a:off x="2920260" y="3292506"/>
+            <a:ext cx="939279" cy="800394"/>
+          </a:xfrm>
+          <a:prstGeom prst="straightConnector1">
+            <a:avLst/>
+          </a:prstGeom>
+          <a:ln>
+            <a:tailEnd type="triangle"/>
+          </a:ln>
+        </p:spPr>
+        <p:style>
+          <a:lnRef idx="3">
+            <a:schemeClr val="dk1"/>
+          </a:lnRef>
+          <a:fillRef idx="0">
+            <a:schemeClr val="dk1"/>
+          </a:fillRef>
+          <a:effectRef idx="2">
+            <a:schemeClr val="dk1"/>
+          </a:effectRef>
+          <a:fontRef idx="minor">
+            <a:schemeClr val="tx1"/>
+          </a:fontRef>
+        </p:style>
+      </p:cxnSp>
+      <p:cxnSp>
+        <p:nvCxnSpPr>
+          <p:cNvPr id="22" name="Straight Arrow Connector 21"/>
+          <p:cNvCxnSpPr/>
+          <p:nvPr/>
+        </p:nvCxnSpPr>
+        <p:spPr>
+          <a:xfrm flipV="1">
+            <a:off x="2920260" y="2904690"/>
+            <a:ext cx="939279" cy="1188210"/>
+          </a:xfrm>
+          <a:prstGeom prst="straightConnector1">
+            <a:avLst/>
+          </a:prstGeom>
+          <a:ln>
+            <a:tailEnd type="triangle"/>
+          </a:ln>
+        </p:spPr>
+        <p:style>
+          <a:lnRef idx="3">
+            <a:schemeClr val="dk1"/>
+          </a:lnRef>
+          <a:fillRef idx="0">
+            <a:schemeClr val="dk1"/>
+          </a:fillRef>
+          <a:effectRef idx="2">
+            <a:schemeClr val="dk1"/>
+          </a:effectRef>
+          <a:fontRef idx="minor">
+            <a:schemeClr val="tx1"/>
+          </a:fontRef>
+        </p:style>
+      </p:cxnSp>
+      <p:cxnSp>
+        <p:nvCxnSpPr>
+          <p:cNvPr id="27" name="Straight Arrow Connector 26"/>
+          <p:cNvCxnSpPr/>
+          <p:nvPr/>
+        </p:nvCxnSpPr>
+        <p:spPr>
+          <a:xfrm flipV="1">
+            <a:off x="2920260" y="4000914"/>
+            <a:ext cx="939279" cy="496024"/>
+          </a:xfrm>
+          <a:prstGeom prst="straightConnector1">
+            <a:avLst/>
+          </a:prstGeom>
+          <a:ln>
+            <a:tailEnd type="triangle"/>
+          </a:ln>
+        </p:spPr>
+        <p:style>
+          <a:lnRef idx="3">
+            <a:schemeClr val="dk1"/>
+          </a:lnRef>
+          <a:fillRef idx="0">
+            <a:schemeClr val="dk1"/>
+          </a:fillRef>
+          <a:effectRef idx="2">
+            <a:schemeClr val="dk1"/>
+          </a:effectRef>
+          <a:fontRef idx="minor">
+            <a:schemeClr val="tx1"/>
+          </a:fontRef>
+        </p:style>
+      </p:cxnSp>
+      <p:cxnSp>
+        <p:nvCxnSpPr>
+          <p:cNvPr id="29" name="Straight Arrow Connector 28"/>
+          <p:cNvCxnSpPr/>
+          <p:nvPr/>
+        </p:nvCxnSpPr>
+        <p:spPr>
+          <a:xfrm flipV="1">
+            <a:off x="2920260" y="4733157"/>
+            <a:ext cx="939279" cy="189082"/>
+          </a:xfrm>
+          <a:prstGeom prst="straightConnector1">
+            <a:avLst/>
+          </a:prstGeom>
+          <a:ln>
+            <a:tailEnd type="triangle"/>
+          </a:ln>
+        </p:spPr>
+        <p:style>
+          <a:lnRef idx="3">
+            <a:schemeClr val="dk1"/>
+          </a:lnRef>
+          <a:fillRef idx="0">
+            <a:schemeClr val="dk1"/>
+          </a:fillRef>
+          <a:effectRef idx="2">
+            <a:schemeClr val="dk1"/>
+          </a:effectRef>
+          <a:fontRef idx="minor">
+            <a:schemeClr val="tx1"/>
+          </a:fontRef>
+        </p:style>
+      </p:cxnSp>
+      <p:cxnSp>
+        <p:nvCxnSpPr>
+          <p:cNvPr id="31" name="Straight Arrow Connector 30"/>
+          <p:cNvCxnSpPr/>
+          <p:nvPr/>
+        </p:nvCxnSpPr>
+        <p:spPr>
+          <a:xfrm>
+            <a:off x="2920260" y="4960112"/>
+            <a:ext cx="939279" cy="144952"/>
+          </a:xfrm>
+          <a:prstGeom prst="straightConnector1">
+            <a:avLst/>
+          </a:prstGeom>
+          <a:ln>
+            <a:tailEnd type="triangle"/>
+          </a:ln>
+        </p:spPr>
+        <p:style>
+          <a:lnRef idx="3">
+            <a:schemeClr val="dk1"/>
+          </a:lnRef>
+          <a:fillRef idx="0">
+            <a:schemeClr val="dk1"/>
+          </a:fillRef>
+          <a:effectRef idx="2">
+            <a:schemeClr val="dk1"/>
+          </a:effectRef>
+          <a:fontRef idx="minor">
+            <a:schemeClr val="tx1"/>
+          </a:fontRef>
+        </p:style>
+      </p:cxnSp>
+      <p:cxnSp>
+        <p:nvCxnSpPr>
+          <p:cNvPr id="33" name="Straight Arrow Connector 32"/>
+          <p:cNvCxnSpPr/>
+          <p:nvPr/>
+        </p:nvCxnSpPr>
+        <p:spPr>
+          <a:xfrm flipV="1">
+            <a:off x="2920260" y="4387414"/>
+            <a:ext cx="939279" cy="109523"/>
+          </a:xfrm>
+          <a:prstGeom prst="straightConnector1">
+            <a:avLst/>
+          </a:prstGeom>
+          <a:ln>
+            <a:tailEnd type="triangle"/>
+          </a:ln>
+        </p:spPr>
+        <p:style>
+          <a:lnRef idx="3">
+            <a:schemeClr val="dk1"/>
+          </a:lnRef>
+          <a:fillRef idx="0">
+            <a:schemeClr val="dk1"/>
+          </a:fillRef>
+          <a:effectRef idx="2">
+            <a:schemeClr val="dk1"/>
+          </a:effectRef>
+          <a:fontRef idx="minor">
+            <a:schemeClr val="tx1"/>
+          </a:fontRef>
+        </p:style>
+      </p:cxnSp>
+      <p:cxnSp>
+        <p:nvCxnSpPr>
+          <p:cNvPr id="46" name="Straight Arrow Connector 45"/>
+          <p:cNvCxnSpPr/>
+          <p:nvPr/>
+        </p:nvCxnSpPr>
+        <p:spPr>
+          <a:xfrm flipV="1">
+            <a:off x="2920260" y="2167581"/>
+            <a:ext cx="939279" cy="541931"/>
+          </a:xfrm>
+          <a:prstGeom prst="straightConnector1">
+            <a:avLst/>
+          </a:prstGeom>
+          <a:ln>
+            <a:tailEnd type="triangle"/>
+          </a:ln>
+        </p:spPr>
+        <p:style>
+          <a:lnRef idx="3">
+            <a:schemeClr val="dk1"/>
+          </a:lnRef>
+          <a:fillRef idx="0">
+            <a:schemeClr val="dk1"/>
+          </a:fillRef>
+          <a:effectRef idx="2">
+            <a:schemeClr val="dk1"/>
+          </a:effectRef>
+          <a:fontRef idx="minor">
+            <a:schemeClr val="tx1"/>
+          </a:fontRef>
+        </p:style>
+      </p:cxnSp>
+      <p:cxnSp>
+        <p:nvCxnSpPr>
+          <p:cNvPr id="50" name="Straight Arrow Connector 49"/>
+          <p:cNvCxnSpPr/>
+          <p:nvPr/>
+        </p:nvCxnSpPr>
+        <p:spPr>
+          <a:xfrm>
+            <a:off x="7416721" y="2167581"/>
+            <a:ext cx="939279" cy="1733933"/>
+          </a:xfrm>
+          <a:prstGeom prst="straightConnector1">
+            <a:avLst/>
+          </a:prstGeom>
+          <a:ln>
+            <a:tailEnd type="triangle"/>
+          </a:ln>
+        </p:spPr>
+        <p:style>
+          <a:lnRef idx="3">
+            <a:schemeClr val="dk1"/>
+          </a:lnRef>
+          <a:fillRef idx="0">
+            <a:schemeClr val="dk1"/>
+          </a:fillRef>
+          <a:effectRef idx="2">
+            <a:schemeClr val="dk1"/>
+          </a:effectRef>
+          <a:fontRef idx="minor">
+            <a:schemeClr val="tx1"/>
+          </a:fontRef>
+        </p:style>
+      </p:cxnSp>
+      <p:cxnSp>
+        <p:nvCxnSpPr>
+          <p:cNvPr id="52" name="Straight Arrow Connector 51"/>
+          <p:cNvCxnSpPr/>
+          <p:nvPr/>
+        </p:nvCxnSpPr>
+        <p:spPr>
+          <a:xfrm>
+            <a:off x="7416721" y="2510661"/>
+            <a:ext cx="939279" cy="1390853"/>
+          </a:xfrm>
+          <a:prstGeom prst="straightConnector1">
+            <a:avLst/>
+          </a:prstGeom>
+          <a:ln>
+            <a:tailEnd type="triangle"/>
+          </a:ln>
+        </p:spPr>
+        <p:style>
+          <a:lnRef idx="3">
+            <a:schemeClr val="dk1"/>
+          </a:lnRef>
+          <a:fillRef idx="0">
+            <a:schemeClr val="dk1"/>
+          </a:fillRef>
+          <a:effectRef idx="2">
+            <a:schemeClr val="dk1"/>
+          </a:effectRef>
+          <a:fontRef idx="minor">
+            <a:schemeClr val="tx1"/>
+          </a:fontRef>
+        </p:style>
+      </p:cxnSp>
+      <p:cxnSp>
+        <p:nvCxnSpPr>
+          <p:cNvPr id="54" name="Straight Arrow Connector 53"/>
+          <p:cNvCxnSpPr>
+            <a:endCxn id="8" idx="1"/>
+          </p:cNvCxnSpPr>
+          <p:nvPr/>
+        </p:nvCxnSpPr>
+        <p:spPr>
+          <a:xfrm flipV="1">
+            <a:off x="7416721" y="2103046"/>
+            <a:ext cx="939279" cy="822575"/>
+          </a:xfrm>
+          <a:prstGeom prst="straightConnector1">
+            <a:avLst/>
+          </a:prstGeom>
+          <a:ln>
+            <a:tailEnd type="triangle"/>
+          </a:ln>
+        </p:spPr>
+        <p:style>
+          <a:lnRef idx="3">
+            <a:schemeClr val="dk1"/>
+          </a:lnRef>
+          <a:fillRef idx="0">
+            <a:schemeClr val="dk1"/>
+          </a:fillRef>
+          <a:effectRef idx="2">
+            <a:schemeClr val="dk1"/>
+          </a:effectRef>
+          <a:fontRef idx="minor">
+            <a:schemeClr val="tx1"/>
+          </a:fontRef>
+        </p:style>
+      </p:cxnSp>
+      <p:cxnSp>
+        <p:nvCxnSpPr>
+          <p:cNvPr id="56" name="Straight Arrow Connector 55"/>
+          <p:cNvCxnSpPr/>
+          <p:nvPr/>
+        </p:nvCxnSpPr>
+        <p:spPr>
+          <a:xfrm flipV="1">
+            <a:off x="7416721" y="2438547"/>
+            <a:ext cx="939279" cy="839606"/>
+          </a:xfrm>
+          <a:prstGeom prst="straightConnector1">
+            <a:avLst/>
+          </a:prstGeom>
+          <a:ln>
+            <a:tailEnd type="triangle"/>
+          </a:ln>
+        </p:spPr>
+        <p:style>
+          <a:lnRef idx="3">
+            <a:schemeClr val="dk1"/>
+          </a:lnRef>
+          <a:fillRef idx="0">
+            <a:schemeClr val="dk1"/>
+          </a:fillRef>
+          <a:effectRef idx="2">
+            <a:schemeClr val="dk1"/>
+          </a:effectRef>
+          <a:fontRef idx="minor">
+            <a:schemeClr val="tx1"/>
+          </a:fontRef>
+        </p:style>
+      </p:cxnSp>
+      <p:cxnSp>
+        <p:nvCxnSpPr>
+          <p:cNvPr id="58" name="Straight Arrow Connector 57"/>
+          <p:cNvCxnSpPr/>
+          <p:nvPr/>
+        </p:nvCxnSpPr>
+        <p:spPr>
+          <a:xfrm>
+            <a:off x="7416721" y="3292506"/>
+            <a:ext cx="939279" cy="956420"/>
+          </a:xfrm>
+          <a:prstGeom prst="straightConnector1">
+            <a:avLst/>
+          </a:prstGeom>
+          <a:ln>
+            <a:tailEnd type="triangle"/>
+          </a:ln>
+        </p:spPr>
+        <p:style>
+          <a:lnRef idx="3">
+            <a:schemeClr val="dk1"/>
+          </a:lnRef>
+          <a:fillRef idx="0">
+            <a:schemeClr val="dk1"/>
+          </a:fillRef>
+          <a:effectRef idx="2">
+            <a:schemeClr val="dk1"/>
+          </a:effectRef>
+          <a:fontRef idx="minor">
+            <a:schemeClr val="tx1"/>
+          </a:fontRef>
+        </p:style>
+      </p:cxnSp>
+      <p:cxnSp>
+        <p:nvCxnSpPr>
+          <p:cNvPr id="60" name="Straight Arrow Connector 59"/>
+          <p:cNvCxnSpPr/>
+          <p:nvPr/>
+        </p:nvCxnSpPr>
+        <p:spPr>
+          <a:xfrm>
+            <a:off x="7416721" y="3692703"/>
+            <a:ext cx="939279" cy="879877"/>
+          </a:xfrm>
+          <a:prstGeom prst="straightConnector1">
+            <a:avLst/>
+          </a:prstGeom>
+          <a:ln>
+            <a:tailEnd type="triangle"/>
+          </a:ln>
+        </p:spPr>
+        <p:style>
+          <a:lnRef idx="3">
+            <a:schemeClr val="dk1"/>
+          </a:lnRef>
+          <a:fillRef idx="0">
+            <a:schemeClr val="dk1"/>
+          </a:fillRef>
+          <a:effectRef idx="2">
+            <a:schemeClr val="dk1"/>
+          </a:effectRef>
+          <a:fontRef idx="minor">
+            <a:schemeClr val="tx1"/>
+          </a:fontRef>
+        </p:style>
+      </p:cxnSp>
+      <p:cxnSp>
+        <p:nvCxnSpPr>
+          <p:cNvPr id="62" name="Straight Arrow Connector 61"/>
+          <p:cNvCxnSpPr/>
+          <p:nvPr/>
+        </p:nvCxnSpPr>
+        <p:spPr>
+          <a:xfrm>
+            <a:off x="7416721" y="4000914"/>
+            <a:ext cx="939279" cy="1068852"/>
+          </a:xfrm>
+          <a:prstGeom prst="straightConnector1">
+            <a:avLst/>
+          </a:prstGeom>
+          <a:ln>
+            <a:tailEnd type="triangle"/>
+          </a:ln>
+        </p:spPr>
+        <p:style>
+          <a:lnRef idx="3">
+            <a:schemeClr val="dk1"/>
+          </a:lnRef>
+          <a:fillRef idx="0">
+            <a:schemeClr val="dk1"/>
+          </a:fillRef>
+          <a:effectRef idx="2">
+            <a:schemeClr val="dk1"/>
+          </a:effectRef>
+          <a:fontRef idx="minor">
+            <a:schemeClr val="tx1"/>
+          </a:fontRef>
+        </p:style>
+      </p:cxnSp>
+      <p:cxnSp>
+        <p:nvCxnSpPr>
+          <p:cNvPr id="64" name="Straight Arrow Connector 63"/>
+          <p:cNvCxnSpPr/>
+          <p:nvPr/>
+        </p:nvCxnSpPr>
+        <p:spPr>
+          <a:xfrm>
+            <a:off x="7416721" y="4387414"/>
+            <a:ext cx="939279" cy="1255035"/>
+          </a:xfrm>
+          <a:prstGeom prst="straightConnector1">
+            <a:avLst/>
+          </a:prstGeom>
+          <a:ln>
+            <a:tailEnd type="triangle"/>
+          </a:ln>
+        </p:spPr>
+        <p:style>
+          <a:lnRef idx="3">
+            <a:schemeClr val="dk1"/>
+          </a:lnRef>
+          <a:fillRef idx="0">
+            <a:schemeClr val="dk1"/>
+          </a:fillRef>
+          <a:effectRef idx="2">
+            <a:schemeClr val="dk1"/>
+          </a:effectRef>
+          <a:fontRef idx="minor">
+            <a:schemeClr val="tx1"/>
+          </a:fontRef>
+        </p:style>
+      </p:cxnSp>
+      <p:cxnSp>
+        <p:nvCxnSpPr>
+          <p:cNvPr id="66" name="Straight Arrow Connector 65"/>
+          <p:cNvCxnSpPr/>
+          <p:nvPr/>
+        </p:nvCxnSpPr>
+        <p:spPr>
+          <a:xfrm flipV="1">
+            <a:off x="7416721" y="3189324"/>
+            <a:ext cx="939279" cy="1585802"/>
+          </a:xfrm>
+          <a:prstGeom prst="straightConnector1">
+            <a:avLst/>
+          </a:prstGeom>
+          <a:ln>
+            <a:tailEnd type="triangle"/>
+          </a:ln>
+        </p:spPr>
+        <p:style>
+          <a:lnRef idx="3">
+            <a:schemeClr val="dk1"/>
+          </a:lnRef>
+          <a:fillRef idx="0">
+            <a:schemeClr val="dk1"/>
+          </a:fillRef>
+          <a:effectRef idx="2">
+            <a:schemeClr val="dk1"/>
+          </a:effectRef>
+          <a:fontRef idx="minor">
+            <a:schemeClr val="tx1"/>
+          </a:fontRef>
+        </p:style>
+      </p:cxnSp>
+      <p:cxnSp>
+        <p:nvCxnSpPr>
+          <p:cNvPr id="68" name="Straight Arrow Connector 67"/>
+          <p:cNvCxnSpPr/>
+          <p:nvPr/>
+        </p:nvCxnSpPr>
+        <p:spPr>
+          <a:xfrm>
+            <a:off x="7416721" y="5084119"/>
+            <a:ext cx="939279" cy="866541"/>
+          </a:xfrm>
+          <a:prstGeom prst="straightConnector1">
+            <a:avLst/>
+          </a:prstGeom>
+          <a:ln>
+            <a:tailEnd type="triangle"/>
+          </a:ln>
+        </p:spPr>
+        <p:style>
+          <a:lnRef idx="3">
+            <a:schemeClr val="dk1"/>
+          </a:lnRef>
+          <a:fillRef idx="0">
+            <a:schemeClr val="dk1"/>
+          </a:fillRef>
+          <a:effectRef idx="2">
+            <a:schemeClr val="dk1"/>
+          </a:effectRef>
+          <a:fontRef idx="minor">
+            <a:schemeClr val="tx1"/>
+          </a:fontRef>
+        </p:style>
+      </p:cxnSp>
+    </p:spTree>
+    <p:extLst>
+      <p:ext uri="{BB962C8B-B14F-4D97-AF65-F5344CB8AC3E}">
+        <p14:creationId xmlns:p14="http://schemas.microsoft.com/office/powerpoint/2010/main" val="3635020349"/>
+      </p:ext>
+    </p:extLst>
+  </p:cSld>
+  <p:clrMapOvr>
+    <a:masterClrMapping/>
+  </p:clrMapOvr>
+  <p:timing>
+    <p:tnLst>
+      <p:par>
+        <p:cTn id="1" dur="indefinite" restart="never" nodeType="tmRoot"/>
+      </p:par>
+    </p:tnLst>
+  </p:timing>
+</p:sld>
+</file>
+
+<file path=ppt/slides/slide5.xml><?xml version="1.0" encoding="utf-8"?>
+<p:sld xmlns:a="http://schemas.openxmlformats.org/drawingml/2006/main" xmlns:r="http://schemas.openxmlformats.org/officeDocument/2006/relationships" xmlns:p="http://schemas.openxmlformats.org/presentationml/2006/main">
+  <p:cSld>
+    <p:spTree>
+      <p:nvGrpSpPr>
+        <p:cNvPr id="1" name=""/>
+        <p:cNvGrpSpPr/>
+        <p:nvPr/>
+      </p:nvGrpSpPr>
+      <p:grpSpPr>
+        <a:xfrm>
+          <a:off x="0" y="0"/>
+          <a:ext cx="0" cy="0"/>
+          <a:chOff x="0" y="0"/>
+          <a:chExt cx="0" cy="0"/>
+        </a:xfrm>
+      </p:grpSpPr>
+      <p:pic>
+        <p:nvPicPr>
+          <p:cNvPr id="4" name="Content Placeholder 3"/>
+          <p:cNvPicPr>
+            <a:picLocks noGrp="1" noChangeAspect="1"/>
+          </p:cNvPicPr>
+          <p:nvPr>
+            <p:ph idx="1"/>
+          </p:nvPr>
+        </p:nvPicPr>
+        <p:blipFill>
+          <a:blip r:embed="rId2" cstate="print">
+            <a:extLst>
+              <a:ext uri="{28A0092B-C50C-407E-A947-70E740481C1C}">
+                <a14:useLocalDpi xmlns:a14="http://schemas.microsoft.com/office/drawing/2010/main" val="0"/>
+              </a:ext>
+            </a:extLst>
+          </a:blip>
+          <a:stretch>
+            <a:fillRect/>
+          </a:stretch>
+        </p:blipFill>
+        <p:spPr>
+          <a:xfrm>
+            <a:off x="9607398" y="6151419"/>
+            <a:ext cx="2584602" cy="706582"/>
+          </a:xfrm>
+        </p:spPr>
+      </p:pic>
       <p:pic>
         <p:nvPicPr>
           <p:cNvPr id="3076" name="Picture 4" descr="Image result for raspberry pi"/>
@@ -3420,7 +5258,7 @@
         </p:blipFill>
         <p:spPr bwMode="auto">
           <a:xfrm rot="5400000">
-            <a:off x="6496863" y="2111092"/>
+            <a:off x="6486725" y="2030170"/>
             <a:ext cx="959499" cy="1466663"/>
           </a:xfrm>
           <a:prstGeom prst="rect">
@@ -3446,7 +5284,7 @@
         </p:nvGrpSpPr>
         <p:grpSpPr>
           <a:xfrm>
-            <a:off x="10316367" y="1669304"/>
+            <a:off x="10422697" y="1573612"/>
             <a:ext cx="685319" cy="1363715"/>
             <a:chOff x="9607398" y="1204917"/>
             <a:chExt cx="685319" cy="1363715"/>
@@ -3529,7 +5367,7 @@
         </p:nvGrpSpPr>
         <p:grpSpPr>
           <a:xfrm>
-            <a:off x="9792473" y="3273314"/>
+            <a:off x="9938649" y="3361320"/>
             <a:ext cx="1733107" cy="1123054"/>
             <a:chOff x="0" y="1025581"/>
             <a:chExt cx="4762500" cy="3086101"/>
@@ -3664,7 +5502,7 @@
         </p:nvGrpSpPr>
         <p:grpSpPr>
           <a:xfrm>
-            <a:off x="9732645" y="4547832"/>
+            <a:off x="9878453" y="4819298"/>
             <a:ext cx="1852763" cy="1164749"/>
             <a:chOff x="341453" y="227955"/>
             <a:chExt cx="9772650" cy="6143626"/>
@@ -3928,7 +5766,7 @@
         </p:blipFill>
         <p:spPr bwMode="auto">
           <a:xfrm rot="5400000">
-            <a:off x="7584746" y="3642912"/>
+            <a:off x="7574608" y="3561990"/>
             <a:ext cx="959499" cy="1466663"/>
           </a:xfrm>
           <a:prstGeom prst="rect">
@@ -3967,7 +5805,7 @@
         </p:blipFill>
         <p:spPr bwMode="auto">
           <a:xfrm>
-            <a:off x="2748847" y="3249883"/>
+            <a:off x="2561616" y="3188105"/>
             <a:ext cx="1255221" cy="499186"/>
           </a:xfrm>
           <a:prstGeom prst="rect">
@@ -3993,7 +5831,7 @@
         </p:nvSpPr>
         <p:spPr>
           <a:xfrm>
-            <a:off x="6737370" y="5585027"/>
+            <a:off x="6727232" y="5504105"/>
             <a:ext cx="184731" cy="369332"/>
           </a:xfrm>
           <a:prstGeom prst="rect">
@@ -4034,8 +5872,8 @@
         </p:blipFill>
         <p:spPr bwMode="auto">
           <a:xfrm>
-            <a:off x="6567488" y="3639775"/>
-            <a:ext cx="853698" cy="266641"/>
+            <a:off x="6556162" y="4054185"/>
+            <a:ext cx="519215" cy="162170"/>
           </a:xfrm>
           <a:prstGeom prst="rect">
             <a:avLst/>
@@ -4060,7 +5898,7 @@
         </p:nvSpPr>
         <p:spPr>
           <a:xfrm>
-            <a:off x="9122987" y="2127897"/>
+            <a:off x="9229317" y="2032205"/>
             <a:ext cx="576825" cy="369332"/>
           </a:xfrm>
           <a:prstGeom prst="rect">
@@ -4090,7 +5928,7 @@
         </p:nvSpPr>
         <p:spPr>
           <a:xfrm>
-            <a:off x="5466201" y="1803920"/>
+            <a:off x="5456063" y="1722998"/>
             <a:ext cx="771365" cy="369332"/>
           </a:xfrm>
           <a:prstGeom prst="rect">
@@ -4120,8 +5958,8 @@
         </p:nvSpPr>
         <p:spPr>
           <a:xfrm>
-            <a:off x="5620792" y="5331617"/>
-            <a:ext cx="2711640" cy="1200329"/>
+            <a:off x="6140662" y="5642793"/>
+            <a:ext cx="1542602" cy="646331"/>
           </a:xfrm>
           <a:prstGeom prst="rect">
             <a:avLst/>
@@ -4141,20 +5979,8 @@
             </a:r>
             <a:r>
               <a:rPr lang="en-US" sz="3600" dirty="0" smtClean="0"/>
-              <a:t> Layer:</a:t>
-            </a:r>
-          </a:p>
-          <a:p>
-            <a:pPr algn="ctr"/>
-            <a:r>
-              <a:rPr lang="en-US" sz="3600" dirty="0" smtClean="0"/>
-              <a:t>Raspberry </a:t>
-            </a:r>
-            <a:r>
-              <a:rPr lang="en-US" sz="3600" dirty="0" err="1" smtClean="0"/>
-              <a:t>Pis</a:t>
-            </a:r>
-            <a:endParaRPr lang="en-US" sz="3600" dirty="0"/>
+              <a:t> Layer</a:t>
+            </a:r>
           </a:p>
         </p:txBody>
       </p:sp>
@@ -4166,8 +5992,8 @@
         </p:nvSpPr>
         <p:spPr>
           <a:xfrm>
-            <a:off x="468871" y="5289060"/>
-            <a:ext cx="4218078" cy="1200329"/>
+            <a:off x="1466254" y="5660882"/>
+            <a:ext cx="1555426" cy="646331"/>
           </a:xfrm>
           <a:prstGeom prst="rect">
             <a:avLst/>
@@ -4183,14 +6009,7 @@
             <a:pPr algn="ctr"/>
             <a:r>
               <a:rPr lang="en-US" sz="3600" dirty="0" smtClean="0"/>
-              <a:t>A Layer:</a:t>
-            </a:r>
-          </a:p>
-          <a:p>
-            <a:pPr algn="ctr"/>
-            <a:r>
-              <a:rPr lang="en-US" sz="3600" dirty="0" smtClean="0"/>
-              <a:t>Arduinos and Sensors</a:t>
+              <a:t>A Layer</a:t>
             </a:r>
             <a:endParaRPr lang="en-US" sz="3600" dirty="0"/>
           </a:p>
@@ -4217,13 +6036,18 @@
         </p:blipFill>
         <p:spPr bwMode="auto">
           <a:xfrm>
-            <a:off x="700345" y="4077402"/>
-            <a:ext cx="599409" cy="302028"/>
+            <a:off x="1843396" y="5410013"/>
+            <a:ext cx="587775" cy="296166"/>
           </a:xfrm>
           <a:prstGeom prst="rect">
             <a:avLst/>
           </a:prstGeom>
           <a:noFill/>
+          <a:ln>
+            <a:solidFill>
+              <a:schemeClr val="tx1"/>
+            </a:solidFill>
+          </a:ln>
           <a:extLst>
             <a:ext uri="{909E8E84-426E-40DD-AFC4-6F175D3DCCD1}">
               <a14:hiddenFill xmlns:a14="http://schemas.microsoft.com/office/drawing/2010/main">
@@ -4256,13 +6080,18 @@
         </p:blipFill>
         <p:spPr bwMode="auto">
           <a:xfrm>
-            <a:off x="1402714" y="3998066"/>
-            <a:ext cx="623579" cy="455833"/>
+            <a:off x="2524574" y="5352298"/>
+            <a:ext cx="563064" cy="411597"/>
           </a:xfrm>
           <a:prstGeom prst="rect">
             <a:avLst/>
           </a:prstGeom>
           <a:noFill/>
+          <a:ln>
+            <a:solidFill>
+              <a:schemeClr val="tx1"/>
+            </a:solidFill>
+          </a:ln>
           <a:extLst>
             <a:ext uri="{909E8E84-426E-40DD-AFC4-6F175D3DCCD1}">
               <a14:hiddenFill xmlns:a14="http://schemas.microsoft.com/office/drawing/2010/main">
@@ -4295,47 +6124,8 @@
         </p:blipFill>
         <p:spPr bwMode="auto">
           <a:xfrm>
-            <a:off x="6944775" y="1419466"/>
+            <a:off x="7051105" y="1323774"/>
             <a:ext cx="70174" cy="992301"/>
-          </a:xfrm>
-          <a:prstGeom prst="rect">
-            <a:avLst/>
-          </a:prstGeom>
-          <a:noFill/>
-          <a:extLst>
-            <a:ext uri="{909E8E84-426E-40DD-AFC4-6F175D3DCCD1}">
-              <a14:hiddenFill xmlns:a14="http://schemas.microsoft.com/office/drawing/2010/main">
-                <a:solidFill>
-                  <a:srgbClr val="FFFFFF"/>
-                </a:solidFill>
-              </a14:hiddenFill>
-            </a:ext>
-          </a:extLst>
-        </p:spPr>
-      </p:pic>
-      <p:pic>
-        <p:nvPicPr>
-          <p:cNvPr id="36" name="Picture 4" descr="Image result for raspberry pi"/>
-          <p:cNvPicPr>
-            <a:picLocks noChangeAspect="1" noChangeArrowheads="1"/>
-          </p:cNvPicPr>
-          <p:nvPr/>
-        </p:nvPicPr>
-        <p:blipFill rotWithShape="1">
-          <a:blip r:embed="rId3" cstate="print">
-            <a:extLst>
-              <a:ext uri="{28A0092B-C50C-407E-A947-70E740481C1C}">
-                <a14:useLocalDpi xmlns:a14="http://schemas.microsoft.com/office/drawing/2010/main" val="0"/>
-              </a:ext>
-            </a:extLst>
-          </a:blip>
-          <a:srcRect l="6750" t="2310" r="6859" b="1420"/>
-          <a:stretch/>
-        </p:blipFill>
-        <p:spPr bwMode="auto">
-          <a:xfrm rot="5400000">
-            <a:off x="5291893" y="3650742"/>
-            <a:ext cx="959499" cy="1466663"/>
           </a:xfrm>
           <a:prstGeom prst="rect">
             <a:avLst/>
@@ -4373,7 +6163,7 @@
         </p:blipFill>
         <p:spPr bwMode="auto">
           <a:xfrm>
-            <a:off x="3385505" y="2274841"/>
+            <a:off x="3198274" y="2213063"/>
             <a:ext cx="70174" cy="992301"/>
           </a:xfrm>
           <a:prstGeom prst="rect">
@@ -4412,7 +6202,7 @@
         </p:blipFill>
         <p:spPr bwMode="auto">
           <a:xfrm>
-            <a:off x="1902323" y="2448688"/>
+            <a:off x="1715092" y="2386910"/>
             <a:ext cx="1255221" cy="499186"/>
           </a:xfrm>
           <a:prstGeom prst="rect">
@@ -4451,7 +6241,7 @@
         </p:blipFill>
         <p:spPr bwMode="auto">
           <a:xfrm>
-            <a:off x="2538981" y="1473646"/>
+            <a:off x="2351750" y="1411868"/>
             <a:ext cx="70174" cy="992301"/>
           </a:xfrm>
           <a:prstGeom prst="rect">
@@ -4490,7 +6280,7 @@
         </p:blipFill>
         <p:spPr bwMode="auto">
           <a:xfrm>
-            <a:off x="721660" y="3303771"/>
+            <a:off x="534429" y="3241993"/>
             <a:ext cx="1255221" cy="499186"/>
           </a:xfrm>
           <a:prstGeom prst="rect">
@@ -4529,7 +6319,7 @@
         </p:blipFill>
         <p:spPr bwMode="auto">
           <a:xfrm>
-            <a:off x="1358318" y="2328729"/>
+            <a:off x="1171087" y="2266951"/>
             <a:ext cx="70174" cy="992301"/>
           </a:xfrm>
           <a:prstGeom prst="rect">
@@ -4568,7 +6358,7 @@
         </p:blipFill>
         <p:spPr bwMode="auto">
           <a:xfrm>
-            <a:off x="1759453" y="4862966"/>
+            <a:off x="1572222" y="4801188"/>
             <a:ext cx="1255221" cy="499186"/>
           </a:xfrm>
           <a:prstGeom prst="rect">
@@ -4607,7 +6397,7 @@
         </p:blipFill>
         <p:spPr bwMode="auto">
           <a:xfrm>
-            <a:off x="2396111" y="3887924"/>
+            <a:off x="2208880" y="3826146"/>
             <a:ext cx="70174" cy="992301"/>
           </a:xfrm>
           <a:prstGeom prst="rect">
@@ -4633,8 +6423,8 @@
         </p:nvSpPr>
         <p:spPr>
           <a:xfrm>
-            <a:off x="318977" y="1419466"/>
-            <a:ext cx="4486939" cy="5140822"/>
+            <a:off x="425307" y="1323774"/>
+            <a:ext cx="3636419" cy="5140822"/>
           </a:xfrm>
           <a:prstGeom prst="rect">
             <a:avLst/>
@@ -4681,8 +6471,8 @@
         </p:nvSpPr>
         <p:spPr>
           <a:xfrm>
-            <a:off x="4925737" y="1406340"/>
-            <a:ext cx="3977587" cy="5153948"/>
+            <a:off x="4294107" y="1310648"/>
+            <a:ext cx="4715548" cy="5153948"/>
           </a:xfrm>
           <a:prstGeom prst="rect">
             <a:avLst/>
@@ -4732,7 +6522,7 @@
         </p:nvCxnSpPr>
         <p:spPr>
           <a:xfrm flipV="1">
-            <a:off x="1428492" y="1969797"/>
+            <a:off x="1241261" y="1908019"/>
             <a:ext cx="1110489" cy="855083"/>
           </a:xfrm>
           <a:prstGeom prst="straightConnector1">
@@ -4768,7 +6558,7 @@
         </p:nvCxnSpPr>
         <p:spPr>
           <a:xfrm flipV="1">
-            <a:off x="2466285" y="2770992"/>
+            <a:off x="2279054" y="2709214"/>
             <a:ext cx="919220" cy="1613083"/>
           </a:xfrm>
           <a:prstGeom prst="straightConnector1">
@@ -4804,7 +6594,7 @@
         </p:nvCxnSpPr>
         <p:spPr>
           <a:xfrm>
-            <a:off x="2609155" y="1969797"/>
+            <a:off x="2421924" y="1908019"/>
             <a:ext cx="776350" cy="801195"/>
           </a:xfrm>
           <a:prstGeom prst="straightConnector1">
@@ -4840,8 +6630,8 @@
         </p:nvCxnSpPr>
         <p:spPr>
           <a:xfrm flipV="1">
-            <a:off x="3455679" y="1915617"/>
-            <a:ext cx="3489096" cy="855375"/>
+            <a:off x="3268448" y="1819925"/>
+            <a:ext cx="3782657" cy="889289"/>
           </a:xfrm>
           <a:prstGeom prst="straightConnector1">
             <a:avLst/>
@@ -4868,13 +6658,16 @@
       <p:cxnSp>
         <p:nvCxnSpPr>
           <p:cNvPr id="34" name="Straight Arrow Connector 33"/>
-          <p:cNvCxnSpPr/>
+          <p:cNvCxnSpPr>
+            <a:stCxn id="3076" idx="2"/>
+            <a:endCxn id="3102" idx="0"/>
+          </p:cNvCxnSpPr>
           <p:nvPr/>
         </p:nvCxnSpPr>
         <p:spPr>
           <a:xfrm flipH="1">
-            <a:off x="5678340" y="3337685"/>
-            <a:ext cx="628521" cy="566639"/>
+            <a:off x="5520946" y="2763502"/>
+            <a:ext cx="712197" cy="1079434"/>
           </a:xfrm>
           <a:prstGeom prst="straightConnector1">
             <a:avLst/>
@@ -4912,7 +6705,7 @@
         </p:nvCxnSpPr>
         <p:spPr>
           <a:xfrm flipH="1" flipV="1">
-            <a:off x="7681813" y="3337685"/>
+            <a:off x="7671675" y="3256763"/>
             <a:ext cx="382682" cy="558809"/>
           </a:xfrm>
           <a:prstGeom prst="straightConnector1">
@@ -4945,15 +6738,14 @@
         <p:nvCxnSpPr>
           <p:cNvPr id="50" name="Straight Arrow Connector 49"/>
           <p:cNvCxnSpPr>
-            <a:stCxn id="36" idx="0"/>
             <a:endCxn id="19" idx="2"/>
           </p:cNvCxnSpPr>
           <p:nvPr/>
         </p:nvCxnSpPr>
         <p:spPr>
-          <a:xfrm flipV="1">
-            <a:off x="6504974" y="4376244"/>
-            <a:ext cx="826190" cy="7830"/>
+          <a:xfrm>
+            <a:off x="6318250" y="4295322"/>
+            <a:ext cx="1002776" cy="0"/>
           </a:xfrm>
           <a:prstGeom prst="straightConnector1">
             <a:avLst/>
@@ -4992,8 +6784,8 @@
         </p:nvCxnSpPr>
         <p:spPr>
           <a:xfrm flipH="1">
-            <a:off x="7709944" y="2351162"/>
-            <a:ext cx="2606423" cy="493262"/>
+            <a:off x="7699806" y="2255470"/>
+            <a:ext cx="2722891" cy="508032"/>
           </a:xfrm>
           <a:prstGeom prst="straightConnector1">
             <a:avLst/>
@@ -5031,8 +6823,8 @@
         </p:nvCxnSpPr>
         <p:spPr>
           <a:xfrm flipH="1" flipV="1">
-            <a:off x="7709944" y="2844424"/>
-            <a:ext cx="2254309" cy="836818"/>
+            <a:off x="7699806" y="2763502"/>
+            <a:ext cx="2434794" cy="973010"/>
           </a:xfrm>
           <a:prstGeom prst="straightConnector1">
             <a:avLst/>
@@ -5064,15 +6856,14 @@
         <p:nvCxnSpPr>
           <p:cNvPr id="56" name="Straight Arrow Connector 55"/>
           <p:cNvCxnSpPr>
-            <a:stCxn id="3082" idx="1"/>
             <a:endCxn id="19" idx="0"/>
           </p:cNvCxnSpPr>
           <p:nvPr/>
         </p:nvCxnSpPr>
         <p:spPr>
           <a:xfrm flipH="1" flipV="1">
-            <a:off x="8797827" y="4376244"/>
-            <a:ext cx="934818" cy="753963"/>
+            <a:off x="8787689" y="4295322"/>
+            <a:ext cx="1150960" cy="935048"/>
           </a:xfrm>
           <a:prstGeom prst="straightConnector1">
             <a:avLst/>
@@ -5108,7 +6899,7 @@
         </p:nvSpPr>
         <p:spPr>
           <a:xfrm>
-            <a:off x="9152713" y="3136364"/>
+            <a:off x="9259043" y="3040672"/>
             <a:ext cx="576825" cy="369332"/>
           </a:xfrm>
           <a:prstGeom prst="rect">
@@ -5138,7 +6929,7 @@
         </p:nvSpPr>
         <p:spPr>
           <a:xfrm>
-            <a:off x="9122987" y="4383921"/>
+            <a:off x="9229317" y="4288229"/>
             <a:ext cx="576825" cy="369332"/>
           </a:xfrm>
           <a:prstGeom prst="rect">
@@ -5168,7 +6959,7 @@
         </p:nvSpPr>
         <p:spPr>
           <a:xfrm>
-            <a:off x="2658802" y="1839911"/>
+            <a:off x="2652796" y="1832780"/>
             <a:ext cx="771365" cy="369332"/>
           </a:xfrm>
           <a:prstGeom prst="rect">
@@ -5198,7 +6989,7 @@
         </p:nvSpPr>
         <p:spPr>
           <a:xfrm>
-            <a:off x="1500490" y="1928003"/>
+            <a:off x="1313259" y="1866225"/>
             <a:ext cx="771365" cy="369332"/>
           </a:xfrm>
           <a:prstGeom prst="rect">
@@ -5228,7 +7019,7 @@
         </p:nvSpPr>
         <p:spPr>
           <a:xfrm>
-            <a:off x="2575824" y="3944686"/>
+            <a:off x="2302792" y="4138166"/>
             <a:ext cx="771365" cy="369332"/>
           </a:xfrm>
           <a:prstGeom prst="rect">
@@ -5250,6 +7041,678 @@
           </a:p>
         </p:txBody>
       </p:sp>
+      <p:sp>
+        <p:nvSpPr>
+          <p:cNvPr id="1035" name="TextBox 1034"/>
+          <p:cNvSpPr txBox="1"/>
+          <p:nvPr/>
+        </p:nvSpPr>
+        <p:spPr>
+          <a:xfrm>
+            <a:off x="316465" y="86465"/>
+            <a:ext cx="8857618" cy="1138773"/>
+          </a:xfrm>
+          <a:prstGeom prst="rect">
+            <a:avLst/>
+          </a:prstGeom>
+          <a:noFill/>
+        </p:spPr>
+        <p:txBody>
+          <a:bodyPr wrap="none" rtlCol="0">
+            <a:spAutoFit/>
+          </a:bodyPr>
+          <a:lstStyle/>
+          <a:p>
+            <a:r>
+              <a:rPr lang="en-US" sz="4400" dirty="0" smtClean="0">
+                <a:latin typeface="+mj-lt"/>
+              </a:rPr>
+              <a:t>Network Topology</a:t>
+            </a:r>
+          </a:p>
+          <a:p>
+            <a:r>
+              <a:rPr lang="en-US" sz="2400" b="1" dirty="0" smtClean="0"/>
+              <a:t>Sensor information is moved through 2 layers of a wireless network </a:t>
+            </a:r>
+            <a:endParaRPr lang="en-US" sz="2400" b="1" dirty="0"/>
+          </a:p>
+        </p:txBody>
+      </p:sp>
+      <p:pic>
+        <p:nvPicPr>
+          <p:cNvPr id="3102" name="Picture 30" descr="Desktop Clip Art"/>
+          <p:cNvPicPr>
+            <a:picLocks noChangeAspect="1" noChangeArrowheads="1"/>
+          </p:cNvPicPr>
+          <p:nvPr/>
+        </p:nvPicPr>
+        <p:blipFill rotWithShape="1">
+          <a:blip r:embed="rId12">
+            <a:extLst>
+              <a:ext uri="{28A0092B-C50C-407E-A947-70E740481C1C}">
+                <a14:useLocalDpi xmlns:a14="http://schemas.microsoft.com/office/drawing/2010/main" val="0"/>
+              </a:ext>
+            </a:extLst>
+          </a:blip>
+          <a:srcRect l="9413" r="29961" b="27187"/>
+          <a:stretch/>
+        </p:blipFill>
+        <p:spPr bwMode="auto">
+          <a:xfrm>
+            <a:off x="4660521" y="3842936"/>
+            <a:ext cx="1720850" cy="1144354"/>
+          </a:xfrm>
+          <a:prstGeom prst="rect">
+            <a:avLst/>
+          </a:prstGeom>
+          <a:noFill/>
+          <a:extLst>
+            <a:ext uri="{909E8E84-426E-40DD-AFC4-6F175D3DCCD1}">
+              <a14:hiddenFill xmlns:a14="http://schemas.microsoft.com/office/drawing/2010/main">
+                <a:solidFill>
+                  <a:srgbClr val="FFFFFF"/>
+                </a:solidFill>
+              </a14:hiddenFill>
+            </a:ext>
+          </a:extLst>
+        </p:spPr>
+      </p:pic>
+      <p:pic>
+        <p:nvPicPr>
+          <p:cNvPr id="113" name="Picture 12" descr="http://zeromq.wdfiles.com/local--files/admin:css/logo.gif"/>
+          <p:cNvPicPr>
+            <a:picLocks noChangeAspect="1" noChangeArrowheads="1"/>
+          </p:cNvPicPr>
+          <p:nvPr/>
+        </p:nvPicPr>
+        <p:blipFill>
+          <a:blip r:embed="rId8" cstate="print">
+            <a:extLst>
+              <a:ext uri="{28A0092B-C50C-407E-A947-70E740481C1C}">
+                <a14:useLocalDpi xmlns:a14="http://schemas.microsoft.com/office/drawing/2010/main" val="0"/>
+              </a:ext>
+            </a:extLst>
+          </a:blip>
+          <a:srcRect/>
+          <a:stretch>
+            <a:fillRect/>
+          </a:stretch>
+        </p:blipFill>
+        <p:spPr bwMode="auto">
+          <a:xfrm>
+            <a:off x="5329627" y="3056321"/>
+            <a:ext cx="519215" cy="162170"/>
+          </a:xfrm>
+          <a:prstGeom prst="rect">
+            <a:avLst/>
+          </a:prstGeom>
+          <a:noFill/>
+          <a:extLst>
+            <a:ext uri="{909E8E84-426E-40DD-AFC4-6F175D3DCCD1}">
+              <a14:hiddenFill xmlns:a14="http://schemas.microsoft.com/office/drawing/2010/main">
+                <a:solidFill>
+                  <a:srgbClr val="FFFFFF"/>
+                </a:solidFill>
+              </a14:hiddenFill>
+            </a:ext>
+          </a:extLst>
+        </p:spPr>
+      </p:pic>
+      <p:pic>
+        <p:nvPicPr>
+          <p:cNvPr id="114" name="Picture 12" descr="http://zeromq.wdfiles.com/local--files/admin:css/logo.gif"/>
+          <p:cNvPicPr>
+            <a:picLocks noChangeAspect="1" noChangeArrowheads="1"/>
+          </p:cNvPicPr>
+          <p:nvPr/>
+        </p:nvPicPr>
+        <p:blipFill>
+          <a:blip r:embed="rId8" cstate="print">
+            <a:extLst>
+              <a:ext uri="{28A0092B-C50C-407E-A947-70E740481C1C}">
+                <a14:useLocalDpi xmlns:a14="http://schemas.microsoft.com/office/drawing/2010/main" val="0"/>
+              </a:ext>
+            </a:extLst>
+          </a:blip>
+          <a:srcRect/>
+          <a:stretch>
+            <a:fillRect/>
+          </a:stretch>
+        </p:blipFill>
+        <p:spPr bwMode="auto">
+          <a:xfrm>
+            <a:off x="7927256" y="3359890"/>
+            <a:ext cx="519215" cy="162170"/>
+          </a:xfrm>
+          <a:prstGeom prst="rect">
+            <a:avLst/>
+          </a:prstGeom>
+          <a:noFill/>
+          <a:extLst>
+            <a:ext uri="{909E8E84-426E-40DD-AFC4-6F175D3DCCD1}">
+              <a14:hiddenFill xmlns:a14="http://schemas.microsoft.com/office/drawing/2010/main">
+                <a:solidFill>
+                  <a:srgbClr val="FFFFFF"/>
+                </a:solidFill>
+              </a14:hiddenFill>
+            </a:ext>
+          </a:extLst>
+        </p:spPr>
+      </p:pic>
+      <p:pic>
+        <p:nvPicPr>
+          <p:cNvPr id="3106" name="Picture 34" descr="Image result for windows logo transparent"/>
+          <p:cNvPicPr>
+            <a:picLocks noChangeAspect="1" noChangeArrowheads="1"/>
+          </p:cNvPicPr>
+          <p:nvPr/>
+        </p:nvPicPr>
+        <p:blipFill>
+          <a:blip r:embed="rId13" cstate="print">
+            <a:extLst>
+              <a:ext uri="{28A0092B-C50C-407E-A947-70E740481C1C}">
+                <a14:useLocalDpi xmlns:a14="http://schemas.microsoft.com/office/drawing/2010/main" val="0"/>
+              </a:ext>
+            </a:extLst>
+          </a:blip>
+          <a:srcRect/>
+          <a:stretch>
+            <a:fillRect/>
+          </a:stretch>
+        </p:blipFill>
+        <p:spPr bwMode="auto">
+          <a:xfrm>
+            <a:off x="5417962" y="4062512"/>
+            <a:ext cx="372969" cy="408902"/>
+          </a:xfrm>
+          <a:prstGeom prst="rect">
+            <a:avLst/>
+          </a:prstGeom>
+          <a:noFill/>
+          <a:extLst>
+            <a:ext uri="{909E8E84-426E-40DD-AFC4-6F175D3DCCD1}">
+              <a14:hiddenFill xmlns:a14="http://schemas.microsoft.com/office/drawing/2010/main">
+                <a:solidFill>
+                  <a:srgbClr val="FFFFFF"/>
+                </a:solidFill>
+              </a14:hiddenFill>
+            </a:ext>
+          </a:extLst>
+        </p:spPr>
+      </p:pic>
+      <p:pic>
+        <p:nvPicPr>
+          <p:cNvPr id="3112" name="Picture 40" descr="Image result for ubuntu logo transparent"/>
+          <p:cNvPicPr>
+            <a:picLocks noChangeAspect="1" noChangeArrowheads="1"/>
+          </p:cNvPicPr>
+          <p:nvPr/>
+        </p:nvPicPr>
+        <p:blipFill>
+          <a:blip r:embed="rId14" cstate="print">
+            <a:extLst>
+              <a:ext uri="{28A0092B-C50C-407E-A947-70E740481C1C}">
+                <a14:useLocalDpi xmlns:a14="http://schemas.microsoft.com/office/drawing/2010/main" val="0"/>
+              </a:ext>
+            </a:extLst>
+          </a:blip>
+          <a:srcRect/>
+          <a:stretch>
+            <a:fillRect/>
+          </a:stretch>
+        </p:blipFill>
+        <p:spPr bwMode="auto">
+          <a:xfrm>
+            <a:off x="4943673" y="4111914"/>
+            <a:ext cx="331251" cy="331251"/>
+          </a:xfrm>
+          <a:prstGeom prst="ellipse">
+            <a:avLst/>
+          </a:prstGeom>
+          <a:ln w="63500" cap="rnd">
+            <a:noFill/>
+          </a:ln>
+          <a:effectLst/>
+          <a:scene3d>
+            <a:camera prst="orthographicFront"/>
+            <a:lightRig rig="contrasting" dir="t">
+              <a:rot lat="0" lon="0" rev="3000000"/>
+            </a:lightRig>
+          </a:scene3d>
+          <a:sp3d contourW="7620">
+            <a:bevelT w="95250" h="31750"/>
+            <a:contourClr>
+              <a:srgbClr val="333333"/>
+            </a:contourClr>
+          </a:sp3d>
+          <a:extLst>
+            <a:ext uri="{909E8E84-426E-40DD-AFC4-6F175D3DCCD1}">
+              <a14:hiddenFill xmlns:a14="http://schemas.microsoft.com/office/drawing/2010/main">
+                <a:solidFill>
+                  <a:srgbClr val="FFFFFF"/>
+                </a:solidFill>
+              </a14:hiddenFill>
+            </a:ext>
+          </a:extLst>
+        </p:spPr>
+      </p:pic>
+      <p:sp>
+        <p:nvSpPr>
+          <p:cNvPr id="121" name="Right Arrow 120"/>
+          <p:cNvSpPr/>
+          <p:nvPr/>
+        </p:nvSpPr>
+        <p:spPr>
+          <a:xfrm>
+            <a:off x="7917454" y="5254821"/>
+            <a:ext cx="1807786" cy="1119229"/>
+          </a:xfrm>
+          <a:prstGeom prst="rightArrow">
+            <a:avLst/>
+          </a:prstGeom>
+        </p:spPr>
+        <p:style>
+          <a:lnRef idx="2">
+            <a:schemeClr val="accent4">
+              <a:shade val="50000"/>
+            </a:schemeClr>
+          </a:lnRef>
+          <a:fillRef idx="1">
+            <a:schemeClr val="accent4"/>
+          </a:fillRef>
+          <a:effectRef idx="0">
+            <a:schemeClr val="accent4"/>
+          </a:effectRef>
+          <a:fontRef idx="minor">
+            <a:schemeClr val="lt1"/>
+          </a:fontRef>
+        </p:style>
+        <p:txBody>
+          <a:bodyPr rtlCol="0" anchor="ctr"/>
+          <a:lstStyle/>
+          <a:p>
+            <a:pPr algn="ctr"/>
+            <a:r>
+              <a:rPr lang="en-US" dirty="0" smtClean="0">
+                <a:solidFill>
+                  <a:schemeClr val="tx1"/>
+                </a:solidFill>
+              </a:rPr>
+              <a:t>Sensor and Static Data</a:t>
+            </a:r>
+            <a:endParaRPr lang="en-US" dirty="0">
+              <a:solidFill>
+                <a:schemeClr val="tx1"/>
+              </a:solidFill>
+            </a:endParaRPr>
+          </a:p>
+        </p:txBody>
+      </p:sp>
+      <p:sp>
+        <p:nvSpPr>
+          <p:cNvPr id="122" name="Right Arrow 121"/>
+          <p:cNvSpPr/>
+          <p:nvPr/>
+        </p:nvSpPr>
+        <p:spPr>
+          <a:xfrm>
+            <a:off x="3327385" y="5230370"/>
+            <a:ext cx="1807786" cy="1119229"/>
+          </a:xfrm>
+          <a:prstGeom prst="rightArrow">
+            <a:avLst/>
+          </a:prstGeom>
+        </p:spPr>
+        <p:style>
+          <a:lnRef idx="2">
+            <a:schemeClr val="accent4">
+              <a:shade val="50000"/>
+            </a:schemeClr>
+          </a:lnRef>
+          <a:fillRef idx="1">
+            <a:schemeClr val="accent4"/>
+          </a:fillRef>
+          <a:effectRef idx="0">
+            <a:schemeClr val="accent4"/>
+          </a:effectRef>
+          <a:fontRef idx="minor">
+            <a:schemeClr val="lt1"/>
+          </a:fontRef>
+        </p:style>
+        <p:txBody>
+          <a:bodyPr rtlCol="0" anchor="ctr"/>
+          <a:lstStyle/>
+          <a:p>
+            <a:pPr algn="ctr"/>
+            <a:r>
+              <a:rPr lang="en-US" dirty="0" smtClean="0">
+                <a:solidFill>
+                  <a:schemeClr val="tx1"/>
+                </a:solidFill>
+              </a:rPr>
+              <a:t>Sensor Data</a:t>
+            </a:r>
+            <a:endParaRPr lang="en-US" dirty="0">
+              <a:solidFill>
+                <a:schemeClr val="tx1"/>
+              </a:solidFill>
+            </a:endParaRPr>
+          </a:p>
+        </p:txBody>
+      </p:sp>
+      <p:pic>
+        <p:nvPicPr>
+          <p:cNvPr id="3114" name="Picture 42" descr="Image result for nose clipart black and white"/>
+          <p:cNvPicPr>
+            <a:picLocks noChangeAspect="1" noChangeArrowheads="1"/>
+          </p:cNvPicPr>
+          <p:nvPr/>
+        </p:nvPicPr>
+        <p:blipFill>
+          <a:blip r:embed="rId15" cstate="print">
+            <a:extLst>
+              <a:ext uri="{28A0092B-C50C-407E-A947-70E740481C1C}">
+                <a14:useLocalDpi xmlns:a14="http://schemas.microsoft.com/office/drawing/2010/main" val="0"/>
+              </a:ext>
+            </a:extLst>
+          </a:blip>
+          <a:srcRect/>
+          <a:stretch>
+            <a:fillRect/>
+          </a:stretch>
+        </p:blipFill>
+        <p:spPr bwMode="auto">
+          <a:xfrm>
+            <a:off x="1541293" y="5361943"/>
+            <a:ext cx="239200" cy="392307"/>
+          </a:xfrm>
+          <a:prstGeom prst="rect">
+            <a:avLst/>
+          </a:prstGeom>
+          <a:noFill/>
+          <a:ln>
+            <a:solidFill>
+              <a:schemeClr val="tx1"/>
+            </a:solidFill>
+          </a:ln>
+          <a:extLst>
+            <a:ext uri="{909E8E84-426E-40DD-AFC4-6F175D3DCCD1}">
+              <a14:hiddenFill xmlns:a14="http://schemas.microsoft.com/office/drawing/2010/main">
+                <a:solidFill>
+                  <a:srgbClr val="FFFFFF"/>
+                </a:solidFill>
+              </a14:hiddenFill>
+            </a:ext>
+          </a:extLst>
+        </p:spPr>
+      </p:pic>
+      <p:pic>
+        <p:nvPicPr>
+          <p:cNvPr id="124" name="Picture 16" descr="Image result for eye clipart"/>
+          <p:cNvPicPr>
+            <a:picLocks noChangeAspect="1" noChangeArrowheads="1"/>
+          </p:cNvPicPr>
+          <p:nvPr/>
+        </p:nvPicPr>
+        <p:blipFill rotWithShape="1">
+          <a:blip r:embed="rId9" cstate="print">
+            <a:extLst>
+              <a:ext uri="{28A0092B-C50C-407E-A947-70E740481C1C}">
+                <a14:useLocalDpi xmlns:a14="http://schemas.microsoft.com/office/drawing/2010/main" val="0"/>
+              </a:ext>
+            </a:extLst>
+          </a:blip>
+          <a:srcRect l="4517" t="27488" r="5483" b="27163"/>
+          <a:stretch/>
+        </p:blipFill>
+        <p:spPr bwMode="auto">
+          <a:xfrm>
+            <a:off x="807575" y="3850818"/>
+            <a:ext cx="587775" cy="296166"/>
+          </a:xfrm>
+          <a:prstGeom prst="rect">
+            <a:avLst/>
+          </a:prstGeom>
+          <a:noFill/>
+          <a:ln>
+            <a:solidFill>
+              <a:schemeClr val="tx1"/>
+            </a:solidFill>
+          </a:ln>
+          <a:extLst>
+            <a:ext uri="{909E8E84-426E-40DD-AFC4-6F175D3DCCD1}">
+              <a14:hiddenFill xmlns:a14="http://schemas.microsoft.com/office/drawing/2010/main">
+                <a:solidFill>
+                  <a:srgbClr val="FFFFFF"/>
+                </a:solidFill>
+              </a14:hiddenFill>
+            </a:ext>
+          </a:extLst>
+        </p:spPr>
+      </p:pic>
+      <p:pic>
+        <p:nvPicPr>
+          <p:cNvPr id="125" name="Picture 18" descr="Image result for ear clipart listening"/>
+          <p:cNvPicPr>
+            <a:picLocks noChangeAspect="1" noChangeArrowheads="1"/>
+          </p:cNvPicPr>
+          <p:nvPr/>
+        </p:nvPicPr>
+        <p:blipFill rotWithShape="1">
+          <a:blip r:embed="rId10" cstate="print">
+            <a:extLst>
+              <a:ext uri="{28A0092B-C50C-407E-A947-70E740481C1C}">
+                <a14:useLocalDpi xmlns:a14="http://schemas.microsoft.com/office/drawing/2010/main" val="0"/>
+              </a:ext>
+            </a:extLst>
+          </a:blip>
+          <a:srcRect l="7212" t="14633" r="7951" b="16461"/>
+          <a:stretch/>
+        </p:blipFill>
+        <p:spPr bwMode="auto">
+          <a:xfrm>
+            <a:off x="1488753" y="3793103"/>
+            <a:ext cx="563064" cy="411597"/>
+          </a:xfrm>
+          <a:prstGeom prst="rect">
+            <a:avLst/>
+          </a:prstGeom>
+          <a:noFill/>
+          <a:ln>
+            <a:solidFill>
+              <a:schemeClr val="tx1"/>
+            </a:solidFill>
+          </a:ln>
+          <a:extLst>
+            <a:ext uri="{909E8E84-426E-40DD-AFC4-6F175D3DCCD1}">
+              <a14:hiddenFill xmlns:a14="http://schemas.microsoft.com/office/drawing/2010/main">
+                <a:solidFill>
+                  <a:srgbClr val="FFFFFF"/>
+                </a:solidFill>
+              </a14:hiddenFill>
+            </a:ext>
+          </a:extLst>
+        </p:spPr>
+      </p:pic>
+      <p:pic>
+        <p:nvPicPr>
+          <p:cNvPr id="126" name="Picture 42" descr="Image result for nose clipart black and white"/>
+          <p:cNvPicPr>
+            <a:picLocks noChangeAspect="1" noChangeArrowheads="1"/>
+          </p:cNvPicPr>
+          <p:nvPr/>
+        </p:nvPicPr>
+        <p:blipFill>
+          <a:blip r:embed="rId15" cstate="print">
+            <a:extLst>
+              <a:ext uri="{28A0092B-C50C-407E-A947-70E740481C1C}">
+                <a14:useLocalDpi xmlns:a14="http://schemas.microsoft.com/office/drawing/2010/main" val="0"/>
+              </a:ext>
+            </a:extLst>
+          </a:blip>
+          <a:srcRect/>
+          <a:stretch>
+            <a:fillRect/>
+          </a:stretch>
+        </p:blipFill>
+        <p:spPr bwMode="auto">
+          <a:xfrm>
+            <a:off x="505472" y="3802748"/>
+            <a:ext cx="239200" cy="392307"/>
+          </a:xfrm>
+          <a:prstGeom prst="rect">
+            <a:avLst/>
+          </a:prstGeom>
+          <a:noFill/>
+          <a:ln>
+            <a:solidFill>
+              <a:schemeClr val="tx1"/>
+            </a:solidFill>
+          </a:ln>
+          <a:extLst>
+            <a:ext uri="{909E8E84-426E-40DD-AFC4-6F175D3DCCD1}">
+              <a14:hiddenFill xmlns:a14="http://schemas.microsoft.com/office/drawing/2010/main">
+                <a:solidFill>
+                  <a:srgbClr val="FFFFFF"/>
+                </a:solidFill>
+              </a14:hiddenFill>
+            </a:ext>
+          </a:extLst>
+        </p:spPr>
+      </p:pic>
+      <p:pic>
+        <p:nvPicPr>
+          <p:cNvPr id="127" name="Picture 16" descr="Image result for eye clipart"/>
+          <p:cNvPicPr>
+            <a:picLocks noChangeAspect="1" noChangeArrowheads="1"/>
+          </p:cNvPicPr>
+          <p:nvPr/>
+        </p:nvPicPr>
+        <p:blipFill rotWithShape="1">
+          <a:blip r:embed="rId9" cstate="print">
+            <a:extLst>
+              <a:ext uri="{28A0092B-C50C-407E-A947-70E740481C1C}">
+                <a14:useLocalDpi xmlns:a14="http://schemas.microsoft.com/office/drawing/2010/main" val="0"/>
+              </a:ext>
+            </a:extLst>
+          </a:blip>
+          <a:srcRect l="4517" t="27488" r="5483" b="27163"/>
+          <a:stretch/>
+        </p:blipFill>
+        <p:spPr bwMode="auto">
+          <a:xfrm>
+            <a:off x="2586303" y="3790076"/>
+            <a:ext cx="587775" cy="296166"/>
+          </a:xfrm>
+          <a:prstGeom prst="rect">
+            <a:avLst/>
+          </a:prstGeom>
+          <a:noFill/>
+          <a:ln>
+            <a:solidFill>
+              <a:schemeClr val="tx1"/>
+            </a:solidFill>
+          </a:ln>
+          <a:extLst>
+            <a:ext uri="{909E8E84-426E-40DD-AFC4-6F175D3DCCD1}">
+              <a14:hiddenFill xmlns:a14="http://schemas.microsoft.com/office/drawing/2010/main">
+                <a:solidFill>
+                  <a:srgbClr val="FFFFFF"/>
+                </a:solidFill>
+              </a14:hiddenFill>
+            </a:ext>
+          </a:extLst>
+        </p:spPr>
+      </p:pic>
+      <p:pic>
+        <p:nvPicPr>
+          <p:cNvPr id="128" name="Picture 18" descr="Image result for ear clipart listening"/>
+          <p:cNvPicPr>
+            <a:picLocks noChangeAspect="1" noChangeArrowheads="1"/>
+          </p:cNvPicPr>
+          <p:nvPr/>
+        </p:nvPicPr>
+        <p:blipFill rotWithShape="1">
+          <a:blip r:embed="rId10" cstate="print">
+            <a:extLst>
+              <a:ext uri="{28A0092B-C50C-407E-A947-70E740481C1C}">
+                <a14:useLocalDpi xmlns:a14="http://schemas.microsoft.com/office/drawing/2010/main" val="0"/>
+              </a:ext>
+            </a:extLst>
+          </a:blip>
+          <a:srcRect l="7212" t="14633" r="7951" b="16461"/>
+          <a:stretch/>
+        </p:blipFill>
+        <p:spPr bwMode="auto">
+          <a:xfrm>
+            <a:off x="3267481" y="3732361"/>
+            <a:ext cx="563064" cy="411597"/>
+          </a:xfrm>
+          <a:prstGeom prst="rect">
+            <a:avLst/>
+          </a:prstGeom>
+          <a:noFill/>
+          <a:ln>
+            <a:solidFill>
+              <a:schemeClr val="tx1"/>
+            </a:solidFill>
+          </a:ln>
+          <a:extLst>
+            <a:ext uri="{909E8E84-426E-40DD-AFC4-6F175D3DCCD1}">
+              <a14:hiddenFill xmlns:a14="http://schemas.microsoft.com/office/drawing/2010/main">
+                <a:solidFill>
+                  <a:srgbClr val="FFFFFF"/>
+                </a:solidFill>
+              </a14:hiddenFill>
+            </a:ext>
+          </a:extLst>
+        </p:spPr>
+      </p:pic>
+      <p:pic>
+        <p:nvPicPr>
+          <p:cNvPr id="129" name="Picture 18" descr="Image result for ear clipart listening"/>
+          <p:cNvPicPr>
+            <a:picLocks noChangeAspect="1" noChangeArrowheads="1"/>
+          </p:cNvPicPr>
+          <p:nvPr/>
+        </p:nvPicPr>
+        <p:blipFill rotWithShape="1">
+          <a:blip r:embed="rId10" cstate="print">
+            <a:extLst>
+              <a:ext uri="{28A0092B-C50C-407E-A947-70E740481C1C}">
+                <a14:useLocalDpi xmlns:a14="http://schemas.microsoft.com/office/drawing/2010/main" val="0"/>
+              </a:ext>
+            </a:extLst>
+          </a:blip>
+          <a:srcRect l="7212" t="14633" r="7951" b="16461"/>
+          <a:stretch/>
+        </p:blipFill>
+        <p:spPr bwMode="auto">
+          <a:xfrm>
+            <a:off x="1896389" y="2928401"/>
+            <a:ext cx="563064" cy="411597"/>
+          </a:xfrm>
+          <a:prstGeom prst="rect">
+            <a:avLst/>
+          </a:prstGeom>
+          <a:noFill/>
+          <a:ln>
+            <a:solidFill>
+              <a:schemeClr val="tx1"/>
+            </a:solidFill>
+          </a:ln>
+          <a:extLst>
+            <a:ext uri="{909E8E84-426E-40DD-AFC4-6F175D3DCCD1}">
+              <a14:hiddenFill xmlns:a14="http://schemas.microsoft.com/office/drawing/2010/main">
+                <a:solidFill>
+                  <a:srgbClr val="FFFFFF"/>
+                </a:solidFill>
+              </a14:hiddenFill>
+            </a:ext>
+          </a:extLst>
+        </p:spPr>
+      </p:pic>
     </p:spTree>
     <p:extLst>
       <p:ext uri="{BB962C8B-B14F-4D97-AF65-F5344CB8AC3E}">
@@ -5270,7 +7733,7 @@
 </p:sld>
 </file>
 
-<file path=ppt/slides/slide4.xml><?xml version="1.0" encoding="utf-8"?>
+<file path=ppt/slides/slide6.xml><?xml version="1.0" encoding="utf-8"?>
 <p:sld xmlns:a="http://schemas.openxmlformats.org/drawingml/2006/main" xmlns:r="http://schemas.openxmlformats.org/officeDocument/2006/relationships" xmlns:p="http://schemas.openxmlformats.org/presentationml/2006/main">
   <p:cSld>
     <p:spTree>
@@ -5287,29 +7750,6 @@
           <a:chExt cx="0" cy="0"/>
         </a:xfrm>
       </p:grpSpPr>
-      <p:sp>
-        <p:nvSpPr>
-          <p:cNvPr id="2" name="Title 1"/>
-          <p:cNvSpPr>
-            <a:spLocks noGrp="1"/>
-          </p:cNvSpPr>
-          <p:nvPr>
-            <p:ph type="title"/>
-          </p:nvPr>
-        </p:nvSpPr>
-        <p:spPr/>
-        <p:txBody>
-          <a:bodyPr/>
-          <a:lstStyle/>
-          <a:p>
-            <a:r>
-              <a:rPr lang="en-US" dirty="0" smtClean="0"/>
-              <a:t>Next Steps</a:t>
-            </a:r>
-            <a:endParaRPr lang="en-US" dirty="0"/>
-          </a:p>
-        </p:txBody>
-      </p:sp>
       <p:pic>
         <p:nvPicPr>
           <p:cNvPr id="4" name="Content Placeholder 3"/>
@@ -5339,10 +7779,1012 @@
           </a:xfrm>
         </p:spPr>
       </p:pic>
+      <p:sp>
+        <p:nvSpPr>
+          <p:cNvPr id="5" name="TextBox 4"/>
+          <p:cNvSpPr txBox="1"/>
+          <p:nvPr/>
+        </p:nvSpPr>
+        <p:spPr>
+          <a:xfrm>
+            <a:off x="316465" y="86465"/>
+            <a:ext cx="8921930" cy="769441"/>
+          </a:xfrm>
+          <a:prstGeom prst="rect">
+            <a:avLst/>
+          </a:prstGeom>
+          <a:noFill/>
+        </p:spPr>
+        <p:txBody>
+          <a:bodyPr wrap="none" rtlCol="0">
+            <a:spAutoFit/>
+          </a:bodyPr>
+          <a:lstStyle/>
+          <a:p>
+            <a:r>
+              <a:rPr lang="en-US" sz="4400" dirty="0" smtClean="0">
+                <a:latin typeface="+mj-lt"/>
+              </a:rPr>
+              <a:t>Technologies Used for Implementation</a:t>
+            </a:r>
+            <a:endParaRPr lang="en-US" sz="2400" b="1" dirty="0"/>
+          </a:p>
+        </p:txBody>
+      </p:sp>
+      <p:sp>
+        <p:nvSpPr>
+          <p:cNvPr id="6" name="Rounded Rectangle 5"/>
+          <p:cNvSpPr/>
+          <p:nvPr/>
+        </p:nvSpPr>
+        <p:spPr>
+          <a:xfrm>
+            <a:off x="709177" y="804949"/>
+            <a:ext cx="3171014" cy="5162122"/>
+          </a:xfrm>
+          <a:prstGeom prst="roundRect">
+            <a:avLst>
+              <a:gd name="adj" fmla="val 8140"/>
+            </a:avLst>
+          </a:prstGeom>
+        </p:spPr>
+        <p:style>
+          <a:lnRef idx="2">
+            <a:schemeClr val="accent3"/>
+          </a:lnRef>
+          <a:fillRef idx="1">
+            <a:schemeClr val="lt1"/>
+          </a:fillRef>
+          <a:effectRef idx="0">
+            <a:schemeClr val="accent3"/>
+          </a:effectRef>
+          <a:fontRef idx="minor">
+            <a:schemeClr val="dk1"/>
+          </a:fontRef>
+        </p:style>
+        <p:txBody>
+          <a:bodyPr rtlCol="0" anchor="t"/>
+          <a:lstStyle/>
+          <a:p>
+            <a:pPr algn="ctr">
+              <a:lnSpc>
+                <a:spcPct val="150000"/>
+              </a:lnSpc>
+            </a:pPr>
+            <a:r>
+              <a:rPr lang="en-US" b="1" dirty="0" smtClean="0"/>
+              <a:t>A-Layer Sensor Nodes</a:t>
+            </a:r>
+            <a:endParaRPr lang="en-US" b="1" dirty="0"/>
+          </a:p>
+          <a:p>
+            <a:pPr>
+              <a:lnSpc>
+                <a:spcPct val="150000"/>
+              </a:lnSpc>
+            </a:pPr>
+            <a:r>
+              <a:rPr lang="en-US" dirty="0" smtClean="0"/>
+              <a:t>Arduino Nano</a:t>
+            </a:r>
+          </a:p>
+          <a:p>
+            <a:pPr marL="285750" indent="-285750">
+              <a:lnSpc>
+                <a:spcPct val="150000"/>
+              </a:lnSpc>
+              <a:buFontTx/>
+              <a:buChar char="-"/>
+            </a:pPr>
+            <a:r>
+              <a:rPr lang="en-US" dirty="0" err="1" smtClean="0"/>
+              <a:t>ArduinoJson</a:t>
+            </a:r>
+            <a:endParaRPr lang="en-US" dirty="0" smtClean="0"/>
+          </a:p>
+          <a:p>
+            <a:pPr>
+              <a:lnSpc>
+                <a:spcPct val="150000"/>
+              </a:lnSpc>
+            </a:pPr>
+            <a:r>
+              <a:rPr lang="en-US" dirty="0" smtClean="0"/>
+              <a:t>nRF24 radio modules</a:t>
+            </a:r>
+          </a:p>
+          <a:p>
+            <a:pPr>
+              <a:lnSpc>
+                <a:spcPct val="150000"/>
+              </a:lnSpc>
+            </a:pPr>
+            <a:r>
+              <a:rPr lang="en-US" dirty="0" smtClean="0"/>
+              <a:t>Sensors</a:t>
+            </a:r>
+          </a:p>
+          <a:p>
+            <a:pPr marL="285750" indent="-285750">
+              <a:lnSpc>
+                <a:spcPct val="150000"/>
+              </a:lnSpc>
+              <a:buFontTx/>
+              <a:buChar char="-"/>
+            </a:pPr>
+            <a:r>
+              <a:rPr lang="en-US" dirty="0" smtClean="0"/>
+              <a:t>PIR</a:t>
+            </a:r>
+          </a:p>
+          <a:p>
+            <a:pPr marL="285750" indent="-285750">
+              <a:lnSpc>
+                <a:spcPct val="150000"/>
+              </a:lnSpc>
+              <a:buFontTx/>
+              <a:buChar char="-"/>
+            </a:pPr>
+            <a:r>
+              <a:rPr lang="en-US" dirty="0" smtClean="0"/>
+              <a:t>Acoustic</a:t>
+            </a:r>
+          </a:p>
+          <a:p>
+            <a:pPr marL="285750" indent="-285750">
+              <a:lnSpc>
+                <a:spcPct val="150000"/>
+              </a:lnSpc>
+              <a:buFontTx/>
+              <a:buChar char="-"/>
+            </a:pPr>
+            <a:r>
+              <a:rPr lang="en-US" dirty="0" smtClean="0"/>
+              <a:t>Buttons</a:t>
+            </a:r>
+          </a:p>
+          <a:p>
+            <a:pPr>
+              <a:lnSpc>
+                <a:spcPct val="150000"/>
+              </a:lnSpc>
+            </a:pPr>
+            <a:endParaRPr lang="en-US" dirty="0" smtClean="0"/>
+          </a:p>
+        </p:txBody>
+      </p:sp>
+      <p:sp>
+        <p:nvSpPr>
+          <p:cNvPr id="7" name="Rounded Rectangle 6"/>
+          <p:cNvSpPr/>
+          <p:nvPr/>
+        </p:nvSpPr>
+        <p:spPr>
+          <a:xfrm>
+            <a:off x="4376819" y="853210"/>
+            <a:ext cx="3093043" cy="5162122"/>
+          </a:xfrm>
+          <a:prstGeom prst="roundRect">
+            <a:avLst>
+              <a:gd name="adj" fmla="val 8140"/>
+            </a:avLst>
+          </a:prstGeom>
+        </p:spPr>
+        <p:style>
+          <a:lnRef idx="2">
+            <a:schemeClr val="accent3"/>
+          </a:lnRef>
+          <a:fillRef idx="1">
+            <a:schemeClr val="lt1"/>
+          </a:fillRef>
+          <a:effectRef idx="0">
+            <a:schemeClr val="accent3"/>
+          </a:effectRef>
+          <a:fontRef idx="minor">
+            <a:schemeClr val="dk1"/>
+          </a:fontRef>
+        </p:style>
+        <p:txBody>
+          <a:bodyPr rtlCol="0" anchor="t"/>
+          <a:lstStyle/>
+          <a:p>
+            <a:pPr algn="ctr">
+              <a:lnSpc>
+                <a:spcPct val="150000"/>
+              </a:lnSpc>
+            </a:pPr>
+            <a:r>
+              <a:rPr lang="el-GR" b="1" dirty="0" smtClean="0"/>
+              <a:t>π</a:t>
+            </a:r>
+            <a:r>
+              <a:rPr lang="en-US" b="1" dirty="0" smtClean="0"/>
+              <a:t>-Layer Intercommunication</a:t>
+            </a:r>
+          </a:p>
+        </p:txBody>
+      </p:sp>
+      <p:sp>
+        <p:nvSpPr>
+          <p:cNvPr id="8" name="Rounded Rectangle 7"/>
+          <p:cNvSpPr/>
+          <p:nvPr/>
+        </p:nvSpPr>
+        <p:spPr>
+          <a:xfrm>
+            <a:off x="8087458" y="853210"/>
+            <a:ext cx="3039880" cy="5162122"/>
+          </a:xfrm>
+          <a:prstGeom prst="roundRect">
+            <a:avLst>
+              <a:gd name="adj" fmla="val 8140"/>
+            </a:avLst>
+          </a:prstGeom>
+        </p:spPr>
+        <p:style>
+          <a:lnRef idx="2">
+            <a:schemeClr val="accent3"/>
+          </a:lnRef>
+          <a:fillRef idx="1">
+            <a:schemeClr val="lt1"/>
+          </a:fillRef>
+          <a:effectRef idx="0">
+            <a:schemeClr val="accent3"/>
+          </a:effectRef>
+          <a:fontRef idx="minor">
+            <a:schemeClr val="dk1"/>
+          </a:fontRef>
+        </p:style>
+        <p:txBody>
+          <a:bodyPr rtlCol="0" anchor="t"/>
+          <a:lstStyle/>
+          <a:p>
+            <a:pPr algn="ctr">
+              <a:lnSpc>
+                <a:spcPct val="150000"/>
+              </a:lnSpc>
+            </a:pPr>
+            <a:r>
+              <a:rPr lang="el-GR" b="1" dirty="0" smtClean="0"/>
+              <a:t>π</a:t>
+            </a:r>
+            <a:r>
+              <a:rPr lang="en-US" b="1" dirty="0" smtClean="0"/>
+              <a:t> Layer Web Front End</a:t>
+            </a:r>
+            <a:endParaRPr lang="en-US" dirty="0" smtClean="0"/>
+          </a:p>
+          <a:p>
+            <a:pPr marL="285750" indent="-285750">
+              <a:lnSpc>
+                <a:spcPct val="150000"/>
+              </a:lnSpc>
+              <a:buFontTx/>
+              <a:buChar char="-"/>
+            </a:pPr>
+            <a:endParaRPr lang="en-US" dirty="0" smtClean="0"/>
+          </a:p>
+          <a:p>
+            <a:pPr marL="285750" indent="-285750">
+              <a:lnSpc>
+                <a:spcPct val="150000"/>
+              </a:lnSpc>
+              <a:buFontTx/>
+              <a:buChar char="-"/>
+            </a:pPr>
+            <a:endParaRPr lang="en-US" dirty="0" smtClean="0"/>
+          </a:p>
+          <a:p>
+            <a:pPr>
+              <a:lnSpc>
+                <a:spcPct val="150000"/>
+              </a:lnSpc>
+            </a:pPr>
+            <a:endParaRPr lang="en-US" dirty="0" smtClean="0"/>
+          </a:p>
+        </p:txBody>
+      </p:sp>
+      <p:pic>
+        <p:nvPicPr>
+          <p:cNvPr id="5122" name="Picture 2" descr="Image result for facebook flux"/>
+          <p:cNvPicPr>
+            <a:picLocks noChangeAspect="1" noChangeArrowheads="1"/>
+          </p:cNvPicPr>
+          <p:nvPr/>
+        </p:nvPicPr>
+        <p:blipFill>
+          <a:blip r:embed="rId3" cstate="print">
+            <a:extLst>
+              <a:ext uri="{28A0092B-C50C-407E-A947-70E740481C1C}">
+                <a14:useLocalDpi xmlns:a14="http://schemas.microsoft.com/office/drawing/2010/main" val="0"/>
+              </a:ext>
+            </a:extLst>
+          </a:blip>
+          <a:srcRect/>
+          <a:stretch>
+            <a:fillRect/>
+          </a:stretch>
+        </p:blipFill>
+        <p:spPr bwMode="auto">
+          <a:xfrm>
+            <a:off x="8466992" y="4454241"/>
+            <a:ext cx="928575" cy="928575"/>
+          </a:xfrm>
+          <a:prstGeom prst="rect">
+            <a:avLst/>
+          </a:prstGeom>
+          <a:noFill/>
+          <a:extLst>
+            <a:ext uri="{909E8E84-426E-40DD-AFC4-6F175D3DCCD1}">
+              <a14:hiddenFill xmlns:a14="http://schemas.microsoft.com/office/drawing/2010/main">
+                <a:solidFill>
+                  <a:srgbClr val="FFFFFF"/>
+                </a:solidFill>
+              </a14:hiddenFill>
+            </a:ext>
+          </a:extLst>
+        </p:spPr>
+      </p:pic>
+      <p:pic>
+        <p:nvPicPr>
+          <p:cNvPr id="5124" name="Picture 4" descr="Image result for webpack"/>
+          <p:cNvPicPr>
+            <a:picLocks noChangeAspect="1" noChangeArrowheads="1"/>
+          </p:cNvPicPr>
+          <p:nvPr/>
+        </p:nvPicPr>
+        <p:blipFill rotWithShape="1">
+          <a:blip r:embed="rId4">
+            <a:extLst>
+              <a:ext uri="{28A0092B-C50C-407E-A947-70E740481C1C}">
+                <a14:useLocalDpi xmlns:a14="http://schemas.microsoft.com/office/drawing/2010/main" val="0"/>
+              </a:ext>
+            </a:extLst>
+          </a:blip>
+          <a:srcRect l="13219" r="13944"/>
+          <a:stretch/>
+        </p:blipFill>
+        <p:spPr bwMode="auto">
+          <a:xfrm>
+            <a:off x="9598590" y="2865357"/>
+            <a:ext cx="1307804" cy="1243396"/>
+          </a:xfrm>
+          <a:prstGeom prst="rect">
+            <a:avLst/>
+          </a:prstGeom>
+          <a:noFill/>
+          <a:extLst>
+            <a:ext uri="{909E8E84-426E-40DD-AFC4-6F175D3DCCD1}">
+              <a14:hiddenFill xmlns:a14="http://schemas.microsoft.com/office/drawing/2010/main">
+                <a:solidFill>
+                  <a:srgbClr val="FFFFFF"/>
+                </a:solidFill>
+              </a14:hiddenFill>
+            </a:ext>
+          </a:extLst>
+        </p:spPr>
+      </p:pic>
+      <p:sp>
+        <p:nvSpPr>
+          <p:cNvPr id="9" name="AutoShape 6" descr="Image result for material ui"/>
+          <p:cNvSpPr>
+            <a:spLocks noChangeAspect="1" noChangeArrowheads="1"/>
+          </p:cNvSpPr>
+          <p:nvPr/>
+        </p:nvSpPr>
+        <p:spPr bwMode="auto">
+          <a:xfrm>
+            <a:off x="155575" y="-144463"/>
+            <a:ext cx="304800" cy="304801"/>
+          </a:xfrm>
+          <a:prstGeom prst="rect">
+            <a:avLst/>
+          </a:prstGeom>
+          <a:noFill/>
+          <a:extLst>
+            <a:ext uri="{909E8E84-426E-40DD-AFC4-6F175D3DCCD1}">
+              <a14:hiddenFill xmlns:a14="http://schemas.microsoft.com/office/drawing/2010/main">
+                <a:solidFill>
+                  <a:srgbClr val="FFFFFF"/>
+                </a:solidFill>
+              </a14:hiddenFill>
+            </a:ext>
+          </a:extLst>
+        </p:spPr>
+        <p:txBody>
+          <a:bodyPr vert="horz" wrap="square" lIns="91440" tIns="45720" rIns="91440" bIns="45720" numCol="1" anchor="t" anchorCtr="0" compatLnSpc="1">
+            <a:prstTxWarp prst="textNoShape">
+              <a:avLst/>
+            </a:prstTxWarp>
+          </a:bodyPr>
+          <a:lstStyle/>
+          <a:p>
+            <a:endParaRPr lang="en-US"/>
+          </a:p>
+        </p:txBody>
+      </p:sp>
+      <p:sp>
+        <p:nvSpPr>
+          <p:cNvPr id="11" name="AutoShape 10" descr="Material-UI Logo"/>
+          <p:cNvSpPr>
+            <a:spLocks noChangeAspect="1" noChangeArrowheads="1"/>
+          </p:cNvSpPr>
+          <p:nvPr/>
+        </p:nvSpPr>
+        <p:spPr bwMode="auto">
+          <a:xfrm>
+            <a:off x="307975" y="7937"/>
+            <a:ext cx="304800" cy="304801"/>
+          </a:xfrm>
+          <a:prstGeom prst="rect">
+            <a:avLst/>
+          </a:prstGeom>
+          <a:noFill/>
+          <a:extLst>
+            <a:ext uri="{909E8E84-426E-40DD-AFC4-6F175D3DCCD1}">
+              <a14:hiddenFill xmlns:a14="http://schemas.microsoft.com/office/drawing/2010/main">
+                <a:solidFill>
+                  <a:srgbClr val="FFFFFF"/>
+                </a:solidFill>
+              </a14:hiddenFill>
+            </a:ext>
+          </a:extLst>
+        </p:spPr>
+        <p:txBody>
+          <a:bodyPr vert="horz" wrap="square" lIns="91440" tIns="45720" rIns="91440" bIns="45720" numCol="1" anchor="t" anchorCtr="0" compatLnSpc="1">
+            <a:prstTxWarp prst="textNoShape">
+              <a:avLst/>
+            </a:prstTxWarp>
+          </a:bodyPr>
+          <a:lstStyle/>
+          <a:p>
+            <a:endParaRPr lang="en-US"/>
+          </a:p>
+        </p:txBody>
+      </p:sp>
+      <p:pic>
+        <p:nvPicPr>
+          <p:cNvPr id="5138" name="Picture 18" descr="Image result for pyserial"/>
+          <p:cNvPicPr>
+            <a:picLocks noChangeAspect="1" noChangeArrowheads="1"/>
+          </p:cNvPicPr>
+          <p:nvPr/>
+        </p:nvPicPr>
+        <p:blipFill>
+          <a:blip r:embed="rId5">
+            <a:extLst>
+              <a:ext uri="{28A0092B-C50C-407E-A947-70E740481C1C}">
+                <a14:useLocalDpi xmlns:a14="http://schemas.microsoft.com/office/drawing/2010/main" val="0"/>
+              </a:ext>
+            </a:extLst>
+          </a:blip>
+          <a:srcRect/>
+          <a:stretch>
+            <a:fillRect/>
+          </a:stretch>
+        </p:blipFill>
+        <p:spPr bwMode="auto">
+          <a:xfrm>
+            <a:off x="5107997" y="3844129"/>
+            <a:ext cx="1537985" cy="836187"/>
+          </a:xfrm>
+          <a:prstGeom prst="rect">
+            <a:avLst/>
+          </a:prstGeom>
+          <a:noFill/>
+          <a:extLst>
+            <a:ext uri="{909E8E84-426E-40DD-AFC4-6F175D3DCCD1}">
+              <a14:hiddenFill xmlns:a14="http://schemas.microsoft.com/office/drawing/2010/main">
+                <a:solidFill>
+                  <a:srgbClr val="FFFFFF"/>
+                </a:solidFill>
+              </a14:hiddenFill>
+            </a:ext>
+          </a:extLst>
+        </p:spPr>
+      </p:pic>
+      <p:pic>
+        <p:nvPicPr>
+          <p:cNvPr id="18" name="Picture 12" descr="http://zeromq.wdfiles.com/local--files/admin:css/logo.gif"/>
+          <p:cNvPicPr>
+            <a:picLocks noChangeAspect="1" noChangeArrowheads="1"/>
+          </p:cNvPicPr>
+          <p:nvPr/>
+        </p:nvPicPr>
+        <p:blipFill>
+          <a:blip r:embed="rId6" cstate="print">
+            <a:extLst>
+              <a:ext uri="{28A0092B-C50C-407E-A947-70E740481C1C}">
+                <a14:useLocalDpi xmlns:a14="http://schemas.microsoft.com/office/drawing/2010/main" val="0"/>
+              </a:ext>
+            </a:extLst>
+          </a:blip>
+          <a:srcRect/>
+          <a:stretch>
+            <a:fillRect/>
+          </a:stretch>
+        </p:blipFill>
+        <p:spPr bwMode="auto">
+          <a:xfrm>
+            <a:off x="5107997" y="5049648"/>
+            <a:ext cx="1540049" cy="481014"/>
+          </a:xfrm>
+          <a:prstGeom prst="rect">
+            <a:avLst/>
+          </a:prstGeom>
+          <a:noFill/>
+          <a:extLst>
+            <a:ext uri="{909E8E84-426E-40DD-AFC4-6F175D3DCCD1}">
+              <a14:hiddenFill xmlns:a14="http://schemas.microsoft.com/office/drawing/2010/main">
+                <a:solidFill>
+                  <a:srgbClr val="FFFFFF"/>
+                </a:solidFill>
+              </a14:hiddenFill>
+            </a:ext>
+          </a:extLst>
+        </p:spPr>
+      </p:pic>
+      <p:grpSp>
+        <p:nvGrpSpPr>
+          <p:cNvPr id="13" name="Group 12"/>
+          <p:cNvGrpSpPr/>
+          <p:nvPr/>
+        </p:nvGrpSpPr>
+        <p:grpSpPr>
+          <a:xfrm>
+            <a:off x="9731218" y="1506308"/>
+            <a:ext cx="1018164" cy="1311898"/>
+            <a:chOff x="8701366" y="1440469"/>
+            <a:chExt cx="1018164" cy="1311898"/>
+          </a:xfrm>
+        </p:grpSpPr>
+        <p:pic>
+          <p:nvPicPr>
+            <p:cNvPr id="5136" name="Picture 16" descr="Image result for aiohttp"/>
+            <p:cNvPicPr>
+              <a:picLocks noChangeAspect="1" noChangeArrowheads="1"/>
+            </p:cNvPicPr>
+            <p:nvPr/>
+          </p:nvPicPr>
+          <p:blipFill>
+            <a:blip r:embed="rId7">
+              <a:extLst>
+                <a:ext uri="{28A0092B-C50C-407E-A947-70E740481C1C}">
+                  <a14:useLocalDpi xmlns:a14="http://schemas.microsoft.com/office/drawing/2010/main" val="0"/>
+                </a:ext>
+              </a:extLst>
+            </a:blip>
+            <a:srcRect/>
+            <a:stretch>
+              <a:fillRect/>
+            </a:stretch>
+          </p:blipFill>
+          <p:spPr bwMode="auto">
+            <a:xfrm>
+              <a:off x="8739725" y="1440469"/>
+              <a:ext cx="906213" cy="906214"/>
+            </a:xfrm>
+            <a:prstGeom prst="rect">
+              <a:avLst/>
+            </a:prstGeom>
+            <a:noFill/>
+            <a:extLst>
+              <a:ext uri="{909E8E84-426E-40DD-AFC4-6F175D3DCCD1}">
+                <a14:hiddenFill xmlns:a14="http://schemas.microsoft.com/office/drawing/2010/main">
+                  <a:solidFill>
+                    <a:srgbClr val="FFFFFF"/>
+                  </a:solidFill>
+                </a14:hiddenFill>
+              </a:ext>
+            </a:extLst>
+          </p:spPr>
+        </p:pic>
+        <p:sp>
+          <p:nvSpPr>
+            <p:cNvPr id="12" name="TextBox 11"/>
+            <p:cNvSpPr txBox="1"/>
+            <p:nvPr/>
+          </p:nvSpPr>
+          <p:spPr>
+            <a:xfrm>
+              <a:off x="8701366" y="2383035"/>
+              <a:ext cx="1018164" cy="369332"/>
+            </a:xfrm>
+            <a:prstGeom prst="rect">
+              <a:avLst/>
+            </a:prstGeom>
+            <a:noFill/>
+          </p:spPr>
+          <p:txBody>
+            <a:bodyPr wrap="none" rtlCol="0">
+              <a:spAutoFit/>
+            </a:bodyPr>
+            <a:lstStyle/>
+            <a:p>
+              <a:r>
+                <a:rPr lang="en-US" dirty="0" smtClean="0"/>
+                <a:t>AIOHTTP</a:t>
+              </a:r>
+              <a:endParaRPr lang="en-US" dirty="0"/>
+            </a:p>
+          </p:txBody>
+        </p:sp>
+      </p:grpSp>
+      <p:grpSp>
+        <p:nvGrpSpPr>
+          <p:cNvPr id="15" name="Group 14"/>
+          <p:cNvGrpSpPr/>
+          <p:nvPr/>
+        </p:nvGrpSpPr>
+        <p:grpSpPr>
+          <a:xfrm>
+            <a:off x="9646190" y="4381496"/>
+            <a:ext cx="1137684" cy="1336528"/>
+            <a:chOff x="10035012" y="1501637"/>
+            <a:chExt cx="1137684" cy="1336528"/>
+          </a:xfrm>
+        </p:grpSpPr>
+        <p:pic>
+          <p:nvPicPr>
+            <p:cNvPr id="5134" name="Picture 14" descr="Image result for react"/>
+            <p:cNvPicPr>
+              <a:picLocks noChangeAspect="1" noChangeArrowheads="1"/>
+            </p:cNvPicPr>
+            <p:nvPr/>
+          </p:nvPicPr>
+          <p:blipFill rotWithShape="1">
+            <a:blip r:embed="rId8" cstate="print">
+              <a:extLst>
+                <a:ext uri="{28A0092B-C50C-407E-A947-70E740481C1C}">
+                  <a14:useLocalDpi xmlns:a14="http://schemas.microsoft.com/office/drawing/2010/main" val="0"/>
+                </a:ext>
+              </a:extLst>
+            </a:blip>
+            <a:srcRect l="19847" t="11190" r="20432" b="11013"/>
+            <a:stretch/>
+          </p:blipFill>
+          <p:spPr bwMode="auto">
+            <a:xfrm>
+              <a:off x="10035012" y="1501637"/>
+              <a:ext cx="1137684" cy="1047307"/>
+            </a:xfrm>
+            <a:prstGeom prst="rect">
+              <a:avLst/>
+            </a:prstGeom>
+            <a:noFill/>
+            <a:extLst>
+              <a:ext uri="{909E8E84-426E-40DD-AFC4-6F175D3DCCD1}">
+                <a14:hiddenFill xmlns:a14="http://schemas.microsoft.com/office/drawing/2010/main">
+                  <a:solidFill>
+                    <a:srgbClr val="FFFFFF"/>
+                  </a:solidFill>
+                </a14:hiddenFill>
+              </a:ext>
+            </a:extLst>
+          </p:spPr>
+        </p:pic>
+        <p:sp>
+          <p:nvSpPr>
+            <p:cNvPr id="14" name="TextBox 13"/>
+            <p:cNvSpPr txBox="1"/>
+            <p:nvPr/>
+          </p:nvSpPr>
+          <p:spPr>
+            <a:xfrm>
+              <a:off x="10250648" y="2468833"/>
+              <a:ext cx="706412" cy="369332"/>
+            </a:xfrm>
+            <a:prstGeom prst="rect">
+              <a:avLst/>
+            </a:prstGeom>
+            <a:noFill/>
+          </p:spPr>
+          <p:txBody>
+            <a:bodyPr wrap="none" rtlCol="0">
+              <a:spAutoFit/>
+            </a:bodyPr>
+            <a:lstStyle/>
+            <a:p>
+              <a:r>
+                <a:rPr lang="en-US" dirty="0"/>
+                <a:t>R</a:t>
+              </a:r>
+              <a:r>
+                <a:rPr lang="en-US" dirty="0" smtClean="0"/>
+                <a:t>eact</a:t>
+              </a:r>
+              <a:endParaRPr lang="en-US" dirty="0"/>
+            </a:p>
+          </p:txBody>
+        </p:sp>
+      </p:grpSp>
+      <p:grpSp>
+        <p:nvGrpSpPr>
+          <p:cNvPr id="17" name="Group 16"/>
+          <p:cNvGrpSpPr/>
+          <p:nvPr/>
+        </p:nvGrpSpPr>
+        <p:grpSpPr>
+          <a:xfrm>
+            <a:off x="8276503" y="3036053"/>
+            <a:ext cx="1252459" cy="1035694"/>
+            <a:chOff x="8837528" y="2425205"/>
+            <a:chExt cx="1252459" cy="1035694"/>
+          </a:xfrm>
+        </p:grpSpPr>
+        <p:pic>
+          <p:nvPicPr>
+            <p:cNvPr id="5132" name="Picture 12" descr="Image result for material ui"/>
+            <p:cNvPicPr>
+              <a:picLocks noChangeAspect="1" noChangeArrowheads="1"/>
+            </p:cNvPicPr>
+            <p:nvPr/>
+          </p:nvPicPr>
+          <p:blipFill rotWithShape="1">
+            <a:blip r:embed="rId9" cstate="print">
+              <a:extLst>
+                <a:ext uri="{28A0092B-C50C-407E-A947-70E740481C1C}">
+                  <a14:useLocalDpi xmlns:a14="http://schemas.microsoft.com/office/drawing/2010/main" val="0"/>
+                </a:ext>
+              </a:extLst>
+            </a:blip>
+            <a:srcRect l="17405" t="24837" r="17851" b="23814"/>
+            <a:stretch/>
+          </p:blipFill>
+          <p:spPr bwMode="auto">
+            <a:xfrm>
+              <a:off x="9022507" y="2425205"/>
+              <a:ext cx="882502" cy="699915"/>
+            </a:xfrm>
+            <a:prstGeom prst="rect">
+              <a:avLst/>
+            </a:prstGeom>
+            <a:noFill/>
+            <a:extLst>
+              <a:ext uri="{909E8E84-426E-40DD-AFC4-6F175D3DCCD1}">
+                <a14:hiddenFill xmlns:a14="http://schemas.microsoft.com/office/drawing/2010/main">
+                  <a:solidFill>
+                    <a:srgbClr val="FFFFFF"/>
+                  </a:solidFill>
+                </a14:hiddenFill>
+              </a:ext>
+            </a:extLst>
+          </p:spPr>
+        </p:pic>
+        <p:sp>
+          <p:nvSpPr>
+            <p:cNvPr id="16" name="TextBox 15"/>
+            <p:cNvSpPr txBox="1"/>
+            <p:nvPr/>
+          </p:nvSpPr>
+          <p:spPr>
+            <a:xfrm>
+              <a:off x="8837528" y="3091567"/>
+              <a:ext cx="1252459" cy="369332"/>
+            </a:xfrm>
+            <a:prstGeom prst="rect">
+              <a:avLst/>
+            </a:prstGeom>
+            <a:noFill/>
+          </p:spPr>
+          <p:txBody>
+            <a:bodyPr wrap="none" rtlCol="0">
+              <a:spAutoFit/>
+            </a:bodyPr>
+            <a:lstStyle/>
+            <a:p>
+              <a:r>
+                <a:rPr lang="en-US" dirty="0" smtClean="0"/>
+                <a:t>Material-UI</a:t>
+              </a:r>
+              <a:endParaRPr lang="en-US" dirty="0"/>
+            </a:p>
+          </p:txBody>
+        </p:sp>
+      </p:grpSp>
+      <p:grpSp>
+        <p:nvGrpSpPr>
+          <p:cNvPr id="20" name="Group 19"/>
+          <p:cNvGrpSpPr/>
+          <p:nvPr/>
+        </p:nvGrpSpPr>
+        <p:grpSpPr>
+          <a:xfrm>
+            <a:off x="8354815" y="1602967"/>
+            <a:ext cx="1197059" cy="1191804"/>
+            <a:chOff x="7465229" y="3049663"/>
+            <a:chExt cx="1197059" cy="1191804"/>
+          </a:xfrm>
+        </p:grpSpPr>
+        <p:pic>
+          <p:nvPicPr>
+            <p:cNvPr id="28" name="Picture 24" descr="Image result for python language"/>
+            <p:cNvPicPr>
+              <a:picLocks noChangeAspect="1" noChangeArrowheads="1"/>
+            </p:cNvPicPr>
+            <p:nvPr/>
+          </p:nvPicPr>
+          <p:blipFill rotWithShape="1">
+            <a:blip r:embed="rId10">
+              <a:extLst>
+                <a:ext uri="{28A0092B-C50C-407E-A947-70E740481C1C}">
+                  <a14:useLocalDpi xmlns:a14="http://schemas.microsoft.com/office/drawing/2010/main" val="0"/>
+                </a:ext>
+              </a:extLst>
+            </a:blip>
+            <a:srcRect l="13388" t="11212" r="13496" b="13439"/>
+            <a:stretch/>
+          </p:blipFill>
+          <p:spPr bwMode="auto">
+            <a:xfrm>
+              <a:off x="7664707" y="3049663"/>
+              <a:ext cx="798102" cy="822472"/>
+            </a:xfrm>
+            <a:prstGeom prst="rect">
+              <a:avLst/>
+            </a:prstGeom>
+            <a:noFill/>
+            <a:extLst>
+              <a:ext uri="{909E8E84-426E-40DD-AFC4-6F175D3DCCD1}">
+                <a14:hiddenFill xmlns:a14="http://schemas.microsoft.com/office/drawing/2010/main">
+                  <a:solidFill>
+                    <a:srgbClr val="FFFFFF"/>
+                  </a:solidFill>
+                </a14:hiddenFill>
+              </a:ext>
+            </a:extLst>
+          </p:spPr>
+        </p:pic>
+        <p:sp>
+          <p:nvSpPr>
+            <p:cNvPr id="19" name="TextBox 18"/>
+            <p:cNvSpPr txBox="1"/>
+            <p:nvPr/>
+          </p:nvSpPr>
+          <p:spPr>
+            <a:xfrm>
+              <a:off x="7465229" y="3872135"/>
+              <a:ext cx="1197059" cy="369332"/>
+            </a:xfrm>
+            <a:prstGeom prst="rect">
+              <a:avLst/>
+            </a:prstGeom>
+            <a:noFill/>
+          </p:spPr>
+          <p:txBody>
+            <a:bodyPr wrap="none" rtlCol="0">
+              <a:spAutoFit/>
+            </a:bodyPr>
+            <a:lstStyle/>
+            <a:p>
+              <a:pPr algn="ctr"/>
+              <a:r>
+                <a:rPr lang="en-US" dirty="0" smtClean="0"/>
+                <a:t>Python 3.7</a:t>
+              </a:r>
+            </a:p>
+          </p:txBody>
+        </p:sp>
+      </p:grpSp>
+      <p:grpSp>
+        <p:nvGrpSpPr>
+          <p:cNvPr id="32" name="Group 31"/>
+          <p:cNvGrpSpPr/>
+          <p:nvPr/>
+        </p:nvGrpSpPr>
+        <p:grpSpPr>
+          <a:xfrm>
+            <a:off x="5244476" y="1615553"/>
+            <a:ext cx="1197059" cy="1191804"/>
+            <a:chOff x="7465229" y="3049663"/>
+            <a:chExt cx="1197059" cy="1191804"/>
+          </a:xfrm>
+        </p:grpSpPr>
+        <p:pic>
+          <p:nvPicPr>
+            <p:cNvPr id="33" name="Picture 24" descr="Image result for python language"/>
+            <p:cNvPicPr>
+              <a:picLocks noChangeAspect="1" noChangeArrowheads="1"/>
+            </p:cNvPicPr>
+            <p:nvPr/>
+          </p:nvPicPr>
+          <p:blipFill rotWithShape="1">
+            <a:blip r:embed="rId10">
+              <a:extLst>
+                <a:ext uri="{28A0092B-C50C-407E-A947-70E740481C1C}">
+                  <a14:useLocalDpi xmlns:a14="http://schemas.microsoft.com/office/drawing/2010/main" val="0"/>
+                </a:ext>
+              </a:extLst>
+            </a:blip>
+            <a:srcRect l="13388" t="11212" r="13496" b="13439"/>
+            <a:stretch/>
+          </p:blipFill>
+          <p:spPr bwMode="auto">
+            <a:xfrm>
+              <a:off x="7664707" y="3049663"/>
+              <a:ext cx="798102" cy="822472"/>
+            </a:xfrm>
+            <a:prstGeom prst="rect">
+              <a:avLst/>
+            </a:prstGeom>
+            <a:noFill/>
+            <a:extLst>
+              <a:ext uri="{909E8E84-426E-40DD-AFC4-6F175D3DCCD1}">
+                <a14:hiddenFill xmlns:a14="http://schemas.microsoft.com/office/drawing/2010/main">
+                  <a:solidFill>
+                    <a:srgbClr val="FFFFFF"/>
+                  </a:solidFill>
+                </a14:hiddenFill>
+              </a:ext>
+            </a:extLst>
+          </p:spPr>
+        </p:pic>
+        <p:sp>
+          <p:nvSpPr>
+            <p:cNvPr id="34" name="TextBox 33"/>
+            <p:cNvSpPr txBox="1"/>
+            <p:nvPr/>
+          </p:nvSpPr>
+          <p:spPr>
+            <a:xfrm>
+              <a:off x="7465229" y="3872135"/>
+              <a:ext cx="1197059" cy="369332"/>
+            </a:xfrm>
+            <a:prstGeom prst="rect">
+              <a:avLst/>
+            </a:prstGeom>
+            <a:noFill/>
+          </p:spPr>
+          <p:txBody>
+            <a:bodyPr wrap="none" rtlCol="0">
+              <a:spAutoFit/>
+            </a:bodyPr>
+            <a:lstStyle/>
+            <a:p>
+              <a:pPr algn="ctr"/>
+              <a:r>
+                <a:rPr lang="en-US" dirty="0" smtClean="0"/>
+                <a:t>Python 3.7</a:t>
+              </a:r>
+            </a:p>
+          </p:txBody>
+        </p:sp>
+      </p:grpSp>
+      <p:sp>
+        <p:nvSpPr>
+          <p:cNvPr id="22" name="TextBox 21"/>
+          <p:cNvSpPr txBox="1"/>
+          <p:nvPr/>
+        </p:nvSpPr>
+        <p:spPr>
+          <a:xfrm>
+            <a:off x="5244476" y="2961139"/>
+            <a:ext cx="1265026" cy="523220"/>
+          </a:xfrm>
+          <a:prstGeom prst="rect">
+            <a:avLst/>
+          </a:prstGeom>
+          <a:noFill/>
+        </p:spPr>
+        <p:txBody>
+          <a:bodyPr wrap="none" rtlCol="0">
+            <a:spAutoFit/>
+          </a:bodyPr>
+          <a:lstStyle/>
+          <a:p>
+            <a:pPr algn="ctr"/>
+            <a:r>
+              <a:rPr lang="en-US" sz="2800" dirty="0" err="1" smtClean="0"/>
+              <a:t>asyncio</a:t>
+            </a:r>
+            <a:endParaRPr lang="en-US" sz="2800" dirty="0"/>
+          </a:p>
+        </p:txBody>
+      </p:sp>
     </p:spTree>
     <p:extLst>
       <p:ext uri="{BB962C8B-B14F-4D97-AF65-F5344CB8AC3E}">
-        <p14:creationId xmlns:p14="http://schemas.microsoft.com/office/powerpoint/2010/main" val="1335078485"/>
+        <p14:creationId xmlns:p14="http://schemas.microsoft.com/office/powerpoint/2010/main" val="447631660"/>
       </p:ext>
     </p:extLst>
   </p:cSld>
@@ -5359,7 +8801,7 @@
 </p:sld>
 </file>
 
-<file path=ppt/slides/slide5.xml><?xml version="1.0" encoding="utf-8"?>
+<file path=ppt/slides/slide7.xml><?xml version="1.0" encoding="utf-8"?>
 <p:sld xmlns:a="http://schemas.openxmlformats.org/drawingml/2006/main" xmlns:r="http://schemas.openxmlformats.org/officeDocument/2006/relationships" xmlns:p="http://schemas.openxmlformats.org/presentationml/2006/main">
   <p:cSld>
     <p:spTree>
@@ -5376,29 +8818,6 @@
           <a:chExt cx="0" cy="0"/>
         </a:xfrm>
       </p:grpSpPr>
-      <p:sp>
-        <p:nvSpPr>
-          <p:cNvPr id="2" name="Title 1"/>
-          <p:cNvSpPr>
-            <a:spLocks noGrp="1"/>
-          </p:cNvSpPr>
-          <p:nvPr>
-            <p:ph type="title"/>
-          </p:nvPr>
-        </p:nvSpPr>
-        <p:spPr/>
-        <p:txBody>
-          <a:bodyPr/>
-          <a:lstStyle/>
-          <a:p>
-            <a:r>
-              <a:rPr lang="en-US" dirty="0" smtClean="0"/>
-              <a:t>Next Steps</a:t>
-            </a:r>
-            <a:endParaRPr lang="en-US" dirty="0"/>
-          </a:p>
-        </p:txBody>
-      </p:sp>
       <p:pic>
         <p:nvPicPr>
           <p:cNvPr id="4" name="Content Placeholder 3"/>
@@ -5428,6 +8847,68 @@
           </a:xfrm>
         </p:spPr>
       </p:pic>
+      <p:sp>
+        <p:nvSpPr>
+          <p:cNvPr id="5" name="TextBox 4"/>
+          <p:cNvSpPr txBox="1"/>
+          <p:nvPr/>
+        </p:nvSpPr>
+        <p:spPr>
+          <a:xfrm>
+            <a:off x="316465" y="86465"/>
+            <a:ext cx="2591415" cy="769441"/>
+          </a:xfrm>
+          <a:prstGeom prst="rect">
+            <a:avLst/>
+          </a:prstGeom>
+          <a:noFill/>
+        </p:spPr>
+        <p:txBody>
+          <a:bodyPr wrap="none" rtlCol="0">
+            <a:spAutoFit/>
+          </a:bodyPr>
+          <a:lstStyle/>
+          <a:p>
+            <a:r>
+              <a:rPr lang="en-US" sz="4400" dirty="0" smtClean="0">
+                <a:latin typeface="+mj-lt"/>
+              </a:rPr>
+              <a:t>Next Steps</a:t>
+            </a:r>
+            <a:endParaRPr lang="en-US" sz="2400" b="1" dirty="0"/>
+          </a:p>
+        </p:txBody>
+      </p:sp>
+      <p:sp>
+        <p:nvSpPr>
+          <p:cNvPr id="6" name="TextBox 5"/>
+          <p:cNvSpPr txBox="1"/>
+          <p:nvPr/>
+        </p:nvSpPr>
+        <p:spPr>
+          <a:xfrm>
+            <a:off x="3381153" y="2519916"/>
+            <a:ext cx="2171877" cy="369332"/>
+          </a:xfrm>
+          <a:prstGeom prst="rect">
+            <a:avLst/>
+          </a:prstGeom>
+          <a:noFill/>
+        </p:spPr>
+        <p:txBody>
+          <a:bodyPr wrap="none" rtlCol="0">
+            <a:spAutoFit/>
+          </a:bodyPr>
+          <a:lstStyle/>
+          <a:p>
+            <a:r>
+              <a:rPr lang="en-US" dirty="0" smtClean="0"/>
+              <a:t>Routing Optimization</a:t>
+            </a:r>
+            <a:endParaRPr lang="en-US" dirty="0"/>
+          </a:p>
+        </p:txBody>
+      </p:sp>
     </p:spTree>
     <p:extLst>
       <p:ext uri="{BB962C8B-B14F-4D97-AF65-F5344CB8AC3E}">

--- a/presentation.pptx
+++ b/presentation.pptx
@@ -110,6 +110,11 @@
       </a:defRPr>
     </a:lvl9pPr>
   </p:defaultTextStyle>
+  <p:extLst>
+    <p:ext uri="{EFAFB233-063F-42B5-8137-9DF3F51BA10A}">
+      <p15:sldGuideLst xmlns:p15="http://schemas.microsoft.com/office/powerpoint/2012/main"/>
+    </p:ext>
+  </p:extLst>
 </p:presentation>
 </file>
 
@@ -244,7 +249,7 @@
           <a:p>
             <a:fld id="{3966D509-419C-41B3-BB9D-07ABB3C883B7}" type="datetimeFigureOut">
               <a:rPr lang="en-US" smtClean="0"/>
-              <a:t>3/16/2019</a:t>
+              <a:t>3/17/2019</a:t>
             </a:fld>
             <a:endParaRPr lang="en-US"/>
           </a:p>
@@ -414,7 +419,7 @@
           <a:p>
             <a:fld id="{3966D509-419C-41B3-BB9D-07ABB3C883B7}" type="datetimeFigureOut">
               <a:rPr lang="en-US" smtClean="0"/>
-              <a:t>3/16/2019</a:t>
+              <a:t>3/17/2019</a:t>
             </a:fld>
             <a:endParaRPr lang="en-US"/>
           </a:p>
@@ -594,7 +599,7 @@
           <a:p>
             <a:fld id="{3966D509-419C-41B3-BB9D-07ABB3C883B7}" type="datetimeFigureOut">
               <a:rPr lang="en-US" smtClean="0"/>
-              <a:t>3/16/2019</a:t>
+              <a:t>3/17/2019</a:t>
             </a:fld>
             <a:endParaRPr lang="en-US"/>
           </a:p>
@@ -764,7 +769,7 @@
           <a:p>
             <a:fld id="{3966D509-419C-41B3-BB9D-07ABB3C883B7}" type="datetimeFigureOut">
               <a:rPr lang="en-US" smtClean="0"/>
-              <a:t>3/16/2019</a:t>
+              <a:t>3/17/2019</a:t>
             </a:fld>
             <a:endParaRPr lang="en-US"/>
           </a:p>
@@ -1010,7 +1015,7 @@
           <a:p>
             <a:fld id="{3966D509-419C-41B3-BB9D-07ABB3C883B7}" type="datetimeFigureOut">
               <a:rPr lang="en-US" smtClean="0"/>
-              <a:t>3/16/2019</a:t>
+              <a:t>3/17/2019</a:t>
             </a:fld>
             <a:endParaRPr lang="en-US"/>
           </a:p>
@@ -1242,7 +1247,7 @@
           <a:p>
             <a:fld id="{3966D509-419C-41B3-BB9D-07ABB3C883B7}" type="datetimeFigureOut">
               <a:rPr lang="en-US" smtClean="0"/>
-              <a:t>3/16/2019</a:t>
+              <a:t>3/17/2019</a:t>
             </a:fld>
             <a:endParaRPr lang="en-US"/>
           </a:p>
@@ -1609,7 +1614,7 @@
           <a:p>
             <a:fld id="{3966D509-419C-41B3-BB9D-07ABB3C883B7}" type="datetimeFigureOut">
               <a:rPr lang="en-US" smtClean="0"/>
-              <a:t>3/16/2019</a:t>
+              <a:t>3/17/2019</a:t>
             </a:fld>
             <a:endParaRPr lang="en-US"/>
           </a:p>
@@ -1727,7 +1732,7 @@
           <a:p>
             <a:fld id="{3966D509-419C-41B3-BB9D-07ABB3C883B7}" type="datetimeFigureOut">
               <a:rPr lang="en-US" smtClean="0"/>
-              <a:t>3/16/2019</a:t>
+              <a:t>3/17/2019</a:t>
             </a:fld>
             <a:endParaRPr lang="en-US"/>
           </a:p>
@@ -1822,7 +1827,7 @@
           <a:p>
             <a:fld id="{3966D509-419C-41B3-BB9D-07ABB3C883B7}" type="datetimeFigureOut">
               <a:rPr lang="en-US" smtClean="0"/>
-              <a:t>3/16/2019</a:t>
+              <a:t>3/17/2019</a:t>
             </a:fld>
             <a:endParaRPr lang="en-US"/>
           </a:p>
@@ -2099,7 +2104,7 @@
           <a:p>
             <a:fld id="{3966D509-419C-41B3-BB9D-07ABB3C883B7}" type="datetimeFigureOut">
               <a:rPr lang="en-US" smtClean="0"/>
-              <a:t>3/16/2019</a:t>
+              <a:t>3/17/2019</a:t>
             </a:fld>
             <a:endParaRPr lang="en-US"/>
           </a:p>
@@ -2352,7 +2357,7 @@
           <a:p>
             <a:fld id="{3966D509-419C-41B3-BB9D-07ABB3C883B7}" type="datetimeFigureOut">
               <a:rPr lang="en-US" smtClean="0"/>
-              <a:t>3/16/2019</a:t>
+              <a:t>3/17/2019</a:t>
             </a:fld>
             <a:endParaRPr lang="en-US"/>
           </a:p>
@@ -2565,7 +2570,7 @@
           <a:p>
             <a:fld id="{3966D509-419C-41B3-BB9D-07ABB3C883B7}" type="datetimeFigureOut">
               <a:rPr lang="en-US" smtClean="0"/>
-              <a:t>3/16/2019</a:t>
+              <a:t>3/17/2019</a:t>
             </a:fld>
             <a:endParaRPr lang="en-US"/>
           </a:p>
@@ -3027,19 +3032,7 @@
               <a:rPr lang="en-US" dirty="0" smtClean="0">
                 <a:latin typeface="+mj-lt"/>
               </a:rPr>
-              <a:t>Jay Humphreys </a:t>
-            </a:r>
-            <a:r>
-              <a:rPr lang="en-US" dirty="0" smtClean="0">
-                <a:latin typeface="+mj-lt"/>
-              </a:rPr>
-              <a:t>| </a:t>
-            </a:r>
-            <a:r>
-              <a:rPr lang="en-US" dirty="0" smtClean="0">
-                <a:latin typeface="+mj-lt"/>
-              </a:rPr>
-              <a:t>Greg </a:t>
+              <a:t>Jay Humphreys | Greg </a:t>
             </a:r>
             <a:r>
               <a:rPr lang="en-US" dirty="0" err="1" smtClean="0">
@@ -3051,13 +3044,7 @@
               <a:rPr lang="en-US" dirty="0" smtClean="0">
                 <a:latin typeface="+mj-lt"/>
               </a:rPr>
-              <a:t> | Alex Elias </a:t>
-            </a:r>
-            <a:r>
-              <a:rPr lang="en-US" dirty="0" smtClean="0">
-                <a:latin typeface="+mj-lt"/>
-              </a:rPr>
-              <a:t>| Chris Sweet</a:t>
+              <a:t> | Alex Elias | Chris Sweet</a:t>
             </a:r>
             <a:endParaRPr lang="en-US" dirty="0">
               <a:latin typeface="+mj-lt"/>
@@ -3441,6 +3428,262 @@
           </a:p>
         </p:txBody>
       </p:sp>
+      <p:pic>
+        <p:nvPicPr>
+          <p:cNvPr id="2" name="Picture 1"/>
+          <p:cNvPicPr>
+            <a:picLocks noChangeAspect="1"/>
+          </p:cNvPicPr>
+          <p:nvPr/>
+        </p:nvPicPr>
+        <p:blipFill rotWithShape="1">
+          <a:blip r:embed="rId3"/>
+          <a:srcRect t="9132"/>
+          <a:stretch/>
+        </p:blipFill>
+        <p:spPr>
+          <a:xfrm>
+            <a:off x="1889661" y="1470321"/>
+            <a:ext cx="8412679" cy="4299990"/>
+          </a:xfrm>
+          <a:prstGeom prst="rect">
+            <a:avLst/>
+          </a:prstGeom>
+          <a:ln>
+            <a:solidFill>
+              <a:schemeClr val="tx1"/>
+            </a:solidFill>
+          </a:ln>
+        </p:spPr>
+      </p:pic>
+      <p:sp>
+        <p:nvSpPr>
+          <p:cNvPr id="3" name="TextBox 2"/>
+          <p:cNvSpPr txBox="1"/>
+          <p:nvPr/>
+        </p:nvSpPr>
+        <p:spPr>
+          <a:xfrm>
+            <a:off x="412771" y="2696986"/>
+            <a:ext cx="1727046" cy="923330"/>
+          </a:xfrm>
+          <a:prstGeom prst="rect">
+            <a:avLst/>
+          </a:prstGeom>
+          <a:solidFill>
+            <a:schemeClr val="accent4">
+              <a:lumMod val="20000"/>
+              <a:lumOff val="80000"/>
+            </a:schemeClr>
+          </a:solidFill>
+          <a:ln w="38100">
+            <a:solidFill>
+              <a:schemeClr val="tx1"/>
+            </a:solidFill>
+          </a:ln>
+        </p:spPr>
+        <p:txBody>
+          <a:bodyPr wrap="square" rtlCol="0">
+            <a:spAutoFit/>
+          </a:bodyPr>
+          <a:lstStyle/>
+          <a:p>
+            <a:pPr algn="ctr"/>
+            <a:r>
+              <a:rPr lang="en-US" dirty="0" smtClean="0"/>
+              <a:t>Filter based on accessibility requirements</a:t>
+            </a:r>
+            <a:endParaRPr lang="en-US" dirty="0"/>
+          </a:p>
+        </p:txBody>
+      </p:sp>
+      <p:cxnSp>
+        <p:nvCxnSpPr>
+          <p:cNvPr id="8" name="Straight Arrow Connector 7"/>
+          <p:cNvCxnSpPr>
+            <a:stCxn id="3" idx="2"/>
+          </p:cNvCxnSpPr>
+          <p:nvPr/>
+        </p:nvCxnSpPr>
+        <p:spPr>
+          <a:xfrm>
+            <a:off x="1276294" y="3620316"/>
+            <a:ext cx="613367" cy="655351"/>
+          </a:xfrm>
+          <a:prstGeom prst="straightConnector1">
+            <a:avLst/>
+          </a:prstGeom>
+          <a:ln w="38100">
+            <a:tailEnd type="triangle"/>
+          </a:ln>
+        </p:spPr>
+        <p:style>
+          <a:lnRef idx="3">
+            <a:schemeClr val="dk1"/>
+          </a:lnRef>
+          <a:fillRef idx="0">
+            <a:schemeClr val="dk1"/>
+          </a:fillRef>
+          <a:effectRef idx="2">
+            <a:schemeClr val="dk1"/>
+          </a:effectRef>
+          <a:fontRef idx="minor">
+            <a:schemeClr val="tx1"/>
+          </a:fontRef>
+        </p:style>
+      </p:cxnSp>
+      <p:sp>
+        <p:nvSpPr>
+          <p:cNvPr id="9" name="TextBox 8"/>
+          <p:cNvSpPr txBox="1"/>
+          <p:nvPr/>
+        </p:nvSpPr>
+        <p:spPr>
+          <a:xfrm>
+            <a:off x="9685867" y="1858786"/>
+            <a:ext cx="2093363" cy="923330"/>
+          </a:xfrm>
+          <a:prstGeom prst="rect">
+            <a:avLst/>
+          </a:prstGeom>
+          <a:solidFill>
+            <a:schemeClr val="accent4">
+              <a:lumMod val="20000"/>
+              <a:lumOff val="80000"/>
+            </a:schemeClr>
+          </a:solidFill>
+          <a:ln w="38100">
+            <a:solidFill>
+              <a:schemeClr val="tx1"/>
+            </a:solidFill>
+          </a:ln>
+        </p:spPr>
+        <p:txBody>
+          <a:bodyPr wrap="square" rtlCol="0">
+            <a:spAutoFit/>
+          </a:bodyPr>
+          <a:lstStyle/>
+          <a:p>
+            <a:pPr algn="ctr"/>
+            <a:r>
+              <a:rPr lang="en-US" dirty="0" smtClean="0"/>
+              <a:t>Map designed with custom graphical generator tool</a:t>
+            </a:r>
+            <a:endParaRPr lang="en-US" dirty="0"/>
+          </a:p>
+        </p:txBody>
+      </p:sp>
+      <p:cxnSp>
+        <p:nvCxnSpPr>
+          <p:cNvPr id="10" name="Straight Arrow Connector 9"/>
+          <p:cNvCxnSpPr>
+            <a:stCxn id="9" idx="2"/>
+          </p:cNvCxnSpPr>
+          <p:nvPr/>
+        </p:nvCxnSpPr>
+        <p:spPr>
+          <a:xfrm flipH="1">
+            <a:off x="9304867" y="2782116"/>
+            <a:ext cx="1427682" cy="838200"/>
+          </a:xfrm>
+          <a:prstGeom prst="straightConnector1">
+            <a:avLst/>
+          </a:prstGeom>
+          <a:ln w="38100">
+            <a:tailEnd type="triangle"/>
+          </a:ln>
+        </p:spPr>
+        <p:style>
+          <a:lnRef idx="3">
+            <a:schemeClr val="dk1"/>
+          </a:lnRef>
+          <a:fillRef idx="0">
+            <a:schemeClr val="dk1"/>
+          </a:fillRef>
+          <a:effectRef idx="2">
+            <a:schemeClr val="dk1"/>
+          </a:effectRef>
+          <a:fontRef idx="minor">
+            <a:schemeClr val="tx1"/>
+          </a:fontRef>
+        </p:style>
+      </p:cxnSp>
+      <p:sp>
+        <p:nvSpPr>
+          <p:cNvPr id="14" name="TextBox 13"/>
+          <p:cNvSpPr txBox="1"/>
+          <p:nvPr/>
+        </p:nvSpPr>
+        <p:spPr>
+          <a:xfrm>
+            <a:off x="5700746" y="3486326"/>
+            <a:ext cx="2093363" cy="646331"/>
+          </a:xfrm>
+          <a:prstGeom prst="rect">
+            <a:avLst/>
+          </a:prstGeom>
+          <a:solidFill>
+            <a:schemeClr val="accent4">
+              <a:lumMod val="20000"/>
+              <a:lumOff val="80000"/>
+            </a:schemeClr>
+          </a:solidFill>
+          <a:ln w="38100">
+            <a:solidFill>
+              <a:schemeClr val="tx1"/>
+            </a:solidFill>
+          </a:ln>
+        </p:spPr>
+        <p:txBody>
+          <a:bodyPr wrap="square" rtlCol="0">
+            <a:spAutoFit/>
+          </a:bodyPr>
+          <a:lstStyle/>
+          <a:p>
+            <a:pPr algn="ctr"/>
+            <a:r>
+              <a:rPr lang="en-US" dirty="0" smtClean="0"/>
+              <a:t>Rooms update with live sensor data</a:t>
+            </a:r>
+            <a:endParaRPr lang="en-US" dirty="0"/>
+          </a:p>
+        </p:txBody>
+      </p:sp>
+      <p:cxnSp>
+        <p:nvCxnSpPr>
+          <p:cNvPr id="15" name="Straight Arrow Connector 14"/>
+          <p:cNvCxnSpPr>
+            <a:stCxn id="14" idx="1"/>
+          </p:cNvCxnSpPr>
+          <p:nvPr/>
+        </p:nvCxnSpPr>
+        <p:spPr>
+          <a:xfrm flipH="1" flipV="1">
+            <a:off x="4910665" y="3809491"/>
+            <a:ext cx="790081" cy="0"/>
+          </a:xfrm>
+          <a:prstGeom prst="straightConnector1">
+            <a:avLst/>
+          </a:prstGeom>
+          <a:ln w="38100">
+            <a:tailEnd type="triangle"/>
+          </a:ln>
+        </p:spPr>
+        <p:style>
+          <a:lnRef idx="3">
+            <a:schemeClr val="dk1"/>
+          </a:lnRef>
+          <a:fillRef idx="0">
+            <a:schemeClr val="dk1"/>
+          </a:fillRef>
+          <a:effectRef idx="2">
+            <a:schemeClr val="dk1"/>
+          </a:effectRef>
+          <a:fontRef idx="minor">
+            <a:schemeClr val="tx1"/>
+          </a:fontRef>
+        </p:style>
+      </p:cxnSp>
     </p:spTree>
     <p:extLst>
       <p:ext uri="{BB962C8B-B14F-4D97-AF65-F5344CB8AC3E}">
@@ -3882,11 +4125,7 @@
                     <a:p>
                       <a:r>
                         <a:rPr lang="en-US" dirty="0" smtClean="0"/>
-                        <a:t>Noise </a:t>
-                      </a:r>
-                      <a:r>
-                        <a:rPr lang="en-US" dirty="0" smtClean="0"/>
-                        <a:t>level</a:t>
+                        <a:t>Noise level</a:t>
                       </a:r>
                       <a:endParaRPr lang="en-US" dirty="0"/>
                     </a:p>
@@ -7805,7 +8044,13 @@
               <a:rPr lang="en-US" sz="4400" dirty="0" smtClean="0">
                 <a:latin typeface="+mj-lt"/>
               </a:rPr>
-              <a:t>Technologies Used for Implementation</a:t>
+              <a:t>Technologies Used for </a:t>
+            </a:r>
+            <a:r>
+              <a:rPr lang="en-US" sz="4400" dirty="0" smtClean="0">
+                <a:latin typeface="+mj-lt"/>
+              </a:rPr>
+              <a:t>Implementation</a:t>
             </a:r>
             <a:endParaRPr lang="en-US" sz="2400" b="1" dirty="0"/>
           </a:p>
@@ -7813,302 +8058,16 @@
       </p:sp>
       <p:sp>
         <p:nvSpPr>
-          <p:cNvPr id="6" name="Rounded Rectangle 5"/>
-          <p:cNvSpPr/>
+          <p:cNvPr id="9" name="AutoShape 6" descr="Image result for material ui"/>
+          <p:cNvSpPr>
+            <a:spLocks noChangeAspect="1" noChangeArrowheads="1"/>
+          </p:cNvSpPr>
           <p:nvPr/>
         </p:nvSpPr>
-        <p:spPr>
-          <a:xfrm>
-            <a:off x="709177" y="804949"/>
-            <a:ext cx="3171014" cy="5162122"/>
-          </a:xfrm>
-          <a:prstGeom prst="roundRect">
-            <a:avLst>
-              <a:gd name="adj" fmla="val 8140"/>
-            </a:avLst>
-          </a:prstGeom>
-        </p:spPr>
-        <p:style>
-          <a:lnRef idx="2">
-            <a:schemeClr val="accent3"/>
-          </a:lnRef>
-          <a:fillRef idx="1">
-            <a:schemeClr val="lt1"/>
-          </a:fillRef>
-          <a:effectRef idx="0">
-            <a:schemeClr val="accent3"/>
-          </a:effectRef>
-          <a:fontRef idx="minor">
-            <a:schemeClr val="dk1"/>
-          </a:fontRef>
-        </p:style>
-        <p:txBody>
-          <a:bodyPr rtlCol="0" anchor="t"/>
-          <a:lstStyle/>
-          <a:p>
-            <a:pPr algn="ctr">
-              <a:lnSpc>
-                <a:spcPct val="150000"/>
-              </a:lnSpc>
-            </a:pPr>
-            <a:r>
-              <a:rPr lang="en-US" b="1" dirty="0" smtClean="0"/>
-              <a:t>A-Layer Sensor Nodes</a:t>
-            </a:r>
-            <a:endParaRPr lang="en-US" b="1" dirty="0"/>
-          </a:p>
-          <a:p>
-            <a:pPr>
-              <a:lnSpc>
-                <a:spcPct val="150000"/>
-              </a:lnSpc>
-            </a:pPr>
-            <a:r>
-              <a:rPr lang="en-US" dirty="0" smtClean="0"/>
-              <a:t>Arduino Nano</a:t>
-            </a:r>
-          </a:p>
-          <a:p>
-            <a:pPr marL="285750" indent="-285750">
-              <a:lnSpc>
-                <a:spcPct val="150000"/>
-              </a:lnSpc>
-              <a:buFontTx/>
-              <a:buChar char="-"/>
-            </a:pPr>
-            <a:r>
-              <a:rPr lang="en-US" dirty="0" err="1" smtClean="0"/>
-              <a:t>ArduinoJson</a:t>
-            </a:r>
-            <a:endParaRPr lang="en-US" dirty="0" smtClean="0"/>
-          </a:p>
-          <a:p>
-            <a:pPr>
-              <a:lnSpc>
-                <a:spcPct val="150000"/>
-              </a:lnSpc>
-            </a:pPr>
-            <a:r>
-              <a:rPr lang="en-US" dirty="0" smtClean="0"/>
-              <a:t>nRF24 radio modules</a:t>
-            </a:r>
-          </a:p>
-          <a:p>
-            <a:pPr>
-              <a:lnSpc>
-                <a:spcPct val="150000"/>
-              </a:lnSpc>
-            </a:pPr>
-            <a:r>
-              <a:rPr lang="en-US" dirty="0" smtClean="0"/>
-              <a:t>Sensors</a:t>
-            </a:r>
-          </a:p>
-          <a:p>
-            <a:pPr marL="285750" indent="-285750">
-              <a:lnSpc>
-                <a:spcPct val="150000"/>
-              </a:lnSpc>
-              <a:buFontTx/>
-              <a:buChar char="-"/>
-            </a:pPr>
-            <a:r>
-              <a:rPr lang="en-US" dirty="0" smtClean="0"/>
-              <a:t>PIR</a:t>
-            </a:r>
-          </a:p>
-          <a:p>
-            <a:pPr marL="285750" indent="-285750">
-              <a:lnSpc>
-                <a:spcPct val="150000"/>
-              </a:lnSpc>
-              <a:buFontTx/>
-              <a:buChar char="-"/>
-            </a:pPr>
-            <a:r>
-              <a:rPr lang="en-US" dirty="0" smtClean="0"/>
-              <a:t>Acoustic</a:t>
-            </a:r>
-          </a:p>
-          <a:p>
-            <a:pPr marL="285750" indent="-285750">
-              <a:lnSpc>
-                <a:spcPct val="150000"/>
-              </a:lnSpc>
-              <a:buFontTx/>
-              <a:buChar char="-"/>
-            </a:pPr>
-            <a:r>
-              <a:rPr lang="en-US" dirty="0" smtClean="0"/>
-              <a:t>Buttons</a:t>
-            </a:r>
-          </a:p>
-          <a:p>
-            <a:pPr>
-              <a:lnSpc>
-                <a:spcPct val="150000"/>
-              </a:lnSpc>
-            </a:pPr>
-            <a:endParaRPr lang="en-US" dirty="0" smtClean="0"/>
-          </a:p>
-        </p:txBody>
-      </p:sp>
-      <p:sp>
-        <p:nvSpPr>
-          <p:cNvPr id="7" name="Rounded Rectangle 6"/>
-          <p:cNvSpPr/>
-          <p:nvPr/>
-        </p:nvSpPr>
-        <p:spPr>
-          <a:xfrm>
-            <a:off x="4376819" y="853210"/>
-            <a:ext cx="3093043" cy="5162122"/>
-          </a:xfrm>
-          <a:prstGeom prst="roundRect">
-            <a:avLst>
-              <a:gd name="adj" fmla="val 8140"/>
-            </a:avLst>
-          </a:prstGeom>
-        </p:spPr>
-        <p:style>
-          <a:lnRef idx="2">
-            <a:schemeClr val="accent3"/>
-          </a:lnRef>
-          <a:fillRef idx="1">
-            <a:schemeClr val="lt1"/>
-          </a:fillRef>
-          <a:effectRef idx="0">
-            <a:schemeClr val="accent3"/>
-          </a:effectRef>
-          <a:fontRef idx="minor">
-            <a:schemeClr val="dk1"/>
-          </a:fontRef>
-        </p:style>
-        <p:txBody>
-          <a:bodyPr rtlCol="0" anchor="t"/>
-          <a:lstStyle/>
-          <a:p>
-            <a:pPr algn="ctr">
-              <a:lnSpc>
-                <a:spcPct val="150000"/>
-              </a:lnSpc>
-            </a:pPr>
-            <a:r>
-              <a:rPr lang="el-GR" b="1" dirty="0" smtClean="0"/>
-              <a:t>π</a:t>
-            </a:r>
-            <a:r>
-              <a:rPr lang="en-US" b="1" dirty="0" smtClean="0"/>
-              <a:t>-Layer Intercommunication</a:t>
-            </a:r>
-          </a:p>
-        </p:txBody>
-      </p:sp>
-      <p:sp>
-        <p:nvSpPr>
-          <p:cNvPr id="8" name="Rounded Rectangle 7"/>
-          <p:cNvSpPr/>
-          <p:nvPr/>
-        </p:nvSpPr>
-        <p:spPr>
-          <a:xfrm>
-            <a:off x="8087458" y="853210"/>
-            <a:ext cx="3039880" cy="5162122"/>
-          </a:xfrm>
-          <a:prstGeom prst="roundRect">
-            <a:avLst>
-              <a:gd name="adj" fmla="val 8140"/>
-            </a:avLst>
-          </a:prstGeom>
-        </p:spPr>
-        <p:style>
-          <a:lnRef idx="2">
-            <a:schemeClr val="accent3"/>
-          </a:lnRef>
-          <a:fillRef idx="1">
-            <a:schemeClr val="lt1"/>
-          </a:fillRef>
-          <a:effectRef idx="0">
-            <a:schemeClr val="accent3"/>
-          </a:effectRef>
-          <a:fontRef idx="minor">
-            <a:schemeClr val="dk1"/>
-          </a:fontRef>
-        </p:style>
-        <p:txBody>
-          <a:bodyPr rtlCol="0" anchor="t"/>
-          <a:lstStyle/>
-          <a:p>
-            <a:pPr algn="ctr">
-              <a:lnSpc>
-                <a:spcPct val="150000"/>
-              </a:lnSpc>
-            </a:pPr>
-            <a:r>
-              <a:rPr lang="el-GR" b="1" dirty="0" smtClean="0"/>
-              <a:t>π</a:t>
-            </a:r>
-            <a:r>
-              <a:rPr lang="en-US" b="1" dirty="0" smtClean="0"/>
-              <a:t> Layer Web Front End</a:t>
-            </a:r>
-            <a:endParaRPr lang="en-US" dirty="0" smtClean="0"/>
-          </a:p>
-          <a:p>
-            <a:pPr marL="285750" indent="-285750">
-              <a:lnSpc>
-                <a:spcPct val="150000"/>
-              </a:lnSpc>
-              <a:buFontTx/>
-              <a:buChar char="-"/>
-            </a:pPr>
-            <a:endParaRPr lang="en-US" dirty="0" smtClean="0"/>
-          </a:p>
-          <a:p>
-            <a:pPr marL="285750" indent="-285750">
-              <a:lnSpc>
-                <a:spcPct val="150000"/>
-              </a:lnSpc>
-              <a:buFontTx/>
-              <a:buChar char="-"/>
-            </a:pPr>
-            <a:endParaRPr lang="en-US" dirty="0" smtClean="0"/>
-          </a:p>
-          <a:p>
-            <a:pPr>
-              <a:lnSpc>
-                <a:spcPct val="150000"/>
-              </a:lnSpc>
-            </a:pPr>
-            <a:endParaRPr lang="en-US" dirty="0" smtClean="0"/>
-          </a:p>
-        </p:txBody>
-      </p:sp>
-      <p:pic>
-        <p:nvPicPr>
-          <p:cNvPr id="5122" name="Picture 2" descr="Image result for facebook flux"/>
-          <p:cNvPicPr>
-            <a:picLocks noChangeAspect="1" noChangeArrowheads="1"/>
-          </p:cNvPicPr>
-          <p:nvPr/>
-        </p:nvPicPr>
-        <p:blipFill>
-          <a:blip r:embed="rId3" cstate="print">
-            <a:extLst>
-              <a:ext uri="{28A0092B-C50C-407E-A947-70E740481C1C}">
-                <a14:useLocalDpi xmlns:a14="http://schemas.microsoft.com/office/drawing/2010/main" val="0"/>
-              </a:ext>
-            </a:extLst>
-          </a:blip>
-          <a:srcRect/>
-          <a:stretch>
-            <a:fillRect/>
-          </a:stretch>
-        </p:blipFill>
         <p:spPr bwMode="auto">
           <a:xfrm>
-            <a:off x="8466992" y="4454241"/>
-            <a:ext cx="928575" cy="928575"/>
+            <a:off x="155575" y="-144463"/>
+            <a:ext cx="304800" cy="304801"/>
           </a:xfrm>
           <a:prstGeom prst="rect">
             <a:avLst/>
@@ -8124,30 +8083,30 @@
             </a:ext>
           </a:extLst>
         </p:spPr>
-      </p:pic>
-      <p:pic>
-        <p:nvPicPr>
-          <p:cNvPr id="5124" name="Picture 4" descr="Image result for webpack"/>
-          <p:cNvPicPr>
-            <a:picLocks noChangeAspect="1" noChangeArrowheads="1"/>
-          </p:cNvPicPr>
+        <p:txBody>
+          <a:bodyPr vert="horz" wrap="square" lIns="91440" tIns="45720" rIns="91440" bIns="45720" numCol="1" anchor="t" anchorCtr="0" compatLnSpc="1">
+            <a:prstTxWarp prst="textNoShape">
+              <a:avLst/>
+            </a:prstTxWarp>
+          </a:bodyPr>
+          <a:lstStyle/>
+          <a:p>
+            <a:endParaRPr lang="en-US"/>
+          </a:p>
+        </p:txBody>
+      </p:sp>
+      <p:sp>
+        <p:nvSpPr>
+          <p:cNvPr id="11" name="AutoShape 10" descr="Material-UI Logo"/>
+          <p:cNvSpPr>
+            <a:spLocks noChangeAspect="1" noChangeArrowheads="1"/>
+          </p:cNvSpPr>
           <p:nvPr/>
-        </p:nvPicPr>
-        <p:blipFill rotWithShape="1">
-          <a:blip r:embed="rId4">
-            <a:extLst>
-              <a:ext uri="{28A0092B-C50C-407E-A947-70E740481C1C}">
-                <a14:useLocalDpi xmlns:a14="http://schemas.microsoft.com/office/drawing/2010/main" val="0"/>
-              </a:ext>
-            </a:extLst>
-          </a:blip>
-          <a:srcRect l="13219" r="13944"/>
-          <a:stretch/>
-        </p:blipFill>
+        </p:nvSpPr>
         <p:spPr bwMode="auto">
           <a:xfrm>
-            <a:off x="9598590" y="2865357"/>
-            <a:ext cx="1307804" cy="1243396"/>
+            <a:off x="307975" y="7937"/>
+            <a:ext cx="304800" cy="304801"/>
           </a:xfrm>
           <a:prstGeom prst="rect">
             <a:avLst/>
@@ -8163,10 +8122,21 @@
             </a:ext>
           </a:extLst>
         </p:spPr>
-      </p:pic>
+        <p:txBody>
+          <a:bodyPr vert="horz" wrap="square" lIns="91440" tIns="45720" rIns="91440" bIns="45720" numCol="1" anchor="t" anchorCtr="0" compatLnSpc="1">
+            <a:prstTxWarp prst="textNoShape">
+              <a:avLst/>
+            </a:prstTxWarp>
+          </a:bodyPr>
+          <a:lstStyle/>
+          <a:p>
+            <a:endParaRPr lang="en-US"/>
+          </a:p>
+        </p:txBody>
+      </p:sp>
       <p:sp>
         <p:nvSpPr>
-          <p:cNvPr id="9" name="AutoShape 6" descr="Image result for material ui"/>
+          <p:cNvPr id="3" name="AutoShape 4" descr="ArduinoJson"/>
           <p:cNvSpPr>
             <a:spLocks noChangeAspect="1" noChangeArrowheads="1"/>
           </p:cNvSpPr>
@@ -8174,7 +8144,7 @@
         </p:nvSpPr>
         <p:spPr bwMode="auto">
           <a:xfrm>
-            <a:off x="155575" y="-144463"/>
+            <a:off x="460375" y="160337"/>
             <a:ext cx="304800" cy="304801"/>
           </a:xfrm>
           <a:prstGeom prst="rect">
@@ -8203,584 +8173,1230 @@
           </a:p>
         </p:txBody>
       </p:sp>
-      <p:sp>
-        <p:nvSpPr>
-          <p:cNvPr id="11" name="AutoShape 10" descr="Material-UI Logo"/>
-          <p:cNvSpPr>
-            <a:spLocks noChangeAspect="1" noChangeArrowheads="1"/>
-          </p:cNvSpPr>
-          <p:nvPr/>
-        </p:nvSpPr>
-        <p:spPr bwMode="auto">
-          <a:xfrm>
-            <a:off x="307975" y="7937"/>
-            <a:ext cx="304800" cy="304801"/>
-          </a:xfrm>
-          <a:prstGeom prst="rect">
-            <a:avLst/>
-          </a:prstGeom>
-          <a:noFill/>
-          <a:extLst>
-            <a:ext uri="{909E8E84-426E-40DD-AFC4-6F175D3DCCD1}">
-              <a14:hiddenFill xmlns:a14="http://schemas.microsoft.com/office/drawing/2010/main">
-                <a:solidFill>
-                  <a:srgbClr val="FFFFFF"/>
-                </a:solidFill>
-              </a14:hiddenFill>
-            </a:ext>
-          </a:extLst>
-        </p:spPr>
-        <p:txBody>
-          <a:bodyPr vert="horz" wrap="square" lIns="91440" tIns="45720" rIns="91440" bIns="45720" numCol="1" anchor="t" anchorCtr="0" compatLnSpc="1">
-            <a:prstTxWarp prst="textNoShape">
-              <a:avLst/>
-            </a:prstTxWarp>
-          </a:bodyPr>
-          <a:lstStyle/>
-          <a:p>
-            <a:endParaRPr lang="en-US"/>
-          </a:p>
-        </p:txBody>
-      </p:sp>
-      <p:pic>
-        <p:nvPicPr>
-          <p:cNvPr id="5138" name="Picture 18" descr="Image result for pyserial"/>
-          <p:cNvPicPr>
-            <a:picLocks noChangeAspect="1" noChangeArrowheads="1"/>
-          </p:cNvPicPr>
-          <p:nvPr/>
-        </p:nvPicPr>
-        <p:blipFill>
-          <a:blip r:embed="rId5">
-            <a:extLst>
-              <a:ext uri="{28A0092B-C50C-407E-A947-70E740481C1C}">
-                <a14:useLocalDpi xmlns:a14="http://schemas.microsoft.com/office/drawing/2010/main" val="0"/>
-              </a:ext>
-            </a:extLst>
-          </a:blip>
-          <a:srcRect/>
-          <a:stretch>
-            <a:fillRect/>
-          </a:stretch>
-        </p:blipFill>
-        <p:spPr bwMode="auto">
-          <a:xfrm>
-            <a:off x="5107997" y="3844129"/>
-            <a:ext cx="1537985" cy="836187"/>
-          </a:xfrm>
-          <a:prstGeom prst="rect">
-            <a:avLst/>
-          </a:prstGeom>
-          <a:noFill/>
-          <a:extLst>
-            <a:ext uri="{909E8E84-426E-40DD-AFC4-6F175D3DCCD1}">
-              <a14:hiddenFill xmlns:a14="http://schemas.microsoft.com/office/drawing/2010/main">
-                <a:solidFill>
-                  <a:srgbClr val="FFFFFF"/>
-                </a:solidFill>
-              </a14:hiddenFill>
-            </a:ext>
-          </a:extLst>
-        </p:spPr>
-      </p:pic>
-      <p:pic>
-        <p:nvPicPr>
-          <p:cNvPr id="18" name="Picture 12" descr="http://zeromq.wdfiles.com/local--files/admin:css/logo.gif"/>
-          <p:cNvPicPr>
-            <a:picLocks noChangeAspect="1" noChangeArrowheads="1"/>
-          </p:cNvPicPr>
-          <p:nvPr/>
-        </p:nvPicPr>
-        <p:blipFill>
-          <a:blip r:embed="rId6" cstate="print">
-            <a:extLst>
-              <a:ext uri="{28A0092B-C50C-407E-A947-70E740481C1C}">
-                <a14:useLocalDpi xmlns:a14="http://schemas.microsoft.com/office/drawing/2010/main" val="0"/>
-              </a:ext>
-            </a:extLst>
-          </a:blip>
-          <a:srcRect/>
-          <a:stretch>
-            <a:fillRect/>
-          </a:stretch>
-        </p:blipFill>
-        <p:spPr bwMode="auto">
-          <a:xfrm>
-            <a:off x="5107997" y="5049648"/>
-            <a:ext cx="1540049" cy="481014"/>
-          </a:xfrm>
-          <a:prstGeom prst="rect">
-            <a:avLst/>
-          </a:prstGeom>
-          <a:noFill/>
-          <a:extLst>
-            <a:ext uri="{909E8E84-426E-40DD-AFC4-6F175D3DCCD1}">
-              <a14:hiddenFill xmlns:a14="http://schemas.microsoft.com/office/drawing/2010/main">
-                <a:solidFill>
-                  <a:srgbClr val="FFFFFF"/>
-                </a:solidFill>
-              </a14:hiddenFill>
-            </a:ext>
-          </a:extLst>
-        </p:spPr>
-      </p:pic>
       <p:grpSp>
         <p:nvGrpSpPr>
-          <p:cNvPr id="13" name="Group 12"/>
+          <p:cNvPr id="37" name="Group 36"/>
           <p:cNvGrpSpPr/>
           <p:nvPr/>
         </p:nvGrpSpPr>
         <p:grpSpPr>
           <a:xfrm>
-            <a:off x="9731218" y="1506308"/>
-            <a:ext cx="1018164" cy="1311898"/>
-            <a:chOff x="8701366" y="1440469"/>
-            <a:chExt cx="1018164" cy="1311898"/>
+            <a:off x="769210" y="980950"/>
+            <a:ext cx="10653581" cy="5162122"/>
+            <a:chOff x="634277" y="810193"/>
+            <a:chExt cx="10653581" cy="5162122"/>
           </a:xfrm>
         </p:grpSpPr>
-        <p:pic>
-          <p:nvPicPr>
-            <p:cNvPr id="5136" name="Picture 16" descr="Image result for aiohttp"/>
-            <p:cNvPicPr>
-              <a:picLocks noChangeAspect="1" noChangeArrowheads="1"/>
-            </p:cNvPicPr>
+        <p:grpSp>
+          <p:nvGrpSpPr>
+            <p:cNvPr id="36" name="Group 35"/>
+            <p:cNvGrpSpPr/>
             <p:nvPr/>
-          </p:nvPicPr>
-          <p:blipFill>
-            <a:blip r:embed="rId7">
+          </p:nvGrpSpPr>
+          <p:grpSpPr>
+            <a:xfrm>
+              <a:off x="8087458" y="810193"/>
+              <a:ext cx="3200400" cy="5162122"/>
+              <a:chOff x="8087458" y="853210"/>
+              <a:chExt cx="3200400" cy="5162122"/>
+            </a:xfrm>
+          </p:grpSpPr>
+          <p:sp>
+            <p:nvSpPr>
+              <p:cNvPr id="8" name="Rounded Rectangle 7"/>
+              <p:cNvSpPr/>
+              <p:nvPr/>
+            </p:nvSpPr>
+            <p:spPr>
+              <a:xfrm>
+                <a:off x="8087458" y="853210"/>
+                <a:ext cx="3200400" cy="5162122"/>
+              </a:xfrm>
+              <a:prstGeom prst="roundRect">
+                <a:avLst>
+                  <a:gd name="adj" fmla="val 8140"/>
+                </a:avLst>
+              </a:prstGeom>
+            </p:spPr>
+            <p:style>
+              <a:lnRef idx="2">
+                <a:schemeClr val="accent3"/>
+              </a:lnRef>
+              <a:fillRef idx="1">
+                <a:schemeClr val="lt1"/>
+              </a:fillRef>
+              <a:effectRef idx="0">
+                <a:schemeClr val="accent3"/>
+              </a:effectRef>
+              <a:fontRef idx="minor">
+                <a:schemeClr val="dk1"/>
+              </a:fontRef>
+            </p:style>
+            <p:txBody>
+              <a:bodyPr rtlCol="0" anchor="t"/>
+              <a:lstStyle/>
+              <a:p>
+                <a:pPr algn="ctr">
+                  <a:lnSpc>
+                    <a:spcPct val="150000"/>
+                  </a:lnSpc>
+                </a:pPr>
+                <a:r>
+                  <a:rPr lang="el-GR" b="1" dirty="0" smtClean="0"/>
+                  <a:t>π</a:t>
+                </a:r>
+                <a:r>
+                  <a:rPr lang="en-US" b="1" dirty="0" smtClean="0"/>
+                  <a:t> Layer Web Front End</a:t>
+                </a:r>
+                <a:endParaRPr lang="en-US" dirty="0" smtClean="0"/>
+              </a:p>
+              <a:p>
+                <a:pPr marL="285750" indent="-285750">
+                  <a:lnSpc>
+                    <a:spcPct val="150000"/>
+                  </a:lnSpc>
+                  <a:buFontTx/>
+                  <a:buChar char="-"/>
+                </a:pPr>
+                <a:endParaRPr lang="en-US" dirty="0" smtClean="0"/>
+              </a:p>
+              <a:p>
+                <a:pPr marL="285750" indent="-285750">
+                  <a:lnSpc>
+                    <a:spcPct val="150000"/>
+                  </a:lnSpc>
+                  <a:buFontTx/>
+                  <a:buChar char="-"/>
+                </a:pPr>
+                <a:endParaRPr lang="en-US" dirty="0" smtClean="0"/>
+              </a:p>
+              <a:p>
+                <a:pPr>
+                  <a:lnSpc>
+                    <a:spcPct val="150000"/>
+                  </a:lnSpc>
+                </a:pPr>
+                <a:endParaRPr lang="en-US" dirty="0" smtClean="0"/>
+              </a:p>
+            </p:txBody>
+          </p:sp>
+          <p:pic>
+            <p:nvPicPr>
+              <p:cNvPr id="5122" name="Picture 2" descr="Image result for facebook flux"/>
+              <p:cNvPicPr>
+                <a:picLocks noChangeAspect="1" noChangeArrowheads="1"/>
+              </p:cNvPicPr>
+              <p:nvPr/>
+            </p:nvPicPr>
+            <p:blipFill>
+              <a:blip r:embed="rId3" cstate="print">
+                <a:extLst>
+                  <a:ext uri="{28A0092B-C50C-407E-A947-70E740481C1C}">
+                    <a14:useLocalDpi xmlns:a14="http://schemas.microsoft.com/office/drawing/2010/main" val="0"/>
+                  </a:ext>
+                </a:extLst>
+              </a:blip>
+              <a:srcRect/>
+              <a:stretch>
+                <a:fillRect/>
+              </a:stretch>
+            </p:blipFill>
+            <p:spPr bwMode="auto">
+              <a:xfrm>
+                <a:off x="8635365" y="4416469"/>
+                <a:ext cx="928575" cy="928575"/>
+              </a:xfrm>
+              <a:prstGeom prst="rect">
+                <a:avLst/>
+              </a:prstGeom>
+              <a:noFill/>
               <a:extLst>
-                <a:ext uri="{28A0092B-C50C-407E-A947-70E740481C1C}">
-                  <a14:useLocalDpi xmlns:a14="http://schemas.microsoft.com/office/drawing/2010/main" val="0"/>
+                <a:ext uri="{909E8E84-426E-40DD-AFC4-6F175D3DCCD1}">
+                  <a14:hiddenFill xmlns:a14="http://schemas.microsoft.com/office/drawing/2010/main">
+                    <a:solidFill>
+                      <a:srgbClr val="FFFFFF"/>
+                    </a:solidFill>
+                  </a14:hiddenFill>
                 </a:ext>
               </a:extLst>
-            </a:blip>
-            <a:srcRect/>
-            <a:stretch>
-              <a:fillRect/>
-            </a:stretch>
-          </p:blipFill>
-          <p:spPr bwMode="auto">
-            <a:xfrm>
-              <a:off x="8739725" y="1440469"/>
-              <a:ext cx="906213" cy="906214"/>
-            </a:xfrm>
-            <a:prstGeom prst="rect">
-              <a:avLst/>
-            </a:prstGeom>
-            <a:noFill/>
-            <a:extLst>
-              <a:ext uri="{909E8E84-426E-40DD-AFC4-6F175D3DCCD1}">
-                <a14:hiddenFill xmlns:a14="http://schemas.microsoft.com/office/drawing/2010/main">
-                  <a:solidFill>
-                    <a:srgbClr val="FFFFFF"/>
-                  </a:solidFill>
-                </a14:hiddenFill>
-              </a:ext>
-            </a:extLst>
-          </p:spPr>
-        </p:pic>
-        <p:sp>
-          <p:nvSpPr>
-            <p:cNvPr id="12" name="TextBox 11"/>
-            <p:cNvSpPr txBox="1"/>
-            <p:nvPr/>
-          </p:nvSpPr>
-          <p:spPr>
-            <a:xfrm>
-              <a:off x="8701366" y="2383035"/>
-              <a:ext cx="1018164" cy="369332"/>
-            </a:xfrm>
-            <a:prstGeom prst="rect">
-              <a:avLst/>
-            </a:prstGeom>
-            <a:noFill/>
-          </p:spPr>
-          <p:txBody>
-            <a:bodyPr wrap="none" rtlCol="0">
-              <a:spAutoFit/>
-            </a:bodyPr>
-            <a:lstStyle/>
-            <a:p>
-              <a:r>
-                <a:rPr lang="en-US" dirty="0" smtClean="0"/>
-                <a:t>AIOHTTP</a:t>
-              </a:r>
-              <a:endParaRPr lang="en-US" dirty="0"/>
-            </a:p>
-          </p:txBody>
-        </p:sp>
-      </p:grpSp>
-      <p:grpSp>
-        <p:nvGrpSpPr>
-          <p:cNvPr id="15" name="Group 14"/>
-          <p:cNvGrpSpPr/>
-          <p:nvPr/>
-        </p:nvGrpSpPr>
-        <p:grpSpPr>
-          <a:xfrm>
-            <a:off x="9646190" y="4381496"/>
-            <a:ext cx="1137684" cy="1336528"/>
-            <a:chOff x="10035012" y="1501637"/>
-            <a:chExt cx="1137684" cy="1336528"/>
-          </a:xfrm>
-        </p:grpSpPr>
-        <p:pic>
-          <p:nvPicPr>
-            <p:cNvPr id="5134" name="Picture 14" descr="Image result for react"/>
-            <p:cNvPicPr>
-              <a:picLocks noChangeAspect="1" noChangeArrowheads="1"/>
-            </p:cNvPicPr>
-            <p:nvPr/>
-          </p:nvPicPr>
-          <p:blipFill rotWithShape="1">
-            <a:blip r:embed="rId8" cstate="print">
+            </p:spPr>
+          </p:pic>
+          <p:pic>
+            <p:nvPicPr>
+              <p:cNvPr id="5124" name="Picture 4" descr="Image result for webpack"/>
+              <p:cNvPicPr>
+                <a:picLocks noChangeAspect="1" noChangeArrowheads="1"/>
+              </p:cNvPicPr>
+              <p:nvPr/>
+            </p:nvPicPr>
+            <p:blipFill rotWithShape="1">
+              <a:blip r:embed="rId4">
+                <a:extLst>
+                  <a:ext uri="{28A0092B-C50C-407E-A947-70E740481C1C}">
+                    <a14:useLocalDpi xmlns:a14="http://schemas.microsoft.com/office/drawing/2010/main" val="0"/>
+                  </a:ext>
+                </a:extLst>
+              </a:blip>
+              <a:srcRect l="13219" r="13944"/>
+              <a:stretch/>
+            </p:blipFill>
+            <p:spPr bwMode="auto">
+              <a:xfrm>
+                <a:off x="9766963" y="2827585"/>
+                <a:ext cx="1307804" cy="1243396"/>
+              </a:xfrm>
+              <a:prstGeom prst="rect">
+                <a:avLst/>
+              </a:prstGeom>
+              <a:noFill/>
               <a:extLst>
-                <a:ext uri="{28A0092B-C50C-407E-A947-70E740481C1C}">
-                  <a14:useLocalDpi xmlns:a14="http://schemas.microsoft.com/office/drawing/2010/main" val="0"/>
+                <a:ext uri="{909E8E84-426E-40DD-AFC4-6F175D3DCCD1}">
+                  <a14:hiddenFill xmlns:a14="http://schemas.microsoft.com/office/drawing/2010/main">
+                    <a:solidFill>
+                      <a:srgbClr val="FFFFFF"/>
+                    </a:solidFill>
+                  </a14:hiddenFill>
                 </a:ext>
               </a:extLst>
-            </a:blip>
-            <a:srcRect l="19847" t="11190" r="20432" b="11013"/>
-            <a:stretch/>
-          </p:blipFill>
-          <p:spPr bwMode="auto">
+            </p:spPr>
+          </p:pic>
+          <p:grpSp>
+            <p:nvGrpSpPr>
+              <p:cNvPr id="13" name="Group 12"/>
+              <p:cNvGrpSpPr/>
+              <p:nvPr/>
+            </p:nvGrpSpPr>
+            <p:grpSpPr>
+              <a:xfrm>
+                <a:off x="9899591" y="1502770"/>
+                <a:ext cx="1018164" cy="1311898"/>
+                <a:chOff x="8701366" y="1440469"/>
+                <a:chExt cx="1018164" cy="1311898"/>
+              </a:xfrm>
+            </p:grpSpPr>
+            <p:pic>
+              <p:nvPicPr>
+                <p:cNvPr id="5136" name="Picture 16" descr="Image result for aiohttp"/>
+                <p:cNvPicPr>
+                  <a:picLocks noChangeAspect="1" noChangeArrowheads="1"/>
+                </p:cNvPicPr>
+                <p:nvPr/>
+              </p:nvPicPr>
+              <p:blipFill>
+                <a:blip r:embed="rId5">
+                  <a:extLst>
+                    <a:ext uri="{28A0092B-C50C-407E-A947-70E740481C1C}">
+                      <a14:useLocalDpi xmlns:a14="http://schemas.microsoft.com/office/drawing/2010/main" val="0"/>
+                    </a:ext>
+                  </a:extLst>
+                </a:blip>
+                <a:srcRect/>
+                <a:stretch>
+                  <a:fillRect/>
+                </a:stretch>
+              </p:blipFill>
+              <p:spPr bwMode="auto">
+                <a:xfrm>
+                  <a:off x="8739725" y="1440469"/>
+                  <a:ext cx="906213" cy="906214"/>
+                </a:xfrm>
+                <a:prstGeom prst="rect">
+                  <a:avLst/>
+                </a:prstGeom>
+                <a:noFill/>
+                <a:extLst>
+                  <a:ext uri="{909E8E84-426E-40DD-AFC4-6F175D3DCCD1}">
+                    <a14:hiddenFill xmlns:a14="http://schemas.microsoft.com/office/drawing/2010/main">
+                      <a:solidFill>
+                        <a:srgbClr val="FFFFFF"/>
+                      </a:solidFill>
+                    </a14:hiddenFill>
+                  </a:ext>
+                </a:extLst>
+              </p:spPr>
+            </p:pic>
+            <p:sp>
+              <p:nvSpPr>
+                <p:cNvPr id="12" name="TextBox 11"/>
+                <p:cNvSpPr txBox="1"/>
+                <p:nvPr/>
+              </p:nvSpPr>
+              <p:spPr>
+                <a:xfrm>
+                  <a:off x="8701366" y="2383035"/>
+                  <a:ext cx="1018164" cy="369332"/>
+                </a:xfrm>
+                <a:prstGeom prst="rect">
+                  <a:avLst/>
+                </a:prstGeom>
+                <a:noFill/>
+              </p:spPr>
+              <p:txBody>
+                <a:bodyPr wrap="none" rtlCol="0">
+                  <a:spAutoFit/>
+                </a:bodyPr>
+                <a:lstStyle/>
+                <a:p>
+                  <a:r>
+                    <a:rPr lang="en-US" dirty="0" smtClean="0"/>
+                    <a:t>AIOHTTP</a:t>
+                  </a:r>
+                  <a:endParaRPr lang="en-US" dirty="0"/>
+                </a:p>
+              </p:txBody>
+            </p:sp>
+          </p:grpSp>
+          <p:grpSp>
+            <p:nvGrpSpPr>
+              <p:cNvPr id="15" name="Group 14"/>
+              <p:cNvGrpSpPr/>
+              <p:nvPr/>
+            </p:nvGrpSpPr>
+            <p:grpSpPr>
+              <a:xfrm>
+                <a:off x="9814563" y="4343724"/>
+                <a:ext cx="1137684" cy="1336528"/>
+                <a:chOff x="10035012" y="1501637"/>
+                <a:chExt cx="1137684" cy="1336528"/>
+              </a:xfrm>
+            </p:grpSpPr>
+            <p:pic>
+              <p:nvPicPr>
+                <p:cNvPr id="5134" name="Picture 14" descr="Image result for react"/>
+                <p:cNvPicPr>
+                  <a:picLocks noChangeAspect="1" noChangeArrowheads="1"/>
+                </p:cNvPicPr>
+                <p:nvPr/>
+              </p:nvPicPr>
+              <p:blipFill rotWithShape="1">
+                <a:blip r:embed="rId6" cstate="print">
+                  <a:extLst>
+                    <a:ext uri="{28A0092B-C50C-407E-A947-70E740481C1C}">
+                      <a14:useLocalDpi xmlns:a14="http://schemas.microsoft.com/office/drawing/2010/main" val="0"/>
+                    </a:ext>
+                  </a:extLst>
+                </a:blip>
+                <a:srcRect l="19847" t="11190" r="20432" b="11013"/>
+                <a:stretch/>
+              </p:blipFill>
+              <p:spPr bwMode="auto">
+                <a:xfrm>
+                  <a:off x="10035012" y="1501637"/>
+                  <a:ext cx="1137684" cy="1047307"/>
+                </a:xfrm>
+                <a:prstGeom prst="rect">
+                  <a:avLst/>
+                </a:prstGeom>
+                <a:noFill/>
+                <a:extLst>
+                  <a:ext uri="{909E8E84-426E-40DD-AFC4-6F175D3DCCD1}">
+                    <a14:hiddenFill xmlns:a14="http://schemas.microsoft.com/office/drawing/2010/main">
+                      <a:solidFill>
+                        <a:srgbClr val="FFFFFF"/>
+                      </a:solidFill>
+                    </a14:hiddenFill>
+                  </a:ext>
+                </a:extLst>
+              </p:spPr>
+            </p:pic>
+            <p:sp>
+              <p:nvSpPr>
+                <p:cNvPr id="14" name="TextBox 13"/>
+                <p:cNvSpPr txBox="1"/>
+                <p:nvPr/>
+              </p:nvSpPr>
+              <p:spPr>
+                <a:xfrm>
+                  <a:off x="10250648" y="2468833"/>
+                  <a:ext cx="706412" cy="369332"/>
+                </a:xfrm>
+                <a:prstGeom prst="rect">
+                  <a:avLst/>
+                </a:prstGeom>
+                <a:noFill/>
+              </p:spPr>
+              <p:txBody>
+                <a:bodyPr wrap="none" rtlCol="0">
+                  <a:spAutoFit/>
+                </a:bodyPr>
+                <a:lstStyle/>
+                <a:p>
+                  <a:r>
+                    <a:rPr lang="en-US" dirty="0"/>
+                    <a:t>R</a:t>
+                  </a:r>
+                  <a:r>
+                    <a:rPr lang="en-US" dirty="0" smtClean="0"/>
+                    <a:t>eact</a:t>
+                  </a:r>
+                  <a:endParaRPr lang="en-US" dirty="0"/>
+                </a:p>
+              </p:txBody>
+            </p:sp>
+          </p:grpSp>
+          <p:grpSp>
+            <p:nvGrpSpPr>
+              <p:cNvPr id="17" name="Group 16"/>
+              <p:cNvGrpSpPr/>
+              <p:nvPr/>
+            </p:nvGrpSpPr>
+            <p:grpSpPr>
+              <a:xfrm>
+                <a:off x="8444876" y="2998281"/>
+                <a:ext cx="1252459" cy="1035694"/>
+                <a:chOff x="8837528" y="2425205"/>
+                <a:chExt cx="1252459" cy="1035694"/>
+              </a:xfrm>
+            </p:grpSpPr>
+            <p:pic>
+              <p:nvPicPr>
+                <p:cNvPr id="5132" name="Picture 12" descr="Image result for material ui"/>
+                <p:cNvPicPr>
+                  <a:picLocks noChangeAspect="1" noChangeArrowheads="1"/>
+                </p:cNvPicPr>
+                <p:nvPr/>
+              </p:nvPicPr>
+              <p:blipFill rotWithShape="1">
+                <a:blip r:embed="rId7" cstate="print">
+                  <a:extLst>
+                    <a:ext uri="{28A0092B-C50C-407E-A947-70E740481C1C}">
+                      <a14:useLocalDpi xmlns:a14="http://schemas.microsoft.com/office/drawing/2010/main" val="0"/>
+                    </a:ext>
+                  </a:extLst>
+                </a:blip>
+                <a:srcRect l="17405" t="24837" r="17851" b="23814"/>
+                <a:stretch/>
+              </p:blipFill>
+              <p:spPr bwMode="auto">
+                <a:xfrm>
+                  <a:off x="9022507" y="2425205"/>
+                  <a:ext cx="882502" cy="699915"/>
+                </a:xfrm>
+                <a:prstGeom prst="rect">
+                  <a:avLst/>
+                </a:prstGeom>
+                <a:noFill/>
+                <a:extLst>
+                  <a:ext uri="{909E8E84-426E-40DD-AFC4-6F175D3DCCD1}">
+                    <a14:hiddenFill xmlns:a14="http://schemas.microsoft.com/office/drawing/2010/main">
+                      <a:solidFill>
+                        <a:srgbClr val="FFFFFF"/>
+                      </a:solidFill>
+                    </a14:hiddenFill>
+                  </a:ext>
+                </a:extLst>
+              </p:spPr>
+            </p:pic>
+            <p:sp>
+              <p:nvSpPr>
+                <p:cNvPr id="16" name="TextBox 15"/>
+                <p:cNvSpPr txBox="1"/>
+                <p:nvPr/>
+              </p:nvSpPr>
+              <p:spPr>
+                <a:xfrm>
+                  <a:off x="8837528" y="3091567"/>
+                  <a:ext cx="1252459" cy="369332"/>
+                </a:xfrm>
+                <a:prstGeom prst="rect">
+                  <a:avLst/>
+                </a:prstGeom>
+                <a:noFill/>
+              </p:spPr>
+              <p:txBody>
+                <a:bodyPr wrap="none" rtlCol="0">
+                  <a:spAutoFit/>
+                </a:bodyPr>
+                <a:lstStyle/>
+                <a:p>
+                  <a:r>
+                    <a:rPr lang="en-US" dirty="0" smtClean="0"/>
+                    <a:t>Material-UI</a:t>
+                  </a:r>
+                  <a:endParaRPr lang="en-US" dirty="0"/>
+                </a:p>
+              </p:txBody>
+            </p:sp>
+          </p:grpSp>
+          <p:grpSp>
+            <p:nvGrpSpPr>
+              <p:cNvPr id="20" name="Group 19"/>
+              <p:cNvGrpSpPr/>
+              <p:nvPr/>
+            </p:nvGrpSpPr>
+            <p:grpSpPr>
+              <a:xfrm>
+                <a:off x="8523188" y="1599429"/>
+                <a:ext cx="1197059" cy="1191804"/>
+                <a:chOff x="7465229" y="3049663"/>
+                <a:chExt cx="1197059" cy="1191804"/>
+              </a:xfrm>
+            </p:grpSpPr>
+            <p:pic>
+              <p:nvPicPr>
+                <p:cNvPr id="28" name="Picture 24" descr="Image result for python language"/>
+                <p:cNvPicPr>
+                  <a:picLocks noChangeAspect="1" noChangeArrowheads="1"/>
+                </p:cNvPicPr>
+                <p:nvPr/>
+              </p:nvPicPr>
+              <p:blipFill rotWithShape="1">
+                <a:blip r:embed="rId8">
+                  <a:extLst>
+                    <a:ext uri="{28A0092B-C50C-407E-A947-70E740481C1C}">
+                      <a14:useLocalDpi xmlns:a14="http://schemas.microsoft.com/office/drawing/2010/main" val="0"/>
+                    </a:ext>
+                  </a:extLst>
+                </a:blip>
+                <a:srcRect l="13388" t="11212" r="13496" b="13439"/>
+                <a:stretch/>
+              </p:blipFill>
+              <p:spPr bwMode="auto">
+                <a:xfrm>
+                  <a:off x="7664707" y="3049663"/>
+                  <a:ext cx="798102" cy="822472"/>
+                </a:xfrm>
+                <a:prstGeom prst="rect">
+                  <a:avLst/>
+                </a:prstGeom>
+                <a:noFill/>
+                <a:extLst>
+                  <a:ext uri="{909E8E84-426E-40DD-AFC4-6F175D3DCCD1}">
+                    <a14:hiddenFill xmlns:a14="http://schemas.microsoft.com/office/drawing/2010/main">
+                      <a:solidFill>
+                        <a:srgbClr val="FFFFFF"/>
+                      </a:solidFill>
+                    </a14:hiddenFill>
+                  </a:ext>
+                </a:extLst>
+              </p:spPr>
+            </p:pic>
+            <p:sp>
+              <p:nvSpPr>
+                <p:cNvPr id="19" name="TextBox 18"/>
+                <p:cNvSpPr txBox="1"/>
+                <p:nvPr/>
+              </p:nvSpPr>
+              <p:spPr>
+                <a:xfrm>
+                  <a:off x="7465229" y="3872135"/>
+                  <a:ext cx="1197059" cy="369332"/>
+                </a:xfrm>
+                <a:prstGeom prst="rect">
+                  <a:avLst/>
+                </a:prstGeom>
+                <a:noFill/>
+              </p:spPr>
+              <p:txBody>
+                <a:bodyPr wrap="none" rtlCol="0">
+                  <a:spAutoFit/>
+                </a:bodyPr>
+                <a:lstStyle/>
+                <a:p>
+                  <a:pPr algn="ctr"/>
+                  <a:r>
+                    <a:rPr lang="en-US" dirty="0" smtClean="0"/>
+                    <a:t>Python 3.7</a:t>
+                  </a:r>
+                </a:p>
+              </p:txBody>
+            </p:sp>
+          </p:grpSp>
+        </p:grpSp>
+        <p:grpSp>
+          <p:nvGrpSpPr>
+            <p:cNvPr id="35" name="Group 34"/>
+            <p:cNvGrpSpPr/>
+            <p:nvPr/>
+          </p:nvGrpSpPr>
+          <p:grpSpPr>
             <a:xfrm>
-              <a:off x="10035012" y="1501637"/>
-              <a:ext cx="1137684" cy="1047307"/>
+              <a:off x="4376818" y="810193"/>
+              <a:ext cx="3200400" cy="5162122"/>
+              <a:chOff x="4376818" y="853210"/>
+              <a:chExt cx="3200400" cy="5162122"/>
             </a:xfrm>
-            <a:prstGeom prst="rect">
-              <a:avLst/>
-            </a:prstGeom>
-            <a:noFill/>
-            <a:extLst>
-              <a:ext uri="{909E8E84-426E-40DD-AFC4-6F175D3DCCD1}">
-                <a14:hiddenFill xmlns:a14="http://schemas.microsoft.com/office/drawing/2010/main">
-                  <a:solidFill>
-                    <a:srgbClr val="FFFFFF"/>
-                  </a:solidFill>
-                </a14:hiddenFill>
-              </a:ext>
-            </a:extLst>
-          </p:spPr>
-        </p:pic>
-        <p:sp>
-          <p:nvSpPr>
-            <p:cNvPr id="14" name="TextBox 13"/>
-            <p:cNvSpPr txBox="1"/>
-            <p:nvPr/>
-          </p:nvSpPr>
-          <p:spPr>
-            <a:xfrm>
-              <a:off x="10250648" y="2468833"/>
-              <a:ext cx="706412" cy="369332"/>
-            </a:xfrm>
-            <a:prstGeom prst="rect">
-              <a:avLst/>
-            </a:prstGeom>
-            <a:noFill/>
-          </p:spPr>
-          <p:txBody>
-            <a:bodyPr wrap="none" rtlCol="0">
-              <a:spAutoFit/>
-            </a:bodyPr>
-            <a:lstStyle/>
-            <a:p>
-              <a:r>
-                <a:rPr lang="en-US" dirty="0"/>
-                <a:t>R</a:t>
-              </a:r>
-              <a:r>
-                <a:rPr lang="en-US" dirty="0" smtClean="0"/>
-                <a:t>eact</a:t>
-              </a:r>
-              <a:endParaRPr lang="en-US" dirty="0"/>
-            </a:p>
-          </p:txBody>
-        </p:sp>
-      </p:grpSp>
-      <p:grpSp>
-        <p:nvGrpSpPr>
-          <p:cNvPr id="17" name="Group 16"/>
-          <p:cNvGrpSpPr/>
-          <p:nvPr/>
-        </p:nvGrpSpPr>
-        <p:grpSpPr>
-          <a:xfrm>
-            <a:off x="8276503" y="3036053"/>
-            <a:ext cx="1252459" cy="1035694"/>
-            <a:chOff x="8837528" y="2425205"/>
-            <a:chExt cx="1252459" cy="1035694"/>
-          </a:xfrm>
-        </p:grpSpPr>
-        <p:pic>
-          <p:nvPicPr>
-            <p:cNvPr id="5132" name="Picture 12" descr="Image result for material ui"/>
-            <p:cNvPicPr>
-              <a:picLocks noChangeAspect="1" noChangeArrowheads="1"/>
-            </p:cNvPicPr>
-            <p:nvPr/>
-          </p:nvPicPr>
-          <p:blipFill rotWithShape="1">
-            <a:blip r:embed="rId9" cstate="print">
+          </p:grpSpPr>
+          <p:sp>
+            <p:nvSpPr>
+              <p:cNvPr id="7" name="Rounded Rectangle 6"/>
+              <p:cNvSpPr/>
+              <p:nvPr/>
+            </p:nvSpPr>
+            <p:spPr>
+              <a:xfrm>
+                <a:off x="4376818" y="853210"/>
+                <a:ext cx="3200400" cy="5162122"/>
+              </a:xfrm>
+              <a:prstGeom prst="roundRect">
+                <a:avLst>
+                  <a:gd name="adj" fmla="val 8140"/>
+                </a:avLst>
+              </a:prstGeom>
+            </p:spPr>
+            <p:style>
+              <a:lnRef idx="2">
+                <a:schemeClr val="accent3"/>
+              </a:lnRef>
+              <a:fillRef idx="1">
+                <a:schemeClr val="lt1"/>
+              </a:fillRef>
+              <a:effectRef idx="0">
+                <a:schemeClr val="accent3"/>
+              </a:effectRef>
+              <a:fontRef idx="minor">
+                <a:schemeClr val="dk1"/>
+              </a:fontRef>
+            </p:style>
+            <p:txBody>
+              <a:bodyPr rtlCol="0" anchor="t"/>
+              <a:lstStyle/>
+              <a:p>
+                <a:pPr algn="ctr">
+                  <a:lnSpc>
+                    <a:spcPct val="150000"/>
+                  </a:lnSpc>
+                </a:pPr>
+                <a:r>
+                  <a:rPr lang="el-GR" b="1" dirty="0" smtClean="0"/>
+                  <a:t>π</a:t>
+                </a:r>
+                <a:r>
+                  <a:rPr lang="en-US" b="1" dirty="0" smtClean="0"/>
+                  <a:t>-Layer Intercommunication</a:t>
+                </a:r>
+              </a:p>
+            </p:txBody>
+          </p:sp>
+          <p:pic>
+            <p:nvPicPr>
+              <p:cNvPr id="5138" name="Picture 18" descr="Image result for pyserial"/>
+              <p:cNvPicPr>
+                <a:picLocks noChangeAspect="1" noChangeArrowheads="1"/>
+              </p:cNvPicPr>
+              <p:nvPr/>
+            </p:nvPicPr>
+            <p:blipFill>
+              <a:blip r:embed="rId9">
+                <a:extLst>
+                  <a:ext uri="{28A0092B-C50C-407E-A947-70E740481C1C}">
+                    <a14:useLocalDpi xmlns:a14="http://schemas.microsoft.com/office/drawing/2010/main" val="0"/>
+                  </a:ext>
+                </a:extLst>
+              </a:blip>
+              <a:srcRect/>
+              <a:stretch>
+                <a:fillRect/>
+              </a:stretch>
+            </p:blipFill>
+            <p:spPr bwMode="auto">
+              <a:xfrm>
+                <a:off x="5208026" y="3794147"/>
+                <a:ext cx="1537985" cy="836187"/>
+              </a:xfrm>
+              <a:prstGeom prst="rect">
+                <a:avLst/>
+              </a:prstGeom>
+              <a:noFill/>
               <a:extLst>
-                <a:ext uri="{28A0092B-C50C-407E-A947-70E740481C1C}">
-                  <a14:useLocalDpi xmlns:a14="http://schemas.microsoft.com/office/drawing/2010/main" val="0"/>
+                <a:ext uri="{909E8E84-426E-40DD-AFC4-6F175D3DCCD1}">
+                  <a14:hiddenFill xmlns:a14="http://schemas.microsoft.com/office/drawing/2010/main">
+                    <a:solidFill>
+                      <a:srgbClr val="FFFFFF"/>
+                    </a:solidFill>
+                  </a14:hiddenFill>
                 </a:ext>
               </a:extLst>
-            </a:blip>
-            <a:srcRect l="17405" t="24837" r="17851" b="23814"/>
-            <a:stretch/>
-          </p:blipFill>
-          <p:spPr bwMode="auto">
-            <a:xfrm>
-              <a:off x="9022507" y="2425205"/>
-              <a:ext cx="882502" cy="699915"/>
-            </a:xfrm>
-            <a:prstGeom prst="rect">
-              <a:avLst/>
-            </a:prstGeom>
-            <a:noFill/>
-            <a:extLst>
-              <a:ext uri="{909E8E84-426E-40DD-AFC4-6F175D3DCCD1}">
-                <a14:hiddenFill xmlns:a14="http://schemas.microsoft.com/office/drawing/2010/main">
-                  <a:solidFill>
-                    <a:srgbClr val="FFFFFF"/>
-                  </a:solidFill>
-                </a14:hiddenFill>
-              </a:ext>
-            </a:extLst>
-          </p:spPr>
-        </p:pic>
-        <p:sp>
-          <p:nvSpPr>
-            <p:cNvPr id="16" name="TextBox 15"/>
-            <p:cNvSpPr txBox="1"/>
-            <p:nvPr/>
-          </p:nvSpPr>
-          <p:spPr>
-            <a:xfrm>
-              <a:off x="8837528" y="3091567"/>
-              <a:ext cx="1252459" cy="369332"/>
-            </a:xfrm>
-            <a:prstGeom prst="rect">
-              <a:avLst/>
-            </a:prstGeom>
-            <a:noFill/>
-          </p:spPr>
-          <p:txBody>
-            <a:bodyPr wrap="none" rtlCol="0">
-              <a:spAutoFit/>
-            </a:bodyPr>
-            <a:lstStyle/>
-            <a:p>
-              <a:r>
-                <a:rPr lang="en-US" dirty="0" smtClean="0"/>
-                <a:t>Material-UI</a:t>
-              </a:r>
-              <a:endParaRPr lang="en-US" dirty="0"/>
-            </a:p>
-          </p:txBody>
-        </p:sp>
-      </p:grpSp>
-      <p:grpSp>
-        <p:nvGrpSpPr>
-          <p:cNvPr id="20" name="Group 19"/>
-          <p:cNvGrpSpPr/>
-          <p:nvPr/>
-        </p:nvGrpSpPr>
-        <p:grpSpPr>
-          <a:xfrm>
-            <a:off x="8354815" y="1602967"/>
-            <a:ext cx="1197059" cy="1191804"/>
-            <a:chOff x="7465229" y="3049663"/>
-            <a:chExt cx="1197059" cy="1191804"/>
-          </a:xfrm>
-        </p:grpSpPr>
-        <p:pic>
-          <p:nvPicPr>
-            <p:cNvPr id="28" name="Picture 24" descr="Image result for python language"/>
-            <p:cNvPicPr>
-              <a:picLocks noChangeAspect="1" noChangeArrowheads="1"/>
-            </p:cNvPicPr>
-            <p:nvPr/>
-          </p:nvPicPr>
-          <p:blipFill rotWithShape="1">
-            <a:blip r:embed="rId10">
+            </p:spPr>
+          </p:pic>
+          <p:pic>
+            <p:nvPicPr>
+              <p:cNvPr id="18" name="Picture 12" descr="http://zeromq.wdfiles.com/local--files/admin:css/logo.gif"/>
+              <p:cNvPicPr>
+                <a:picLocks noChangeAspect="1" noChangeArrowheads="1"/>
+              </p:cNvPicPr>
+              <p:nvPr/>
+            </p:nvPicPr>
+            <p:blipFill>
+              <a:blip r:embed="rId10" cstate="print">
+                <a:extLst>
+                  <a:ext uri="{28A0092B-C50C-407E-A947-70E740481C1C}">
+                    <a14:useLocalDpi xmlns:a14="http://schemas.microsoft.com/office/drawing/2010/main" val="0"/>
+                  </a:ext>
+                </a:extLst>
+              </a:blip>
+              <a:srcRect/>
+              <a:stretch>
+                <a:fillRect/>
+              </a:stretch>
+            </p:blipFill>
+            <p:spPr bwMode="auto">
+              <a:xfrm>
+                <a:off x="5206994" y="4999666"/>
+                <a:ext cx="1540049" cy="481014"/>
+              </a:xfrm>
+              <a:prstGeom prst="rect">
+                <a:avLst/>
+              </a:prstGeom>
+              <a:noFill/>
               <a:extLst>
-                <a:ext uri="{28A0092B-C50C-407E-A947-70E740481C1C}">
-                  <a14:useLocalDpi xmlns:a14="http://schemas.microsoft.com/office/drawing/2010/main" val="0"/>
+                <a:ext uri="{909E8E84-426E-40DD-AFC4-6F175D3DCCD1}">
+                  <a14:hiddenFill xmlns:a14="http://schemas.microsoft.com/office/drawing/2010/main">
+                    <a:solidFill>
+                      <a:srgbClr val="FFFFFF"/>
+                    </a:solidFill>
+                  </a14:hiddenFill>
                 </a:ext>
               </a:extLst>
-            </a:blip>
-            <a:srcRect l="13388" t="11212" r="13496" b="13439"/>
-            <a:stretch/>
-          </p:blipFill>
-          <p:spPr bwMode="auto">
+            </p:spPr>
+          </p:pic>
+          <p:grpSp>
+            <p:nvGrpSpPr>
+              <p:cNvPr id="32" name="Group 31"/>
+              <p:cNvGrpSpPr/>
+              <p:nvPr/>
+            </p:nvGrpSpPr>
+            <p:grpSpPr>
+              <a:xfrm>
+                <a:off x="5378489" y="1565571"/>
+                <a:ext cx="1197059" cy="1191804"/>
+                <a:chOff x="7465229" y="3049663"/>
+                <a:chExt cx="1197059" cy="1191804"/>
+              </a:xfrm>
+            </p:grpSpPr>
+            <p:pic>
+              <p:nvPicPr>
+                <p:cNvPr id="33" name="Picture 24" descr="Image result for python language"/>
+                <p:cNvPicPr>
+                  <a:picLocks noChangeAspect="1" noChangeArrowheads="1"/>
+                </p:cNvPicPr>
+                <p:nvPr/>
+              </p:nvPicPr>
+              <p:blipFill rotWithShape="1">
+                <a:blip r:embed="rId8">
+                  <a:extLst>
+                    <a:ext uri="{28A0092B-C50C-407E-A947-70E740481C1C}">
+                      <a14:useLocalDpi xmlns:a14="http://schemas.microsoft.com/office/drawing/2010/main" val="0"/>
+                    </a:ext>
+                  </a:extLst>
+                </a:blip>
+                <a:srcRect l="13388" t="11212" r="13496" b="13439"/>
+                <a:stretch/>
+              </p:blipFill>
+              <p:spPr bwMode="auto">
+                <a:xfrm>
+                  <a:off x="7664707" y="3049663"/>
+                  <a:ext cx="798102" cy="822472"/>
+                </a:xfrm>
+                <a:prstGeom prst="rect">
+                  <a:avLst/>
+                </a:prstGeom>
+                <a:noFill/>
+                <a:extLst>
+                  <a:ext uri="{909E8E84-426E-40DD-AFC4-6F175D3DCCD1}">
+                    <a14:hiddenFill xmlns:a14="http://schemas.microsoft.com/office/drawing/2010/main">
+                      <a:solidFill>
+                        <a:srgbClr val="FFFFFF"/>
+                      </a:solidFill>
+                    </a14:hiddenFill>
+                  </a:ext>
+                </a:extLst>
+              </p:spPr>
+            </p:pic>
+            <p:sp>
+              <p:nvSpPr>
+                <p:cNvPr id="34" name="TextBox 33"/>
+                <p:cNvSpPr txBox="1"/>
+                <p:nvPr/>
+              </p:nvSpPr>
+              <p:spPr>
+                <a:xfrm>
+                  <a:off x="7465229" y="3872135"/>
+                  <a:ext cx="1197059" cy="369332"/>
+                </a:xfrm>
+                <a:prstGeom prst="rect">
+                  <a:avLst/>
+                </a:prstGeom>
+                <a:noFill/>
+              </p:spPr>
+              <p:txBody>
+                <a:bodyPr wrap="none" rtlCol="0">
+                  <a:spAutoFit/>
+                </a:bodyPr>
+                <a:lstStyle/>
+                <a:p>
+                  <a:pPr algn="ctr"/>
+                  <a:r>
+                    <a:rPr lang="en-US" dirty="0" smtClean="0"/>
+                    <a:t>Python 3.7</a:t>
+                  </a:r>
+                </a:p>
+              </p:txBody>
+            </p:sp>
+          </p:grpSp>
+          <p:sp>
+            <p:nvSpPr>
+              <p:cNvPr id="22" name="TextBox 21"/>
+              <p:cNvSpPr txBox="1"/>
+              <p:nvPr/>
+            </p:nvSpPr>
+            <p:spPr>
+              <a:xfrm>
+                <a:off x="5127266" y="2911157"/>
+                <a:ext cx="1699504" cy="523220"/>
+              </a:xfrm>
+              <a:prstGeom prst="rect">
+                <a:avLst/>
+              </a:prstGeom>
+              <a:noFill/>
+            </p:spPr>
+            <p:txBody>
+              <a:bodyPr wrap="none" rtlCol="0">
+                <a:spAutoFit/>
+              </a:bodyPr>
+              <a:lstStyle/>
+              <a:p>
+                <a:pPr algn="ctr"/>
+                <a:r>
+                  <a:rPr lang="en-US" sz="2800" dirty="0" err="1" smtClean="0">
+                    <a:latin typeface="Lucida Console" panose="020B0609040504020204" pitchFamily="49" charset="0"/>
+                  </a:rPr>
+                  <a:t>asyncio</a:t>
+                </a:r>
+                <a:endParaRPr lang="en-US" sz="2800" dirty="0">
+                  <a:latin typeface="Lucida Console" panose="020B0609040504020204" pitchFamily="49" charset="0"/>
+                </a:endParaRPr>
+              </a:p>
+            </p:txBody>
+          </p:sp>
+        </p:grpSp>
+        <p:grpSp>
+          <p:nvGrpSpPr>
+            <p:cNvPr id="31" name="Group 30"/>
+            <p:cNvGrpSpPr/>
+            <p:nvPr/>
+          </p:nvGrpSpPr>
+          <p:grpSpPr>
             <a:xfrm>
-              <a:off x="7664707" y="3049663"/>
-              <a:ext cx="798102" cy="822472"/>
+              <a:off x="634277" y="810193"/>
+              <a:ext cx="3200400" cy="5162122"/>
+              <a:chOff x="753768" y="853210"/>
+              <a:chExt cx="3171014" cy="5162122"/>
             </a:xfrm>
-            <a:prstGeom prst="rect">
-              <a:avLst/>
-            </a:prstGeom>
-            <a:noFill/>
-            <a:extLst>
-              <a:ext uri="{909E8E84-426E-40DD-AFC4-6F175D3DCCD1}">
-                <a14:hiddenFill xmlns:a14="http://schemas.microsoft.com/office/drawing/2010/main">
-                  <a:solidFill>
-                    <a:srgbClr val="FFFFFF"/>
-                  </a:solidFill>
-                </a14:hiddenFill>
-              </a:ext>
-            </a:extLst>
-          </p:spPr>
-        </p:pic>
-        <p:sp>
-          <p:nvSpPr>
-            <p:cNvPr id="19" name="TextBox 18"/>
-            <p:cNvSpPr txBox="1"/>
-            <p:nvPr/>
-          </p:nvSpPr>
-          <p:spPr>
-            <a:xfrm>
-              <a:off x="7465229" y="3872135"/>
-              <a:ext cx="1197059" cy="369332"/>
-            </a:xfrm>
-            <a:prstGeom prst="rect">
-              <a:avLst/>
-            </a:prstGeom>
-            <a:noFill/>
-          </p:spPr>
-          <p:txBody>
-            <a:bodyPr wrap="none" rtlCol="0">
-              <a:spAutoFit/>
-            </a:bodyPr>
-            <a:lstStyle/>
-            <a:p>
-              <a:pPr algn="ctr"/>
-              <a:r>
-                <a:rPr lang="en-US" dirty="0" smtClean="0"/>
-                <a:t>Python 3.7</a:t>
-              </a:r>
-            </a:p>
-          </p:txBody>
-        </p:sp>
+          </p:grpSpPr>
+          <p:sp>
+            <p:nvSpPr>
+              <p:cNvPr id="6" name="Rounded Rectangle 5"/>
+              <p:cNvSpPr/>
+              <p:nvPr/>
+            </p:nvSpPr>
+            <p:spPr>
+              <a:xfrm>
+                <a:off x="753768" y="853210"/>
+                <a:ext cx="3171014" cy="5162122"/>
+              </a:xfrm>
+              <a:prstGeom prst="roundRect">
+                <a:avLst>
+                  <a:gd name="adj" fmla="val 8140"/>
+                </a:avLst>
+              </a:prstGeom>
+            </p:spPr>
+            <p:style>
+              <a:lnRef idx="2">
+                <a:schemeClr val="accent3"/>
+              </a:lnRef>
+              <a:fillRef idx="1">
+                <a:schemeClr val="lt1"/>
+              </a:fillRef>
+              <a:effectRef idx="0">
+                <a:schemeClr val="accent3"/>
+              </a:effectRef>
+              <a:fontRef idx="minor">
+                <a:schemeClr val="dk1"/>
+              </a:fontRef>
+            </p:style>
+            <p:txBody>
+              <a:bodyPr rtlCol="0" anchor="t"/>
+              <a:lstStyle/>
+              <a:p>
+                <a:pPr algn="ctr">
+                  <a:lnSpc>
+                    <a:spcPct val="150000"/>
+                  </a:lnSpc>
+                </a:pPr>
+                <a:r>
+                  <a:rPr lang="en-US" b="1" dirty="0" smtClean="0"/>
+                  <a:t>A-Layer Sensor </a:t>
+                </a:r>
+                <a:r>
+                  <a:rPr lang="en-US" b="1" dirty="0" smtClean="0"/>
+                  <a:t>Nodes</a:t>
+                </a:r>
+                <a:endParaRPr lang="en-US" b="1" dirty="0"/>
+              </a:p>
+            </p:txBody>
+          </p:sp>
+          <p:grpSp>
+            <p:nvGrpSpPr>
+              <p:cNvPr id="2" name="Group 1"/>
+              <p:cNvGrpSpPr/>
+              <p:nvPr/>
+            </p:nvGrpSpPr>
+            <p:grpSpPr>
+              <a:xfrm>
+                <a:off x="936665" y="1565571"/>
+                <a:ext cx="1491177" cy="884209"/>
+                <a:chOff x="2047564" y="2770947"/>
+                <a:chExt cx="1491177" cy="884209"/>
+              </a:xfrm>
+            </p:grpSpPr>
+            <p:pic>
+              <p:nvPicPr>
+                <p:cNvPr id="1026" name="Picture 2" descr="Image result for arduino logo"/>
+                <p:cNvPicPr>
+                  <a:picLocks noChangeAspect="1" noChangeArrowheads="1"/>
+                </p:cNvPicPr>
+                <p:nvPr/>
+              </p:nvPicPr>
+              <p:blipFill rotWithShape="1">
+                <a:blip r:embed="rId11" cstate="print">
+                  <a:extLst>
+                    <a:ext uri="{28A0092B-C50C-407E-A947-70E740481C1C}">
+                      <a14:useLocalDpi xmlns:a14="http://schemas.microsoft.com/office/drawing/2010/main" val="0"/>
+                    </a:ext>
+                  </a:extLst>
+                </a:blip>
+                <a:srcRect b="28506"/>
+                <a:stretch/>
+              </p:blipFill>
+              <p:spPr bwMode="auto">
+                <a:xfrm>
+                  <a:off x="2193222" y="2770947"/>
+                  <a:ext cx="1195650" cy="581699"/>
+                </a:xfrm>
+                <a:prstGeom prst="rect">
+                  <a:avLst/>
+                </a:prstGeom>
+                <a:noFill/>
+                <a:extLst>
+                  <a:ext uri="{909E8E84-426E-40DD-AFC4-6F175D3DCCD1}">
+                    <a14:hiddenFill xmlns:a14="http://schemas.microsoft.com/office/drawing/2010/main">
+                      <a:solidFill>
+                        <a:srgbClr val="FFFFFF"/>
+                      </a:solidFill>
+                    </a14:hiddenFill>
+                  </a:ext>
+                </a:extLst>
+              </p:spPr>
+            </p:pic>
+            <p:sp>
+              <p:nvSpPr>
+                <p:cNvPr id="30" name="TextBox 29"/>
+                <p:cNvSpPr txBox="1"/>
+                <p:nvPr/>
+              </p:nvSpPr>
+              <p:spPr>
+                <a:xfrm>
+                  <a:off x="2047564" y="3285824"/>
+                  <a:ext cx="1491177" cy="369332"/>
+                </a:xfrm>
+                <a:prstGeom prst="rect">
+                  <a:avLst/>
+                </a:prstGeom>
+                <a:noFill/>
+              </p:spPr>
+              <p:txBody>
+                <a:bodyPr wrap="none" rtlCol="0">
+                  <a:spAutoFit/>
+                </a:bodyPr>
+                <a:lstStyle/>
+                <a:p>
+                  <a:pPr algn="ctr"/>
+                  <a:r>
+                    <a:rPr lang="en-US" dirty="0" smtClean="0"/>
+                    <a:t>Arduino Nano</a:t>
+                  </a:r>
+                  <a:endParaRPr lang="en-US" dirty="0" smtClean="0"/>
+                </a:p>
+              </p:txBody>
+            </p:sp>
+          </p:grpSp>
+          <p:pic>
+            <p:nvPicPr>
+              <p:cNvPr id="10" name="Picture 9"/>
+              <p:cNvPicPr>
+                <a:picLocks noChangeAspect="1"/>
+              </p:cNvPicPr>
+              <p:nvPr/>
+            </p:nvPicPr>
+            <p:blipFill>
+              <a:blip r:embed="rId12"/>
+              <a:stretch>
+                <a:fillRect/>
+              </a:stretch>
+            </p:blipFill>
+            <p:spPr>
+              <a:xfrm>
+                <a:off x="2601998" y="1554569"/>
+                <a:ext cx="1143588" cy="867921"/>
+              </a:xfrm>
+              <a:prstGeom prst="rect">
+                <a:avLst/>
+              </a:prstGeom>
+            </p:spPr>
+          </p:pic>
+          <p:grpSp>
+            <p:nvGrpSpPr>
+              <p:cNvPr id="26" name="Group 25"/>
+              <p:cNvGrpSpPr/>
+              <p:nvPr/>
+            </p:nvGrpSpPr>
+            <p:grpSpPr>
+              <a:xfrm>
+                <a:off x="1807227" y="2745945"/>
+                <a:ext cx="1041641" cy="1264322"/>
+                <a:chOff x="1259702" y="4433522"/>
+                <a:chExt cx="1041641" cy="1264322"/>
+              </a:xfrm>
+            </p:grpSpPr>
+            <p:pic>
+              <p:nvPicPr>
+                <p:cNvPr id="25" name="Picture 24"/>
+                <p:cNvPicPr>
+                  <a:picLocks noChangeAspect="1"/>
+                </p:cNvPicPr>
+                <p:nvPr/>
+              </p:nvPicPr>
+              <p:blipFill>
+                <a:blip r:embed="rId13"/>
+                <a:stretch>
+                  <a:fillRect/>
+                </a:stretch>
+              </p:blipFill>
+              <p:spPr>
+                <a:xfrm>
+                  <a:off x="1259702" y="4433522"/>
+                  <a:ext cx="1041641" cy="914390"/>
+                </a:xfrm>
+                <a:prstGeom prst="rect">
+                  <a:avLst/>
+                </a:prstGeom>
+              </p:spPr>
+            </p:pic>
+            <p:sp>
+              <p:nvSpPr>
+                <p:cNvPr id="40" name="TextBox 39"/>
+                <p:cNvSpPr txBox="1"/>
+                <p:nvPr/>
+              </p:nvSpPr>
+              <p:spPr>
+                <a:xfrm>
+                  <a:off x="1394839" y="5328512"/>
+                  <a:ext cx="771366" cy="369332"/>
+                </a:xfrm>
+                <a:prstGeom prst="rect">
+                  <a:avLst/>
+                </a:prstGeom>
+                <a:noFill/>
+              </p:spPr>
+              <p:txBody>
+                <a:bodyPr wrap="none" rtlCol="0">
+                  <a:spAutoFit/>
+                </a:bodyPr>
+                <a:lstStyle/>
+                <a:p>
+                  <a:pPr algn="ctr"/>
+                  <a:r>
+                    <a:rPr lang="en-US" dirty="0" smtClean="0"/>
+                    <a:t>nRF24</a:t>
+                  </a:r>
+                  <a:endParaRPr lang="en-US" dirty="0" smtClean="0"/>
+                </a:p>
+              </p:txBody>
+            </p:sp>
+          </p:grpSp>
+          <p:grpSp>
+            <p:nvGrpSpPr>
+              <p:cNvPr id="27" name="Group 26"/>
+              <p:cNvGrpSpPr/>
+              <p:nvPr/>
+            </p:nvGrpSpPr>
+            <p:grpSpPr>
+              <a:xfrm>
+                <a:off x="936665" y="4361646"/>
+                <a:ext cx="1259512" cy="1283089"/>
+                <a:chOff x="3252445" y="4434935"/>
+                <a:chExt cx="1259512" cy="1283089"/>
+              </a:xfrm>
+            </p:grpSpPr>
+            <p:pic>
+              <p:nvPicPr>
+                <p:cNvPr id="1042" name="Picture 18" descr="Image result for pir sensor"/>
+                <p:cNvPicPr>
+                  <a:picLocks noChangeAspect="1" noChangeArrowheads="1"/>
+                </p:cNvPicPr>
+                <p:nvPr/>
+              </p:nvPicPr>
+              <p:blipFill>
+                <a:blip r:embed="rId14" cstate="print">
+                  <a:extLst>
+                    <a:ext uri="{28A0092B-C50C-407E-A947-70E740481C1C}">
+                      <a14:useLocalDpi xmlns:a14="http://schemas.microsoft.com/office/drawing/2010/main" val="0"/>
+                    </a:ext>
+                  </a:extLst>
+                </a:blip>
+                <a:srcRect/>
+                <a:stretch>
+                  <a:fillRect/>
+                </a:stretch>
+              </p:blipFill>
+              <p:spPr bwMode="auto">
+                <a:xfrm>
+                  <a:off x="3352731" y="4434935"/>
+                  <a:ext cx="1058941" cy="967186"/>
+                </a:xfrm>
+                <a:prstGeom prst="rect">
+                  <a:avLst/>
+                </a:prstGeom>
+                <a:noFill/>
+                <a:extLst>
+                  <a:ext uri="{909E8E84-426E-40DD-AFC4-6F175D3DCCD1}">
+                    <a14:hiddenFill xmlns:a14="http://schemas.microsoft.com/office/drawing/2010/main">
+                      <a:solidFill>
+                        <a:srgbClr val="FFFFFF"/>
+                      </a:solidFill>
+                    </a14:hiddenFill>
+                  </a:ext>
+                </a:extLst>
+              </p:spPr>
+            </p:pic>
+            <p:sp>
+              <p:nvSpPr>
+                <p:cNvPr id="45" name="TextBox 44"/>
+                <p:cNvSpPr txBox="1"/>
+                <p:nvPr/>
+              </p:nvSpPr>
+              <p:spPr>
+                <a:xfrm>
+                  <a:off x="3252445" y="5348692"/>
+                  <a:ext cx="1259512" cy="369332"/>
+                </a:xfrm>
+                <a:prstGeom prst="rect">
+                  <a:avLst/>
+                </a:prstGeom>
+                <a:noFill/>
+              </p:spPr>
+              <p:txBody>
+                <a:bodyPr wrap="none" rtlCol="0">
+                  <a:spAutoFit/>
+                </a:bodyPr>
+                <a:lstStyle/>
+                <a:p>
+                  <a:pPr algn="ctr"/>
+                  <a:r>
+                    <a:rPr lang="en-US" dirty="0" smtClean="0"/>
+                    <a:t>PIR Sensors</a:t>
+                  </a:r>
+                  <a:endParaRPr lang="en-US" dirty="0" smtClean="0"/>
+                </a:p>
+              </p:txBody>
+            </p:sp>
+          </p:grpSp>
+          <p:grpSp>
+            <p:nvGrpSpPr>
+              <p:cNvPr id="29" name="Group 28"/>
+              <p:cNvGrpSpPr/>
+              <p:nvPr/>
+            </p:nvGrpSpPr>
+            <p:grpSpPr>
+              <a:xfrm>
+                <a:off x="2515308" y="4429757"/>
+                <a:ext cx="1291246" cy="1277214"/>
+                <a:chOff x="4017488" y="4000882"/>
+                <a:chExt cx="1291246" cy="1277214"/>
+              </a:xfrm>
+            </p:grpSpPr>
+            <p:pic>
+              <p:nvPicPr>
+                <p:cNvPr id="1044" name="Picture 20" descr="Image result for acoustic sensor"/>
+                <p:cNvPicPr>
+                  <a:picLocks noChangeAspect="1" noChangeArrowheads="1"/>
+                </p:cNvPicPr>
+                <p:nvPr/>
+              </p:nvPicPr>
+              <p:blipFill rotWithShape="1">
+                <a:blip r:embed="rId15" cstate="print">
+                  <a:extLst>
+                    <a:ext uri="{28A0092B-C50C-407E-A947-70E740481C1C}">
+                      <a14:useLocalDpi xmlns:a14="http://schemas.microsoft.com/office/drawing/2010/main" val="0"/>
+                    </a:ext>
+                  </a:extLst>
+                </a:blip>
+                <a:srcRect t="22768" b="21187"/>
+                <a:stretch/>
+              </p:blipFill>
+              <p:spPr bwMode="auto">
+                <a:xfrm>
+                  <a:off x="4017488" y="4000882"/>
+                  <a:ext cx="1291246" cy="723684"/>
+                </a:xfrm>
+                <a:prstGeom prst="rect">
+                  <a:avLst/>
+                </a:prstGeom>
+                <a:noFill/>
+                <a:extLst>
+                  <a:ext uri="{909E8E84-426E-40DD-AFC4-6F175D3DCCD1}">
+                    <a14:hiddenFill xmlns:a14="http://schemas.microsoft.com/office/drawing/2010/main">
+                      <a:solidFill>
+                        <a:srgbClr val="FFFFFF"/>
+                      </a:solidFill>
+                    </a14:hiddenFill>
+                  </a:ext>
+                </a:extLst>
+              </p:spPr>
+            </p:pic>
+            <p:sp>
+              <p:nvSpPr>
+                <p:cNvPr id="47" name="TextBox 46"/>
+                <p:cNvSpPr txBox="1"/>
+                <p:nvPr/>
+              </p:nvSpPr>
+              <p:spPr>
+                <a:xfrm>
+                  <a:off x="4177082" y="4631765"/>
+                  <a:ext cx="972061" cy="646331"/>
+                </a:xfrm>
+                <a:prstGeom prst="rect">
+                  <a:avLst/>
+                </a:prstGeom>
+                <a:noFill/>
+              </p:spPr>
+              <p:txBody>
+                <a:bodyPr wrap="none" rtlCol="0">
+                  <a:spAutoFit/>
+                </a:bodyPr>
+                <a:lstStyle/>
+                <a:p>
+                  <a:pPr algn="ctr"/>
+                  <a:r>
+                    <a:rPr lang="en-US" dirty="0" smtClean="0"/>
+                    <a:t>Acoustic</a:t>
+                  </a:r>
+                </a:p>
+                <a:p>
+                  <a:pPr algn="ctr"/>
+                  <a:r>
+                    <a:rPr lang="en-US" dirty="0" smtClean="0"/>
+                    <a:t>Sensors</a:t>
+                  </a:r>
+                  <a:endParaRPr lang="en-US" dirty="0" smtClean="0"/>
+                </a:p>
+              </p:txBody>
+            </p:sp>
+          </p:grpSp>
+        </p:grpSp>
       </p:grpSp>
-      <p:grpSp>
-        <p:nvGrpSpPr>
-          <p:cNvPr id="32" name="Group 31"/>
-          <p:cNvGrpSpPr/>
-          <p:nvPr/>
-        </p:nvGrpSpPr>
-        <p:grpSpPr>
-          <a:xfrm>
-            <a:off x="5244476" y="1615553"/>
-            <a:ext cx="1197059" cy="1191804"/>
-            <a:chOff x="7465229" y="3049663"/>
-            <a:chExt cx="1197059" cy="1191804"/>
-          </a:xfrm>
-        </p:grpSpPr>
-        <p:pic>
-          <p:nvPicPr>
-            <p:cNvPr id="33" name="Picture 24" descr="Image result for python language"/>
-            <p:cNvPicPr>
-              <a:picLocks noChangeAspect="1" noChangeArrowheads="1"/>
-            </p:cNvPicPr>
-            <p:nvPr/>
-          </p:nvPicPr>
-          <p:blipFill rotWithShape="1">
-            <a:blip r:embed="rId10">
-              <a:extLst>
-                <a:ext uri="{28A0092B-C50C-407E-A947-70E740481C1C}">
-                  <a14:useLocalDpi xmlns:a14="http://schemas.microsoft.com/office/drawing/2010/main" val="0"/>
-                </a:ext>
-              </a:extLst>
-            </a:blip>
-            <a:srcRect l="13388" t="11212" r="13496" b="13439"/>
-            <a:stretch/>
-          </p:blipFill>
-          <p:spPr bwMode="auto">
-            <a:xfrm>
-              <a:off x="7664707" y="3049663"/>
-              <a:ext cx="798102" cy="822472"/>
-            </a:xfrm>
-            <a:prstGeom prst="rect">
-              <a:avLst/>
-            </a:prstGeom>
-            <a:noFill/>
-            <a:extLst>
-              <a:ext uri="{909E8E84-426E-40DD-AFC4-6F175D3DCCD1}">
-                <a14:hiddenFill xmlns:a14="http://schemas.microsoft.com/office/drawing/2010/main">
-                  <a:solidFill>
-                    <a:srgbClr val="FFFFFF"/>
-                  </a:solidFill>
-                </a14:hiddenFill>
-              </a:ext>
-            </a:extLst>
-          </p:spPr>
-        </p:pic>
-        <p:sp>
-          <p:nvSpPr>
-            <p:cNvPr id="34" name="TextBox 33"/>
-            <p:cNvSpPr txBox="1"/>
-            <p:nvPr/>
-          </p:nvSpPr>
-          <p:spPr>
-            <a:xfrm>
-              <a:off x="7465229" y="3872135"/>
-              <a:ext cx="1197059" cy="369332"/>
-            </a:xfrm>
-            <a:prstGeom prst="rect">
-              <a:avLst/>
-            </a:prstGeom>
-            <a:noFill/>
-          </p:spPr>
-          <p:txBody>
-            <a:bodyPr wrap="none" rtlCol="0">
-              <a:spAutoFit/>
-            </a:bodyPr>
-            <a:lstStyle/>
-            <a:p>
-              <a:pPr algn="ctr"/>
-              <a:r>
-                <a:rPr lang="en-US" dirty="0" smtClean="0"/>
-                <a:t>Python 3.7</a:t>
-              </a:r>
-            </a:p>
-          </p:txBody>
-        </p:sp>
-      </p:grpSp>
-      <p:sp>
-        <p:nvSpPr>
-          <p:cNvPr id="22" name="TextBox 21"/>
-          <p:cNvSpPr txBox="1"/>
-          <p:nvPr/>
-        </p:nvSpPr>
-        <p:spPr>
-          <a:xfrm>
-            <a:off x="5244476" y="2961139"/>
-            <a:ext cx="1265026" cy="523220"/>
-          </a:xfrm>
-          <a:prstGeom prst="rect">
-            <a:avLst/>
-          </a:prstGeom>
-          <a:noFill/>
-        </p:spPr>
-        <p:txBody>
-          <a:bodyPr wrap="none" rtlCol="0">
-            <a:spAutoFit/>
-          </a:bodyPr>
-          <a:lstStyle/>
-          <a:p>
-            <a:pPr algn="ctr"/>
-            <a:r>
-              <a:rPr lang="en-US" sz="2800" dirty="0" err="1" smtClean="0"/>
-              <a:t>asyncio</a:t>
-            </a:r>
-            <a:endParaRPr lang="en-US" sz="2800" dirty="0"/>
-          </a:p>
-        </p:txBody>
-      </p:sp>
     </p:spTree>
     <p:extLst>
       <p:ext uri="{BB962C8B-B14F-4D97-AF65-F5344CB8AC3E}">
@@ -8887,8 +9503,8 @@
         </p:nvSpPr>
         <p:spPr>
           <a:xfrm>
-            <a:off x="3381153" y="2519916"/>
-            <a:ext cx="2171877" cy="369332"/>
+            <a:off x="1568305" y="3776488"/>
+            <a:ext cx="2678233" cy="1200329"/>
           </a:xfrm>
           <a:prstGeom prst="rect">
             <a:avLst/>
@@ -8901,14 +9517,795 @@
           </a:bodyPr>
           <a:lstStyle/>
           <a:p>
+            <a:pPr algn="ctr"/>
             <a:r>
-              <a:rPr lang="en-US" dirty="0" smtClean="0"/>
-              <a:t>Routing Optimization</a:t>
+              <a:rPr lang="en-US" sz="3600" b="1" dirty="0" smtClean="0"/>
+              <a:t>Routing</a:t>
             </a:r>
-            <a:endParaRPr lang="en-US" dirty="0"/>
+          </a:p>
+          <a:p>
+            <a:pPr algn="ctr"/>
+            <a:r>
+              <a:rPr lang="en-US" sz="3600" b="1" dirty="0" smtClean="0"/>
+              <a:t>Optimization</a:t>
+            </a:r>
+            <a:endParaRPr lang="en-US" sz="3600" b="1" dirty="0"/>
           </a:p>
         </p:txBody>
       </p:sp>
+      <p:sp>
+        <p:nvSpPr>
+          <p:cNvPr id="2" name="TextBox 1"/>
+          <p:cNvSpPr txBox="1"/>
+          <p:nvPr/>
+        </p:nvSpPr>
+        <p:spPr>
+          <a:xfrm>
+            <a:off x="8770880" y="3776488"/>
+            <a:ext cx="1852815" cy="1200329"/>
+          </a:xfrm>
+          <a:prstGeom prst="rect">
+            <a:avLst/>
+          </a:prstGeom>
+          <a:noFill/>
+        </p:spPr>
+        <p:txBody>
+          <a:bodyPr wrap="none" rtlCol="0">
+            <a:spAutoFit/>
+          </a:bodyPr>
+          <a:lstStyle/>
+          <a:p>
+            <a:pPr algn="ctr"/>
+            <a:r>
+              <a:rPr lang="en-US" sz="3600" b="1" dirty="0" smtClean="0">
+                <a:latin typeface="Calibri" panose="020F0502020204030204" pitchFamily="34" charset="0"/>
+                <a:cs typeface="Calibri" panose="020F0502020204030204" pitchFamily="34" charset="0"/>
+              </a:rPr>
+              <a:t>Network</a:t>
+            </a:r>
+          </a:p>
+          <a:p>
+            <a:pPr algn="ctr"/>
+            <a:r>
+              <a:rPr lang="en-US" sz="3600" b="1" dirty="0" smtClean="0">
+                <a:latin typeface="Calibri" panose="020F0502020204030204" pitchFamily="34" charset="0"/>
+                <a:cs typeface="Calibri" panose="020F0502020204030204" pitchFamily="34" charset="0"/>
+              </a:rPr>
+              <a:t>Security</a:t>
+            </a:r>
+            <a:endParaRPr lang="en-US" sz="3600" b="1" dirty="0">
+              <a:latin typeface="Calibri" panose="020F0502020204030204" pitchFamily="34" charset="0"/>
+              <a:cs typeface="Calibri" panose="020F0502020204030204" pitchFamily="34" charset="0"/>
+            </a:endParaRPr>
+          </a:p>
+        </p:txBody>
+      </p:sp>
+      <p:sp>
+        <p:nvSpPr>
+          <p:cNvPr id="3" name="TextBox 2"/>
+          <p:cNvSpPr txBox="1"/>
+          <p:nvPr/>
+        </p:nvSpPr>
+        <p:spPr>
+          <a:xfrm>
+            <a:off x="5084312" y="3776488"/>
+            <a:ext cx="2848793" cy="1200329"/>
+          </a:xfrm>
+          <a:prstGeom prst="rect">
+            <a:avLst/>
+          </a:prstGeom>
+          <a:noFill/>
+        </p:spPr>
+        <p:txBody>
+          <a:bodyPr wrap="none" rtlCol="0">
+            <a:spAutoFit/>
+          </a:bodyPr>
+          <a:lstStyle/>
+          <a:p>
+            <a:pPr algn="ctr"/>
+            <a:r>
+              <a:rPr lang="en-US" sz="3600" b="1" dirty="0" smtClean="0"/>
+              <a:t>Administrator</a:t>
+            </a:r>
+          </a:p>
+          <a:p>
+            <a:pPr algn="ctr"/>
+            <a:r>
+              <a:rPr lang="en-US" sz="3600" b="1" dirty="0" smtClean="0"/>
+              <a:t>Control Panel</a:t>
+            </a:r>
+            <a:endParaRPr lang="en-US" sz="3600" b="1" dirty="0"/>
+          </a:p>
+        </p:txBody>
+      </p:sp>
+      <p:pic>
+        <p:nvPicPr>
+          <p:cNvPr id="8" name="Picture 7"/>
+          <p:cNvPicPr>
+            <a:picLocks noChangeAspect="1"/>
+          </p:cNvPicPr>
+          <p:nvPr/>
+        </p:nvPicPr>
+        <p:blipFill>
+          <a:blip r:embed="rId3"/>
+          <a:stretch>
+            <a:fillRect/>
+          </a:stretch>
+        </p:blipFill>
+        <p:spPr>
+          <a:xfrm>
+            <a:off x="5427938" y="1685101"/>
+            <a:ext cx="2161540" cy="2103120"/>
+          </a:xfrm>
+          <a:prstGeom prst="rect">
+            <a:avLst/>
+          </a:prstGeom>
+        </p:spPr>
+      </p:pic>
+      <p:pic>
+        <p:nvPicPr>
+          <p:cNvPr id="2054" name="Picture 6" descr="Image result for firewall icon"/>
+          <p:cNvPicPr>
+            <a:picLocks noChangeAspect="1" noChangeArrowheads="1"/>
+          </p:cNvPicPr>
+          <p:nvPr/>
+        </p:nvPicPr>
+        <p:blipFill>
+          <a:blip r:embed="rId4" cstate="print">
+            <a:extLst>
+              <a:ext uri="{28A0092B-C50C-407E-A947-70E740481C1C}">
+                <a14:useLocalDpi xmlns:a14="http://schemas.microsoft.com/office/drawing/2010/main" val="0"/>
+              </a:ext>
+            </a:extLst>
+          </a:blip>
+          <a:srcRect/>
+          <a:stretch>
+            <a:fillRect/>
+          </a:stretch>
+        </p:blipFill>
+        <p:spPr bwMode="auto">
+          <a:xfrm>
+            <a:off x="8770878" y="1685101"/>
+            <a:ext cx="1841302" cy="2103120"/>
+          </a:xfrm>
+          <a:prstGeom prst="rect">
+            <a:avLst/>
+          </a:prstGeom>
+          <a:noFill/>
+          <a:extLst>
+            <a:ext uri="{909E8E84-426E-40DD-AFC4-6F175D3DCCD1}">
+              <a14:hiddenFill xmlns:a14="http://schemas.microsoft.com/office/drawing/2010/main">
+                <a:solidFill>
+                  <a:srgbClr val="FFFFFF"/>
+                </a:solidFill>
+              </a14:hiddenFill>
+            </a:ext>
+          </a:extLst>
+        </p:spPr>
+      </p:pic>
+      <p:grpSp>
+        <p:nvGrpSpPr>
+          <p:cNvPr id="2059" name="Group 2058"/>
+          <p:cNvGrpSpPr/>
+          <p:nvPr/>
+        </p:nvGrpSpPr>
+        <p:grpSpPr>
+          <a:xfrm>
+            <a:off x="1776654" y="1782705"/>
+            <a:ext cx="2261533" cy="1907912"/>
+            <a:chOff x="1197935" y="1389306"/>
+            <a:chExt cx="2777995" cy="2343618"/>
+          </a:xfrm>
+        </p:grpSpPr>
+        <p:sp>
+          <p:nvSpPr>
+            <p:cNvPr id="9" name="Oval 8"/>
+            <p:cNvSpPr/>
+            <p:nvPr/>
+          </p:nvSpPr>
+          <p:spPr>
+            <a:xfrm>
+              <a:off x="1945422" y="2035335"/>
+              <a:ext cx="430686" cy="430686"/>
+            </a:xfrm>
+            <a:prstGeom prst="ellipse">
+              <a:avLst/>
+            </a:prstGeom>
+          </p:spPr>
+          <p:style>
+            <a:lnRef idx="2">
+              <a:schemeClr val="dk1">
+                <a:shade val="50000"/>
+              </a:schemeClr>
+            </a:lnRef>
+            <a:fillRef idx="1">
+              <a:schemeClr val="dk1"/>
+            </a:fillRef>
+            <a:effectRef idx="0">
+              <a:schemeClr val="dk1"/>
+            </a:effectRef>
+            <a:fontRef idx="minor">
+              <a:schemeClr val="lt1"/>
+            </a:fontRef>
+          </p:style>
+          <p:txBody>
+            <a:bodyPr rtlCol="0" anchor="ctr"/>
+            <a:lstStyle/>
+            <a:p>
+              <a:pPr algn="ctr"/>
+              <a:endParaRPr lang="en-US"/>
+            </a:p>
+          </p:txBody>
+        </p:sp>
+        <p:sp>
+          <p:nvSpPr>
+            <p:cNvPr id="13" name="Oval 12"/>
+            <p:cNvSpPr/>
+            <p:nvPr/>
+          </p:nvSpPr>
+          <p:spPr>
+            <a:xfrm>
+              <a:off x="3216202" y="1415308"/>
+              <a:ext cx="430686" cy="430686"/>
+            </a:xfrm>
+            <a:prstGeom prst="ellipse">
+              <a:avLst/>
+            </a:prstGeom>
+          </p:spPr>
+          <p:style>
+            <a:lnRef idx="2">
+              <a:schemeClr val="dk1">
+                <a:shade val="50000"/>
+              </a:schemeClr>
+            </a:lnRef>
+            <a:fillRef idx="1">
+              <a:schemeClr val="dk1"/>
+            </a:fillRef>
+            <a:effectRef idx="0">
+              <a:schemeClr val="dk1"/>
+            </a:effectRef>
+            <a:fontRef idx="minor">
+              <a:schemeClr val="lt1"/>
+            </a:fontRef>
+          </p:style>
+          <p:txBody>
+            <a:bodyPr rtlCol="0" anchor="ctr"/>
+            <a:lstStyle/>
+            <a:p>
+              <a:pPr algn="ctr"/>
+              <a:endParaRPr lang="en-US"/>
+            </a:p>
+          </p:txBody>
+        </p:sp>
+        <p:sp>
+          <p:nvSpPr>
+            <p:cNvPr id="14" name="Oval 13"/>
+            <p:cNvSpPr/>
+            <p:nvPr/>
+          </p:nvSpPr>
+          <p:spPr>
+            <a:xfrm>
+              <a:off x="1197935" y="2113773"/>
+              <a:ext cx="430686" cy="430686"/>
+            </a:xfrm>
+            <a:prstGeom prst="ellipse">
+              <a:avLst/>
+            </a:prstGeom>
+          </p:spPr>
+          <p:style>
+            <a:lnRef idx="2">
+              <a:schemeClr val="dk1">
+                <a:shade val="50000"/>
+              </a:schemeClr>
+            </a:lnRef>
+            <a:fillRef idx="1">
+              <a:schemeClr val="dk1"/>
+            </a:fillRef>
+            <a:effectRef idx="0">
+              <a:schemeClr val="dk1"/>
+            </a:effectRef>
+            <a:fontRef idx="minor">
+              <a:schemeClr val="lt1"/>
+            </a:fontRef>
+          </p:style>
+          <p:txBody>
+            <a:bodyPr rtlCol="0" anchor="ctr"/>
+            <a:lstStyle/>
+            <a:p>
+              <a:pPr algn="ctr"/>
+              <a:endParaRPr lang="en-US"/>
+            </a:p>
+          </p:txBody>
+        </p:sp>
+        <p:sp>
+          <p:nvSpPr>
+            <p:cNvPr id="15" name="Oval 14"/>
+            <p:cNvSpPr/>
+            <p:nvPr/>
+          </p:nvSpPr>
+          <p:spPr>
+            <a:xfrm>
+              <a:off x="2240969" y="2789578"/>
+              <a:ext cx="430686" cy="430686"/>
+            </a:xfrm>
+            <a:prstGeom prst="ellipse">
+              <a:avLst/>
+            </a:prstGeom>
+          </p:spPr>
+          <p:style>
+            <a:lnRef idx="2">
+              <a:schemeClr val="dk1">
+                <a:shade val="50000"/>
+              </a:schemeClr>
+            </a:lnRef>
+            <a:fillRef idx="1">
+              <a:schemeClr val="dk1"/>
+            </a:fillRef>
+            <a:effectRef idx="0">
+              <a:schemeClr val="dk1"/>
+            </a:effectRef>
+            <a:fontRef idx="minor">
+              <a:schemeClr val="lt1"/>
+            </a:fontRef>
+          </p:style>
+          <p:txBody>
+            <a:bodyPr rtlCol="0" anchor="ctr"/>
+            <a:lstStyle/>
+            <a:p>
+              <a:pPr algn="ctr"/>
+              <a:endParaRPr lang="en-US"/>
+            </a:p>
+          </p:txBody>
+        </p:sp>
+        <p:sp>
+          <p:nvSpPr>
+            <p:cNvPr id="16" name="Oval 15"/>
+            <p:cNvSpPr/>
+            <p:nvPr/>
+          </p:nvSpPr>
+          <p:spPr>
+            <a:xfrm>
+              <a:off x="3006608" y="3004921"/>
+              <a:ext cx="430686" cy="430686"/>
+            </a:xfrm>
+            <a:prstGeom prst="ellipse">
+              <a:avLst/>
+            </a:prstGeom>
+          </p:spPr>
+          <p:style>
+            <a:lnRef idx="2">
+              <a:schemeClr val="dk1">
+                <a:shade val="50000"/>
+              </a:schemeClr>
+            </a:lnRef>
+            <a:fillRef idx="1">
+              <a:schemeClr val="dk1"/>
+            </a:fillRef>
+            <a:effectRef idx="0">
+              <a:schemeClr val="dk1"/>
+            </a:effectRef>
+            <a:fontRef idx="minor">
+              <a:schemeClr val="lt1"/>
+            </a:fontRef>
+          </p:style>
+          <p:txBody>
+            <a:bodyPr rtlCol="0" anchor="ctr"/>
+            <a:lstStyle/>
+            <a:p>
+              <a:pPr algn="ctr"/>
+              <a:endParaRPr lang="en-US"/>
+            </a:p>
+          </p:txBody>
+        </p:sp>
+        <p:sp>
+          <p:nvSpPr>
+            <p:cNvPr id="17" name="Oval 16"/>
+            <p:cNvSpPr/>
+            <p:nvPr/>
+          </p:nvSpPr>
+          <p:spPr>
+            <a:xfrm>
+              <a:off x="2907879" y="2151468"/>
+              <a:ext cx="430686" cy="430686"/>
+            </a:xfrm>
+            <a:prstGeom prst="ellipse">
+              <a:avLst/>
+            </a:prstGeom>
+          </p:spPr>
+          <p:style>
+            <a:lnRef idx="2">
+              <a:schemeClr val="dk1">
+                <a:shade val="50000"/>
+              </a:schemeClr>
+            </a:lnRef>
+            <a:fillRef idx="1">
+              <a:schemeClr val="dk1"/>
+            </a:fillRef>
+            <a:effectRef idx="0">
+              <a:schemeClr val="dk1"/>
+            </a:effectRef>
+            <a:fontRef idx="minor">
+              <a:schemeClr val="lt1"/>
+            </a:fontRef>
+          </p:style>
+          <p:txBody>
+            <a:bodyPr rtlCol="0" anchor="ctr"/>
+            <a:lstStyle/>
+            <a:p>
+              <a:pPr algn="ctr"/>
+              <a:endParaRPr lang="en-US"/>
+            </a:p>
+          </p:txBody>
+        </p:sp>
+        <p:sp>
+          <p:nvSpPr>
+            <p:cNvPr id="18" name="Oval 17"/>
+            <p:cNvSpPr/>
+            <p:nvPr/>
+          </p:nvSpPr>
+          <p:spPr>
+            <a:xfrm>
+              <a:off x="1742191" y="3302238"/>
+              <a:ext cx="430686" cy="430686"/>
+            </a:xfrm>
+            <a:prstGeom prst="ellipse">
+              <a:avLst/>
+            </a:prstGeom>
+          </p:spPr>
+          <p:style>
+            <a:lnRef idx="2">
+              <a:schemeClr val="dk1">
+                <a:shade val="50000"/>
+              </a:schemeClr>
+            </a:lnRef>
+            <a:fillRef idx="1">
+              <a:schemeClr val="dk1"/>
+            </a:fillRef>
+            <a:effectRef idx="0">
+              <a:schemeClr val="dk1"/>
+            </a:effectRef>
+            <a:fontRef idx="minor">
+              <a:schemeClr val="lt1"/>
+            </a:fontRef>
+          </p:style>
+          <p:txBody>
+            <a:bodyPr rtlCol="0" anchor="ctr"/>
+            <a:lstStyle/>
+            <a:p>
+              <a:pPr algn="ctr"/>
+              <a:endParaRPr lang="en-US"/>
+            </a:p>
+          </p:txBody>
+        </p:sp>
+        <p:sp>
+          <p:nvSpPr>
+            <p:cNvPr id="20" name="Oval 19"/>
+            <p:cNvSpPr/>
+            <p:nvPr/>
+          </p:nvSpPr>
+          <p:spPr>
+            <a:xfrm>
+              <a:off x="2140410" y="1389306"/>
+              <a:ext cx="430686" cy="430686"/>
+            </a:xfrm>
+            <a:prstGeom prst="ellipse">
+              <a:avLst/>
+            </a:prstGeom>
+          </p:spPr>
+          <p:style>
+            <a:lnRef idx="2">
+              <a:schemeClr val="dk1">
+                <a:shade val="50000"/>
+              </a:schemeClr>
+            </a:lnRef>
+            <a:fillRef idx="1">
+              <a:schemeClr val="dk1"/>
+            </a:fillRef>
+            <a:effectRef idx="0">
+              <a:schemeClr val="dk1"/>
+            </a:effectRef>
+            <a:fontRef idx="minor">
+              <a:schemeClr val="lt1"/>
+            </a:fontRef>
+          </p:style>
+          <p:txBody>
+            <a:bodyPr rtlCol="0" anchor="ctr"/>
+            <a:lstStyle/>
+            <a:p>
+              <a:pPr algn="ctr"/>
+              <a:endParaRPr lang="en-US"/>
+            </a:p>
+          </p:txBody>
+        </p:sp>
+        <p:sp>
+          <p:nvSpPr>
+            <p:cNvPr id="21" name="Oval 20"/>
+            <p:cNvSpPr/>
+            <p:nvPr/>
+          </p:nvSpPr>
+          <p:spPr>
+            <a:xfrm>
+              <a:off x="3545244" y="2511930"/>
+              <a:ext cx="430686" cy="430686"/>
+            </a:xfrm>
+            <a:prstGeom prst="ellipse">
+              <a:avLst/>
+            </a:prstGeom>
+          </p:spPr>
+          <p:style>
+            <a:lnRef idx="2">
+              <a:schemeClr val="dk1">
+                <a:shade val="50000"/>
+              </a:schemeClr>
+            </a:lnRef>
+            <a:fillRef idx="1">
+              <a:schemeClr val="dk1"/>
+            </a:fillRef>
+            <a:effectRef idx="0">
+              <a:schemeClr val="dk1"/>
+            </a:effectRef>
+            <a:fontRef idx="minor">
+              <a:schemeClr val="lt1"/>
+            </a:fontRef>
+          </p:style>
+          <p:txBody>
+            <a:bodyPr rtlCol="0" anchor="ctr"/>
+            <a:lstStyle/>
+            <a:p>
+              <a:pPr algn="ctr"/>
+              <a:endParaRPr lang="en-US"/>
+            </a:p>
+          </p:txBody>
+        </p:sp>
+        <p:cxnSp>
+          <p:nvCxnSpPr>
+            <p:cNvPr id="22" name="Straight Connector 21"/>
+            <p:cNvCxnSpPr/>
+            <p:nvPr/>
+          </p:nvCxnSpPr>
+          <p:spPr>
+            <a:xfrm flipV="1">
+              <a:off x="1413278" y="2250678"/>
+              <a:ext cx="789920" cy="78439"/>
+            </a:xfrm>
+            <a:prstGeom prst="line">
+              <a:avLst/>
+            </a:prstGeom>
+            <a:ln w="76200"/>
+          </p:spPr>
+          <p:style>
+            <a:lnRef idx="3">
+              <a:schemeClr val="dk1"/>
+            </a:lnRef>
+            <a:fillRef idx="0">
+              <a:schemeClr val="dk1"/>
+            </a:fillRef>
+            <a:effectRef idx="2">
+              <a:schemeClr val="dk1"/>
+            </a:effectRef>
+            <a:fontRef idx="minor">
+              <a:schemeClr val="tx1"/>
+            </a:fontRef>
+          </p:style>
+        </p:cxnSp>
+        <p:cxnSp>
+          <p:nvCxnSpPr>
+            <p:cNvPr id="26" name="Straight Connector 25"/>
+            <p:cNvCxnSpPr/>
+            <p:nvPr/>
+          </p:nvCxnSpPr>
+          <p:spPr>
+            <a:xfrm flipV="1">
+              <a:off x="2160765" y="1630651"/>
+              <a:ext cx="194988" cy="620027"/>
+            </a:xfrm>
+            <a:prstGeom prst="line">
+              <a:avLst/>
+            </a:prstGeom>
+            <a:ln w="76200"/>
+          </p:spPr>
+          <p:style>
+            <a:lnRef idx="3">
+              <a:schemeClr val="dk1"/>
+            </a:lnRef>
+            <a:fillRef idx="0">
+              <a:schemeClr val="dk1"/>
+            </a:fillRef>
+            <a:effectRef idx="2">
+              <a:schemeClr val="dk1"/>
+            </a:effectRef>
+            <a:fontRef idx="minor">
+              <a:schemeClr val="tx1"/>
+            </a:fontRef>
+          </p:style>
+        </p:cxnSp>
+        <p:cxnSp>
+          <p:nvCxnSpPr>
+            <p:cNvPr id="28" name="Straight Connector 27"/>
+            <p:cNvCxnSpPr/>
+            <p:nvPr/>
+          </p:nvCxnSpPr>
+          <p:spPr>
+            <a:xfrm>
+              <a:off x="2140410" y="2268740"/>
+              <a:ext cx="315902" cy="754499"/>
+            </a:xfrm>
+            <a:prstGeom prst="line">
+              <a:avLst/>
+            </a:prstGeom>
+            <a:ln w="76200"/>
+          </p:spPr>
+          <p:style>
+            <a:lnRef idx="3">
+              <a:schemeClr val="dk1"/>
+            </a:lnRef>
+            <a:fillRef idx="0">
+              <a:schemeClr val="dk1"/>
+            </a:fillRef>
+            <a:effectRef idx="2">
+              <a:schemeClr val="dk1"/>
+            </a:effectRef>
+            <a:fontRef idx="minor">
+              <a:schemeClr val="tx1"/>
+            </a:fontRef>
+          </p:style>
+        </p:cxnSp>
+        <p:cxnSp>
+          <p:nvCxnSpPr>
+            <p:cNvPr id="30" name="Straight Connector 29"/>
+            <p:cNvCxnSpPr/>
+            <p:nvPr/>
+          </p:nvCxnSpPr>
+          <p:spPr>
+            <a:xfrm flipV="1">
+              <a:off x="1939699" y="3077859"/>
+              <a:ext cx="492093" cy="465962"/>
+            </a:xfrm>
+            <a:prstGeom prst="line">
+              <a:avLst/>
+            </a:prstGeom>
+            <a:ln w="76200"/>
+          </p:spPr>
+          <p:style>
+            <a:lnRef idx="3">
+              <a:schemeClr val="dk1"/>
+            </a:lnRef>
+            <a:fillRef idx="0">
+              <a:schemeClr val="dk1"/>
+            </a:fillRef>
+            <a:effectRef idx="2">
+              <a:schemeClr val="dk1"/>
+            </a:effectRef>
+            <a:fontRef idx="minor">
+              <a:schemeClr val="tx1"/>
+            </a:fontRef>
+          </p:style>
+        </p:cxnSp>
+        <p:cxnSp>
+          <p:nvCxnSpPr>
+            <p:cNvPr id="2048" name="Straight Connector 2047"/>
+            <p:cNvCxnSpPr/>
+            <p:nvPr/>
+          </p:nvCxnSpPr>
+          <p:spPr>
+            <a:xfrm flipV="1">
+              <a:off x="3123222" y="1612589"/>
+              <a:ext cx="308323" cy="782230"/>
+            </a:xfrm>
+            <a:prstGeom prst="line">
+              <a:avLst/>
+            </a:prstGeom>
+            <a:ln w="76200"/>
+          </p:spPr>
+          <p:style>
+            <a:lnRef idx="3">
+              <a:schemeClr val="dk1"/>
+            </a:lnRef>
+            <a:fillRef idx="0">
+              <a:schemeClr val="dk1"/>
+            </a:fillRef>
+            <a:effectRef idx="2">
+              <a:schemeClr val="dk1"/>
+            </a:effectRef>
+            <a:fontRef idx="minor">
+              <a:schemeClr val="tx1"/>
+            </a:fontRef>
+          </p:style>
+        </p:cxnSp>
+        <p:cxnSp>
+          <p:nvCxnSpPr>
+            <p:cNvPr id="2051" name="Straight Connector 2050"/>
+            <p:cNvCxnSpPr/>
+            <p:nvPr/>
+          </p:nvCxnSpPr>
+          <p:spPr>
+            <a:xfrm flipH="1">
+              <a:off x="2456312" y="2402423"/>
+              <a:ext cx="666910" cy="675436"/>
+            </a:xfrm>
+            <a:prstGeom prst="line">
+              <a:avLst/>
+            </a:prstGeom>
+            <a:ln w="76200"/>
+          </p:spPr>
+          <p:style>
+            <a:lnRef idx="3">
+              <a:schemeClr val="dk1"/>
+            </a:lnRef>
+            <a:fillRef idx="0">
+              <a:schemeClr val="dk1"/>
+            </a:fillRef>
+            <a:effectRef idx="2">
+              <a:schemeClr val="dk1"/>
+            </a:effectRef>
+            <a:fontRef idx="minor">
+              <a:schemeClr val="tx1"/>
+            </a:fontRef>
+          </p:style>
+        </p:cxnSp>
+        <p:cxnSp>
+          <p:nvCxnSpPr>
+            <p:cNvPr id="2053" name="Straight Connector 2052"/>
+            <p:cNvCxnSpPr/>
+            <p:nvPr/>
+          </p:nvCxnSpPr>
+          <p:spPr>
+            <a:xfrm flipH="1">
+              <a:off x="3229210" y="2712831"/>
+              <a:ext cx="560922" cy="529199"/>
+            </a:xfrm>
+            <a:prstGeom prst="line">
+              <a:avLst/>
+            </a:prstGeom>
+            <a:ln w="76200"/>
+          </p:spPr>
+          <p:style>
+            <a:lnRef idx="3">
+              <a:schemeClr val="dk1"/>
+            </a:lnRef>
+            <a:fillRef idx="0">
+              <a:schemeClr val="dk1"/>
+            </a:fillRef>
+            <a:effectRef idx="2">
+              <a:schemeClr val="dk1"/>
+            </a:effectRef>
+            <a:fontRef idx="minor">
+              <a:schemeClr val="tx1"/>
+            </a:fontRef>
+          </p:style>
+        </p:cxnSp>
+        <p:cxnSp>
+          <p:nvCxnSpPr>
+            <p:cNvPr id="2057" name="Straight Connector 2056"/>
+            <p:cNvCxnSpPr/>
+            <p:nvPr/>
+          </p:nvCxnSpPr>
+          <p:spPr>
+            <a:xfrm flipH="1" flipV="1">
+              <a:off x="2477113" y="3040848"/>
+              <a:ext cx="739089" cy="207242"/>
+            </a:xfrm>
+            <a:prstGeom prst="line">
+              <a:avLst/>
+            </a:prstGeom>
+            <a:ln w="76200"/>
+          </p:spPr>
+          <p:style>
+            <a:lnRef idx="3">
+              <a:schemeClr val="dk1"/>
+            </a:lnRef>
+            <a:fillRef idx="0">
+              <a:schemeClr val="dk1"/>
+            </a:fillRef>
+            <a:effectRef idx="2">
+              <a:schemeClr val="dk1"/>
+            </a:effectRef>
+            <a:fontRef idx="minor">
+              <a:schemeClr val="tx1"/>
+            </a:fontRef>
+          </p:style>
+        </p:cxnSp>
+      </p:grpSp>
     </p:spTree>
     <p:extLst>
       <p:ext uri="{BB962C8B-B14F-4D97-AF65-F5344CB8AC3E}">

--- a/presentation.pptx
+++ b/presentation.pptx
@@ -7952,6 +7952,47 @@
           </a:extLst>
         </p:spPr>
       </p:pic>
+      <p:sp>
+        <p:nvSpPr>
+          <p:cNvPr id="66" name="TextBox 65"/>
+          <p:cNvSpPr txBox="1"/>
+          <p:nvPr/>
+        </p:nvSpPr>
+        <p:spPr>
+          <a:xfrm>
+            <a:off x="7516184" y="1604615"/>
+            <a:ext cx="1305163" cy="523220"/>
+          </a:xfrm>
+          <a:prstGeom prst="rect">
+            <a:avLst/>
+          </a:prstGeom>
+          <a:solidFill>
+            <a:schemeClr val="accent4">
+              <a:lumMod val="20000"/>
+              <a:lumOff val="80000"/>
+            </a:schemeClr>
+          </a:solidFill>
+          <a:ln w="28575">
+            <a:solidFill>
+              <a:schemeClr val="tx1"/>
+            </a:solidFill>
+          </a:ln>
+        </p:spPr>
+        <p:txBody>
+          <a:bodyPr wrap="square" rtlCol="0">
+            <a:spAutoFit/>
+          </a:bodyPr>
+          <a:lstStyle/>
+          <a:p>
+            <a:pPr algn="ctr"/>
+            <a:r>
+              <a:rPr lang="en-US" sz="1400" dirty="0" smtClean="0"/>
+              <a:t>Randomized load balancing</a:t>
+            </a:r>
+            <a:endParaRPr lang="en-US" sz="1400" dirty="0"/>
+          </a:p>
+        </p:txBody>
+      </p:sp>
     </p:spTree>
     <p:extLst>
       <p:ext uri="{BB962C8B-B14F-4D97-AF65-F5344CB8AC3E}">

--- a/presentation.pptx
+++ b/presentation.pptx
@@ -7,11 +7,11 @@
   <p:sldIdLst>
     <p:sldId id="256" r:id="rId2"/>
     <p:sldId id="257" r:id="rId3"/>
-    <p:sldId id="259" r:id="rId4"/>
-    <p:sldId id="261" r:id="rId5"/>
+    <p:sldId id="261" r:id="rId4"/>
+    <p:sldId id="259" r:id="rId5"/>
     <p:sldId id="258" r:id="rId6"/>
-    <p:sldId id="262" r:id="rId7"/>
-    <p:sldId id="260" r:id="rId8"/>
+    <p:sldId id="260" r:id="rId7"/>
+    <p:sldId id="262" r:id="rId8"/>
   </p:sldIdLst>
   <p:sldSz cx="12192000" cy="6858000"/>
   <p:notesSz cx="6858000" cy="9144000"/>
@@ -3277,7 +3277,7 @@
         <p:spPr>
           <a:xfrm>
             <a:off x="316465" y="86465"/>
-            <a:ext cx="1622560" cy="769441"/>
+            <a:ext cx="3392724" cy="1138773"/>
           </a:xfrm>
           <a:prstGeom prst="rect">
             <a:avLst/>
@@ -3296,9 +3296,11 @@
               </a:rPr>
               <a:t>Vision</a:t>
             </a:r>
+          </a:p>
+          <a:p>
             <a:r>
               <a:rPr lang="en-US" sz="2400" b="1" dirty="0" smtClean="0"/>
-              <a:t> </a:t>
+              <a:t>Accessibility in Education</a:t>
             </a:r>
             <a:endParaRPr lang="en-US" sz="2400" b="1" dirty="0"/>
           </a:p>
@@ -3325,386 +3327,6 @@
 </file>
 
 <file path=ppt/slides/slide3.xml><?xml version="1.0" encoding="utf-8"?>
-<p:sld xmlns:a="http://schemas.openxmlformats.org/drawingml/2006/main" xmlns:r="http://schemas.openxmlformats.org/officeDocument/2006/relationships" xmlns:p="http://schemas.openxmlformats.org/presentationml/2006/main">
-  <p:cSld>
-    <p:spTree>
-      <p:nvGrpSpPr>
-        <p:cNvPr id="1" name=""/>
-        <p:cNvGrpSpPr/>
-        <p:nvPr/>
-      </p:nvGrpSpPr>
-      <p:grpSpPr>
-        <a:xfrm>
-          <a:off x="0" y="0"/>
-          <a:ext cx="0" cy="0"/>
-          <a:chOff x="0" y="0"/>
-          <a:chExt cx="0" cy="0"/>
-        </a:xfrm>
-      </p:grpSpPr>
-      <p:pic>
-        <p:nvPicPr>
-          <p:cNvPr id="4" name="Content Placeholder 3"/>
-          <p:cNvPicPr>
-            <a:picLocks noGrp="1" noChangeAspect="1"/>
-          </p:cNvPicPr>
-          <p:nvPr>
-            <p:ph idx="1"/>
-          </p:nvPr>
-        </p:nvPicPr>
-        <p:blipFill>
-          <a:blip r:embed="rId2" cstate="print">
-            <a:extLst>
-              <a:ext uri="{28A0092B-C50C-407E-A947-70E740481C1C}">
-                <a14:useLocalDpi xmlns:a14="http://schemas.microsoft.com/office/drawing/2010/main" val="0"/>
-              </a:ext>
-            </a:extLst>
-          </a:blip>
-          <a:stretch>
-            <a:fillRect/>
-          </a:stretch>
-        </p:blipFill>
-        <p:spPr>
-          <a:xfrm>
-            <a:off x="9607398" y="6151419"/>
-            <a:ext cx="2584602" cy="706582"/>
-          </a:xfrm>
-        </p:spPr>
-      </p:pic>
-      <p:sp>
-        <p:nvSpPr>
-          <p:cNvPr id="5" name="TextBox 4"/>
-          <p:cNvSpPr txBox="1"/>
-          <p:nvPr/>
-        </p:nvSpPr>
-        <p:spPr>
-          <a:xfrm>
-            <a:off x="316465" y="86465"/>
-            <a:ext cx="10659585" cy="1138773"/>
-          </a:xfrm>
-          <a:prstGeom prst="rect">
-            <a:avLst/>
-          </a:prstGeom>
-          <a:noFill/>
-        </p:spPr>
-        <p:txBody>
-          <a:bodyPr wrap="none" rtlCol="0">
-            <a:spAutoFit/>
-          </a:bodyPr>
-          <a:lstStyle/>
-          <a:p>
-            <a:r>
-              <a:rPr lang="en-US" sz="4400" dirty="0" smtClean="0">
-                <a:latin typeface="+mj-lt"/>
-              </a:rPr>
-              <a:t>The </a:t>
-            </a:r>
-            <a:r>
-              <a:rPr lang="en-US" sz="4400" dirty="0" err="1" smtClean="0">
-                <a:latin typeface="+mj-lt"/>
-              </a:rPr>
-              <a:t>HiveMap</a:t>
-            </a:r>
-            <a:r>
-              <a:rPr lang="en-US" sz="4400" dirty="0" smtClean="0">
-                <a:latin typeface="+mj-lt"/>
-              </a:rPr>
-              <a:t> Solution</a:t>
-            </a:r>
-          </a:p>
-          <a:p>
-            <a:r>
-              <a:rPr lang="en-US" sz="2400" b="1" dirty="0" smtClean="0"/>
-              <a:t>A web dashboard combining dynamic </a:t>
-            </a:r>
-            <a:r>
-              <a:rPr lang="en-US" sz="2400" b="1" dirty="0" err="1" smtClean="0"/>
-              <a:t>IoT</a:t>
-            </a:r>
-            <a:r>
-              <a:rPr lang="en-US" sz="2400" b="1" dirty="0" smtClean="0"/>
-              <a:t> sensor data with static room information</a:t>
-            </a:r>
-            <a:endParaRPr lang="en-US" sz="2400" b="1" dirty="0"/>
-          </a:p>
-        </p:txBody>
-      </p:sp>
-      <p:pic>
-        <p:nvPicPr>
-          <p:cNvPr id="2" name="Picture 1"/>
-          <p:cNvPicPr>
-            <a:picLocks noChangeAspect="1"/>
-          </p:cNvPicPr>
-          <p:nvPr/>
-        </p:nvPicPr>
-        <p:blipFill rotWithShape="1">
-          <a:blip r:embed="rId3"/>
-          <a:srcRect t="9132"/>
-          <a:stretch/>
-        </p:blipFill>
-        <p:spPr>
-          <a:xfrm>
-            <a:off x="1889661" y="1470321"/>
-            <a:ext cx="8412679" cy="4299990"/>
-          </a:xfrm>
-          <a:prstGeom prst="rect">
-            <a:avLst/>
-          </a:prstGeom>
-          <a:ln>
-            <a:solidFill>
-              <a:schemeClr val="tx1"/>
-            </a:solidFill>
-          </a:ln>
-        </p:spPr>
-      </p:pic>
-      <p:sp>
-        <p:nvSpPr>
-          <p:cNvPr id="3" name="TextBox 2"/>
-          <p:cNvSpPr txBox="1"/>
-          <p:nvPr/>
-        </p:nvSpPr>
-        <p:spPr>
-          <a:xfrm>
-            <a:off x="412771" y="2696986"/>
-            <a:ext cx="1727046" cy="923330"/>
-          </a:xfrm>
-          <a:prstGeom prst="rect">
-            <a:avLst/>
-          </a:prstGeom>
-          <a:solidFill>
-            <a:schemeClr val="accent4">
-              <a:lumMod val="20000"/>
-              <a:lumOff val="80000"/>
-            </a:schemeClr>
-          </a:solidFill>
-          <a:ln w="38100">
-            <a:solidFill>
-              <a:schemeClr val="tx1"/>
-            </a:solidFill>
-          </a:ln>
-        </p:spPr>
-        <p:txBody>
-          <a:bodyPr wrap="square" rtlCol="0">
-            <a:spAutoFit/>
-          </a:bodyPr>
-          <a:lstStyle/>
-          <a:p>
-            <a:pPr algn="ctr"/>
-            <a:r>
-              <a:rPr lang="en-US" dirty="0" smtClean="0"/>
-              <a:t>Filter based on accessibility requirements</a:t>
-            </a:r>
-            <a:endParaRPr lang="en-US" dirty="0"/>
-          </a:p>
-        </p:txBody>
-      </p:sp>
-      <p:cxnSp>
-        <p:nvCxnSpPr>
-          <p:cNvPr id="8" name="Straight Arrow Connector 7"/>
-          <p:cNvCxnSpPr>
-            <a:stCxn id="3" idx="2"/>
-          </p:cNvCxnSpPr>
-          <p:nvPr/>
-        </p:nvCxnSpPr>
-        <p:spPr>
-          <a:xfrm>
-            <a:off x="1276294" y="3620316"/>
-            <a:ext cx="613367" cy="655351"/>
-          </a:xfrm>
-          <a:prstGeom prst="straightConnector1">
-            <a:avLst/>
-          </a:prstGeom>
-          <a:ln w="38100">
-            <a:tailEnd type="triangle"/>
-          </a:ln>
-        </p:spPr>
-        <p:style>
-          <a:lnRef idx="3">
-            <a:schemeClr val="dk1"/>
-          </a:lnRef>
-          <a:fillRef idx="0">
-            <a:schemeClr val="dk1"/>
-          </a:fillRef>
-          <a:effectRef idx="2">
-            <a:schemeClr val="dk1"/>
-          </a:effectRef>
-          <a:fontRef idx="minor">
-            <a:schemeClr val="tx1"/>
-          </a:fontRef>
-        </p:style>
-      </p:cxnSp>
-      <p:sp>
-        <p:nvSpPr>
-          <p:cNvPr id="9" name="TextBox 8"/>
-          <p:cNvSpPr txBox="1"/>
-          <p:nvPr/>
-        </p:nvSpPr>
-        <p:spPr>
-          <a:xfrm>
-            <a:off x="9685867" y="1858786"/>
-            <a:ext cx="2093363" cy="923330"/>
-          </a:xfrm>
-          <a:prstGeom prst="rect">
-            <a:avLst/>
-          </a:prstGeom>
-          <a:solidFill>
-            <a:schemeClr val="accent4">
-              <a:lumMod val="20000"/>
-              <a:lumOff val="80000"/>
-            </a:schemeClr>
-          </a:solidFill>
-          <a:ln w="38100">
-            <a:solidFill>
-              <a:schemeClr val="tx1"/>
-            </a:solidFill>
-          </a:ln>
-        </p:spPr>
-        <p:txBody>
-          <a:bodyPr wrap="square" rtlCol="0">
-            <a:spAutoFit/>
-          </a:bodyPr>
-          <a:lstStyle/>
-          <a:p>
-            <a:pPr algn="ctr"/>
-            <a:r>
-              <a:rPr lang="en-US" dirty="0" smtClean="0"/>
-              <a:t>Map designed with custom graphical generator tool</a:t>
-            </a:r>
-            <a:endParaRPr lang="en-US" dirty="0"/>
-          </a:p>
-        </p:txBody>
-      </p:sp>
-      <p:cxnSp>
-        <p:nvCxnSpPr>
-          <p:cNvPr id="10" name="Straight Arrow Connector 9"/>
-          <p:cNvCxnSpPr>
-            <a:stCxn id="9" idx="2"/>
-          </p:cNvCxnSpPr>
-          <p:nvPr/>
-        </p:nvCxnSpPr>
-        <p:spPr>
-          <a:xfrm flipH="1">
-            <a:off x="9304867" y="2782116"/>
-            <a:ext cx="1427682" cy="838200"/>
-          </a:xfrm>
-          <a:prstGeom prst="straightConnector1">
-            <a:avLst/>
-          </a:prstGeom>
-          <a:ln w="38100">
-            <a:tailEnd type="triangle"/>
-          </a:ln>
-        </p:spPr>
-        <p:style>
-          <a:lnRef idx="3">
-            <a:schemeClr val="dk1"/>
-          </a:lnRef>
-          <a:fillRef idx="0">
-            <a:schemeClr val="dk1"/>
-          </a:fillRef>
-          <a:effectRef idx="2">
-            <a:schemeClr val="dk1"/>
-          </a:effectRef>
-          <a:fontRef idx="minor">
-            <a:schemeClr val="tx1"/>
-          </a:fontRef>
-        </p:style>
-      </p:cxnSp>
-      <p:sp>
-        <p:nvSpPr>
-          <p:cNvPr id="14" name="TextBox 13"/>
-          <p:cNvSpPr txBox="1"/>
-          <p:nvPr/>
-        </p:nvSpPr>
-        <p:spPr>
-          <a:xfrm>
-            <a:off x="5700746" y="3486326"/>
-            <a:ext cx="2093363" cy="646331"/>
-          </a:xfrm>
-          <a:prstGeom prst="rect">
-            <a:avLst/>
-          </a:prstGeom>
-          <a:solidFill>
-            <a:schemeClr val="accent4">
-              <a:lumMod val="20000"/>
-              <a:lumOff val="80000"/>
-            </a:schemeClr>
-          </a:solidFill>
-          <a:ln w="38100">
-            <a:solidFill>
-              <a:schemeClr val="tx1"/>
-            </a:solidFill>
-          </a:ln>
-        </p:spPr>
-        <p:txBody>
-          <a:bodyPr wrap="square" rtlCol="0">
-            <a:spAutoFit/>
-          </a:bodyPr>
-          <a:lstStyle/>
-          <a:p>
-            <a:pPr algn="ctr"/>
-            <a:r>
-              <a:rPr lang="en-US" dirty="0" smtClean="0"/>
-              <a:t>Rooms update with live sensor data</a:t>
-            </a:r>
-            <a:endParaRPr lang="en-US" dirty="0"/>
-          </a:p>
-        </p:txBody>
-      </p:sp>
-      <p:cxnSp>
-        <p:nvCxnSpPr>
-          <p:cNvPr id="15" name="Straight Arrow Connector 14"/>
-          <p:cNvCxnSpPr>
-            <a:stCxn id="14" idx="1"/>
-          </p:cNvCxnSpPr>
-          <p:nvPr/>
-        </p:nvCxnSpPr>
-        <p:spPr>
-          <a:xfrm flipH="1" flipV="1">
-            <a:off x="4910665" y="3809491"/>
-            <a:ext cx="790081" cy="0"/>
-          </a:xfrm>
-          <a:prstGeom prst="straightConnector1">
-            <a:avLst/>
-          </a:prstGeom>
-          <a:ln w="38100">
-            <a:tailEnd type="triangle"/>
-          </a:ln>
-        </p:spPr>
-        <p:style>
-          <a:lnRef idx="3">
-            <a:schemeClr val="dk1"/>
-          </a:lnRef>
-          <a:fillRef idx="0">
-            <a:schemeClr val="dk1"/>
-          </a:fillRef>
-          <a:effectRef idx="2">
-            <a:schemeClr val="dk1"/>
-          </a:effectRef>
-          <a:fontRef idx="minor">
-            <a:schemeClr val="tx1"/>
-          </a:fontRef>
-        </p:style>
-      </p:cxnSp>
-    </p:spTree>
-    <p:extLst>
-      <p:ext uri="{BB962C8B-B14F-4D97-AF65-F5344CB8AC3E}">
-        <p14:creationId xmlns:p14="http://schemas.microsoft.com/office/powerpoint/2010/main" val="1335078485"/>
-      </p:ext>
-    </p:extLst>
-  </p:cSld>
-  <p:clrMapOvr>
-    <a:masterClrMapping/>
-  </p:clrMapOvr>
-  <p:timing>
-    <p:tnLst>
-      <p:par>
-        <p:cTn id="1" dur="indefinite" restart="never" nodeType="tmRoot"/>
-      </p:par>
-    </p:tnLst>
-  </p:timing>
-</p:sld>
-</file>
-
-<file path=ppt/slides/slide4.xml><?xml version="1.0" encoding="utf-8"?>
 <p:sld xmlns:a="http://schemas.openxmlformats.org/drawingml/2006/main" xmlns:r="http://schemas.openxmlformats.org/officeDocument/2006/relationships" xmlns:p="http://schemas.openxmlformats.org/presentationml/2006/main">
   <p:cSld>
     <p:spTree>
@@ -5410,10 +5032,423 @@
           </a:fontRef>
         </p:style>
       </p:cxnSp>
+      <p:cxnSp>
+        <p:nvCxnSpPr>
+          <p:cNvPr id="30" name="Straight Arrow Connector 29"/>
+          <p:cNvCxnSpPr/>
+          <p:nvPr/>
+        </p:nvCxnSpPr>
+        <p:spPr>
+          <a:xfrm flipV="1">
+            <a:off x="2920260" y="4000914"/>
+            <a:ext cx="939279" cy="91986"/>
+          </a:xfrm>
+          <a:prstGeom prst="straightConnector1">
+            <a:avLst/>
+          </a:prstGeom>
+          <a:ln>
+            <a:tailEnd type="triangle"/>
+          </a:ln>
+        </p:spPr>
+        <p:style>
+          <a:lnRef idx="3">
+            <a:schemeClr val="dk1"/>
+          </a:lnRef>
+          <a:fillRef idx="0">
+            <a:schemeClr val="dk1"/>
+          </a:fillRef>
+          <a:effectRef idx="2">
+            <a:schemeClr val="dk1"/>
+          </a:effectRef>
+          <a:fontRef idx="minor">
+            <a:schemeClr val="tx1"/>
+          </a:fontRef>
+        </p:style>
+      </p:cxnSp>
     </p:spTree>
     <p:extLst>
       <p:ext uri="{BB962C8B-B14F-4D97-AF65-F5344CB8AC3E}">
         <p14:creationId xmlns:p14="http://schemas.microsoft.com/office/powerpoint/2010/main" val="3635020349"/>
+      </p:ext>
+    </p:extLst>
+  </p:cSld>
+  <p:clrMapOvr>
+    <a:masterClrMapping/>
+  </p:clrMapOvr>
+  <p:timing>
+    <p:tnLst>
+      <p:par>
+        <p:cTn id="1" dur="indefinite" restart="never" nodeType="tmRoot"/>
+      </p:par>
+    </p:tnLst>
+  </p:timing>
+</p:sld>
+</file>
+
+<file path=ppt/slides/slide4.xml><?xml version="1.0" encoding="utf-8"?>
+<p:sld xmlns:a="http://schemas.openxmlformats.org/drawingml/2006/main" xmlns:r="http://schemas.openxmlformats.org/officeDocument/2006/relationships" xmlns:p="http://schemas.openxmlformats.org/presentationml/2006/main">
+  <p:cSld>
+    <p:spTree>
+      <p:nvGrpSpPr>
+        <p:cNvPr id="1" name=""/>
+        <p:cNvGrpSpPr/>
+        <p:nvPr/>
+      </p:nvGrpSpPr>
+      <p:grpSpPr>
+        <a:xfrm>
+          <a:off x="0" y="0"/>
+          <a:ext cx="0" cy="0"/>
+          <a:chOff x="0" y="0"/>
+          <a:chExt cx="0" cy="0"/>
+        </a:xfrm>
+      </p:grpSpPr>
+      <p:pic>
+        <p:nvPicPr>
+          <p:cNvPr id="4" name="Content Placeholder 3"/>
+          <p:cNvPicPr>
+            <a:picLocks noGrp="1" noChangeAspect="1"/>
+          </p:cNvPicPr>
+          <p:nvPr>
+            <p:ph idx="1"/>
+          </p:nvPr>
+        </p:nvPicPr>
+        <p:blipFill>
+          <a:blip r:embed="rId2" cstate="print">
+            <a:extLst>
+              <a:ext uri="{28A0092B-C50C-407E-A947-70E740481C1C}">
+                <a14:useLocalDpi xmlns:a14="http://schemas.microsoft.com/office/drawing/2010/main" val="0"/>
+              </a:ext>
+            </a:extLst>
+          </a:blip>
+          <a:stretch>
+            <a:fillRect/>
+          </a:stretch>
+        </p:blipFill>
+        <p:spPr>
+          <a:xfrm>
+            <a:off x="9607398" y="6151419"/>
+            <a:ext cx="2584602" cy="706582"/>
+          </a:xfrm>
+        </p:spPr>
+      </p:pic>
+      <p:sp>
+        <p:nvSpPr>
+          <p:cNvPr id="5" name="TextBox 4"/>
+          <p:cNvSpPr txBox="1"/>
+          <p:nvPr/>
+        </p:nvSpPr>
+        <p:spPr>
+          <a:xfrm>
+            <a:off x="316465" y="86465"/>
+            <a:ext cx="10659585" cy="1138773"/>
+          </a:xfrm>
+          <a:prstGeom prst="rect">
+            <a:avLst/>
+          </a:prstGeom>
+          <a:noFill/>
+        </p:spPr>
+        <p:txBody>
+          <a:bodyPr wrap="none" rtlCol="0">
+            <a:spAutoFit/>
+          </a:bodyPr>
+          <a:lstStyle/>
+          <a:p>
+            <a:r>
+              <a:rPr lang="en-US" sz="4400" dirty="0" smtClean="0">
+                <a:latin typeface="+mj-lt"/>
+              </a:rPr>
+              <a:t>The </a:t>
+            </a:r>
+            <a:r>
+              <a:rPr lang="en-US" sz="4400" dirty="0" err="1" smtClean="0">
+                <a:latin typeface="+mj-lt"/>
+              </a:rPr>
+              <a:t>HiveMap</a:t>
+            </a:r>
+            <a:r>
+              <a:rPr lang="en-US" sz="4400" dirty="0" smtClean="0">
+                <a:latin typeface="+mj-lt"/>
+              </a:rPr>
+              <a:t> Solution</a:t>
+            </a:r>
+          </a:p>
+          <a:p>
+            <a:r>
+              <a:rPr lang="en-US" sz="2400" b="1" dirty="0" smtClean="0"/>
+              <a:t>A web dashboard combining dynamic </a:t>
+            </a:r>
+            <a:r>
+              <a:rPr lang="en-US" sz="2400" b="1" dirty="0" err="1" smtClean="0"/>
+              <a:t>IoT</a:t>
+            </a:r>
+            <a:r>
+              <a:rPr lang="en-US" sz="2400" b="1" dirty="0" smtClean="0"/>
+              <a:t> sensor data with static room information</a:t>
+            </a:r>
+            <a:endParaRPr lang="en-US" sz="2400" b="1" dirty="0"/>
+          </a:p>
+        </p:txBody>
+      </p:sp>
+      <p:pic>
+        <p:nvPicPr>
+          <p:cNvPr id="2" name="Picture 1"/>
+          <p:cNvPicPr>
+            <a:picLocks noChangeAspect="1"/>
+          </p:cNvPicPr>
+          <p:nvPr/>
+        </p:nvPicPr>
+        <p:blipFill rotWithShape="1">
+          <a:blip r:embed="rId3"/>
+          <a:srcRect t="9132"/>
+          <a:stretch/>
+        </p:blipFill>
+        <p:spPr>
+          <a:xfrm>
+            <a:off x="1889661" y="1470321"/>
+            <a:ext cx="8412679" cy="4299990"/>
+          </a:xfrm>
+          <a:prstGeom prst="rect">
+            <a:avLst/>
+          </a:prstGeom>
+          <a:ln>
+            <a:solidFill>
+              <a:schemeClr val="tx1"/>
+            </a:solidFill>
+          </a:ln>
+        </p:spPr>
+      </p:pic>
+      <p:sp>
+        <p:nvSpPr>
+          <p:cNvPr id="3" name="TextBox 2"/>
+          <p:cNvSpPr txBox="1"/>
+          <p:nvPr/>
+        </p:nvSpPr>
+        <p:spPr>
+          <a:xfrm>
+            <a:off x="412771" y="2696986"/>
+            <a:ext cx="1727046" cy="923330"/>
+          </a:xfrm>
+          <a:prstGeom prst="rect">
+            <a:avLst/>
+          </a:prstGeom>
+          <a:solidFill>
+            <a:schemeClr val="accent4">
+              <a:lumMod val="20000"/>
+              <a:lumOff val="80000"/>
+            </a:schemeClr>
+          </a:solidFill>
+          <a:ln w="38100">
+            <a:solidFill>
+              <a:schemeClr val="tx1"/>
+            </a:solidFill>
+          </a:ln>
+        </p:spPr>
+        <p:txBody>
+          <a:bodyPr wrap="square" rtlCol="0">
+            <a:spAutoFit/>
+          </a:bodyPr>
+          <a:lstStyle/>
+          <a:p>
+            <a:pPr algn="ctr"/>
+            <a:r>
+              <a:rPr lang="en-US" dirty="0" smtClean="0"/>
+              <a:t>Filter based on accessibility requirements</a:t>
+            </a:r>
+            <a:endParaRPr lang="en-US" dirty="0"/>
+          </a:p>
+        </p:txBody>
+      </p:sp>
+      <p:cxnSp>
+        <p:nvCxnSpPr>
+          <p:cNvPr id="8" name="Straight Arrow Connector 7"/>
+          <p:cNvCxnSpPr>
+            <a:stCxn id="3" idx="2"/>
+          </p:cNvCxnSpPr>
+          <p:nvPr/>
+        </p:nvCxnSpPr>
+        <p:spPr>
+          <a:xfrm>
+            <a:off x="1276294" y="3620316"/>
+            <a:ext cx="613367" cy="655351"/>
+          </a:xfrm>
+          <a:prstGeom prst="straightConnector1">
+            <a:avLst/>
+          </a:prstGeom>
+          <a:ln w="38100">
+            <a:tailEnd type="triangle"/>
+          </a:ln>
+        </p:spPr>
+        <p:style>
+          <a:lnRef idx="3">
+            <a:schemeClr val="dk1"/>
+          </a:lnRef>
+          <a:fillRef idx="0">
+            <a:schemeClr val="dk1"/>
+          </a:fillRef>
+          <a:effectRef idx="2">
+            <a:schemeClr val="dk1"/>
+          </a:effectRef>
+          <a:fontRef idx="minor">
+            <a:schemeClr val="tx1"/>
+          </a:fontRef>
+        </p:style>
+      </p:cxnSp>
+      <p:sp>
+        <p:nvSpPr>
+          <p:cNvPr id="9" name="TextBox 8"/>
+          <p:cNvSpPr txBox="1"/>
+          <p:nvPr/>
+        </p:nvSpPr>
+        <p:spPr>
+          <a:xfrm>
+            <a:off x="9685867" y="1858786"/>
+            <a:ext cx="2093363" cy="923330"/>
+          </a:xfrm>
+          <a:prstGeom prst="rect">
+            <a:avLst/>
+          </a:prstGeom>
+          <a:solidFill>
+            <a:schemeClr val="accent4">
+              <a:lumMod val="20000"/>
+              <a:lumOff val="80000"/>
+            </a:schemeClr>
+          </a:solidFill>
+          <a:ln w="38100">
+            <a:solidFill>
+              <a:schemeClr val="tx1"/>
+            </a:solidFill>
+          </a:ln>
+        </p:spPr>
+        <p:txBody>
+          <a:bodyPr wrap="square" rtlCol="0">
+            <a:spAutoFit/>
+          </a:bodyPr>
+          <a:lstStyle/>
+          <a:p>
+            <a:pPr algn="ctr"/>
+            <a:r>
+              <a:rPr lang="en-US" dirty="0" smtClean="0"/>
+              <a:t>Map designed with custom graphical generator tool</a:t>
+            </a:r>
+            <a:endParaRPr lang="en-US" dirty="0"/>
+          </a:p>
+        </p:txBody>
+      </p:sp>
+      <p:cxnSp>
+        <p:nvCxnSpPr>
+          <p:cNvPr id="10" name="Straight Arrow Connector 9"/>
+          <p:cNvCxnSpPr>
+            <a:stCxn id="9" idx="2"/>
+          </p:cNvCxnSpPr>
+          <p:nvPr/>
+        </p:nvCxnSpPr>
+        <p:spPr>
+          <a:xfrm flipH="1">
+            <a:off x="9304867" y="2782116"/>
+            <a:ext cx="1427682" cy="838200"/>
+          </a:xfrm>
+          <a:prstGeom prst="straightConnector1">
+            <a:avLst/>
+          </a:prstGeom>
+          <a:ln w="38100">
+            <a:tailEnd type="triangle"/>
+          </a:ln>
+        </p:spPr>
+        <p:style>
+          <a:lnRef idx="3">
+            <a:schemeClr val="dk1"/>
+          </a:lnRef>
+          <a:fillRef idx="0">
+            <a:schemeClr val="dk1"/>
+          </a:fillRef>
+          <a:effectRef idx="2">
+            <a:schemeClr val="dk1"/>
+          </a:effectRef>
+          <a:fontRef idx="minor">
+            <a:schemeClr val="tx1"/>
+          </a:fontRef>
+        </p:style>
+      </p:cxnSp>
+      <p:sp>
+        <p:nvSpPr>
+          <p:cNvPr id="14" name="TextBox 13"/>
+          <p:cNvSpPr txBox="1"/>
+          <p:nvPr/>
+        </p:nvSpPr>
+        <p:spPr>
+          <a:xfrm>
+            <a:off x="5700746" y="3486326"/>
+            <a:ext cx="2093363" cy="646331"/>
+          </a:xfrm>
+          <a:prstGeom prst="rect">
+            <a:avLst/>
+          </a:prstGeom>
+          <a:solidFill>
+            <a:schemeClr val="accent4">
+              <a:lumMod val="20000"/>
+              <a:lumOff val="80000"/>
+            </a:schemeClr>
+          </a:solidFill>
+          <a:ln w="38100">
+            <a:solidFill>
+              <a:schemeClr val="tx1"/>
+            </a:solidFill>
+          </a:ln>
+        </p:spPr>
+        <p:txBody>
+          <a:bodyPr wrap="square" rtlCol="0">
+            <a:spAutoFit/>
+          </a:bodyPr>
+          <a:lstStyle/>
+          <a:p>
+            <a:pPr algn="ctr"/>
+            <a:r>
+              <a:rPr lang="en-US" dirty="0" smtClean="0"/>
+              <a:t>Rooms update with live sensor data</a:t>
+            </a:r>
+            <a:endParaRPr lang="en-US" dirty="0"/>
+          </a:p>
+        </p:txBody>
+      </p:sp>
+      <p:cxnSp>
+        <p:nvCxnSpPr>
+          <p:cNvPr id="15" name="Straight Arrow Connector 14"/>
+          <p:cNvCxnSpPr>
+            <a:stCxn id="14" idx="1"/>
+          </p:cNvCxnSpPr>
+          <p:nvPr/>
+        </p:nvCxnSpPr>
+        <p:spPr>
+          <a:xfrm flipH="1" flipV="1">
+            <a:off x="4910665" y="3809491"/>
+            <a:ext cx="790081" cy="0"/>
+          </a:xfrm>
+          <a:prstGeom prst="straightConnector1">
+            <a:avLst/>
+          </a:prstGeom>
+          <a:ln w="38100">
+            <a:tailEnd type="triangle"/>
+          </a:ln>
+        </p:spPr>
+        <p:style>
+          <a:lnRef idx="3">
+            <a:schemeClr val="dk1"/>
+          </a:lnRef>
+          <a:fillRef idx="0">
+            <a:schemeClr val="dk1"/>
+          </a:fillRef>
+          <a:effectRef idx="2">
+            <a:schemeClr val="dk1"/>
+          </a:effectRef>
+          <a:fontRef idx="minor">
+            <a:schemeClr val="tx1"/>
+          </a:fontRef>
+        </p:style>
+      </p:cxnSp>
+    </p:spTree>
+    <p:extLst>
+      <p:ext uri="{BB962C8B-B14F-4D97-AF65-F5344CB8AC3E}">
+        <p14:creationId xmlns:p14="http://schemas.microsoft.com/office/powerpoint/2010/main" val="1335078485"/>
       </p:ext>
     </p:extLst>
   </p:cSld>
@@ -8014,1451 +8049,6 @@
 </file>
 
 <file path=ppt/slides/slide6.xml><?xml version="1.0" encoding="utf-8"?>
-<p:sld xmlns:a="http://schemas.openxmlformats.org/drawingml/2006/main" xmlns:r="http://schemas.openxmlformats.org/officeDocument/2006/relationships" xmlns:p="http://schemas.openxmlformats.org/presentationml/2006/main">
-  <p:cSld>
-    <p:spTree>
-      <p:nvGrpSpPr>
-        <p:cNvPr id="1" name=""/>
-        <p:cNvGrpSpPr/>
-        <p:nvPr/>
-      </p:nvGrpSpPr>
-      <p:grpSpPr>
-        <a:xfrm>
-          <a:off x="0" y="0"/>
-          <a:ext cx="0" cy="0"/>
-          <a:chOff x="0" y="0"/>
-          <a:chExt cx="0" cy="0"/>
-        </a:xfrm>
-      </p:grpSpPr>
-      <p:pic>
-        <p:nvPicPr>
-          <p:cNvPr id="4" name="Content Placeholder 3"/>
-          <p:cNvPicPr>
-            <a:picLocks noGrp="1" noChangeAspect="1"/>
-          </p:cNvPicPr>
-          <p:nvPr>
-            <p:ph idx="1"/>
-          </p:nvPr>
-        </p:nvPicPr>
-        <p:blipFill>
-          <a:blip r:embed="rId2" cstate="print">
-            <a:extLst>
-              <a:ext uri="{28A0092B-C50C-407E-A947-70E740481C1C}">
-                <a14:useLocalDpi xmlns:a14="http://schemas.microsoft.com/office/drawing/2010/main" val="0"/>
-              </a:ext>
-            </a:extLst>
-          </a:blip>
-          <a:stretch>
-            <a:fillRect/>
-          </a:stretch>
-        </p:blipFill>
-        <p:spPr>
-          <a:xfrm>
-            <a:off x="9607398" y="6151419"/>
-            <a:ext cx="2584602" cy="706582"/>
-          </a:xfrm>
-        </p:spPr>
-      </p:pic>
-      <p:sp>
-        <p:nvSpPr>
-          <p:cNvPr id="5" name="TextBox 4"/>
-          <p:cNvSpPr txBox="1"/>
-          <p:nvPr/>
-        </p:nvSpPr>
-        <p:spPr>
-          <a:xfrm>
-            <a:off x="316465" y="86465"/>
-            <a:ext cx="8921930" cy="769441"/>
-          </a:xfrm>
-          <a:prstGeom prst="rect">
-            <a:avLst/>
-          </a:prstGeom>
-          <a:noFill/>
-        </p:spPr>
-        <p:txBody>
-          <a:bodyPr wrap="none" rtlCol="0">
-            <a:spAutoFit/>
-          </a:bodyPr>
-          <a:lstStyle/>
-          <a:p>
-            <a:r>
-              <a:rPr lang="en-US" sz="4400" dirty="0" smtClean="0">
-                <a:latin typeface="+mj-lt"/>
-              </a:rPr>
-              <a:t>Technologies Used for </a:t>
-            </a:r>
-            <a:r>
-              <a:rPr lang="en-US" sz="4400" dirty="0" smtClean="0">
-                <a:latin typeface="+mj-lt"/>
-              </a:rPr>
-              <a:t>Implementation</a:t>
-            </a:r>
-            <a:endParaRPr lang="en-US" sz="2400" b="1" dirty="0"/>
-          </a:p>
-        </p:txBody>
-      </p:sp>
-      <p:sp>
-        <p:nvSpPr>
-          <p:cNvPr id="9" name="AutoShape 6" descr="Image result for material ui"/>
-          <p:cNvSpPr>
-            <a:spLocks noChangeAspect="1" noChangeArrowheads="1"/>
-          </p:cNvSpPr>
-          <p:nvPr/>
-        </p:nvSpPr>
-        <p:spPr bwMode="auto">
-          <a:xfrm>
-            <a:off x="155575" y="-144463"/>
-            <a:ext cx="304800" cy="304801"/>
-          </a:xfrm>
-          <a:prstGeom prst="rect">
-            <a:avLst/>
-          </a:prstGeom>
-          <a:noFill/>
-          <a:extLst>
-            <a:ext uri="{909E8E84-426E-40DD-AFC4-6F175D3DCCD1}">
-              <a14:hiddenFill xmlns:a14="http://schemas.microsoft.com/office/drawing/2010/main">
-                <a:solidFill>
-                  <a:srgbClr val="FFFFFF"/>
-                </a:solidFill>
-              </a14:hiddenFill>
-            </a:ext>
-          </a:extLst>
-        </p:spPr>
-        <p:txBody>
-          <a:bodyPr vert="horz" wrap="square" lIns="91440" tIns="45720" rIns="91440" bIns="45720" numCol="1" anchor="t" anchorCtr="0" compatLnSpc="1">
-            <a:prstTxWarp prst="textNoShape">
-              <a:avLst/>
-            </a:prstTxWarp>
-          </a:bodyPr>
-          <a:lstStyle/>
-          <a:p>
-            <a:endParaRPr lang="en-US"/>
-          </a:p>
-        </p:txBody>
-      </p:sp>
-      <p:sp>
-        <p:nvSpPr>
-          <p:cNvPr id="11" name="AutoShape 10" descr="Material-UI Logo"/>
-          <p:cNvSpPr>
-            <a:spLocks noChangeAspect="1" noChangeArrowheads="1"/>
-          </p:cNvSpPr>
-          <p:nvPr/>
-        </p:nvSpPr>
-        <p:spPr bwMode="auto">
-          <a:xfrm>
-            <a:off x="307975" y="7937"/>
-            <a:ext cx="304800" cy="304801"/>
-          </a:xfrm>
-          <a:prstGeom prst="rect">
-            <a:avLst/>
-          </a:prstGeom>
-          <a:noFill/>
-          <a:extLst>
-            <a:ext uri="{909E8E84-426E-40DD-AFC4-6F175D3DCCD1}">
-              <a14:hiddenFill xmlns:a14="http://schemas.microsoft.com/office/drawing/2010/main">
-                <a:solidFill>
-                  <a:srgbClr val="FFFFFF"/>
-                </a:solidFill>
-              </a14:hiddenFill>
-            </a:ext>
-          </a:extLst>
-        </p:spPr>
-        <p:txBody>
-          <a:bodyPr vert="horz" wrap="square" lIns="91440" tIns="45720" rIns="91440" bIns="45720" numCol="1" anchor="t" anchorCtr="0" compatLnSpc="1">
-            <a:prstTxWarp prst="textNoShape">
-              <a:avLst/>
-            </a:prstTxWarp>
-          </a:bodyPr>
-          <a:lstStyle/>
-          <a:p>
-            <a:endParaRPr lang="en-US"/>
-          </a:p>
-        </p:txBody>
-      </p:sp>
-      <p:sp>
-        <p:nvSpPr>
-          <p:cNvPr id="3" name="AutoShape 4" descr="ArduinoJson"/>
-          <p:cNvSpPr>
-            <a:spLocks noChangeAspect="1" noChangeArrowheads="1"/>
-          </p:cNvSpPr>
-          <p:nvPr/>
-        </p:nvSpPr>
-        <p:spPr bwMode="auto">
-          <a:xfrm>
-            <a:off x="460375" y="160337"/>
-            <a:ext cx="304800" cy="304801"/>
-          </a:xfrm>
-          <a:prstGeom prst="rect">
-            <a:avLst/>
-          </a:prstGeom>
-          <a:noFill/>
-          <a:extLst>
-            <a:ext uri="{909E8E84-426E-40DD-AFC4-6F175D3DCCD1}">
-              <a14:hiddenFill xmlns:a14="http://schemas.microsoft.com/office/drawing/2010/main">
-                <a:solidFill>
-                  <a:srgbClr val="FFFFFF"/>
-                </a:solidFill>
-              </a14:hiddenFill>
-            </a:ext>
-          </a:extLst>
-        </p:spPr>
-        <p:txBody>
-          <a:bodyPr vert="horz" wrap="square" lIns="91440" tIns="45720" rIns="91440" bIns="45720" numCol="1" anchor="t" anchorCtr="0" compatLnSpc="1">
-            <a:prstTxWarp prst="textNoShape">
-              <a:avLst/>
-            </a:prstTxWarp>
-          </a:bodyPr>
-          <a:lstStyle/>
-          <a:p>
-            <a:endParaRPr lang="en-US"/>
-          </a:p>
-        </p:txBody>
-      </p:sp>
-      <p:grpSp>
-        <p:nvGrpSpPr>
-          <p:cNvPr id="37" name="Group 36"/>
-          <p:cNvGrpSpPr/>
-          <p:nvPr/>
-        </p:nvGrpSpPr>
-        <p:grpSpPr>
-          <a:xfrm>
-            <a:off x="769210" y="980950"/>
-            <a:ext cx="10653581" cy="5162122"/>
-            <a:chOff x="634277" y="810193"/>
-            <a:chExt cx="10653581" cy="5162122"/>
-          </a:xfrm>
-        </p:grpSpPr>
-        <p:grpSp>
-          <p:nvGrpSpPr>
-            <p:cNvPr id="36" name="Group 35"/>
-            <p:cNvGrpSpPr/>
-            <p:nvPr/>
-          </p:nvGrpSpPr>
-          <p:grpSpPr>
-            <a:xfrm>
-              <a:off x="8087458" y="810193"/>
-              <a:ext cx="3200400" cy="5162122"/>
-              <a:chOff x="8087458" y="853210"/>
-              <a:chExt cx="3200400" cy="5162122"/>
-            </a:xfrm>
-          </p:grpSpPr>
-          <p:sp>
-            <p:nvSpPr>
-              <p:cNvPr id="8" name="Rounded Rectangle 7"/>
-              <p:cNvSpPr/>
-              <p:nvPr/>
-            </p:nvSpPr>
-            <p:spPr>
-              <a:xfrm>
-                <a:off x="8087458" y="853210"/>
-                <a:ext cx="3200400" cy="5162122"/>
-              </a:xfrm>
-              <a:prstGeom prst="roundRect">
-                <a:avLst>
-                  <a:gd name="adj" fmla="val 8140"/>
-                </a:avLst>
-              </a:prstGeom>
-            </p:spPr>
-            <p:style>
-              <a:lnRef idx="2">
-                <a:schemeClr val="accent3"/>
-              </a:lnRef>
-              <a:fillRef idx="1">
-                <a:schemeClr val="lt1"/>
-              </a:fillRef>
-              <a:effectRef idx="0">
-                <a:schemeClr val="accent3"/>
-              </a:effectRef>
-              <a:fontRef idx="minor">
-                <a:schemeClr val="dk1"/>
-              </a:fontRef>
-            </p:style>
-            <p:txBody>
-              <a:bodyPr rtlCol="0" anchor="t"/>
-              <a:lstStyle/>
-              <a:p>
-                <a:pPr algn="ctr">
-                  <a:lnSpc>
-                    <a:spcPct val="150000"/>
-                  </a:lnSpc>
-                </a:pPr>
-                <a:r>
-                  <a:rPr lang="el-GR" b="1" dirty="0" smtClean="0"/>
-                  <a:t>π</a:t>
-                </a:r>
-                <a:r>
-                  <a:rPr lang="en-US" b="1" dirty="0" smtClean="0"/>
-                  <a:t> Layer Web Front End</a:t>
-                </a:r>
-                <a:endParaRPr lang="en-US" dirty="0" smtClean="0"/>
-              </a:p>
-              <a:p>
-                <a:pPr marL="285750" indent="-285750">
-                  <a:lnSpc>
-                    <a:spcPct val="150000"/>
-                  </a:lnSpc>
-                  <a:buFontTx/>
-                  <a:buChar char="-"/>
-                </a:pPr>
-                <a:endParaRPr lang="en-US" dirty="0" smtClean="0"/>
-              </a:p>
-              <a:p>
-                <a:pPr marL="285750" indent="-285750">
-                  <a:lnSpc>
-                    <a:spcPct val="150000"/>
-                  </a:lnSpc>
-                  <a:buFontTx/>
-                  <a:buChar char="-"/>
-                </a:pPr>
-                <a:endParaRPr lang="en-US" dirty="0" smtClean="0"/>
-              </a:p>
-              <a:p>
-                <a:pPr>
-                  <a:lnSpc>
-                    <a:spcPct val="150000"/>
-                  </a:lnSpc>
-                </a:pPr>
-                <a:endParaRPr lang="en-US" dirty="0" smtClean="0"/>
-              </a:p>
-            </p:txBody>
-          </p:sp>
-          <p:pic>
-            <p:nvPicPr>
-              <p:cNvPr id="5122" name="Picture 2" descr="Image result for facebook flux"/>
-              <p:cNvPicPr>
-                <a:picLocks noChangeAspect="1" noChangeArrowheads="1"/>
-              </p:cNvPicPr>
-              <p:nvPr/>
-            </p:nvPicPr>
-            <p:blipFill>
-              <a:blip r:embed="rId3" cstate="print">
-                <a:extLst>
-                  <a:ext uri="{28A0092B-C50C-407E-A947-70E740481C1C}">
-                    <a14:useLocalDpi xmlns:a14="http://schemas.microsoft.com/office/drawing/2010/main" val="0"/>
-                  </a:ext>
-                </a:extLst>
-              </a:blip>
-              <a:srcRect/>
-              <a:stretch>
-                <a:fillRect/>
-              </a:stretch>
-            </p:blipFill>
-            <p:spPr bwMode="auto">
-              <a:xfrm>
-                <a:off x="8635365" y="4416469"/>
-                <a:ext cx="928575" cy="928575"/>
-              </a:xfrm>
-              <a:prstGeom prst="rect">
-                <a:avLst/>
-              </a:prstGeom>
-              <a:noFill/>
-              <a:extLst>
-                <a:ext uri="{909E8E84-426E-40DD-AFC4-6F175D3DCCD1}">
-                  <a14:hiddenFill xmlns:a14="http://schemas.microsoft.com/office/drawing/2010/main">
-                    <a:solidFill>
-                      <a:srgbClr val="FFFFFF"/>
-                    </a:solidFill>
-                  </a14:hiddenFill>
-                </a:ext>
-              </a:extLst>
-            </p:spPr>
-          </p:pic>
-          <p:pic>
-            <p:nvPicPr>
-              <p:cNvPr id="5124" name="Picture 4" descr="Image result for webpack"/>
-              <p:cNvPicPr>
-                <a:picLocks noChangeAspect="1" noChangeArrowheads="1"/>
-              </p:cNvPicPr>
-              <p:nvPr/>
-            </p:nvPicPr>
-            <p:blipFill rotWithShape="1">
-              <a:blip r:embed="rId4">
-                <a:extLst>
-                  <a:ext uri="{28A0092B-C50C-407E-A947-70E740481C1C}">
-                    <a14:useLocalDpi xmlns:a14="http://schemas.microsoft.com/office/drawing/2010/main" val="0"/>
-                  </a:ext>
-                </a:extLst>
-              </a:blip>
-              <a:srcRect l="13219" r="13944"/>
-              <a:stretch/>
-            </p:blipFill>
-            <p:spPr bwMode="auto">
-              <a:xfrm>
-                <a:off x="9766963" y="2827585"/>
-                <a:ext cx="1307804" cy="1243396"/>
-              </a:xfrm>
-              <a:prstGeom prst="rect">
-                <a:avLst/>
-              </a:prstGeom>
-              <a:noFill/>
-              <a:extLst>
-                <a:ext uri="{909E8E84-426E-40DD-AFC4-6F175D3DCCD1}">
-                  <a14:hiddenFill xmlns:a14="http://schemas.microsoft.com/office/drawing/2010/main">
-                    <a:solidFill>
-                      <a:srgbClr val="FFFFFF"/>
-                    </a:solidFill>
-                  </a14:hiddenFill>
-                </a:ext>
-              </a:extLst>
-            </p:spPr>
-          </p:pic>
-          <p:grpSp>
-            <p:nvGrpSpPr>
-              <p:cNvPr id="13" name="Group 12"/>
-              <p:cNvGrpSpPr/>
-              <p:nvPr/>
-            </p:nvGrpSpPr>
-            <p:grpSpPr>
-              <a:xfrm>
-                <a:off x="9899591" y="1502770"/>
-                <a:ext cx="1018164" cy="1311898"/>
-                <a:chOff x="8701366" y="1440469"/>
-                <a:chExt cx="1018164" cy="1311898"/>
-              </a:xfrm>
-            </p:grpSpPr>
-            <p:pic>
-              <p:nvPicPr>
-                <p:cNvPr id="5136" name="Picture 16" descr="Image result for aiohttp"/>
-                <p:cNvPicPr>
-                  <a:picLocks noChangeAspect="1" noChangeArrowheads="1"/>
-                </p:cNvPicPr>
-                <p:nvPr/>
-              </p:nvPicPr>
-              <p:blipFill>
-                <a:blip r:embed="rId5">
-                  <a:extLst>
-                    <a:ext uri="{28A0092B-C50C-407E-A947-70E740481C1C}">
-                      <a14:useLocalDpi xmlns:a14="http://schemas.microsoft.com/office/drawing/2010/main" val="0"/>
-                    </a:ext>
-                  </a:extLst>
-                </a:blip>
-                <a:srcRect/>
-                <a:stretch>
-                  <a:fillRect/>
-                </a:stretch>
-              </p:blipFill>
-              <p:spPr bwMode="auto">
-                <a:xfrm>
-                  <a:off x="8739725" y="1440469"/>
-                  <a:ext cx="906213" cy="906214"/>
-                </a:xfrm>
-                <a:prstGeom prst="rect">
-                  <a:avLst/>
-                </a:prstGeom>
-                <a:noFill/>
-                <a:extLst>
-                  <a:ext uri="{909E8E84-426E-40DD-AFC4-6F175D3DCCD1}">
-                    <a14:hiddenFill xmlns:a14="http://schemas.microsoft.com/office/drawing/2010/main">
-                      <a:solidFill>
-                        <a:srgbClr val="FFFFFF"/>
-                      </a:solidFill>
-                    </a14:hiddenFill>
-                  </a:ext>
-                </a:extLst>
-              </p:spPr>
-            </p:pic>
-            <p:sp>
-              <p:nvSpPr>
-                <p:cNvPr id="12" name="TextBox 11"/>
-                <p:cNvSpPr txBox="1"/>
-                <p:nvPr/>
-              </p:nvSpPr>
-              <p:spPr>
-                <a:xfrm>
-                  <a:off x="8701366" y="2383035"/>
-                  <a:ext cx="1018164" cy="369332"/>
-                </a:xfrm>
-                <a:prstGeom prst="rect">
-                  <a:avLst/>
-                </a:prstGeom>
-                <a:noFill/>
-              </p:spPr>
-              <p:txBody>
-                <a:bodyPr wrap="none" rtlCol="0">
-                  <a:spAutoFit/>
-                </a:bodyPr>
-                <a:lstStyle/>
-                <a:p>
-                  <a:r>
-                    <a:rPr lang="en-US" dirty="0" smtClean="0"/>
-                    <a:t>AIOHTTP</a:t>
-                  </a:r>
-                  <a:endParaRPr lang="en-US" dirty="0"/>
-                </a:p>
-              </p:txBody>
-            </p:sp>
-          </p:grpSp>
-          <p:grpSp>
-            <p:nvGrpSpPr>
-              <p:cNvPr id="15" name="Group 14"/>
-              <p:cNvGrpSpPr/>
-              <p:nvPr/>
-            </p:nvGrpSpPr>
-            <p:grpSpPr>
-              <a:xfrm>
-                <a:off x="9814563" y="4343724"/>
-                <a:ext cx="1137684" cy="1336528"/>
-                <a:chOff x="10035012" y="1501637"/>
-                <a:chExt cx="1137684" cy="1336528"/>
-              </a:xfrm>
-            </p:grpSpPr>
-            <p:pic>
-              <p:nvPicPr>
-                <p:cNvPr id="5134" name="Picture 14" descr="Image result for react"/>
-                <p:cNvPicPr>
-                  <a:picLocks noChangeAspect="1" noChangeArrowheads="1"/>
-                </p:cNvPicPr>
-                <p:nvPr/>
-              </p:nvPicPr>
-              <p:blipFill rotWithShape="1">
-                <a:blip r:embed="rId6" cstate="print">
-                  <a:extLst>
-                    <a:ext uri="{28A0092B-C50C-407E-A947-70E740481C1C}">
-                      <a14:useLocalDpi xmlns:a14="http://schemas.microsoft.com/office/drawing/2010/main" val="0"/>
-                    </a:ext>
-                  </a:extLst>
-                </a:blip>
-                <a:srcRect l="19847" t="11190" r="20432" b="11013"/>
-                <a:stretch/>
-              </p:blipFill>
-              <p:spPr bwMode="auto">
-                <a:xfrm>
-                  <a:off x="10035012" y="1501637"/>
-                  <a:ext cx="1137684" cy="1047307"/>
-                </a:xfrm>
-                <a:prstGeom prst="rect">
-                  <a:avLst/>
-                </a:prstGeom>
-                <a:noFill/>
-                <a:extLst>
-                  <a:ext uri="{909E8E84-426E-40DD-AFC4-6F175D3DCCD1}">
-                    <a14:hiddenFill xmlns:a14="http://schemas.microsoft.com/office/drawing/2010/main">
-                      <a:solidFill>
-                        <a:srgbClr val="FFFFFF"/>
-                      </a:solidFill>
-                    </a14:hiddenFill>
-                  </a:ext>
-                </a:extLst>
-              </p:spPr>
-            </p:pic>
-            <p:sp>
-              <p:nvSpPr>
-                <p:cNvPr id="14" name="TextBox 13"/>
-                <p:cNvSpPr txBox="1"/>
-                <p:nvPr/>
-              </p:nvSpPr>
-              <p:spPr>
-                <a:xfrm>
-                  <a:off x="10250648" y="2468833"/>
-                  <a:ext cx="706412" cy="369332"/>
-                </a:xfrm>
-                <a:prstGeom prst="rect">
-                  <a:avLst/>
-                </a:prstGeom>
-                <a:noFill/>
-              </p:spPr>
-              <p:txBody>
-                <a:bodyPr wrap="none" rtlCol="0">
-                  <a:spAutoFit/>
-                </a:bodyPr>
-                <a:lstStyle/>
-                <a:p>
-                  <a:r>
-                    <a:rPr lang="en-US" dirty="0"/>
-                    <a:t>R</a:t>
-                  </a:r>
-                  <a:r>
-                    <a:rPr lang="en-US" dirty="0" smtClean="0"/>
-                    <a:t>eact</a:t>
-                  </a:r>
-                  <a:endParaRPr lang="en-US" dirty="0"/>
-                </a:p>
-              </p:txBody>
-            </p:sp>
-          </p:grpSp>
-          <p:grpSp>
-            <p:nvGrpSpPr>
-              <p:cNvPr id="17" name="Group 16"/>
-              <p:cNvGrpSpPr/>
-              <p:nvPr/>
-            </p:nvGrpSpPr>
-            <p:grpSpPr>
-              <a:xfrm>
-                <a:off x="8444876" y="2998281"/>
-                <a:ext cx="1252459" cy="1035694"/>
-                <a:chOff x="8837528" y="2425205"/>
-                <a:chExt cx="1252459" cy="1035694"/>
-              </a:xfrm>
-            </p:grpSpPr>
-            <p:pic>
-              <p:nvPicPr>
-                <p:cNvPr id="5132" name="Picture 12" descr="Image result for material ui"/>
-                <p:cNvPicPr>
-                  <a:picLocks noChangeAspect="1" noChangeArrowheads="1"/>
-                </p:cNvPicPr>
-                <p:nvPr/>
-              </p:nvPicPr>
-              <p:blipFill rotWithShape="1">
-                <a:blip r:embed="rId7" cstate="print">
-                  <a:extLst>
-                    <a:ext uri="{28A0092B-C50C-407E-A947-70E740481C1C}">
-                      <a14:useLocalDpi xmlns:a14="http://schemas.microsoft.com/office/drawing/2010/main" val="0"/>
-                    </a:ext>
-                  </a:extLst>
-                </a:blip>
-                <a:srcRect l="17405" t="24837" r="17851" b="23814"/>
-                <a:stretch/>
-              </p:blipFill>
-              <p:spPr bwMode="auto">
-                <a:xfrm>
-                  <a:off x="9022507" y="2425205"/>
-                  <a:ext cx="882502" cy="699915"/>
-                </a:xfrm>
-                <a:prstGeom prst="rect">
-                  <a:avLst/>
-                </a:prstGeom>
-                <a:noFill/>
-                <a:extLst>
-                  <a:ext uri="{909E8E84-426E-40DD-AFC4-6F175D3DCCD1}">
-                    <a14:hiddenFill xmlns:a14="http://schemas.microsoft.com/office/drawing/2010/main">
-                      <a:solidFill>
-                        <a:srgbClr val="FFFFFF"/>
-                      </a:solidFill>
-                    </a14:hiddenFill>
-                  </a:ext>
-                </a:extLst>
-              </p:spPr>
-            </p:pic>
-            <p:sp>
-              <p:nvSpPr>
-                <p:cNvPr id="16" name="TextBox 15"/>
-                <p:cNvSpPr txBox="1"/>
-                <p:nvPr/>
-              </p:nvSpPr>
-              <p:spPr>
-                <a:xfrm>
-                  <a:off x="8837528" y="3091567"/>
-                  <a:ext cx="1252459" cy="369332"/>
-                </a:xfrm>
-                <a:prstGeom prst="rect">
-                  <a:avLst/>
-                </a:prstGeom>
-                <a:noFill/>
-              </p:spPr>
-              <p:txBody>
-                <a:bodyPr wrap="none" rtlCol="0">
-                  <a:spAutoFit/>
-                </a:bodyPr>
-                <a:lstStyle/>
-                <a:p>
-                  <a:r>
-                    <a:rPr lang="en-US" dirty="0" smtClean="0"/>
-                    <a:t>Material-UI</a:t>
-                  </a:r>
-                  <a:endParaRPr lang="en-US" dirty="0"/>
-                </a:p>
-              </p:txBody>
-            </p:sp>
-          </p:grpSp>
-          <p:grpSp>
-            <p:nvGrpSpPr>
-              <p:cNvPr id="20" name="Group 19"/>
-              <p:cNvGrpSpPr/>
-              <p:nvPr/>
-            </p:nvGrpSpPr>
-            <p:grpSpPr>
-              <a:xfrm>
-                <a:off x="8523188" y="1599429"/>
-                <a:ext cx="1197059" cy="1191804"/>
-                <a:chOff x="7465229" y="3049663"/>
-                <a:chExt cx="1197059" cy="1191804"/>
-              </a:xfrm>
-            </p:grpSpPr>
-            <p:pic>
-              <p:nvPicPr>
-                <p:cNvPr id="28" name="Picture 24" descr="Image result for python language"/>
-                <p:cNvPicPr>
-                  <a:picLocks noChangeAspect="1" noChangeArrowheads="1"/>
-                </p:cNvPicPr>
-                <p:nvPr/>
-              </p:nvPicPr>
-              <p:blipFill rotWithShape="1">
-                <a:blip r:embed="rId8">
-                  <a:extLst>
-                    <a:ext uri="{28A0092B-C50C-407E-A947-70E740481C1C}">
-                      <a14:useLocalDpi xmlns:a14="http://schemas.microsoft.com/office/drawing/2010/main" val="0"/>
-                    </a:ext>
-                  </a:extLst>
-                </a:blip>
-                <a:srcRect l="13388" t="11212" r="13496" b="13439"/>
-                <a:stretch/>
-              </p:blipFill>
-              <p:spPr bwMode="auto">
-                <a:xfrm>
-                  <a:off x="7664707" y="3049663"/>
-                  <a:ext cx="798102" cy="822472"/>
-                </a:xfrm>
-                <a:prstGeom prst="rect">
-                  <a:avLst/>
-                </a:prstGeom>
-                <a:noFill/>
-                <a:extLst>
-                  <a:ext uri="{909E8E84-426E-40DD-AFC4-6F175D3DCCD1}">
-                    <a14:hiddenFill xmlns:a14="http://schemas.microsoft.com/office/drawing/2010/main">
-                      <a:solidFill>
-                        <a:srgbClr val="FFFFFF"/>
-                      </a:solidFill>
-                    </a14:hiddenFill>
-                  </a:ext>
-                </a:extLst>
-              </p:spPr>
-            </p:pic>
-            <p:sp>
-              <p:nvSpPr>
-                <p:cNvPr id="19" name="TextBox 18"/>
-                <p:cNvSpPr txBox="1"/>
-                <p:nvPr/>
-              </p:nvSpPr>
-              <p:spPr>
-                <a:xfrm>
-                  <a:off x="7465229" y="3872135"/>
-                  <a:ext cx="1197059" cy="369332"/>
-                </a:xfrm>
-                <a:prstGeom prst="rect">
-                  <a:avLst/>
-                </a:prstGeom>
-                <a:noFill/>
-              </p:spPr>
-              <p:txBody>
-                <a:bodyPr wrap="none" rtlCol="0">
-                  <a:spAutoFit/>
-                </a:bodyPr>
-                <a:lstStyle/>
-                <a:p>
-                  <a:pPr algn="ctr"/>
-                  <a:r>
-                    <a:rPr lang="en-US" dirty="0" smtClean="0"/>
-                    <a:t>Python 3.7</a:t>
-                  </a:r>
-                </a:p>
-              </p:txBody>
-            </p:sp>
-          </p:grpSp>
-        </p:grpSp>
-        <p:grpSp>
-          <p:nvGrpSpPr>
-            <p:cNvPr id="35" name="Group 34"/>
-            <p:cNvGrpSpPr/>
-            <p:nvPr/>
-          </p:nvGrpSpPr>
-          <p:grpSpPr>
-            <a:xfrm>
-              <a:off x="4376818" y="810193"/>
-              <a:ext cx="3200400" cy="5162122"/>
-              <a:chOff x="4376818" y="853210"/>
-              <a:chExt cx="3200400" cy="5162122"/>
-            </a:xfrm>
-          </p:grpSpPr>
-          <p:sp>
-            <p:nvSpPr>
-              <p:cNvPr id="7" name="Rounded Rectangle 6"/>
-              <p:cNvSpPr/>
-              <p:nvPr/>
-            </p:nvSpPr>
-            <p:spPr>
-              <a:xfrm>
-                <a:off x="4376818" y="853210"/>
-                <a:ext cx="3200400" cy="5162122"/>
-              </a:xfrm>
-              <a:prstGeom prst="roundRect">
-                <a:avLst>
-                  <a:gd name="adj" fmla="val 8140"/>
-                </a:avLst>
-              </a:prstGeom>
-            </p:spPr>
-            <p:style>
-              <a:lnRef idx="2">
-                <a:schemeClr val="accent3"/>
-              </a:lnRef>
-              <a:fillRef idx="1">
-                <a:schemeClr val="lt1"/>
-              </a:fillRef>
-              <a:effectRef idx="0">
-                <a:schemeClr val="accent3"/>
-              </a:effectRef>
-              <a:fontRef idx="minor">
-                <a:schemeClr val="dk1"/>
-              </a:fontRef>
-            </p:style>
-            <p:txBody>
-              <a:bodyPr rtlCol="0" anchor="t"/>
-              <a:lstStyle/>
-              <a:p>
-                <a:pPr algn="ctr">
-                  <a:lnSpc>
-                    <a:spcPct val="150000"/>
-                  </a:lnSpc>
-                </a:pPr>
-                <a:r>
-                  <a:rPr lang="el-GR" b="1" dirty="0" smtClean="0"/>
-                  <a:t>π</a:t>
-                </a:r>
-                <a:r>
-                  <a:rPr lang="en-US" b="1" dirty="0" smtClean="0"/>
-                  <a:t>-Layer Intercommunication</a:t>
-                </a:r>
-              </a:p>
-            </p:txBody>
-          </p:sp>
-          <p:pic>
-            <p:nvPicPr>
-              <p:cNvPr id="5138" name="Picture 18" descr="Image result for pyserial"/>
-              <p:cNvPicPr>
-                <a:picLocks noChangeAspect="1" noChangeArrowheads="1"/>
-              </p:cNvPicPr>
-              <p:nvPr/>
-            </p:nvPicPr>
-            <p:blipFill>
-              <a:blip r:embed="rId9">
-                <a:extLst>
-                  <a:ext uri="{28A0092B-C50C-407E-A947-70E740481C1C}">
-                    <a14:useLocalDpi xmlns:a14="http://schemas.microsoft.com/office/drawing/2010/main" val="0"/>
-                  </a:ext>
-                </a:extLst>
-              </a:blip>
-              <a:srcRect/>
-              <a:stretch>
-                <a:fillRect/>
-              </a:stretch>
-            </p:blipFill>
-            <p:spPr bwMode="auto">
-              <a:xfrm>
-                <a:off x="5208026" y="3794147"/>
-                <a:ext cx="1537985" cy="836187"/>
-              </a:xfrm>
-              <a:prstGeom prst="rect">
-                <a:avLst/>
-              </a:prstGeom>
-              <a:noFill/>
-              <a:extLst>
-                <a:ext uri="{909E8E84-426E-40DD-AFC4-6F175D3DCCD1}">
-                  <a14:hiddenFill xmlns:a14="http://schemas.microsoft.com/office/drawing/2010/main">
-                    <a:solidFill>
-                      <a:srgbClr val="FFFFFF"/>
-                    </a:solidFill>
-                  </a14:hiddenFill>
-                </a:ext>
-              </a:extLst>
-            </p:spPr>
-          </p:pic>
-          <p:pic>
-            <p:nvPicPr>
-              <p:cNvPr id="18" name="Picture 12" descr="http://zeromq.wdfiles.com/local--files/admin:css/logo.gif"/>
-              <p:cNvPicPr>
-                <a:picLocks noChangeAspect="1" noChangeArrowheads="1"/>
-              </p:cNvPicPr>
-              <p:nvPr/>
-            </p:nvPicPr>
-            <p:blipFill>
-              <a:blip r:embed="rId10" cstate="print">
-                <a:extLst>
-                  <a:ext uri="{28A0092B-C50C-407E-A947-70E740481C1C}">
-                    <a14:useLocalDpi xmlns:a14="http://schemas.microsoft.com/office/drawing/2010/main" val="0"/>
-                  </a:ext>
-                </a:extLst>
-              </a:blip>
-              <a:srcRect/>
-              <a:stretch>
-                <a:fillRect/>
-              </a:stretch>
-            </p:blipFill>
-            <p:spPr bwMode="auto">
-              <a:xfrm>
-                <a:off x="5206994" y="4999666"/>
-                <a:ext cx="1540049" cy="481014"/>
-              </a:xfrm>
-              <a:prstGeom prst="rect">
-                <a:avLst/>
-              </a:prstGeom>
-              <a:noFill/>
-              <a:extLst>
-                <a:ext uri="{909E8E84-426E-40DD-AFC4-6F175D3DCCD1}">
-                  <a14:hiddenFill xmlns:a14="http://schemas.microsoft.com/office/drawing/2010/main">
-                    <a:solidFill>
-                      <a:srgbClr val="FFFFFF"/>
-                    </a:solidFill>
-                  </a14:hiddenFill>
-                </a:ext>
-              </a:extLst>
-            </p:spPr>
-          </p:pic>
-          <p:grpSp>
-            <p:nvGrpSpPr>
-              <p:cNvPr id="32" name="Group 31"/>
-              <p:cNvGrpSpPr/>
-              <p:nvPr/>
-            </p:nvGrpSpPr>
-            <p:grpSpPr>
-              <a:xfrm>
-                <a:off x="5378489" y="1565571"/>
-                <a:ext cx="1197059" cy="1191804"/>
-                <a:chOff x="7465229" y="3049663"/>
-                <a:chExt cx="1197059" cy="1191804"/>
-              </a:xfrm>
-            </p:grpSpPr>
-            <p:pic>
-              <p:nvPicPr>
-                <p:cNvPr id="33" name="Picture 24" descr="Image result for python language"/>
-                <p:cNvPicPr>
-                  <a:picLocks noChangeAspect="1" noChangeArrowheads="1"/>
-                </p:cNvPicPr>
-                <p:nvPr/>
-              </p:nvPicPr>
-              <p:blipFill rotWithShape="1">
-                <a:blip r:embed="rId8">
-                  <a:extLst>
-                    <a:ext uri="{28A0092B-C50C-407E-A947-70E740481C1C}">
-                      <a14:useLocalDpi xmlns:a14="http://schemas.microsoft.com/office/drawing/2010/main" val="0"/>
-                    </a:ext>
-                  </a:extLst>
-                </a:blip>
-                <a:srcRect l="13388" t="11212" r="13496" b="13439"/>
-                <a:stretch/>
-              </p:blipFill>
-              <p:spPr bwMode="auto">
-                <a:xfrm>
-                  <a:off x="7664707" y="3049663"/>
-                  <a:ext cx="798102" cy="822472"/>
-                </a:xfrm>
-                <a:prstGeom prst="rect">
-                  <a:avLst/>
-                </a:prstGeom>
-                <a:noFill/>
-                <a:extLst>
-                  <a:ext uri="{909E8E84-426E-40DD-AFC4-6F175D3DCCD1}">
-                    <a14:hiddenFill xmlns:a14="http://schemas.microsoft.com/office/drawing/2010/main">
-                      <a:solidFill>
-                        <a:srgbClr val="FFFFFF"/>
-                      </a:solidFill>
-                    </a14:hiddenFill>
-                  </a:ext>
-                </a:extLst>
-              </p:spPr>
-            </p:pic>
-            <p:sp>
-              <p:nvSpPr>
-                <p:cNvPr id="34" name="TextBox 33"/>
-                <p:cNvSpPr txBox="1"/>
-                <p:nvPr/>
-              </p:nvSpPr>
-              <p:spPr>
-                <a:xfrm>
-                  <a:off x="7465229" y="3872135"/>
-                  <a:ext cx="1197059" cy="369332"/>
-                </a:xfrm>
-                <a:prstGeom prst="rect">
-                  <a:avLst/>
-                </a:prstGeom>
-                <a:noFill/>
-              </p:spPr>
-              <p:txBody>
-                <a:bodyPr wrap="none" rtlCol="0">
-                  <a:spAutoFit/>
-                </a:bodyPr>
-                <a:lstStyle/>
-                <a:p>
-                  <a:pPr algn="ctr"/>
-                  <a:r>
-                    <a:rPr lang="en-US" dirty="0" smtClean="0"/>
-                    <a:t>Python 3.7</a:t>
-                  </a:r>
-                </a:p>
-              </p:txBody>
-            </p:sp>
-          </p:grpSp>
-          <p:sp>
-            <p:nvSpPr>
-              <p:cNvPr id="22" name="TextBox 21"/>
-              <p:cNvSpPr txBox="1"/>
-              <p:nvPr/>
-            </p:nvSpPr>
-            <p:spPr>
-              <a:xfrm>
-                <a:off x="5127266" y="2911157"/>
-                <a:ext cx="1699504" cy="523220"/>
-              </a:xfrm>
-              <a:prstGeom prst="rect">
-                <a:avLst/>
-              </a:prstGeom>
-              <a:noFill/>
-            </p:spPr>
-            <p:txBody>
-              <a:bodyPr wrap="none" rtlCol="0">
-                <a:spAutoFit/>
-              </a:bodyPr>
-              <a:lstStyle/>
-              <a:p>
-                <a:pPr algn="ctr"/>
-                <a:r>
-                  <a:rPr lang="en-US" sz="2800" dirty="0" err="1" smtClean="0">
-                    <a:latin typeface="Lucida Console" panose="020B0609040504020204" pitchFamily="49" charset="0"/>
-                  </a:rPr>
-                  <a:t>asyncio</a:t>
-                </a:r>
-                <a:endParaRPr lang="en-US" sz="2800" dirty="0">
-                  <a:latin typeface="Lucida Console" panose="020B0609040504020204" pitchFamily="49" charset="0"/>
-                </a:endParaRPr>
-              </a:p>
-            </p:txBody>
-          </p:sp>
-        </p:grpSp>
-        <p:grpSp>
-          <p:nvGrpSpPr>
-            <p:cNvPr id="31" name="Group 30"/>
-            <p:cNvGrpSpPr/>
-            <p:nvPr/>
-          </p:nvGrpSpPr>
-          <p:grpSpPr>
-            <a:xfrm>
-              <a:off x="634277" y="810193"/>
-              <a:ext cx="3200400" cy="5162122"/>
-              <a:chOff x="753768" y="853210"/>
-              <a:chExt cx="3171014" cy="5162122"/>
-            </a:xfrm>
-          </p:grpSpPr>
-          <p:sp>
-            <p:nvSpPr>
-              <p:cNvPr id="6" name="Rounded Rectangle 5"/>
-              <p:cNvSpPr/>
-              <p:nvPr/>
-            </p:nvSpPr>
-            <p:spPr>
-              <a:xfrm>
-                <a:off x="753768" y="853210"/>
-                <a:ext cx="3171014" cy="5162122"/>
-              </a:xfrm>
-              <a:prstGeom prst="roundRect">
-                <a:avLst>
-                  <a:gd name="adj" fmla="val 8140"/>
-                </a:avLst>
-              </a:prstGeom>
-            </p:spPr>
-            <p:style>
-              <a:lnRef idx="2">
-                <a:schemeClr val="accent3"/>
-              </a:lnRef>
-              <a:fillRef idx="1">
-                <a:schemeClr val="lt1"/>
-              </a:fillRef>
-              <a:effectRef idx="0">
-                <a:schemeClr val="accent3"/>
-              </a:effectRef>
-              <a:fontRef idx="minor">
-                <a:schemeClr val="dk1"/>
-              </a:fontRef>
-            </p:style>
-            <p:txBody>
-              <a:bodyPr rtlCol="0" anchor="t"/>
-              <a:lstStyle/>
-              <a:p>
-                <a:pPr algn="ctr">
-                  <a:lnSpc>
-                    <a:spcPct val="150000"/>
-                  </a:lnSpc>
-                </a:pPr>
-                <a:r>
-                  <a:rPr lang="en-US" b="1" dirty="0" smtClean="0"/>
-                  <a:t>A-Layer Sensor </a:t>
-                </a:r>
-                <a:r>
-                  <a:rPr lang="en-US" b="1" dirty="0" smtClean="0"/>
-                  <a:t>Nodes</a:t>
-                </a:r>
-                <a:endParaRPr lang="en-US" b="1" dirty="0"/>
-              </a:p>
-            </p:txBody>
-          </p:sp>
-          <p:grpSp>
-            <p:nvGrpSpPr>
-              <p:cNvPr id="2" name="Group 1"/>
-              <p:cNvGrpSpPr/>
-              <p:nvPr/>
-            </p:nvGrpSpPr>
-            <p:grpSpPr>
-              <a:xfrm>
-                <a:off x="936665" y="1565571"/>
-                <a:ext cx="1491177" cy="884209"/>
-                <a:chOff x="2047564" y="2770947"/>
-                <a:chExt cx="1491177" cy="884209"/>
-              </a:xfrm>
-            </p:grpSpPr>
-            <p:pic>
-              <p:nvPicPr>
-                <p:cNvPr id="1026" name="Picture 2" descr="Image result for arduino logo"/>
-                <p:cNvPicPr>
-                  <a:picLocks noChangeAspect="1" noChangeArrowheads="1"/>
-                </p:cNvPicPr>
-                <p:nvPr/>
-              </p:nvPicPr>
-              <p:blipFill rotWithShape="1">
-                <a:blip r:embed="rId11" cstate="print">
-                  <a:extLst>
-                    <a:ext uri="{28A0092B-C50C-407E-A947-70E740481C1C}">
-                      <a14:useLocalDpi xmlns:a14="http://schemas.microsoft.com/office/drawing/2010/main" val="0"/>
-                    </a:ext>
-                  </a:extLst>
-                </a:blip>
-                <a:srcRect b="28506"/>
-                <a:stretch/>
-              </p:blipFill>
-              <p:spPr bwMode="auto">
-                <a:xfrm>
-                  <a:off x="2193222" y="2770947"/>
-                  <a:ext cx="1195650" cy="581699"/>
-                </a:xfrm>
-                <a:prstGeom prst="rect">
-                  <a:avLst/>
-                </a:prstGeom>
-                <a:noFill/>
-                <a:extLst>
-                  <a:ext uri="{909E8E84-426E-40DD-AFC4-6F175D3DCCD1}">
-                    <a14:hiddenFill xmlns:a14="http://schemas.microsoft.com/office/drawing/2010/main">
-                      <a:solidFill>
-                        <a:srgbClr val="FFFFFF"/>
-                      </a:solidFill>
-                    </a14:hiddenFill>
-                  </a:ext>
-                </a:extLst>
-              </p:spPr>
-            </p:pic>
-            <p:sp>
-              <p:nvSpPr>
-                <p:cNvPr id="30" name="TextBox 29"/>
-                <p:cNvSpPr txBox="1"/>
-                <p:nvPr/>
-              </p:nvSpPr>
-              <p:spPr>
-                <a:xfrm>
-                  <a:off x="2047564" y="3285824"/>
-                  <a:ext cx="1491177" cy="369332"/>
-                </a:xfrm>
-                <a:prstGeom prst="rect">
-                  <a:avLst/>
-                </a:prstGeom>
-                <a:noFill/>
-              </p:spPr>
-              <p:txBody>
-                <a:bodyPr wrap="none" rtlCol="0">
-                  <a:spAutoFit/>
-                </a:bodyPr>
-                <a:lstStyle/>
-                <a:p>
-                  <a:pPr algn="ctr"/>
-                  <a:r>
-                    <a:rPr lang="en-US" dirty="0" smtClean="0"/>
-                    <a:t>Arduino Nano</a:t>
-                  </a:r>
-                  <a:endParaRPr lang="en-US" dirty="0" smtClean="0"/>
-                </a:p>
-              </p:txBody>
-            </p:sp>
-          </p:grpSp>
-          <p:pic>
-            <p:nvPicPr>
-              <p:cNvPr id="10" name="Picture 9"/>
-              <p:cNvPicPr>
-                <a:picLocks noChangeAspect="1"/>
-              </p:cNvPicPr>
-              <p:nvPr/>
-            </p:nvPicPr>
-            <p:blipFill>
-              <a:blip r:embed="rId12"/>
-              <a:stretch>
-                <a:fillRect/>
-              </a:stretch>
-            </p:blipFill>
-            <p:spPr>
-              <a:xfrm>
-                <a:off x="2601998" y="1554569"/>
-                <a:ext cx="1143588" cy="867921"/>
-              </a:xfrm>
-              <a:prstGeom prst="rect">
-                <a:avLst/>
-              </a:prstGeom>
-            </p:spPr>
-          </p:pic>
-          <p:grpSp>
-            <p:nvGrpSpPr>
-              <p:cNvPr id="26" name="Group 25"/>
-              <p:cNvGrpSpPr/>
-              <p:nvPr/>
-            </p:nvGrpSpPr>
-            <p:grpSpPr>
-              <a:xfrm>
-                <a:off x="1807227" y="2745945"/>
-                <a:ext cx="1041641" cy="1264322"/>
-                <a:chOff x="1259702" y="4433522"/>
-                <a:chExt cx="1041641" cy="1264322"/>
-              </a:xfrm>
-            </p:grpSpPr>
-            <p:pic>
-              <p:nvPicPr>
-                <p:cNvPr id="25" name="Picture 24"/>
-                <p:cNvPicPr>
-                  <a:picLocks noChangeAspect="1"/>
-                </p:cNvPicPr>
-                <p:nvPr/>
-              </p:nvPicPr>
-              <p:blipFill>
-                <a:blip r:embed="rId13"/>
-                <a:stretch>
-                  <a:fillRect/>
-                </a:stretch>
-              </p:blipFill>
-              <p:spPr>
-                <a:xfrm>
-                  <a:off x="1259702" y="4433522"/>
-                  <a:ext cx="1041641" cy="914390"/>
-                </a:xfrm>
-                <a:prstGeom prst="rect">
-                  <a:avLst/>
-                </a:prstGeom>
-              </p:spPr>
-            </p:pic>
-            <p:sp>
-              <p:nvSpPr>
-                <p:cNvPr id="40" name="TextBox 39"/>
-                <p:cNvSpPr txBox="1"/>
-                <p:nvPr/>
-              </p:nvSpPr>
-              <p:spPr>
-                <a:xfrm>
-                  <a:off x="1394839" y="5328512"/>
-                  <a:ext cx="771366" cy="369332"/>
-                </a:xfrm>
-                <a:prstGeom prst="rect">
-                  <a:avLst/>
-                </a:prstGeom>
-                <a:noFill/>
-              </p:spPr>
-              <p:txBody>
-                <a:bodyPr wrap="none" rtlCol="0">
-                  <a:spAutoFit/>
-                </a:bodyPr>
-                <a:lstStyle/>
-                <a:p>
-                  <a:pPr algn="ctr"/>
-                  <a:r>
-                    <a:rPr lang="en-US" dirty="0" smtClean="0"/>
-                    <a:t>nRF24</a:t>
-                  </a:r>
-                  <a:endParaRPr lang="en-US" dirty="0" smtClean="0"/>
-                </a:p>
-              </p:txBody>
-            </p:sp>
-          </p:grpSp>
-          <p:grpSp>
-            <p:nvGrpSpPr>
-              <p:cNvPr id="27" name="Group 26"/>
-              <p:cNvGrpSpPr/>
-              <p:nvPr/>
-            </p:nvGrpSpPr>
-            <p:grpSpPr>
-              <a:xfrm>
-                <a:off x="936665" y="4361646"/>
-                <a:ext cx="1259512" cy="1283089"/>
-                <a:chOff x="3252445" y="4434935"/>
-                <a:chExt cx="1259512" cy="1283089"/>
-              </a:xfrm>
-            </p:grpSpPr>
-            <p:pic>
-              <p:nvPicPr>
-                <p:cNvPr id="1042" name="Picture 18" descr="Image result for pir sensor"/>
-                <p:cNvPicPr>
-                  <a:picLocks noChangeAspect="1" noChangeArrowheads="1"/>
-                </p:cNvPicPr>
-                <p:nvPr/>
-              </p:nvPicPr>
-              <p:blipFill>
-                <a:blip r:embed="rId14" cstate="print">
-                  <a:extLst>
-                    <a:ext uri="{28A0092B-C50C-407E-A947-70E740481C1C}">
-                      <a14:useLocalDpi xmlns:a14="http://schemas.microsoft.com/office/drawing/2010/main" val="0"/>
-                    </a:ext>
-                  </a:extLst>
-                </a:blip>
-                <a:srcRect/>
-                <a:stretch>
-                  <a:fillRect/>
-                </a:stretch>
-              </p:blipFill>
-              <p:spPr bwMode="auto">
-                <a:xfrm>
-                  <a:off x="3352731" y="4434935"/>
-                  <a:ext cx="1058941" cy="967186"/>
-                </a:xfrm>
-                <a:prstGeom prst="rect">
-                  <a:avLst/>
-                </a:prstGeom>
-                <a:noFill/>
-                <a:extLst>
-                  <a:ext uri="{909E8E84-426E-40DD-AFC4-6F175D3DCCD1}">
-                    <a14:hiddenFill xmlns:a14="http://schemas.microsoft.com/office/drawing/2010/main">
-                      <a:solidFill>
-                        <a:srgbClr val="FFFFFF"/>
-                      </a:solidFill>
-                    </a14:hiddenFill>
-                  </a:ext>
-                </a:extLst>
-              </p:spPr>
-            </p:pic>
-            <p:sp>
-              <p:nvSpPr>
-                <p:cNvPr id="45" name="TextBox 44"/>
-                <p:cNvSpPr txBox="1"/>
-                <p:nvPr/>
-              </p:nvSpPr>
-              <p:spPr>
-                <a:xfrm>
-                  <a:off x="3252445" y="5348692"/>
-                  <a:ext cx="1259512" cy="369332"/>
-                </a:xfrm>
-                <a:prstGeom prst="rect">
-                  <a:avLst/>
-                </a:prstGeom>
-                <a:noFill/>
-              </p:spPr>
-              <p:txBody>
-                <a:bodyPr wrap="none" rtlCol="0">
-                  <a:spAutoFit/>
-                </a:bodyPr>
-                <a:lstStyle/>
-                <a:p>
-                  <a:pPr algn="ctr"/>
-                  <a:r>
-                    <a:rPr lang="en-US" dirty="0" smtClean="0"/>
-                    <a:t>PIR Sensors</a:t>
-                  </a:r>
-                  <a:endParaRPr lang="en-US" dirty="0" smtClean="0"/>
-                </a:p>
-              </p:txBody>
-            </p:sp>
-          </p:grpSp>
-          <p:grpSp>
-            <p:nvGrpSpPr>
-              <p:cNvPr id="29" name="Group 28"/>
-              <p:cNvGrpSpPr/>
-              <p:nvPr/>
-            </p:nvGrpSpPr>
-            <p:grpSpPr>
-              <a:xfrm>
-                <a:off x="2515308" y="4429757"/>
-                <a:ext cx="1291246" cy="1277214"/>
-                <a:chOff x="4017488" y="4000882"/>
-                <a:chExt cx="1291246" cy="1277214"/>
-              </a:xfrm>
-            </p:grpSpPr>
-            <p:pic>
-              <p:nvPicPr>
-                <p:cNvPr id="1044" name="Picture 20" descr="Image result for acoustic sensor"/>
-                <p:cNvPicPr>
-                  <a:picLocks noChangeAspect="1" noChangeArrowheads="1"/>
-                </p:cNvPicPr>
-                <p:nvPr/>
-              </p:nvPicPr>
-              <p:blipFill rotWithShape="1">
-                <a:blip r:embed="rId15" cstate="print">
-                  <a:extLst>
-                    <a:ext uri="{28A0092B-C50C-407E-A947-70E740481C1C}">
-                      <a14:useLocalDpi xmlns:a14="http://schemas.microsoft.com/office/drawing/2010/main" val="0"/>
-                    </a:ext>
-                  </a:extLst>
-                </a:blip>
-                <a:srcRect t="22768" b="21187"/>
-                <a:stretch/>
-              </p:blipFill>
-              <p:spPr bwMode="auto">
-                <a:xfrm>
-                  <a:off x="4017488" y="4000882"/>
-                  <a:ext cx="1291246" cy="723684"/>
-                </a:xfrm>
-                <a:prstGeom prst="rect">
-                  <a:avLst/>
-                </a:prstGeom>
-                <a:noFill/>
-                <a:extLst>
-                  <a:ext uri="{909E8E84-426E-40DD-AFC4-6F175D3DCCD1}">
-                    <a14:hiddenFill xmlns:a14="http://schemas.microsoft.com/office/drawing/2010/main">
-                      <a:solidFill>
-                        <a:srgbClr val="FFFFFF"/>
-                      </a:solidFill>
-                    </a14:hiddenFill>
-                  </a:ext>
-                </a:extLst>
-              </p:spPr>
-            </p:pic>
-            <p:sp>
-              <p:nvSpPr>
-                <p:cNvPr id="47" name="TextBox 46"/>
-                <p:cNvSpPr txBox="1"/>
-                <p:nvPr/>
-              </p:nvSpPr>
-              <p:spPr>
-                <a:xfrm>
-                  <a:off x="4177082" y="4631765"/>
-                  <a:ext cx="972061" cy="646331"/>
-                </a:xfrm>
-                <a:prstGeom prst="rect">
-                  <a:avLst/>
-                </a:prstGeom>
-                <a:noFill/>
-              </p:spPr>
-              <p:txBody>
-                <a:bodyPr wrap="none" rtlCol="0">
-                  <a:spAutoFit/>
-                </a:bodyPr>
-                <a:lstStyle/>
-                <a:p>
-                  <a:pPr algn="ctr"/>
-                  <a:r>
-                    <a:rPr lang="en-US" dirty="0" smtClean="0"/>
-                    <a:t>Acoustic</a:t>
-                  </a:r>
-                </a:p>
-                <a:p>
-                  <a:pPr algn="ctr"/>
-                  <a:r>
-                    <a:rPr lang="en-US" dirty="0" smtClean="0"/>
-                    <a:t>Sensors</a:t>
-                  </a:r>
-                  <a:endParaRPr lang="en-US" dirty="0" smtClean="0"/>
-                </a:p>
-              </p:txBody>
-            </p:sp>
-          </p:grpSp>
-        </p:grpSp>
-      </p:grpSp>
-    </p:spTree>
-    <p:extLst>
-      <p:ext uri="{BB962C8B-B14F-4D97-AF65-F5344CB8AC3E}">
-        <p14:creationId xmlns:p14="http://schemas.microsoft.com/office/powerpoint/2010/main" val="447631660"/>
-      </p:ext>
-    </p:extLst>
-  </p:cSld>
-  <p:clrMapOvr>
-    <a:masterClrMapping/>
-  </p:clrMapOvr>
-  <p:timing>
-    <p:tnLst>
-      <p:par>
-        <p:cTn id="1" dur="indefinite" restart="never" nodeType="tmRoot"/>
-      </p:par>
-    </p:tnLst>
-  </p:timing>
-</p:sld>
-</file>
-
-<file path=ppt/slides/slide7.xml><?xml version="1.0" encoding="utf-8"?>
 <p:sld xmlns:a="http://schemas.openxmlformats.org/drawingml/2006/main" xmlns:r="http://schemas.openxmlformats.org/officeDocument/2006/relationships" xmlns:p="http://schemas.openxmlformats.org/presentationml/2006/main">
   <p:cSld>
     <p:spTree>
@@ -10367,6 +8957,1409 @@
 </p:sld>
 </file>
 
+<file path=ppt/slides/slide7.xml><?xml version="1.0" encoding="utf-8"?>
+<p:sld xmlns:a="http://schemas.openxmlformats.org/drawingml/2006/main" xmlns:r="http://schemas.openxmlformats.org/officeDocument/2006/relationships" xmlns:p="http://schemas.openxmlformats.org/presentationml/2006/main">
+  <p:cSld>
+    <p:spTree>
+      <p:nvGrpSpPr>
+        <p:cNvPr id="1" name=""/>
+        <p:cNvGrpSpPr/>
+        <p:nvPr/>
+      </p:nvGrpSpPr>
+      <p:grpSpPr>
+        <a:xfrm>
+          <a:off x="0" y="0"/>
+          <a:ext cx="0" cy="0"/>
+          <a:chOff x="0" y="0"/>
+          <a:chExt cx="0" cy="0"/>
+        </a:xfrm>
+      </p:grpSpPr>
+      <p:pic>
+        <p:nvPicPr>
+          <p:cNvPr id="4" name="Content Placeholder 3"/>
+          <p:cNvPicPr>
+            <a:picLocks noGrp="1" noChangeAspect="1"/>
+          </p:cNvPicPr>
+          <p:nvPr>
+            <p:ph idx="1"/>
+          </p:nvPr>
+        </p:nvPicPr>
+        <p:blipFill>
+          <a:blip r:embed="rId2" cstate="print">
+            <a:extLst>
+              <a:ext uri="{28A0092B-C50C-407E-A947-70E740481C1C}">
+                <a14:useLocalDpi xmlns:a14="http://schemas.microsoft.com/office/drawing/2010/main" val="0"/>
+              </a:ext>
+            </a:extLst>
+          </a:blip>
+          <a:stretch>
+            <a:fillRect/>
+          </a:stretch>
+        </p:blipFill>
+        <p:spPr>
+          <a:xfrm>
+            <a:off x="9607398" y="6151419"/>
+            <a:ext cx="2584602" cy="706582"/>
+          </a:xfrm>
+        </p:spPr>
+      </p:pic>
+      <p:sp>
+        <p:nvSpPr>
+          <p:cNvPr id="5" name="TextBox 4"/>
+          <p:cNvSpPr txBox="1"/>
+          <p:nvPr/>
+        </p:nvSpPr>
+        <p:spPr>
+          <a:xfrm>
+            <a:off x="316465" y="86465"/>
+            <a:ext cx="8921930" cy="769441"/>
+          </a:xfrm>
+          <a:prstGeom prst="rect">
+            <a:avLst/>
+          </a:prstGeom>
+          <a:noFill/>
+        </p:spPr>
+        <p:txBody>
+          <a:bodyPr wrap="none" rtlCol="0">
+            <a:spAutoFit/>
+          </a:bodyPr>
+          <a:lstStyle/>
+          <a:p>
+            <a:r>
+              <a:rPr lang="en-US" sz="4400" dirty="0" smtClean="0">
+                <a:latin typeface="+mj-lt"/>
+              </a:rPr>
+              <a:t>Technologies Used for Implementation</a:t>
+            </a:r>
+            <a:endParaRPr lang="en-US" sz="2400" b="1" dirty="0"/>
+          </a:p>
+        </p:txBody>
+      </p:sp>
+      <p:sp>
+        <p:nvSpPr>
+          <p:cNvPr id="9" name="AutoShape 6" descr="Image result for material ui"/>
+          <p:cNvSpPr>
+            <a:spLocks noChangeAspect="1" noChangeArrowheads="1"/>
+          </p:cNvSpPr>
+          <p:nvPr/>
+        </p:nvSpPr>
+        <p:spPr bwMode="auto">
+          <a:xfrm>
+            <a:off x="155575" y="-144463"/>
+            <a:ext cx="304800" cy="304801"/>
+          </a:xfrm>
+          <a:prstGeom prst="rect">
+            <a:avLst/>
+          </a:prstGeom>
+          <a:noFill/>
+          <a:extLst>
+            <a:ext uri="{909E8E84-426E-40DD-AFC4-6F175D3DCCD1}">
+              <a14:hiddenFill xmlns:a14="http://schemas.microsoft.com/office/drawing/2010/main">
+                <a:solidFill>
+                  <a:srgbClr val="FFFFFF"/>
+                </a:solidFill>
+              </a14:hiddenFill>
+            </a:ext>
+          </a:extLst>
+        </p:spPr>
+        <p:txBody>
+          <a:bodyPr vert="horz" wrap="square" lIns="91440" tIns="45720" rIns="91440" bIns="45720" numCol="1" anchor="t" anchorCtr="0" compatLnSpc="1">
+            <a:prstTxWarp prst="textNoShape">
+              <a:avLst/>
+            </a:prstTxWarp>
+          </a:bodyPr>
+          <a:lstStyle/>
+          <a:p>
+            <a:endParaRPr lang="en-US"/>
+          </a:p>
+        </p:txBody>
+      </p:sp>
+      <p:sp>
+        <p:nvSpPr>
+          <p:cNvPr id="11" name="AutoShape 10" descr="Material-UI Logo"/>
+          <p:cNvSpPr>
+            <a:spLocks noChangeAspect="1" noChangeArrowheads="1"/>
+          </p:cNvSpPr>
+          <p:nvPr/>
+        </p:nvSpPr>
+        <p:spPr bwMode="auto">
+          <a:xfrm>
+            <a:off x="307975" y="7937"/>
+            <a:ext cx="304800" cy="304801"/>
+          </a:xfrm>
+          <a:prstGeom prst="rect">
+            <a:avLst/>
+          </a:prstGeom>
+          <a:noFill/>
+          <a:extLst>
+            <a:ext uri="{909E8E84-426E-40DD-AFC4-6F175D3DCCD1}">
+              <a14:hiddenFill xmlns:a14="http://schemas.microsoft.com/office/drawing/2010/main">
+                <a:solidFill>
+                  <a:srgbClr val="FFFFFF"/>
+                </a:solidFill>
+              </a14:hiddenFill>
+            </a:ext>
+          </a:extLst>
+        </p:spPr>
+        <p:txBody>
+          <a:bodyPr vert="horz" wrap="square" lIns="91440" tIns="45720" rIns="91440" bIns="45720" numCol="1" anchor="t" anchorCtr="0" compatLnSpc="1">
+            <a:prstTxWarp prst="textNoShape">
+              <a:avLst/>
+            </a:prstTxWarp>
+          </a:bodyPr>
+          <a:lstStyle/>
+          <a:p>
+            <a:endParaRPr lang="en-US"/>
+          </a:p>
+        </p:txBody>
+      </p:sp>
+      <p:sp>
+        <p:nvSpPr>
+          <p:cNvPr id="3" name="AutoShape 4" descr="ArduinoJson"/>
+          <p:cNvSpPr>
+            <a:spLocks noChangeAspect="1" noChangeArrowheads="1"/>
+          </p:cNvSpPr>
+          <p:nvPr/>
+        </p:nvSpPr>
+        <p:spPr bwMode="auto">
+          <a:xfrm>
+            <a:off x="460375" y="160337"/>
+            <a:ext cx="304800" cy="304801"/>
+          </a:xfrm>
+          <a:prstGeom prst="rect">
+            <a:avLst/>
+          </a:prstGeom>
+          <a:noFill/>
+          <a:extLst>
+            <a:ext uri="{909E8E84-426E-40DD-AFC4-6F175D3DCCD1}">
+              <a14:hiddenFill xmlns:a14="http://schemas.microsoft.com/office/drawing/2010/main">
+                <a:solidFill>
+                  <a:srgbClr val="FFFFFF"/>
+                </a:solidFill>
+              </a14:hiddenFill>
+            </a:ext>
+          </a:extLst>
+        </p:spPr>
+        <p:txBody>
+          <a:bodyPr vert="horz" wrap="square" lIns="91440" tIns="45720" rIns="91440" bIns="45720" numCol="1" anchor="t" anchorCtr="0" compatLnSpc="1">
+            <a:prstTxWarp prst="textNoShape">
+              <a:avLst/>
+            </a:prstTxWarp>
+          </a:bodyPr>
+          <a:lstStyle/>
+          <a:p>
+            <a:endParaRPr lang="en-US"/>
+          </a:p>
+        </p:txBody>
+      </p:sp>
+      <p:sp>
+        <p:nvSpPr>
+          <p:cNvPr id="8" name="Rounded Rectangle 7"/>
+          <p:cNvSpPr/>
+          <p:nvPr/>
+        </p:nvSpPr>
+        <p:spPr>
+          <a:xfrm>
+            <a:off x="8222391" y="980950"/>
+            <a:ext cx="3200400" cy="5162122"/>
+          </a:xfrm>
+          <a:prstGeom prst="roundRect">
+            <a:avLst>
+              <a:gd name="adj" fmla="val 8140"/>
+            </a:avLst>
+          </a:prstGeom>
+        </p:spPr>
+        <p:style>
+          <a:lnRef idx="2">
+            <a:schemeClr val="accent3"/>
+          </a:lnRef>
+          <a:fillRef idx="1">
+            <a:schemeClr val="lt1"/>
+          </a:fillRef>
+          <a:effectRef idx="0">
+            <a:schemeClr val="accent3"/>
+          </a:effectRef>
+          <a:fontRef idx="minor">
+            <a:schemeClr val="dk1"/>
+          </a:fontRef>
+        </p:style>
+        <p:txBody>
+          <a:bodyPr rtlCol="0" anchor="t"/>
+          <a:lstStyle/>
+          <a:p>
+            <a:pPr algn="ctr">
+              <a:lnSpc>
+                <a:spcPct val="150000"/>
+              </a:lnSpc>
+            </a:pPr>
+            <a:r>
+              <a:rPr lang="el-GR" b="1" dirty="0" smtClean="0"/>
+              <a:t>π</a:t>
+            </a:r>
+            <a:r>
+              <a:rPr lang="en-US" b="1" dirty="0" smtClean="0"/>
+              <a:t> Layer Web Front End</a:t>
+            </a:r>
+            <a:endParaRPr lang="en-US" dirty="0" smtClean="0"/>
+          </a:p>
+          <a:p>
+            <a:pPr marL="285750" indent="-285750">
+              <a:lnSpc>
+                <a:spcPct val="150000"/>
+              </a:lnSpc>
+              <a:buFontTx/>
+              <a:buChar char="-"/>
+            </a:pPr>
+            <a:endParaRPr lang="en-US" dirty="0" smtClean="0"/>
+          </a:p>
+          <a:p>
+            <a:pPr marL="285750" indent="-285750">
+              <a:lnSpc>
+                <a:spcPct val="150000"/>
+              </a:lnSpc>
+              <a:buFontTx/>
+              <a:buChar char="-"/>
+            </a:pPr>
+            <a:endParaRPr lang="en-US" dirty="0" smtClean="0"/>
+          </a:p>
+          <a:p>
+            <a:pPr>
+              <a:lnSpc>
+                <a:spcPct val="150000"/>
+              </a:lnSpc>
+            </a:pPr>
+            <a:endParaRPr lang="en-US" dirty="0" smtClean="0"/>
+          </a:p>
+        </p:txBody>
+      </p:sp>
+      <p:pic>
+        <p:nvPicPr>
+          <p:cNvPr id="5122" name="Picture 2" descr="Image result for facebook flux"/>
+          <p:cNvPicPr>
+            <a:picLocks noChangeAspect="1" noChangeArrowheads="1"/>
+          </p:cNvPicPr>
+          <p:nvPr/>
+        </p:nvPicPr>
+        <p:blipFill>
+          <a:blip r:embed="rId3" cstate="print">
+            <a:extLst>
+              <a:ext uri="{28A0092B-C50C-407E-A947-70E740481C1C}">
+                <a14:useLocalDpi xmlns:a14="http://schemas.microsoft.com/office/drawing/2010/main" val="0"/>
+              </a:ext>
+            </a:extLst>
+          </a:blip>
+          <a:srcRect/>
+          <a:stretch>
+            <a:fillRect/>
+          </a:stretch>
+        </p:blipFill>
+        <p:spPr bwMode="auto">
+          <a:xfrm>
+            <a:off x="8770298" y="4544209"/>
+            <a:ext cx="928575" cy="928575"/>
+          </a:xfrm>
+          <a:prstGeom prst="rect">
+            <a:avLst/>
+          </a:prstGeom>
+          <a:noFill/>
+          <a:extLst>
+            <a:ext uri="{909E8E84-426E-40DD-AFC4-6F175D3DCCD1}">
+              <a14:hiddenFill xmlns:a14="http://schemas.microsoft.com/office/drawing/2010/main">
+                <a:solidFill>
+                  <a:srgbClr val="FFFFFF"/>
+                </a:solidFill>
+              </a14:hiddenFill>
+            </a:ext>
+          </a:extLst>
+        </p:spPr>
+      </p:pic>
+      <p:pic>
+        <p:nvPicPr>
+          <p:cNvPr id="5124" name="Picture 4" descr="Image result for webpack"/>
+          <p:cNvPicPr>
+            <a:picLocks noChangeAspect="1" noChangeArrowheads="1"/>
+          </p:cNvPicPr>
+          <p:nvPr/>
+        </p:nvPicPr>
+        <p:blipFill rotWithShape="1">
+          <a:blip r:embed="rId4">
+            <a:extLst>
+              <a:ext uri="{28A0092B-C50C-407E-A947-70E740481C1C}">
+                <a14:useLocalDpi xmlns:a14="http://schemas.microsoft.com/office/drawing/2010/main" val="0"/>
+              </a:ext>
+            </a:extLst>
+          </a:blip>
+          <a:srcRect l="13219" r="13944"/>
+          <a:stretch/>
+        </p:blipFill>
+        <p:spPr bwMode="auto">
+          <a:xfrm>
+            <a:off x="9901896" y="2955325"/>
+            <a:ext cx="1307804" cy="1243396"/>
+          </a:xfrm>
+          <a:prstGeom prst="rect">
+            <a:avLst/>
+          </a:prstGeom>
+          <a:noFill/>
+          <a:extLst>
+            <a:ext uri="{909E8E84-426E-40DD-AFC4-6F175D3DCCD1}">
+              <a14:hiddenFill xmlns:a14="http://schemas.microsoft.com/office/drawing/2010/main">
+                <a:solidFill>
+                  <a:srgbClr val="FFFFFF"/>
+                </a:solidFill>
+              </a14:hiddenFill>
+            </a:ext>
+          </a:extLst>
+        </p:spPr>
+      </p:pic>
+      <p:grpSp>
+        <p:nvGrpSpPr>
+          <p:cNvPr id="15" name="Group 14"/>
+          <p:cNvGrpSpPr/>
+          <p:nvPr/>
+        </p:nvGrpSpPr>
+        <p:grpSpPr>
+          <a:xfrm>
+            <a:off x="9949496" y="4471464"/>
+            <a:ext cx="1137684" cy="1336528"/>
+            <a:chOff x="10035012" y="1501637"/>
+            <a:chExt cx="1137684" cy="1336528"/>
+          </a:xfrm>
+        </p:grpSpPr>
+        <p:pic>
+          <p:nvPicPr>
+            <p:cNvPr id="5134" name="Picture 14" descr="Image result for react"/>
+            <p:cNvPicPr>
+              <a:picLocks noChangeAspect="1" noChangeArrowheads="1"/>
+            </p:cNvPicPr>
+            <p:nvPr/>
+          </p:nvPicPr>
+          <p:blipFill rotWithShape="1">
+            <a:blip r:embed="rId5" cstate="print">
+              <a:extLst>
+                <a:ext uri="{28A0092B-C50C-407E-A947-70E740481C1C}">
+                  <a14:useLocalDpi xmlns:a14="http://schemas.microsoft.com/office/drawing/2010/main" val="0"/>
+                </a:ext>
+              </a:extLst>
+            </a:blip>
+            <a:srcRect l="19847" t="11190" r="20432" b="11013"/>
+            <a:stretch/>
+          </p:blipFill>
+          <p:spPr bwMode="auto">
+            <a:xfrm>
+              <a:off x="10035012" y="1501637"/>
+              <a:ext cx="1137684" cy="1047307"/>
+            </a:xfrm>
+            <a:prstGeom prst="rect">
+              <a:avLst/>
+            </a:prstGeom>
+            <a:noFill/>
+            <a:extLst>
+              <a:ext uri="{909E8E84-426E-40DD-AFC4-6F175D3DCCD1}">
+                <a14:hiddenFill xmlns:a14="http://schemas.microsoft.com/office/drawing/2010/main">
+                  <a:solidFill>
+                    <a:srgbClr val="FFFFFF"/>
+                  </a:solidFill>
+                </a14:hiddenFill>
+              </a:ext>
+            </a:extLst>
+          </p:spPr>
+        </p:pic>
+        <p:sp>
+          <p:nvSpPr>
+            <p:cNvPr id="14" name="TextBox 13"/>
+            <p:cNvSpPr txBox="1"/>
+            <p:nvPr/>
+          </p:nvSpPr>
+          <p:spPr>
+            <a:xfrm>
+              <a:off x="10250648" y="2468833"/>
+              <a:ext cx="706412" cy="369332"/>
+            </a:xfrm>
+            <a:prstGeom prst="rect">
+              <a:avLst/>
+            </a:prstGeom>
+            <a:noFill/>
+          </p:spPr>
+          <p:txBody>
+            <a:bodyPr wrap="none" rtlCol="0">
+              <a:spAutoFit/>
+            </a:bodyPr>
+            <a:lstStyle/>
+            <a:p>
+              <a:r>
+                <a:rPr lang="en-US" dirty="0"/>
+                <a:t>R</a:t>
+              </a:r>
+              <a:r>
+                <a:rPr lang="en-US" dirty="0" smtClean="0"/>
+                <a:t>eact</a:t>
+              </a:r>
+              <a:endParaRPr lang="en-US" dirty="0"/>
+            </a:p>
+          </p:txBody>
+        </p:sp>
+      </p:grpSp>
+      <p:grpSp>
+        <p:nvGrpSpPr>
+          <p:cNvPr id="17" name="Group 16"/>
+          <p:cNvGrpSpPr/>
+          <p:nvPr/>
+        </p:nvGrpSpPr>
+        <p:grpSpPr>
+          <a:xfrm>
+            <a:off x="8579809" y="3126021"/>
+            <a:ext cx="1252459" cy="1035694"/>
+            <a:chOff x="8837528" y="2425205"/>
+            <a:chExt cx="1252459" cy="1035694"/>
+          </a:xfrm>
+        </p:grpSpPr>
+        <p:pic>
+          <p:nvPicPr>
+            <p:cNvPr id="5132" name="Picture 12" descr="Image result for material ui"/>
+            <p:cNvPicPr>
+              <a:picLocks noChangeAspect="1" noChangeArrowheads="1"/>
+            </p:cNvPicPr>
+            <p:nvPr/>
+          </p:nvPicPr>
+          <p:blipFill rotWithShape="1">
+            <a:blip r:embed="rId6" cstate="print">
+              <a:extLst>
+                <a:ext uri="{28A0092B-C50C-407E-A947-70E740481C1C}">
+                  <a14:useLocalDpi xmlns:a14="http://schemas.microsoft.com/office/drawing/2010/main" val="0"/>
+                </a:ext>
+              </a:extLst>
+            </a:blip>
+            <a:srcRect l="17405" t="24837" r="17851" b="23814"/>
+            <a:stretch/>
+          </p:blipFill>
+          <p:spPr bwMode="auto">
+            <a:xfrm>
+              <a:off x="9022507" y="2425205"/>
+              <a:ext cx="882502" cy="699915"/>
+            </a:xfrm>
+            <a:prstGeom prst="rect">
+              <a:avLst/>
+            </a:prstGeom>
+            <a:noFill/>
+            <a:extLst>
+              <a:ext uri="{909E8E84-426E-40DD-AFC4-6F175D3DCCD1}">
+                <a14:hiddenFill xmlns:a14="http://schemas.microsoft.com/office/drawing/2010/main">
+                  <a:solidFill>
+                    <a:srgbClr val="FFFFFF"/>
+                  </a:solidFill>
+                </a14:hiddenFill>
+              </a:ext>
+            </a:extLst>
+          </p:spPr>
+        </p:pic>
+        <p:sp>
+          <p:nvSpPr>
+            <p:cNvPr id="16" name="TextBox 15"/>
+            <p:cNvSpPr txBox="1"/>
+            <p:nvPr/>
+          </p:nvSpPr>
+          <p:spPr>
+            <a:xfrm>
+              <a:off x="8837528" y="3091567"/>
+              <a:ext cx="1252459" cy="369332"/>
+            </a:xfrm>
+            <a:prstGeom prst="rect">
+              <a:avLst/>
+            </a:prstGeom>
+            <a:noFill/>
+          </p:spPr>
+          <p:txBody>
+            <a:bodyPr wrap="none" rtlCol="0">
+              <a:spAutoFit/>
+            </a:bodyPr>
+            <a:lstStyle/>
+            <a:p>
+              <a:r>
+                <a:rPr lang="en-US" dirty="0" smtClean="0"/>
+                <a:t>Material-UI</a:t>
+              </a:r>
+              <a:endParaRPr lang="en-US" dirty="0"/>
+            </a:p>
+          </p:txBody>
+        </p:sp>
+      </p:grpSp>
+      <p:grpSp>
+        <p:nvGrpSpPr>
+          <p:cNvPr id="35" name="Group 34"/>
+          <p:cNvGrpSpPr/>
+          <p:nvPr/>
+        </p:nvGrpSpPr>
+        <p:grpSpPr>
+          <a:xfrm>
+            <a:off x="4511751" y="980950"/>
+            <a:ext cx="3200400" cy="5162122"/>
+            <a:chOff x="4376818" y="853210"/>
+            <a:chExt cx="3200400" cy="5162122"/>
+          </a:xfrm>
+        </p:grpSpPr>
+        <p:sp>
+          <p:nvSpPr>
+            <p:cNvPr id="7" name="Rounded Rectangle 6"/>
+            <p:cNvSpPr/>
+            <p:nvPr/>
+          </p:nvSpPr>
+          <p:spPr>
+            <a:xfrm>
+              <a:off x="4376818" y="853210"/>
+              <a:ext cx="3200400" cy="5162122"/>
+            </a:xfrm>
+            <a:prstGeom prst="roundRect">
+              <a:avLst>
+                <a:gd name="adj" fmla="val 8140"/>
+              </a:avLst>
+            </a:prstGeom>
+          </p:spPr>
+          <p:style>
+            <a:lnRef idx="2">
+              <a:schemeClr val="accent3"/>
+            </a:lnRef>
+            <a:fillRef idx="1">
+              <a:schemeClr val="lt1"/>
+            </a:fillRef>
+            <a:effectRef idx="0">
+              <a:schemeClr val="accent3"/>
+            </a:effectRef>
+            <a:fontRef idx="minor">
+              <a:schemeClr val="dk1"/>
+            </a:fontRef>
+          </p:style>
+          <p:txBody>
+            <a:bodyPr rtlCol="0" anchor="t"/>
+            <a:lstStyle/>
+            <a:p>
+              <a:pPr algn="ctr">
+                <a:lnSpc>
+                  <a:spcPct val="150000"/>
+                </a:lnSpc>
+              </a:pPr>
+              <a:r>
+                <a:rPr lang="el-GR" b="1" dirty="0" smtClean="0"/>
+                <a:t>π</a:t>
+              </a:r>
+              <a:r>
+                <a:rPr lang="en-US" b="1" dirty="0" smtClean="0"/>
+                <a:t>-Layer Intercommunication</a:t>
+              </a:r>
+            </a:p>
+          </p:txBody>
+        </p:sp>
+        <p:pic>
+          <p:nvPicPr>
+            <p:cNvPr id="5138" name="Picture 18" descr="Image result for pyserial"/>
+            <p:cNvPicPr>
+              <a:picLocks noChangeAspect="1" noChangeArrowheads="1"/>
+            </p:cNvPicPr>
+            <p:nvPr/>
+          </p:nvPicPr>
+          <p:blipFill>
+            <a:blip r:embed="rId7">
+              <a:extLst>
+                <a:ext uri="{28A0092B-C50C-407E-A947-70E740481C1C}">
+                  <a14:useLocalDpi xmlns:a14="http://schemas.microsoft.com/office/drawing/2010/main" val="0"/>
+                </a:ext>
+              </a:extLst>
+            </a:blip>
+            <a:srcRect/>
+            <a:stretch>
+              <a:fillRect/>
+            </a:stretch>
+          </p:blipFill>
+          <p:spPr bwMode="auto">
+            <a:xfrm>
+              <a:off x="5208026" y="3794147"/>
+              <a:ext cx="1537985" cy="836187"/>
+            </a:xfrm>
+            <a:prstGeom prst="rect">
+              <a:avLst/>
+            </a:prstGeom>
+            <a:noFill/>
+            <a:extLst>
+              <a:ext uri="{909E8E84-426E-40DD-AFC4-6F175D3DCCD1}">
+                <a14:hiddenFill xmlns:a14="http://schemas.microsoft.com/office/drawing/2010/main">
+                  <a:solidFill>
+                    <a:srgbClr val="FFFFFF"/>
+                  </a:solidFill>
+                </a14:hiddenFill>
+              </a:ext>
+            </a:extLst>
+          </p:spPr>
+        </p:pic>
+        <p:pic>
+          <p:nvPicPr>
+            <p:cNvPr id="18" name="Picture 12" descr="http://zeromq.wdfiles.com/local--files/admin:css/logo.gif"/>
+            <p:cNvPicPr>
+              <a:picLocks noChangeAspect="1" noChangeArrowheads="1"/>
+            </p:cNvPicPr>
+            <p:nvPr/>
+          </p:nvPicPr>
+          <p:blipFill>
+            <a:blip r:embed="rId8" cstate="print">
+              <a:extLst>
+                <a:ext uri="{28A0092B-C50C-407E-A947-70E740481C1C}">
+                  <a14:useLocalDpi xmlns:a14="http://schemas.microsoft.com/office/drawing/2010/main" val="0"/>
+                </a:ext>
+              </a:extLst>
+            </a:blip>
+            <a:srcRect/>
+            <a:stretch>
+              <a:fillRect/>
+            </a:stretch>
+          </p:blipFill>
+          <p:spPr bwMode="auto">
+            <a:xfrm>
+              <a:off x="5206994" y="4999666"/>
+              <a:ext cx="1540049" cy="481014"/>
+            </a:xfrm>
+            <a:prstGeom prst="rect">
+              <a:avLst/>
+            </a:prstGeom>
+            <a:noFill/>
+            <a:extLst>
+              <a:ext uri="{909E8E84-426E-40DD-AFC4-6F175D3DCCD1}">
+                <a14:hiddenFill xmlns:a14="http://schemas.microsoft.com/office/drawing/2010/main">
+                  <a:solidFill>
+                    <a:srgbClr val="FFFFFF"/>
+                  </a:solidFill>
+                </a14:hiddenFill>
+              </a:ext>
+            </a:extLst>
+          </p:spPr>
+        </p:pic>
+        <p:grpSp>
+          <p:nvGrpSpPr>
+            <p:cNvPr id="32" name="Group 31"/>
+            <p:cNvGrpSpPr/>
+            <p:nvPr/>
+          </p:nvGrpSpPr>
+          <p:grpSpPr>
+            <a:xfrm>
+              <a:off x="4599284" y="1565571"/>
+              <a:ext cx="1197059" cy="1191804"/>
+              <a:chOff x="6686024" y="3049663"/>
+              <a:chExt cx="1197059" cy="1191804"/>
+            </a:xfrm>
+          </p:grpSpPr>
+          <p:pic>
+            <p:nvPicPr>
+              <p:cNvPr id="33" name="Picture 24" descr="Image result for python language"/>
+              <p:cNvPicPr>
+                <a:picLocks noChangeAspect="1" noChangeArrowheads="1"/>
+              </p:cNvPicPr>
+              <p:nvPr/>
+            </p:nvPicPr>
+            <p:blipFill rotWithShape="1">
+              <a:blip r:embed="rId9">
+                <a:extLst>
+                  <a:ext uri="{28A0092B-C50C-407E-A947-70E740481C1C}">
+                    <a14:useLocalDpi xmlns:a14="http://schemas.microsoft.com/office/drawing/2010/main" val="0"/>
+                  </a:ext>
+                </a:extLst>
+              </a:blip>
+              <a:srcRect l="13388" t="11212" r="13496" b="13439"/>
+              <a:stretch/>
+            </p:blipFill>
+            <p:spPr bwMode="auto">
+              <a:xfrm>
+                <a:off x="6885502" y="3049663"/>
+                <a:ext cx="798102" cy="822472"/>
+              </a:xfrm>
+              <a:prstGeom prst="rect">
+                <a:avLst/>
+              </a:prstGeom>
+              <a:noFill/>
+              <a:extLst>
+                <a:ext uri="{909E8E84-426E-40DD-AFC4-6F175D3DCCD1}">
+                  <a14:hiddenFill xmlns:a14="http://schemas.microsoft.com/office/drawing/2010/main">
+                    <a:solidFill>
+                      <a:srgbClr val="FFFFFF"/>
+                    </a:solidFill>
+                  </a14:hiddenFill>
+                </a:ext>
+              </a:extLst>
+            </p:spPr>
+          </p:pic>
+          <p:sp>
+            <p:nvSpPr>
+              <p:cNvPr id="34" name="TextBox 33"/>
+              <p:cNvSpPr txBox="1"/>
+              <p:nvPr/>
+            </p:nvSpPr>
+            <p:spPr>
+              <a:xfrm>
+                <a:off x="6686024" y="3872135"/>
+                <a:ext cx="1197059" cy="369332"/>
+              </a:xfrm>
+              <a:prstGeom prst="rect">
+                <a:avLst/>
+              </a:prstGeom>
+              <a:noFill/>
+            </p:spPr>
+            <p:txBody>
+              <a:bodyPr wrap="none" rtlCol="0">
+                <a:spAutoFit/>
+              </a:bodyPr>
+              <a:lstStyle/>
+              <a:p>
+                <a:pPr algn="ctr"/>
+                <a:r>
+                  <a:rPr lang="en-US" dirty="0" smtClean="0"/>
+                  <a:t>Python 3.7</a:t>
+                </a:r>
+              </a:p>
+            </p:txBody>
+          </p:sp>
+        </p:grpSp>
+        <p:sp>
+          <p:nvSpPr>
+            <p:cNvPr id="22" name="TextBox 21"/>
+            <p:cNvSpPr txBox="1"/>
+            <p:nvPr/>
+          </p:nvSpPr>
+          <p:spPr>
+            <a:xfrm>
+              <a:off x="5127266" y="2911157"/>
+              <a:ext cx="1699504" cy="523220"/>
+            </a:xfrm>
+            <a:prstGeom prst="rect">
+              <a:avLst/>
+            </a:prstGeom>
+            <a:noFill/>
+          </p:spPr>
+          <p:txBody>
+            <a:bodyPr wrap="none" rtlCol="0">
+              <a:spAutoFit/>
+            </a:bodyPr>
+            <a:lstStyle/>
+            <a:p>
+              <a:pPr algn="ctr"/>
+              <a:r>
+                <a:rPr lang="en-US" sz="2800" dirty="0" err="1" smtClean="0">
+                  <a:latin typeface="Lucida Console" panose="020B0609040504020204" pitchFamily="49" charset="0"/>
+                </a:rPr>
+                <a:t>asyncio</a:t>
+              </a:r>
+              <a:endParaRPr lang="en-US" sz="2800" dirty="0">
+                <a:latin typeface="Lucida Console" panose="020B0609040504020204" pitchFamily="49" charset="0"/>
+              </a:endParaRPr>
+            </a:p>
+          </p:txBody>
+        </p:sp>
+      </p:grpSp>
+      <p:grpSp>
+        <p:nvGrpSpPr>
+          <p:cNvPr id="31" name="Group 30"/>
+          <p:cNvGrpSpPr/>
+          <p:nvPr/>
+        </p:nvGrpSpPr>
+        <p:grpSpPr>
+          <a:xfrm>
+            <a:off x="769210" y="980950"/>
+            <a:ext cx="3200400" cy="5162122"/>
+            <a:chOff x="753768" y="853210"/>
+            <a:chExt cx="3171014" cy="5162122"/>
+          </a:xfrm>
+        </p:grpSpPr>
+        <p:sp>
+          <p:nvSpPr>
+            <p:cNvPr id="6" name="Rounded Rectangle 5"/>
+            <p:cNvSpPr/>
+            <p:nvPr/>
+          </p:nvSpPr>
+          <p:spPr>
+            <a:xfrm>
+              <a:off x="753768" y="853210"/>
+              <a:ext cx="3171014" cy="5162122"/>
+            </a:xfrm>
+            <a:prstGeom prst="roundRect">
+              <a:avLst>
+                <a:gd name="adj" fmla="val 8140"/>
+              </a:avLst>
+            </a:prstGeom>
+          </p:spPr>
+          <p:style>
+            <a:lnRef idx="2">
+              <a:schemeClr val="accent3"/>
+            </a:lnRef>
+            <a:fillRef idx="1">
+              <a:schemeClr val="lt1"/>
+            </a:fillRef>
+            <a:effectRef idx="0">
+              <a:schemeClr val="accent3"/>
+            </a:effectRef>
+            <a:fontRef idx="minor">
+              <a:schemeClr val="dk1"/>
+            </a:fontRef>
+          </p:style>
+          <p:txBody>
+            <a:bodyPr rtlCol="0" anchor="t"/>
+            <a:lstStyle/>
+            <a:p>
+              <a:pPr algn="ctr">
+                <a:lnSpc>
+                  <a:spcPct val="150000"/>
+                </a:lnSpc>
+              </a:pPr>
+              <a:r>
+                <a:rPr lang="en-US" b="1" dirty="0" smtClean="0"/>
+                <a:t>A-Layer Sensor Nodes</a:t>
+              </a:r>
+              <a:endParaRPr lang="en-US" b="1" dirty="0"/>
+            </a:p>
+          </p:txBody>
+        </p:sp>
+        <p:grpSp>
+          <p:nvGrpSpPr>
+            <p:cNvPr id="2" name="Group 1"/>
+            <p:cNvGrpSpPr/>
+            <p:nvPr/>
+          </p:nvGrpSpPr>
+          <p:grpSpPr>
+            <a:xfrm>
+              <a:off x="936665" y="1565571"/>
+              <a:ext cx="1491177" cy="884209"/>
+              <a:chOff x="2047564" y="2770947"/>
+              <a:chExt cx="1491177" cy="884209"/>
+            </a:xfrm>
+          </p:grpSpPr>
+          <p:pic>
+            <p:nvPicPr>
+              <p:cNvPr id="1026" name="Picture 2" descr="Image result for arduino logo"/>
+              <p:cNvPicPr>
+                <a:picLocks noChangeAspect="1" noChangeArrowheads="1"/>
+              </p:cNvPicPr>
+              <p:nvPr/>
+            </p:nvPicPr>
+            <p:blipFill rotWithShape="1">
+              <a:blip r:embed="rId10" cstate="print">
+                <a:extLst>
+                  <a:ext uri="{28A0092B-C50C-407E-A947-70E740481C1C}">
+                    <a14:useLocalDpi xmlns:a14="http://schemas.microsoft.com/office/drawing/2010/main" val="0"/>
+                  </a:ext>
+                </a:extLst>
+              </a:blip>
+              <a:srcRect b="28506"/>
+              <a:stretch/>
+            </p:blipFill>
+            <p:spPr bwMode="auto">
+              <a:xfrm>
+                <a:off x="2193222" y="2770947"/>
+                <a:ext cx="1195650" cy="581699"/>
+              </a:xfrm>
+              <a:prstGeom prst="rect">
+                <a:avLst/>
+              </a:prstGeom>
+              <a:noFill/>
+              <a:extLst>
+                <a:ext uri="{909E8E84-426E-40DD-AFC4-6F175D3DCCD1}">
+                  <a14:hiddenFill xmlns:a14="http://schemas.microsoft.com/office/drawing/2010/main">
+                    <a:solidFill>
+                      <a:srgbClr val="FFFFFF"/>
+                    </a:solidFill>
+                  </a14:hiddenFill>
+                </a:ext>
+              </a:extLst>
+            </p:spPr>
+          </p:pic>
+          <p:sp>
+            <p:nvSpPr>
+              <p:cNvPr id="30" name="TextBox 29"/>
+              <p:cNvSpPr txBox="1"/>
+              <p:nvPr/>
+            </p:nvSpPr>
+            <p:spPr>
+              <a:xfrm>
+                <a:off x="2047564" y="3285824"/>
+                <a:ext cx="1491177" cy="369332"/>
+              </a:xfrm>
+              <a:prstGeom prst="rect">
+                <a:avLst/>
+              </a:prstGeom>
+              <a:noFill/>
+            </p:spPr>
+            <p:txBody>
+              <a:bodyPr wrap="none" rtlCol="0">
+                <a:spAutoFit/>
+              </a:bodyPr>
+              <a:lstStyle/>
+              <a:p>
+                <a:pPr algn="ctr"/>
+                <a:r>
+                  <a:rPr lang="en-US" dirty="0" smtClean="0"/>
+                  <a:t>Arduino Nano</a:t>
+                </a:r>
+              </a:p>
+            </p:txBody>
+          </p:sp>
+        </p:grpSp>
+        <p:pic>
+          <p:nvPicPr>
+            <p:cNvPr id="10" name="Picture 9"/>
+            <p:cNvPicPr>
+              <a:picLocks noChangeAspect="1"/>
+            </p:cNvPicPr>
+            <p:nvPr/>
+          </p:nvPicPr>
+          <p:blipFill>
+            <a:blip r:embed="rId11"/>
+            <a:stretch>
+              <a:fillRect/>
+            </a:stretch>
+          </p:blipFill>
+          <p:spPr>
+            <a:xfrm>
+              <a:off x="2601998" y="1554569"/>
+              <a:ext cx="1143588" cy="867921"/>
+            </a:xfrm>
+            <a:prstGeom prst="rect">
+              <a:avLst/>
+            </a:prstGeom>
+          </p:spPr>
+        </p:pic>
+        <p:grpSp>
+          <p:nvGrpSpPr>
+            <p:cNvPr id="26" name="Group 25"/>
+            <p:cNvGrpSpPr/>
+            <p:nvPr/>
+          </p:nvGrpSpPr>
+          <p:grpSpPr>
+            <a:xfrm>
+              <a:off x="1807227" y="2745945"/>
+              <a:ext cx="1041641" cy="1264322"/>
+              <a:chOff x="1259702" y="4433522"/>
+              <a:chExt cx="1041641" cy="1264322"/>
+            </a:xfrm>
+          </p:grpSpPr>
+          <p:pic>
+            <p:nvPicPr>
+              <p:cNvPr id="25" name="Picture 24"/>
+              <p:cNvPicPr>
+                <a:picLocks noChangeAspect="1"/>
+              </p:cNvPicPr>
+              <p:nvPr/>
+            </p:nvPicPr>
+            <p:blipFill>
+              <a:blip r:embed="rId12"/>
+              <a:stretch>
+                <a:fillRect/>
+              </a:stretch>
+            </p:blipFill>
+            <p:spPr>
+              <a:xfrm>
+                <a:off x="1259702" y="4433522"/>
+                <a:ext cx="1041641" cy="914390"/>
+              </a:xfrm>
+              <a:prstGeom prst="rect">
+                <a:avLst/>
+              </a:prstGeom>
+            </p:spPr>
+          </p:pic>
+          <p:sp>
+            <p:nvSpPr>
+              <p:cNvPr id="40" name="TextBox 39"/>
+              <p:cNvSpPr txBox="1"/>
+              <p:nvPr/>
+            </p:nvSpPr>
+            <p:spPr>
+              <a:xfrm>
+                <a:off x="1394839" y="5328512"/>
+                <a:ext cx="771366" cy="369332"/>
+              </a:xfrm>
+              <a:prstGeom prst="rect">
+                <a:avLst/>
+              </a:prstGeom>
+              <a:noFill/>
+            </p:spPr>
+            <p:txBody>
+              <a:bodyPr wrap="none" rtlCol="0">
+                <a:spAutoFit/>
+              </a:bodyPr>
+              <a:lstStyle/>
+              <a:p>
+                <a:pPr algn="ctr"/>
+                <a:r>
+                  <a:rPr lang="en-US" dirty="0" smtClean="0"/>
+                  <a:t>nRF24</a:t>
+                </a:r>
+              </a:p>
+            </p:txBody>
+          </p:sp>
+        </p:grpSp>
+        <p:grpSp>
+          <p:nvGrpSpPr>
+            <p:cNvPr id="27" name="Group 26"/>
+            <p:cNvGrpSpPr/>
+            <p:nvPr/>
+          </p:nvGrpSpPr>
+          <p:grpSpPr>
+            <a:xfrm>
+              <a:off x="936665" y="4361646"/>
+              <a:ext cx="1259512" cy="1283089"/>
+              <a:chOff x="3252445" y="4434935"/>
+              <a:chExt cx="1259512" cy="1283089"/>
+            </a:xfrm>
+          </p:grpSpPr>
+          <p:pic>
+            <p:nvPicPr>
+              <p:cNvPr id="1042" name="Picture 18" descr="Image result for pir sensor"/>
+              <p:cNvPicPr>
+                <a:picLocks noChangeAspect="1" noChangeArrowheads="1"/>
+              </p:cNvPicPr>
+              <p:nvPr/>
+            </p:nvPicPr>
+            <p:blipFill>
+              <a:blip r:embed="rId13" cstate="print">
+                <a:extLst>
+                  <a:ext uri="{28A0092B-C50C-407E-A947-70E740481C1C}">
+                    <a14:useLocalDpi xmlns:a14="http://schemas.microsoft.com/office/drawing/2010/main" val="0"/>
+                  </a:ext>
+                </a:extLst>
+              </a:blip>
+              <a:srcRect/>
+              <a:stretch>
+                <a:fillRect/>
+              </a:stretch>
+            </p:blipFill>
+            <p:spPr bwMode="auto">
+              <a:xfrm>
+                <a:off x="3352731" y="4434935"/>
+                <a:ext cx="1058941" cy="967186"/>
+              </a:xfrm>
+              <a:prstGeom prst="rect">
+                <a:avLst/>
+              </a:prstGeom>
+              <a:noFill/>
+              <a:extLst>
+                <a:ext uri="{909E8E84-426E-40DD-AFC4-6F175D3DCCD1}">
+                  <a14:hiddenFill xmlns:a14="http://schemas.microsoft.com/office/drawing/2010/main">
+                    <a:solidFill>
+                      <a:srgbClr val="FFFFFF"/>
+                    </a:solidFill>
+                  </a14:hiddenFill>
+                </a:ext>
+              </a:extLst>
+            </p:spPr>
+          </p:pic>
+          <p:sp>
+            <p:nvSpPr>
+              <p:cNvPr id="45" name="TextBox 44"/>
+              <p:cNvSpPr txBox="1"/>
+              <p:nvPr/>
+            </p:nvSpPr>
+            <p:spPr>
+              <a:xfrm>
+                <a:off x="3252445" y="5348692"/>
+                <a:ext cx="1259512" cy="369332"/>
+              </a:xfrm>
+              <a:prstGeom prst="rect">
+                <a:avLst/>
+              </a:prstGeom>
+              <a:noFill/>
+            </p:spPr>
+            <p:txBody>
+              <a:bodyPr wrap="none" rtlCol="0">
+                <a:spAutoFit/>
+              </a:bodyPr>
+              <a:lstStyle/>
+              <a:p>
+                <a:pPr algn="ctr"/>
+                <a:r>
+                  <a:rPr lang="en-US" dirty="0" smtClean="0"/>
+                  <a:t>PIR Sensors</a:t>
+                </a:r>
+              </a:p>
+            </p:txBody>
+          </p:sp>
+        </p:grpSp>
+        <p:grpSp>
+          <p:nvGrpSpPr>
+            <p:cNvPr id="29" name="Group 28"/>
+            <p:cNvGrpSpPr/>
+            <p:nvPr/>
+          </p:nvGrpSpPr>
+          <p:grpSpPr>
+            <a:xfrm>
+              <a:off x="2515308" y="4429757"/>
+              <a:ext cx="1291246" cy="1277214"/>
+              <a:chOff x="4017488" y="4000882"/>
+              <a:chExt cx="1291246" cy="1277214"/>
+            </a:xfrm>
+          </p:grpSpPr>
+          <p:pic>
+            <p:nvPicPr>
+              <p:cNvPr id="1044" name="Picture 20" descr="Image result for acoustic sensor"/>
+              <p:cNvPicPr>
+                <a:picLocks noChangeAspect="1" noChangeArrowheads="1"/>
+              </p:cNvPicPr>
+              <p:nvPr/>
+            </p:nvPicPr>
+            <p:blipFill rotWithShape="1">
+              <a:blip r:embed="rId14" cstate="print">
+                <a:extLst>
+                  <a:ext uri="{28A0092B-C50C-407E-A947-70E740481C1C}">
+                    <a14:useLocalDpi xmlns:a14="http://schemas.microsoft.com/office/drawing/2010/main" val="0"/>
+                  </a:ext>
+                </a:extLst>
+              </a:blip>
+              <a:srcRect t="22768" b="21187"/>
+              <a:stretch/>
+            </p:blipFill>
+            <p:spPr bwMode="auto">
+              <a:xfrm>
+                <a:off x="4017488" y="4000882"/>
+                <a:ext cx="1291246" cy="723684"/>
+              </a:xfrm>
+              <a:prstGeom prst="rect">
+                <a:avLst/>
+              </a:prstGeom>
+              <a:noFill/>
+              <a:extLst>
+                <a:ext uri="{909E8E84-426E-40DD-AFC4-6F175D3DCCD1}">
+                  <a14:hiddenFill xmlns:a14="http://schemas.microsoft.com/office/drawing/2010/main">
+                    <a:solidFill>
+                      <a:srgbClr val="FFFFFF"/>
+                    </a:solidFill>
+                  </a14:hiddenFill>
+                </a:ext>
+              </a:extLst>
+            </p:spPr>
+          </p:pic>
+          <p:sp>
+            <p:nvSpPr>
+              <p:cNvPr id="47" name="TextBox 46"/>
+              <p:cNvSpPr txBox="1"/>
+              <p:nvPr/>
+            </p:nvSpPr>
+            <p:spPr>
+              <a:xfrm>
+                <a:off x="4177082" y="4631765"/>
+                <a:ext cx="972061" cy="646331"/>
+              </a:xfrm>
+              <a:prstGeom prst="rect">
+                <a:avLst/>
+              </a:prstGeom>
+              <a:noFill/>
+            </p:spPr>
+            <p:txBody>
+              <a:bodyPr wrap="none" rtlCol="0">
+                <a:spAutoFit/>
+              </a:bodyPr>
+              <a:lstStyle/>
+              <a:p>
+                <a:pPr algn="ctr"/>
+                <a:r>
+                  <a:rPr lang="en-US" dirty="0" smtClean="0"/>
+                  <a:t>Acoustic</a:t>
+                </a:r>
+              </a:p>
+              <a:p>
+                <a:pPr algn="ctr"/>
+                <a:r>
+                  <a:rPr lang="en-US" dirty="0" smtClean="0"/>
+                  <a:t>Sensors</a:t>
+                </a:r>
+              </a:p>
+            </p:txBody>
+          </p:sp>
+        </p:grpSp>
+      </p:grpSp>
+      <p:grpSp>
+        <p:nvGrpSpPr>
+          <p:cNvPr id="13" name="Group 12"/>
+          <p:cNvGrpSpPr/>
+          <p:nvPr/>
+        </p:nvGrpSpPr>
+        <p:grpSpPr>
+          <a:xfrm>
+            <a:off x="6452621" y="1552239"/>
+            <a:ext cx="1018164" cy="1311898"/>
+            <a:chOff x="8701366" y="1440469"/>
+            <a:chExt cx="1018164" cy="1311898"/>
+          </a:xfrm>
+        </p:grpSpPr>
+        <p:pic>
+          <p:nvPicPr>
+            <p:cNvPr id="5136" name="Picture 16" descr="Image result for aiohttp"/>
+            <p:cNvPicPr>
+              <a:picLocks noChangeAspect="1" noChangeArrowheads="1"/>
+            </p:cNvPicPr>
+            <p:nvPr/>
+          </p:nvPicPr>
+          <p:blipFill>
+            <a:blip r:embed="rId15">
+              <a:extLst>
+                <a:ext uri="{28A0092B-C50C-407E-A947-70E740481C1C}">
+                  <a14:useLocalDpi xmlns:a14="http://schemas.microsoft.com/office/drawing/2010/main" val="0"/>
+                </a:ext>
+              </a:extLst>
+            </a:blip>
+            <a:srcRect/>
+            <a:stretch>
+              <a:fillRect/>
+            </a:stretch>
+          </p:blipFill>
+          <p:spPr bwMode="auto">
+            <a:xfrm>
+              <a:off x="8739725" y="1440469"/>
+              <a:ext cx="906213" cy="906214"/>
+            </a:xfrm>
+            <a:prstGeom prst="rect">
+              <a:avLst/>
+            </a:prstGeom>
+            <a:noFill/>
+            <a:extLst>
+              <a:ext uri="{909E8E84-426E-40DD-AFC4-6F175D3DCCD1}">
+                <a14:hiddenFill xmlns:a14="http://schemas.microsoft.com/office/drawing/2010/main">
+                  <a:solidFill>
+                    <a:srgbClr val="FFFFFF"/>
+                  </a:solidFill>
+                </a14:hiddenFill>
+              </a:ext>
+            </a:extLst>
+          </p:spPr>
+        </p:pic>
+        <p:sp>
+          <p:nvSpPr>
+            <p:cNvPr id="12" name="TextBox 11"/>
+            <p:cNvSpPr txBox="1"/>
+            <p:nvPr/>
+          </p:nvSpPr>
+          <p:spPr>
+            <a:xfrm>
+              <a:off x="8701366" y="2383035"/>
+              <a:ext cx="1018164" cy="369332"/>
+            </a:xfrm>
+            <a:prstGeom prst="rect">
+              <a:avLst/>
+            </a:prstGeom>
+            <a:noFill/>
+          </p:spPr>
+          <p:txBody>
+            <a:bodyPr wrap="none" rtlCol="0">
+              <a:spAutoFit/>
+            </a:bodyPr>
+            <a:lstStyle/>
+            <a:p>
+              <a:r>
+                <a:rPr lang="en-US" dirty="0" smtClean="0"/>
+                <a:t>AIOHTTP</a:t>
+              </a:r>
+              <a:endParaRPr lang="en-US" dirty="0"/>
+            </a:p>
+          </p:txBody>
+        </p:sp>
+      </p:grpSp>
+      <p:grpSp>
+        <p:nvGrpSpPr>
+          <p:cNvPr id="23" name="Group 22"/>
+          <p:cNvGrpSpPr/>
+          <p:nvPr/>
+        </p:nvGrpSpPr>
+        <p:grpSpPr>
+          <a:xfrm>
+            <a:off x="9450014" y="1598366"/>
+            <a:ext cx="945235" cy="1293038"/>
+            <a:chOff x="9476878" y="1582036"/>
+            <a:chExt cx="945235" cy="1293038"/>
+          </a:xfrm>
+        </p:grpSpPr>
+        <p:pic>
+          <p:nvPicPr>
+            <p:cNvPr id="21" name="Picture 2" descr="Image result for node"/>
+            <p:cNvPicPr>
+              <a:picLocks noChangeAspect="1" noChangeArrowheads="1"/>
+            </p:cNvPicPr>
+            <p:nvPr/>
+          </p:nvPicPr>
+          <p:blipFill>
+            <a:blip r:embed="rId16" cstate="print">
+              <a:extLst>
+                <a:ext uri="{28A0092B-C50C-407E-A947-70E740481C1C}">
+                  <a14:useLocalDpi xmlns:a14="http://schemas.microsoft.com/office/drawing/2010/main" val="0"/>
+                </a:ext>
+              </a:extLst>
+            </a:blip>
+            <a:srcRect/>
+            <a:stretch>
+              <a:fillRect/>
+            </a:stretch>
+          </p:blipFill>
+          <p:spPr bwMode="auto">
+            <a:xfrm>
+              <a:off x="9476878" y="1582036"/>
+              <a:ext cx="945235" cy="945235"/>
+            </a:xfrm>
+            <a:prstGeom prst="rect">
+              <a:avLst/>
+            </a:prstGeom>
+            <a:noFill/>
+            <a:extLst>
+              <a:ext uri="{909E8E84-426E-40DD-AFC4-6F175D3DCCD1}">
+                <a14:hiddenFill xmlns:a14="http://schemas.microsoft.com/office/drawing/2010/main">
+                  <a:solidFill>
+                    <a:srgbClr val="FFFFFF"/>
+                  </a:solidFill>
+                </a14:hiddenFill>
+              </a:ext>
+            </a:extLst>
+          </p:spPr>
+        </p:pic>
+        <p:sp>
+          <p:nvSpPr>
+            <p:cNvPr id="48" name="TextBox 47"/>
+            <p:cNvSpPr txBox="1"/>
+            <p:nvPr/>
+          </p:nvSpPr>
+          <p:spPr>
+            <a:xfrm>
+              <a:off x="9502096" y="2505742"/>
+              <a:ext cx="894797" cy="369332"/>
+            </a:xfrm>
+            <a:prstGeom prst="rect">
+              <a:avLst/>
+            </a:prstGeom>
+            <a:noFill/>
+          </p:spPr>
+          <p:txBody>
+            <a:bodyPr wrap="none" rtlCol="0">
+              <a:spAutoFit/>
+            </a:bodyPr>
+            <a:lstStyle/>
+            <a:p>
+              <a:r>
+                <a:rPr lang="en-US" dirty="0" smtClean="0"/>
+                <a:t>Node.js</a:t>
+              </a:r>
+              <a:endParaRPr lang="en-US" dirty="0"/>
+            </a:p>
+          </p:txBody>
+        </p:sp>
+      </p:grpSp>
+    </p:spTree>
+    <p:extLst>
+      <p:ext uri="{BB962C8B-B14F-4D97-AF65-F5344CB8AC3E}">
+        <p14:creationId xmlns:p14="http://schemas.microsoft.com/office/powerpoint/2010/main" val="447631660"/>
+      </p:ext>
+    </p:extLst>
+  </p:cSld>
+  <p:clrMapOvr>
+    <a:masterClrMapping/>
+  </p:clrMapOvr>
+  <p:timing>
+    <p:tnLst>
+      <p:par>
+        <p:cTn id="1" dur="indefinite" restart="never" nodeType="tmRoot"/>
+      </p:par>
+    </p:tnLst>
+  </p:timing>
+</p:sld>
+</file>
+
 <file path=ppt/theme/theme1.xml><?xml version="1.0" encoding="utf-8"?>
 <a:theme xmlns:a="http://schemas.openxmlformats.org/drawingml/2006/main" name="Office Theme">
   <a:themeElements>
